--- a/TAF 092019/Cancelación.pptx
+++ b/TAF 092019/Cancelación.pptx
@@ -14,14 +14,14 @@
     <p:sldId id="262" r:id="rId8"/>
     <p:sldId id="263" r:id="rId9"/>
     <p:sldId id="264" r:id="rId10"/>
-    <p:sldId id="265" r:id="rId11"/>
+    <p:sldId id="283" r:id="rId11"/>
     <p:sldId id="266" r:id="rId12"/>
     <p:sldId id="267" r:id="rId13"/>
     <p:sldId id="268" r:id="rId14"/>
     <p:sldId id="269" r:id="rId15"/>
     <p:sldId id="270" r:id="rId16"/>
     <p:sldId id="271" r:id="rId17"/>
-    <p:sldId id="272" r:id="rId18"/>
+    <p:sldId id="282" r:id="rId18"/>
     <p:sldId id="273" r:id="rId19"/>
     <p:sldId id="274" r:id="rId20"/>
     <p:sldId id="275" r:id="rId21"/>
@@ -140,7 +140,7 @@
             <p14:sldId id="259"/>
           </p14:sldIdLst>
         </p14:section>
-        <p14:section name="Atender prevencion" id="{42DCCD8B-93D9-4FBB-8FC7-08C2614F42C4}">
+        <p14:section name="Atender inicio de cancelacion" id="{42DCCD8B-93D9-4FBB-8FC7-08C2614F42C4}">
           <p14:sldIdLst>
             <p14:sldId id="260"/>
             <p14:sldId id="261"/>
@@ -151,14 +151,14 @@
         <p14:section name="Seguimiento prevencion" id="{6D60DB2D-9530-4A27-8B87-EFB2CBF62F18}">
           <p14:sldIdLst>
             <p14:sldId id="264"/>
-            <p14:sldId id="265"/>
+            <p14:sldId id="283"/>
             <p14:sldId id="266"/>
             <p14:sldId id="267"/>
             <p14:sldId id="268"/>
             <p14:sldId id="269"/>
             <p14:sldId id="270"/>
             <p14:sldId id="271"/>
-            <p14:sldId id="272"/>
+            <p14:sldId id="282"/>
             <p14:sldId id="273"/>
             <p14:sldId id="274"/>
             <p14:sldId id="275"/>
@@ -179,6 +179,9 @@
           </p14:sldIdLst>
         </p14:section>
       </p14:sectionLst>
+    </p:ext>
+    <p:ext uri="{EFAFB233-063F-42B5-8137-9DF3F51BA10A}">
+      <p15:sldGuideLst xmlns:p15="http://schemas.microsoft.com/office/powerpoint/2012/main"/>
     </p:ext>
   </p:extLst>
 </p:presentation>
@@ -381,19 +384,19 @@
 </file>
 
 <file path=ppt/activeX/activeX54.xml><?xml version="1.0" encoding="utf-8"?>
+<ax:ocx xmlns:ax="http://schemas.microsoft.com/office/2006/activeX" xmlns:r="http://schemas.openxmlformats.org/officeDocument/2006/relationships" ax:classid="{8BD21D30-EC42-11CE-9E0D-00AA006002F3}" ax:persistence="persistStorage" r:id="rId1"/>
+</file>
+
+<file path=ppt/activeX/activeX55.xml><?xml version="1.0" encoding="utf-8"?>
 <ax:ocx xmlns:ax="http://schemas.microsoft.com/office/2006/activeX" xmlns:r="http://schemas.openxmlformats.org/officeDocument/2006/relationships" ax:classid="{8BD21D20-EC42-11CE-9E0D-00AA006002F3}" ax:persistence="persistStorage" r:id="rId1"/>
 </file>
 
-<file path=ppt/activeX/activeX55.xml><?xml version="1.0" encoding="utf-8"?>
+<file path=ppt/activeX/activeX56.xml><?xml version="1.0" encoding="utf-8"?>
 <ax:ocx xmlns:ax="http://schemas.microsoft.com/office/2006/activeX" xmlns:r="http://schemas.openxmlformats.org/officeDocument/2006/relationships" ax:classid="{8BD21D30-EC42-11CE-9E0D-00AA006002F3}" ax:persistence="persistStorage" r:id="rId1"/>
 </file>
 
-<file path=ppt/activeX/activeX56.xml><?xml version="1.0" encoding="utf-8"?>
+<file path=ppt/activeX/activeX57.xml><?xml version="1.0" encoding="utf-8"?>
 <ax:ocx xmlns:ax="http://schemas.microsoft.com/office/2006/activeX" xmlns:r="http://schemas.openxmlformats.org/officeDocument/2006/relationships" ax:classid="{8BD21D20-EC42-11CE-9E0D-00AA006002F3}" ax:persistence="persistStorage" r:id="rId1"/>
-</file>
-
-<file path=ppt/activeX/activeX57.xml><?xml version="1.0" encoding="utf-8"?>
-<ax:ocx xmlns:ax="http://schemas.microsoft.com/office/2006/activeX" xmlns:r="http://schemas.openxmlformats.org/officeDocument/2006/relationships" ax:classid="{8BD21D30-EC42-11CE-9E0D-00AA006002F3}" ax:persistence="persistStorage" r:id="rId1"/>
 </file>
 
 <file path=ppt/activeX/activeX58.xml><?xml version="1.0" encoding="utf-8"?>
@@ -417,10 +420,6 @@
 </file>
 
 <file path=ppt/activeX/activeX62.xml><?xml version="1.0" encoding="utf-8"?>
-<ax:ocx xmlns:ax="http://schemas.microsoft.com/office/2006/activeX" xmlns:r="http://schemas.openxmlformats.org/officeDocument/2006/relationships" ax:classid="{8BD21D20-EC42-11CE-9E0D-00AA006002F3}" ax:persistence="persistStorage" r:id="rId1"/>
-</file>
-
-<file path=ppt/activeX/activeX63.xml><?xml version="1.0" encoding="utf-8"?>
 <ax:ocx xmlns:ax="http://schemas.microsoft.com/office/2006/activeX" xmlns:r="http://schemas.openxmlformats.org/officeDocument/2006/relationships" ax:classid="{8BD21D30-EC42-11CE-9E0D-00AA006002F3}" ax:persistence="persistStorage" r:id="rId1"/>
 </file>
 
@@ -567,7 +566,7 @@
           <a:p>
             <a:fld id="{2A6247F6-0F2C-4C0B-AB48-D2CBB26B21B0}" type="datetimeFigureOut">
               <a:rPr lang="en-US" smtClean="0"/>
-              <a:t>9/27/2019</a:t>
+              <a:t>10/1/2019</a:t>
             </a:fld>
             <a:endParaRPr lang="en-US"/>
           </a:p>
@@ -737,7 +736,7 @@
           <a:p>
             <a:fld id="{2A6247F6-0F2C-4C0B-AB48-D2CBB26B21B0}" type="datetimeFigureOut">
               <a:rPr lang="en-US" smtClean="0"/>
-              <a:t>9/27/2019</a:t>
+              <a:t>10/1/2019</a:t>
             </a:fld>
             <a:endParaRPr lang="en-US"/>
           </a:p>
@@ -917,7 +916,7 @@
           <a:p>
             <a:fld id="{2A6247F6-0F2C-4C0B-AB48-D2CBB26B21B0}" type="datetimeFigureOut">
               <a:rPr lang="en-US" smtClean="0"/>
-              <a:t>9/27/2019</a:t>
+              <a:t>10/1/2019</a:t>
             </a:fld>
             <a:endParaRPr lang="en-US"/>
           </a:p>
@@ -1087,7 +1086,7 @@
           <a:p>
             <a:fld id="{2A6247F6-0F2C-4C0B-AB48-D2CBB26B21B0}" type="datetimeFigureOut">
               <a:rPr lang="en-US" smtClean="0"/>
-              <a:t>9/27/2019</a:t>
+              <a:t>10/1/2019</a:t>
             </a:fld>
             <a:endParaRPr lang="en-US"/>
           </a:p>
@@ -1333,7 +1332,7 @@
           <a:p>
             <a:fld id="{2A6247F6-0F2C-4C0B-AB48-D2CBB26B21B0}" type="datetimeFigureOut">
               <a:rPr lang="en-US" smtClean="0"/>
-              <a:t>9/27/2019</a:t>
+              <a:t>10/1/2019</a:t>
             </a:fld>
             <a:endParaRPr lang="en-US"/>
           </a:p>
@@ -1565,7 +1564,7 @@
           <a:p>
             <a:fld id="{2A6247F6-0F2C-4C0B-AB48-D2CBB26B21B0}" type="datetimeFigureOut">
               <a:rPr lang="en-US" smtClean="0"/>
-              <a:t>9/27/2019</a:t>
+              <a:t>10/1/2019</a:t>
             </a:fld>
             <a:endParaRPr lang="en-US"/>
           </a:p>
@@ -1932,7 +1931,7 @@
           <a:p>
             <a:fld id="{2A6247F6-0F2C-4C0B-AB48-D2CBB26B21B0}" type="datetimeFigureOut">
               <a:rPr lang="en-US" smtClean="0"/>
-              <a:t>9/27/2019</a:t>
+              <a:t>10/1/2019</a:t>
             </a:fld>
             <a:endParaRPr lang="en-US"/>
           </a:p>
@@ -2050,7 +2049,7 @@
           <a:p>
             <a:fld id="{2A6247F6-0F2C-4C0B-AB48-D2CBB26B21B0}" type="datetimeFigureOut">
               <a:rPr lang="en-US" smtClean="0"/>
-              <a:t>9/27/2019</a:t>
+              <a:t>10/1/2019</a:t>
             </a:fld>
             <a:endParaRPr lang="en-US"/>
           </a:p>
@@ -2145,7 +2144,7 @@
           <a:p>
             <a:fld id="{2A6247F6-0F2C-4C0B-AB48-D2CBB26B21B0}" type="datetimeFigureOut">
               <a:rPr lang="en-US" smtClean="0"/>
-              <a:t>9/27/2019</a:t>
+              <a:t>10/1/2019</a:t>
             </a:fld>
             <a:endParaRPr lang="en-US"/>
           </a:p>
@@ -2422,7 +2421,7 @@
           <a:p>
             <a:fld id="{2A6247F6-0F2C-4C0B-AB48-D2CBB26B21B0}" type="datetimeFigureOut">
               <a:rPr lang="en-US" smtClean="0"/>
-              <a:t>9/27/2019</a:t>
+              <a:t>10/1/2019</a:t>
             </a:fld>
             <a:endParaRPr lang="en-US"/>
           </a:p>
@@ -2675,7 +2674,7 @@
           <a:p>
             <a:fld id="{2A6247F6-0F2C-4C0B-AB48-D2CBB26B21B0}" type="datetimeFigureOut">
               <a:rPr lang="en-US" smtClean="0"/>
-              <a:t>9/27/2019</a:t>
+              <a:t>10/1/2019</a:t>
             </a:fld>
             <a:endParaRPr lang="en-US"/>
           </a:p>
@@ -2888,7 +2887,7 @@
           <a:p>
             <a:fld id="{2A6247F6-0F2C-4C0B-AB48-D2CBB26B21B0}" type="datetimeFigureOut">
               <a:rPr lang="en-US" smtClean="0"/>
-              <a:t>9/27/2019</a:t>
+              <a:t>10/1/2019</a:t>
             </a:fld>
             <a:endParaRPr lang="en-US"/>
           </a:p>
@@ -4475,8 +4474,8 @@
         </p:nvSpPr>
         <p:spPr>
           <a:xfrm>
-            <a:off x="9529000" y="3627580"/>
-            <a:ext cx="961199" cy="346246"/>
+            <a:off x="9942469" y="3685807"/>
+            <a:ext cx="961199" cy="239661"/>
           </a:xfrm>
           <a:prstGeom prst="roundRect">
             <a:avLst/>
@@ -4574,8 +4573,8 @@
         </p:nvSpPr>
         <p:spPr>
           <a:xfrm>
-            <a:off x="9535370" y="4022183"/>
-            <a:ext cx="961199" cy="340811"/>
+            <a:off x="9942468" y="4064460"/>
+            <a:ext cx="961199" cy="222337"/>
           </a:xfrm>
           <a:prstGeom prst="roundRect">
             <a:avLst/>
@@ -4610,102 +4609,11 @@
           </a:p>
         </p:txBody>
       </p:sp>
-      <p:sp>
-        <p:nvSpPr>
-          <p:cNvPr id="21" name="Rectángulo redondeado 20">
-            <a:hlinkClick r:id="" action="ppaction://noaction"/>
-          </p:cNvPr>
-          <p:cNvSpPr/>
-          <p:nvPr/>
-        </p:nvSpPr>
-        <p:spPr>
-          <a:xfrm>
-            <a:off x="10759635" y="3627580"/>
-            <a:ext cx="961199" cy="346246"/>
-          </a:xfrm>
-          <a:prstGeom prst="roundRect">
-            <a:avLst/>
-          </a:prstGeom>
-        </p:spPr>
-        <p:style>
-          <a:lnRef idx="2">
-            <a:schemeClr val="accent1">
-              <a:shade val="50000"/>
-            </a:schemeClr>
-          </a:lnRef>
-          <a:fillRef idx="1">
-            <a:schemeClr val="accent1"/>
-          </a:fillRef>
-          <a:effectRef idx="0">
-            <a:schemeClr val="accent1"/>
-          </a:effectRef>
-          <a:fontRef idx="minor">
-            <a:schemeClr val="lt1"/>
-          </a:fontRef>
-        </p:style>
-        <p:txBody>
-          <a:bodyPr rtlCol="0" anchor="ctr"/>
-          <a:lstStyle/>
-          <a:p>
-            <a:pPr algn="ctr"/>
-            <a:r>
-              <a:rPr lang="es-ES" sz="1000" dirty="0" smtClean="0"/>
-              <a:t>Inicio de Cancelación</a:t>
-            </a:r>
-            <a:endParaRPr lang="es-ES" sz="1000" dirty="0"/>
-          </a:p>
-        </p:txBody>
-      </p:sp>
-      <p:sp>
-        <p:nvSpPr>
-          <p:cNvPr id="22" name="Rectángulo redondeado 21">
-            <a:hlinkClick r:id="" action="ppaction://noaction"/>
-          </p:cNvPr>
-          <p:cNvSpPr/>
-          <p:nvPr/>
-        </p:nvSpPr>
-        <p:spPr>
-          <a:xfrm>
-            <a:off x="10768332" y="4035493"/>
-            <a:ext cx="961199" cy="340811"/>
-          </a:xfrm>
-          <a:prstGeom prst="roundRect">
-            <a:avLst/>
-          </a:prstGeom>
-        </p:spPr>
-        <p:style>
-          <a:lnRef idx="2">
-            <a:schemeClr val="accent1">
-              <a:shade val="50000"/>
-            </a:schemeClr>
-          </a:lnRef>
-          <a:fillRef idx="1">
-            <a:schemeClr val="accent1"/>
-          </a:fillRef>
-          <a:effectRef idx="0">
-            <a:schemeClr val="accent1"/>
-          </a:effectRef>
-          <a:fontRef idx="minor">
-            <a:schemeClr val="lt1"/>
-          </a:fontRef>
-        </p:style>
-        <p:txBody>
-          <a:bodyPr rtlCol="0" anchor="ctr"/>
-          <a:lstStyle/>
-          <a:p>
-            <a:pPr algn="ctr"/>
-            <a:r>
-              <a:rPr lang="es-ES" sz="1000" dirty="0"/>
-              <a:t>Inicio de Cancelación</a:t>
-            </a:r>
-          </a:p>
-        </p:txBody>
-      </p:sp>
     </p:spTree>
     <p:controls>
       <mc:AlternateContent xmlns:mc="http://schemas.openxmlformats.org/markup-compatibility/2006">
         <mc:Choice xmlns:v="urn:schemas-microsoft-com:vml" Requires="v">
-          <p:control spid="4119" name="ComboBox1" r:id="rId2" imgW="1514520" imgH="314280"/>
+          <p:control spid="4161" name="ComboBox1" r:id="rId2" imgW="1514520" imgH="314280"/>
         </mc:Choice>
         <mc:Fallback>
           <p:control name="ComboBox1" r:id="rId2" imgW="1514520" imgH="314280">
@@ -4738,7 +4646,7 @@
       </mc:AlternateContent>
       <mc:AlternateContent xmlns:mc="http://schemas.openxmlformats.org/markup-compatibility/2006">
         <mc:Choice xmlns:v="urn:schemas-microsoft-com:vml" Requires="v">
-          <p:control spid="4120" name="ListBox2" r:id="rId3" imgW="2085840" imgH="295200"/>
+          <p:control spid="4162" name="ListBox2" r:id="rId3" imgW="2085840" imgH="295200"/>
         </mc:Choice>
         <mc:Fallback>
           <p:control name="ListBox2" r:id="rId3" imgW="2085840" imgH="295200">
@@ -4771,7 +4679,7 @@
       </mc:AlternateContent>
       <mc:AlternateContent xmlns:mc="http://schemas.openxmlformats.org/markup-compatibility/2006">
         <mc:Choice xmlns:v="urn:schemas-microsoft-com:vml" Requires="v">
-          <p:control spid="4121" name="ComboBox3" r:id="rId4" imgW="1628640" imgH="371520"/>
+          <p:control spid="4163" name="ComboBox3" r:id="rId4" imgW="1628640" imgH="371520"/>
         </mc:Choice>
         <mc:Fallback>
           <p:control name="ComboBox3" r:id="rId4" imgW="1628640" imgH="371520">
@@ -4847,7 +4755,7 @@
         </p:nvSpPr>
         <p:spPr>
           <a:xfrm>
-            <a:off x="65314" y="195944"/>
+            <a:off x="65314" y="104503"/>
             <a:ext cx="12035245" cy="6570616"/>
           </a:xfrm>
           <a:prstGeom prst="rect">
@@ -4911,7 +4819,7 @@
           <a:p>
             <a:r>
               <a:rPr lang="es-MX" dirty="0" smtClean="0"/>
-              <a:t>Actualización </a:t>
+              <a:t>Cancelación </a:t>
             </a:r>
             <a:endParaRPr lang="es-MX" dirty="0"/>
           </a:p>
@@ -5309,13 +5217,13 @@
       </p:sp>
       <p:sp>
         <p:nvSpPr>
-          <p:cNvPr id="95" name="Rectángulo redondeado 94"/>
+          <p:cNvPr id="104" name="Rectángulo redondeado 103"/>
           <p:cNvSpPr/>
           <p:nvPr/>
         </p:nvSpPr>
         <p:spPr>
           <a:xfrm>
-            <a:off x="2530840" y="2306381"/>
+            <a:off x="8669923" y="2315136"/>
             <a:ext cx="2377440" cy="276999"/>
           </a:xfrm>
           <a:prstGeom prst="roundRect">
@@ -5359,13 +5267,13 @@
       </p:sp>
       <p:sp>
         <p:nvSpPr>
-          <p:cNvPr id="96" name="Rectángulo redondeado 95"/>
+          <p:cNvPr id="105" name="Rectángulo redondeado 104"/>
           <p:cNvSpPr/>
           <p:nvPr/>
         </p:nvSpPr>
         <p:spPr>
           <a:xfrm>
-            <a:off x="2530840" y="2306381"/>
+            <a:off x="8604224" y="2315136"/>
             <a:ext cx="339634" cy="276999"/>
           </a:xfrm>
           <a:prstGeom prst="roundRect">
@@ -5409,13 +5317,13 @@
       </p:sp>
       <p:sp>
         <p:nvSpPr>
-          <p:cNvPr id="103" name="CuadroTexto 102"/>
+          <p:cNvPr id="106" name="CuadroTexto 105"/>
           <p:cNvSpPr txBox="1"/>
           <p:nvPr/>
         </p:nvSpPr>
         <p:spPr>
           <a:xfrm>
-            <a:off x="153392" y="2306381"/>
+            <a:off x="6338965" y="2315136"/>
             <a:ext cx="3278777" cy="276999"/>
           </a:xfrm>
           <a:prstGeom prst="rect">
@@ -5431,7 +5339,7 @@
           <a:p>
             <a:r>
               <a:rPr lang="es-MX" sz="1200" dirty="0" smtClean="0"/>
-              <a:t>Número de Título de Autorización</a:t>
+              <a:t>Fecha de Emisión del TA</a:t>
             </a:r>
             <a:endParaRPr lang="es-MX" sz="1200" dirty="0"/>
           </a:p>
@@ -5439,13 +5347,13 @@
       </p:sp>
       <p:sp>
         <p:nvSpPr>
-          <p:cNvPr id="104" name="Rectángulo redondeado 103"/>
+          <p:cNvPr id="107" name="Rectángulo redondeado 106"/>
           <p:cNvSpPr/>
           <p:nvPr/>
         </p:nvSpPr>
         <p:spPr>
           <a:xfrm>
-            <a:off x="8669923" y="2232006"/>
+            <a:off x="2526021" y="2331786"/>
             <a:ext cx="2377440" cy="276999"/>
           </a:xfrm>
           <a:prstGeom prst="roundRect">
@@ -5489,13 +5397,13 @@
       </p:sp>
       <p:sp>
         <p:nvSpPr>
-          <p:cNvPr id="105" name="Rectángulo redondeado 104"/>
+          <p:cNvPr id="108" name="Rectángulo redondeado 107"/>
           <p:cNvSpPr/>
           <p:nvPr/>
         </p:nvSpPr>
         <p:spPr>
           <a:xfrm>
-            <a:off x="8604224" y="2232006"/>
+            <a:off x="2526021" y="2331786"/>
             <a:ext cx="339634" cy="276999"/>
           </a:xfrm>
           <a:prstGeom prst="roundRect">
@@ -5539,13 +5447,13 @@
       </p:sp>
       <p:sp>
         <p:nvSpPr>
-          <p:cNvPr id="106" name="CuadroTexto 105"/>
+          <p:cNvPr id="109" name="CuadroTexto 108"/>
           <p:cNvSpPr txBox="1"/>
           <p:nvPr/>
         </p:nvSpPr>
         <p:spPr>
           <a:xfrm>
-            <a:off x="6338965" y="2232006"/>
+            <a:off x="148573" y="2331786"/>
             <a:ext cx="3278777" cy="276999"/>
           </a:xfrm>
           <a:prstGeom prst="rect">
@@ -5561,7 +5469,7 @@
           <a:p>
             <a:r>
               <a:rPr lang="es-MX" sz="1200" dirty="0" smtClean="0"/>
-              <a:t>Fecha de Emisión del TA</a:t>
+              <a:t>Número de Convocatoria</a:t>
             </a:r>
             <a:endParaRPr lang="es-MX" sz="1200" dirty="0"/>
           </a:p>
@@ -5569,13 +5477,13 @@
       </p:sp>
       <p:sp>
         <p:nvSpPr>
-          <p:cNvPr id="107" name="Rectángulo redondeado 106"/>
+          <p:cNvPr id="110" name="Rectángulo redondeado 109"/>
           <p:cNvSpPr/>
           <p:nvPr/>
         </p:nvSpPr>
         <p:spPr>
           <a:xfrm>
-            <a:off x="2526021" y="2719722"/>
+            <a:off x="2522381" y="2784363"/>
             <a:ext cx="2377440" cy="276999"/>
           </a:xfrm>
           <a:prstGeom prst="roundRect">
@@ -5619,13 +5527,13 @@
       </p:sp>
       <p:sp>
         <p:nvSpPr>
-          <p:cNvPr id="108" name="Rectángulo redondeado 107"/>
+          <p:cNvPr id="111" name="Rectángulo redondeado 110"/>
           <p:cNvSpPr/>
           <p:nvPr/>
         </p:nvSpPr>
         <p:spPr>
           <a:xfrm>
-            <a:off x="2526021" y="2719722"/>
+            <a:off x="2522381" y="2784363"/>
             <a:ext cx="339634" cy="276999"/>
           </a:xfrm>
           <a:prstGeom prst="roundRect">
@@ -5669,13 +5577,13 @@
       </p:sp>
       <p:sp>
         <p:nvSpPr>
-          <p:cNvPr id="109" name="CuadroTexto 108"/>
+          <p:cNvPr id="112" name="CuadroTexto 111"/>
           <p:cNvSpPr txBox="1"/>
           <p:nvPr/>
         </p:nvSpPr>
         <p:spPr>
           <a:xfrm>
-            <a:off x="148573" y="2719722"/>
+            <a:off x="144933" y="2784363"/>
             <a:ext cx="3278777" cy="276999"/>
           </a:xfrm>
           <a:prstGeom prst="rect">
@@ -5691,7 +5599,7 @@
           <a:p>
             <a:r>
               <a:rPr lang="es-MX" sz="1200" dirty="0" smtClean="0"/>
-              <a:t>Número de Convocatoria</a:t>
+              <a:t>Nombre del servicio</a:t>
             </a:r>
             <a:endParaRPr lang="es-MX" sz="1200" dirty="0"/>
           </a:p>
@@ -5699,13 +5607,13 @@
       </p:sp>
       <p:sp>
         <p:nvSpPr>
-          <p:cNvPr id="110" name="Rectángulo redondeado 109"/>
+          <p:cNvPr id="113" name="Rectángulo redondeado 112"/>
           <p:cNvSpPr/>
           <p:nvPr/>
         </p:nvSpPr>
         <p:spPr>
           <a:xfrm>
-            <a:off x="2522381" y="3172299"/>
+            <a:off x="2521997" y="3287245"/>
             <a:ext cx="2377440" cy="276999"/>
           </a:xfrm>
           <a:prstGeom prst="roundRect">
@@ -5749,13 +5657,13 @@
       </p:sp>
       <p:sp>
         <p:nvSpPr>
-          <p:cNvPr id="111" name="Rectángulo redondeado 110"/>
+          <p:cNvPr id="114" name="Rectángulo redondeado 113"/>
           <p:cNvSpPr/>
           <p:nvPr/>
         </p:nvSpPr>
         <p:spPr>
           <a:xfrm>
-            <a:off x="2522381" y="3172299"/>
+            <a:off x="2521997" y="3287245"/>
             <a:ext cx="339634" cy="276999"/>
           </a:xfrm>
           <a:prstGeom prst="roundRect">
@@ -5799,13 +5707,13 @@
       </p:sp>
       <p:sp>
         <p:nvSpPr>
-          <p:cNvPr id="112" name="CuadroTexto 111"/>
+          <p:cNvPr id="115" name="CuadroTexto 114"/>
           <p:cNvSpPr txBox="1"/>
           <p:nvPr/>
         </p:nvSpPr>
         <p:spPr>
           <a:xfrm>
-            <a:off x="144933" y="3172299"/>
+            <a:off x="144549" y="3287245"/>
             <a:ext cx="3278777" cy="276999"/>
           </a:xfrm>
           <a:prstGeom prst="rect">
@@ -5821,7 +5729,7 @@
           <a:p>
             <a:r>
               <a:rPr lang="es-MX" sz="1200" dirty="0" smtClean="0"/>
-              <a:t>Nombre del servicio</a:t>
+              <a:t>Vigencia del TA</a:t>
             </a:r>
             <a:endParaRPr lang="es-MX" sz="1200" dirty="0"/>
           </a:p>
@@ -5829,13 +5737,13 @@
       </p:sp>
       <p:sp>
         <p:nvSpPr>
-          <p:cNvPr id="113" name="Rectángulo redondeado 112"/>
+          <p:cNvPr id="116" name="Rectángulo redondeado 115"/>
           <p:cNvSpPr/>
           <p:nvPr/>
         </p:nvSpPr>
         <p:spPr>
           <a:xfrm>
-            <a:off x="2521997" y="3675181"/>
+            <a:off x="8633803" y="3163237"/>
             <a:ext cx="2377440" cy="276999"/>
           </a:xfrm>
           <a:prstGeom prst="roundRect">
@@ -5879,13 +5787,13 @@
       </p:sp>
       <p:sp>
         <p:nvSpPr>
-          <p:cNvPr id="114" name="Rectángulo redondeado 113"/>
+          <p:cNvPr id="117" name="Rectángulo redondeado 116"/>
           <p:cNvSpPr/>
           <p:nvPr/>
         </p:nvSpPr>
         <p:spPr>
           <a:xfrm>
-            <a:off x="2521997" y="3675181"/>
+            <a:off x="8634187" y="3163237"/>
             <a:ext cx="339634" cy="276999"/>
           </a:xfrm>
           <a:prstGeom prst="roundRect">
@@ -5929,13 +5837,13 @@
       </p:sp>
       <p:sp>
         <p:nvSpPr>
-          <p:cNvPr id="115" name="CuadroTexto 114"/>
+          <p:cNvPr id="118" name="CuadroTexto 117"/>
           <p:cNvSpPr txBox="1"/>
           <p:nvPr/>
         </p:nvSpPr>
         <p:spPr>
           <a:xfrm>
-            <a:off x="144549" y="3675181"/>
+            <a:off x="6343570" y="3163237"/>
             <a:ext cx="3278777" cy="276999"/>
           </a:xfrm>
           <a:prstGeom prst="rect">
@@ -5951,7 +5859,7 @@
           <a:p>
             <a:r>
               <a:rPr lang="es-MX" sz="1200" dirty="0" smtClean="0"/>
-              <a:t>Vigencia del TA</a:t>
+              <a:t>Fecha de inicio vigencia del TA</a:t>
             </a:r>
             <a:endParaRPr lang="es-MX" sz="1200" dirty="0"/>
           </a:p>
@@ -5959,13 +5867,13 @@
       </p:sp>
       <p:sp>
         <p:nvSpPr>
-          <p:cNvPr id="116" name="Rectángulo redondeado 115"/>
+          <p:cNvPr id="119" name="Rectángulo redondeado 118"/>
           <p:cNvSpPr/>
           <p:nvPr/>
         </p:nvSpPr>
         <p:spPr>
           <a:xfrm>
-            <a:off x="8633803" y="3080107"/>
+            <a:off x="8633803" y="3674777"/>
             <a:ext cx="2377440" cy="276999"/>
           </a:xfrm>
           <a:prstGeom prst="roundRect">
@@ -6009,13 +5917,13 @@
       </p:sp>
       <p:sp>
         <p:nvSpPr>
-          <p:cNvPr id="117" name="Rectángulo redondeado 116"/>
+          <p:cNvPr id="120" name="Rectángulo redondeado 119"/>
           <p:cNvSpPr/>
           <p:nvPr/>
         </p:nvSpPr>
         <p:spPr>
           <a:xfrm>
-            <a:off x="8634187" y="3080107"/>
+            <a:off x="8633803" y="3674777"/>
             <a:ext cx="339634" cy="276999"/>
           </a:xfrm>
           <a:prstGeom prst="roundRect">
@@ -6059,13 +5967,13 @@
       </p:sp>
       <p:sp>
         <p:nvSpPr>
-          <p:cNvPr id="118" name="CuadroTexto 117"/>
+          <p:cNvPr id="121" name="CuadroTexto 120"/>
           <p:cNvSpPr txBox="1"/>
           <p:nvPr/>
         </p:nvSpPr>
         <p:spPr>
           <a:xfrm>
-            <a:off x="6343570" y="3080107"/>
+            <a:off x="6343186" y="3674777"/>
             <a:ext cx="3278777" cy="276999"/>
           </a:xfrm>
           <a:prstGeom prst="rect">
@@ -6081,7 +5989,7 @@
           <a:p>
             <a:r>
               <a:rPr lang="es-MX" sz="1200" dirty="0" smtClean="0"/>
-              <a:t>Fecha de inicio vigencia del TA</a:t>
+              <a:t>Fecha de termino vigencia del TA</a:t>
             </a:r>
             <a:endParaRPr lang="es-MX" sz="1200" dirty="0"/>
           </a:p>
@@ -6089,13 +5997,13 @@
       </p:sp>
       <p:sp>
         <p:nvSpPr>
-          <p:cNvPr id="119" name="Rectángulo redondeado 118"/>
+          <p:cNvPr id="122" name="Rectángulo redondeado 121"/>
           <p:cNvSpPr/>
           <p:nvPr/>
         </p:nvSpPr>
         <p:spPr>
           <a:xfrm>
-            <a:off x="8633803" y="3591647"/>
+            <a:off x="2518357" y="3788227"/>
             <a:ext cx="2377440" cy="276999"/>
           </a:xfrm>
           <a:prstGeom prst="roundRect">
@@ -6139,13 +6047,13 @@
       </p:sp>
       <p:sp>
         <p:nvSpPr>
-          <p:cNvPr id="120" name="Rectángulo redondeado 119"/>
+          <p:cNvPr id="123" name="Rectángulo redondeado 122"/>
           <p:cNvSpPr/>
           <p:nvPr/>
         </p:nvSpPr>
         <p:spPr>
           <a:xfrm>
-            <a:off x="8633803" y="3591647"/>
+            <a:off x="2518357" y="3788227"/>
             <a:ext cx="339634" cy="276999"/>
           </a:xfrm>
           <a:prstGeom prst="roundRect">
@@ -6189,13 +6097,13 @@
       </p:sp>
       <p:sp>
         <p:nvSpPr>
-          <p:cNvPr id="121" name="CuadroTexto 120"/>
+          <p:cNvPr id="124" name="CuadroTexto 123"/>
           <p:cNvSpPr txBox="1"/>
           <p:nvPr/>
         </p:nvSpPr>
         <p:spPr>
           <a:xfrm>
-            <a:off x="6343186" y="3591647"/>
+            <a:off x="140909" y="3788227"/>
             <a:ext cx="3278777" cy="276999"/>
           </a:xfrm>
           <a:prstGeom prst="rect">
@@ -6211,7 +6119,7 @@
           <a:p>
             <a:r>
               <a:rPr lang="es-MX" sz="1200" dirty="0" smtClean="0"/>
-              <a:t>Fecha de termino vigencia del TA</a:t>
+              <a:t>*Nombre de la Empresa</a:t>
             </a:r>
             <a:endParaRPr lang="es-MX" sz="1200" dirty="0"/>
           </a:p>
@@ -6219,13 +6127,13 @@
       </p:sp>
       <p:sp>
         <p:nvSpPr>
-          <p:cNvPr id="122" name="Rectángulo redondeado 121"/>
+          <p:cNvPr id="125" name="Rectángulo redondeado 124"/>
           <p:cNvSpPr/>
           <p:nvPr/>
         </p:nvSpPr>
         <p:spPr>
           <a:xfrm>
-            <a:off x="2518357" y="4176163"/>
+            <a:off x="8595381" y="4216406"/>
             <a:ext cx="2377440" cy="276999"/>
           </a:xfrm>
           <a:prstGeom prst="roundRect">
@@ -6269,13 +6177,13 @@
       </p:sp>
       <p:sp>
         <p:nvSpPr>
-          <p:cNvPr id="123" name="Rectángulo redondeado 122"/>
+          <p:cNvPr id="126" name="Rectángulo redondeado 125"/>
           <p:cNvSpPr/>
           <p:nvPr/>
         </p:nvSpPr>
         <p:spPr>
           <a:xfrm>
-            <a:off x="2518357" y="4176163"/>
+            <a:off x="8595381" y="4216406"/>
             <a:ext cx="339634" cy="276999"/>
           </a:xfrm>
           <a:prstGeom prst="roundRect">
@@ -6319,14 +6227,14 @@
       </p:sp>
       <p:sp>
         <p:nvSpPr>
-          <p:cNvPr id="124" name="CuadroTexto 123"/>
+          <p:cNvPr id="127" name="CuadroTexto 126"/>
           <p:cNvSpPr txBox="1"/>
           <p:nvPr/>
         </p:nvSpPr>
         <p:spPr>
           <a:xfrm>
-            <a:off x="140909" y="4176163"/>
-            <a:ext cx="3278777" cy="276999"/>
+            <a:off x="6326009" y="4749358"/>
+            <a:ext cx="2278216" cy="646331"/>
           </a:xfrm>
           <a:prstGeom prst="rect">
             <a:avLst/>
@@ -6341,21 +6249,27 @@
           <a:p>
             <a:r>
               <a:rPr lang="es-MX" sz="1200" dirty="0" smtClean="0"/>
-              <a:t>*Nombre de la Empresa</a:t>
-            </a:r>
+              <a:t>*Correo(s) Electrónico(s) </a:t>
+            </a:r>
+            <a:r>
+              <a:rPr lang="es-MX" sz="1200" dirty="0"/>
+              <a:t>para oír y recibir notificaciones</a:t>
+            </a:r>
+          </a:p>
+          <a:p>
             <a:endParaRPr lang="es-MX" sz="1200" dirty="0"/>
           </a:p>
         </p:txBody>
       </p:sp>
       <p:sp>
         <p:nvSpPr>
-          <p:cNvPr id="125" name="Rectángulo redondeado 124"/>
+          <p:cNvPr id="128" name="Rectángulo redondeado 127"/>
           <p:cNvSpPr/>
           <p:nvPr/>
         </p:nvSpPr>
         <p:spPr>
           <a:xfrm>
-            <a:off x="8595381" y="4133276"/>
+            <a:off x="8595750" y="4779464"/>
             <a:ext cx="2377440" cy="276999"/>
           </a:xfrm>
           <a:prstGeom prst="roundRect">
@@ -6399,13 +6313,13 @@
       </p:sp>
       <p:sp>
         <p:nvSpPr>
-          <p:cNvPr id="126" name="Rectángulo redondeado 125"/>
+          <p:cNvPr id="129" name="Rectángulo redondeado 128"/>
           <p:cNvSpPr/>
           <p:nvPr/>
         </p:nvSpPr>
         <p:spPr>
           <a:xfrm>
-            <a:off x="8595381" y="4133276"/>
+            <a:off x="8595750" y="4779464"/>
             <a:ext cx="339634" cy="276999"/>
           </a:xfrm>
           <a:prstGeom prst="roundRect">
@@ -6449,13 +6363,13 @@
       </p:sp>
       <p:sp>
         <p:nvSpPr>
-          <p:cNvPr id="127" name="CuadroTexto 126"/>
+          <p:cNvPr id="130" name="CuadroTexto 129"/>
           <p:cNvSpPr txBox="1"/>
           <p:nvPr/>
         </p:nvSpPr>
         <p:spPr>
           <a:xfrm>
-            <a:off x="6326008" y="4666228"/>
+            <a:off x="140909" y="4302960"/>
             <a:ext cx="3278777" cy="276999"/>
           </a:xfrm>
           <a:prstGeom prst="rect">
@@ -6471,7 +6385,7 @@
           <a:p>
             <a:r>
               <a:rPr lang="es-MX" sz="1200" dirty="0" smtClean="0"/>
-              <a:t>*Correo Electrónico</a:t>
+              <a:t>*Nombre del Representante Legal</a:t>
             </a:r>
             <a:endParaRPr lang="es-MX" sz="1200" dirty="0"/>
           </a:p>
@@ -6479,13 +6393,13 @@
       </p:sp>
       <p:sp>
         <p:nvSpPr>
-          <p:cNvPr id="128" name="Rectángulo redondeado 127"/>
+          <p:cNvPr id="131" name="Rectángulo redondeado 130"/>
           <p:cNvSpPr/>
           <p:nvPr/>
         </p:nvSpPr>
         <p:spPr>
           <a:xfrm>
-            <a:off x="8595750" y="4696334"/>
+            <a:off x="2514243" y="4287203"/>
             <a:ext cx="2377440" cy="276999"/>
           </a:xfrm>
           <a:prstGeom prst="roundRect">
@@ -6529,13 +6443,13 @@
       </p:sp>
       <p:sp>
         <p:nvSpPr>
-          <p:cNvPr id="129" name="Rectángulo redondeado 128"/>
+          <p:cNvPr id="132" name="Rectángulo redondeado 131"/>
           <p:cNvSpPr/>
           <p:nvPr/>
         </p:nvSpPr>
         <p:spPr>
           <a:xfrm>
-            <a:off x="8595750" y="4696334"/>
+            <a:off x="2514243" y="4287203"/>
             <a:ext cx="339634" cy="276999"/>
           </a:xfrm>
           <a:prstGeom prst="roundRect">
@@ -6579,14 +6493,14 @@
       </p:sp>
       <p:sp>
         <p:nvSpPr>
-          <p:cNvPr id="130" name="CuadroTexto 129"/>
+          <p:cNvPr id="133" name="CuadroTexto 132"/>
           <p:cNvSpPr txBox="1"/>
           <p:nvPr/>
         </p:nvSpPr>
         <p:spPr>
           <a:xfrm>
-            <a:off x="140909" y="4746316"/>
-            <a:ext cx="3278777" cy="276999"/>
+            <a:off x="6330122" y="4186318"/>
+            <a:ext cx="2265259" cy="461665"/>
           </a:xfrm>
           <a:prstGeom prst="rect">
             <a:avLst/>
@@ -6601,7 +6515,7 @@
           <a:p>
             <a:r>
               <a:rPr lang="es-MX" sz="1200" dirty="0" smtClean="0"/>
-              <a:t>*Nombre del Representante Legal</a:t>
+              <a:t>*Domicilio Fiscal para oír y recibir notificaciones</a:t>
             </a:r>
             <a:endParaRPr lang="es-MX" sz="1200" dirty="0"/>
           </a:p>
@@ -6609,13 +6523,13 @@
       </p:sp>
       <p:sp>
         <p:nvSpPr>
-          <p:cNvPr id="131" name="Rectángulo redondeado 130"/>
+          <p:cNvPr id="134" name="Rectángulo redondeado 133"/>
           <p:cNvSpPr/>
           <p:nvPr/>
         </p:nvSpPr>
         <p:spPr>
           <a:xfrm>
-            <a:off x="2514243" y="4730559"/>
+            <a:off x="8652042" y="2737676"/>
             <a:ext cx="2377440" cy="276999"/>
           </a:xfrm>
           <a:prstGeom prst="roundRect">
@@ -6659,13 +6573,13 @@
       </p:sp>
       <p:sp>
         <p:nvSpPr>
-          <p:cNvPr id="132" name="Rectángulo redondeado 131"/>
+          <p:cNvPr id="135" name="Rectángulo redondeado 134"/>
           <p:cNvSpPr/>
           <p:nvPr/>
         </p:nvSpPr>
         <p:spPr>
           <a:xfrm>
-            <a:off x="2514243" y="4730559"/>
+            <a:off x="8625532" y="2737676"/>
             <a:ext cx="339634" cy="276999"/>
           </a:xfrm>
           <a:prstGeom prst="roundRect">
@@ -6709,13 +6623,13 @@
       </p:sp>
       <p:sp>
         <p:nvSpPr>
-          <p:cNvPr id="133" name="CuadroTexto 132"/>
+          <p:cNvPr id="136" name="CuadroTexto 135"/>
           <p:cNvSpPr txBox="1"/>
           <p:nvPr/>
         </p:nvSpPr>
         <p:spPr>
           <a:xfrm>
-            <a:off x="6330122" y="4133670"/>
+            <a:off x="6360273" y="2737676"/>
             <a:ext cx="3278777" cy="276999"/>
           </a:xfrm>
           <a:prstGeom prst="rect">
@@ -6731,24 +6645,345 @@
           <a:p>
             <a:r>
               <a:rPr lang="es-MX" sz="1200" dirty="0" smtClean="0"/>
-              <a:t>*Domicilio Fiscal</a:t>
+              <a:t>RFC</a:t>
             </a:r>
             <a:endParaRPr lang="es-MX" sz="1200" dirty="0"/>
           </a:p>
         </p:txBody>
       </p:sp>
-      <p:sp>
-        <p:nvSpPr>
-          <p:cNvPr id="134" name="Rectángulo redondeado 133"/>
+      <p:cxnSp>
+        <p:nvCxnSpPr>
+          <p:cNvPr id="53" name="Conector recto 52"/>
+          <p:cNvCxnSpPr/>
+          <p:nvPr/>
+        </p:nvCxnSpPr>
+        <p:spPr>
+          <a:xfrm flipV="1">
+            <a:off x="165461" y="603404"/>
+            <a:ext cx="11834950" cy="2"/>
+          </a:xfrm>
+          <a:prstGeom prst="line">
+            <a:avLst/>
+          </a:prstGeom>
+          <a:ln>
+            <a:solidFill>
+              <a:schemeClr val="tx1"/>
+            </a:solidFill>
+          </a:ln>
+        </p:spPr>
+        <p:style>
+          <a:lnRef idx="1">
+            <a:schemeClr val="accent1"/>
+          </a:lnRef>
+          <a:fillRef idx="0">
+            <a:schemeClr val="accent1"/>
+          </a:fillRef>
+          <a:effectRef idx="0">
+            <a:schemeClr val="accent1"/>
+          </a:effectRef>
+          <a:fontRef idx="minor">
+            <a:schemeClr val="tx1"/>
+          </a:fontRef>
+        </p:style>
+      </p:cxnSp>
+      <p:sp>
+        <p:nvSpPr>
+          <p:cNvPr id="55" name="CuadroTexto 54"/>
+          <p:cNvSpPr txBox="1"/>
+          <p:nvPr/>
+        </p:nvSpPr>
+        <p:spPr>
+          <a:xfrm>
+            <a:off x="112358" y="782335"/>
+            <a:ext cx="1541417" cy="276999"/>
+          </a:xfrm>
+          <a:prstGeom prst="rect">
+            <a:avLst/>
+          </a:prstGeom>
+          <a:noFill/>
+        </p:spPr>
+        <p:txBody>
+          <a:bodyPr wrap="square" rtlCol="0">
+            <a:spAutoFit/>
+          </a:bodyPr>
+          <a:lstStyle/>
+          <a:p>
+            <a:r>
+              <a:rPr lang="es-MX" sz="1200" dirty="0" smtClean="0"/>
+              <a:t>Número de título:</a:t>
+            </a:r>
+            <a:endParaRPr lang="es-MX" sz="1200" dirty="0"/>
+          </a:p>
+        </p:txBody>
+      </p:sp>
+      <p:sp>
+        <p:nvSpPr>
+          <p:cNvPr id="57" name="CuadroTexto 56"/>
+          <p:cNvSpPr txBox="1"/>
+          <p:nvPr/>
+        </p:nvSpPr>
+        <p:spPr>
+          <a:xfrm>
+            <a:off x="1768309" y="789838"/>
+            <a:ext cx="1939367" cy="276999"/>
+          </a:xfrm>
+          <a:prstGeom prst="rect">
+            <a:avLst/>
+          </a:prstGeom>
+          <a:noFill/>
+        </p:spPr>
+        <p:txBody>
+          <a:bodyPr wrap="square" rtlCol="0">
+            <a:spAutoFit/>
+          </a:bodyPr>
+          <a:lstStyle/>
+          <a:p>
+            <a:r>
+              <a:rPr lang="es-MX" sz="1200" dirty="0" smtClean="0"/>
+              <a:t>Fecha  de Actualización:</a:t>
+            </a:r>
+            <a:endParaRPr lang="es-MX" sz="1200" dirty="0"/>
+          </a:p>
+        </p:txBody>
+      </p:sp>
+      <p:sp>
+        <p:nvSpPr>
+          <p:cNvPr id="58" name="CuadroTexto 57"/>
+          <p:cNvSpPr txBox="1"/>
+          <p:nvPr/>
+        </p:nvSpPr>
+        <p:spPr>
+          <a:xfrm>
+            <a:off x="9649264" y="776491"/>
+            <a:ext cx="1939367" cy="276999"/>
+          </a:xfrm>
+          <a:prstGeom prst="rect">
+            <a:avLst/>
+          </a:prstGeom>
+          <a:noFill/>
+        </p:spPr>
+        <p:txBody>
+          <a:bodyPr wrap="square" rtlCol="0">
+            <a:spAutoFit/>
+          </a:bodyPr>
+          <a:lstStyle/>
+          <a:p>
+            <a:r>
+              <a:rPr lang="es-MX" sz="1200" dirty="0" smtClean="0"/>
+              <a:t>Estado:</a:t>
+            </a:r>
+            <a:endParaRPr lang="es-MX" sz="1200" dirty="0"/>
+          </a:p>
+        </p:txBody>
+      </p:sp>
+      <p:sp>
+        <p:nvSpPr>
+          <p:cNvPr id="60" name="CuadroTexto 59"/>
+          <p:cNvSpPr txBox="1"/>
+          <p:nvPr/>
+        </p:nvSpPr>
+        <p:spPr>
+          <a:xfrm>
+            <a:off x="8012775" y="755621"/>
+            <a:ext cx="1939367" cy="276999"/>
+          </a:xfrm>
+          <a:prstGeom prst="rect">
+            <a:avLst/>
+          </a:prstGeom>
+          <a:noFill/>
+        </p:spPr>
+        <p:txBody>
+          <a:bodyPr wrap="square" rtlCol="0">
+            <a:spAutoFit/>
+          </a:bodyPr>
+          <a:lstStyle/>
+          <a:p>
+            <a:r>
+              <a:rPr lang="es-MX" sz="1200" dirty="0" smtClean="0"/>
+              <a:t>Días Transcurridos:</a:t>
+            </a:r>
+            <a:endParaRPr lang="es-MX" sz="1200" dirty="0"/>
+          </a:p>
+        </p:txBody>
+      </p:sp>
+      <p:sp>
+        <p:nvSpPr>
+          <p:cNvPr id="61" name="CuadroTexto 60"/>
+          <p:cNvSpPr txBox="1"/>
+          <p:nvPr/>
+        </p:nvSpPr>
+        <p:spPr>
+          <a:xfrm>
+            <a:off x="3681551" y="781740"/>
+            <a:ext cx="1939367" cy="276999"/>
+          </a:xfrm>
+          <a:prstGeom prst="rect">
+            <a:avLst/>
+          </a:prstGeom>
+          <a:noFill/>
+        </p:spPr>
+        <p:txBody>
+          <a:bodyPr wrap="square" rtlCol="0">
+            <a:spAutoFit/>
+          </a:bodyPr>
+          <a:lstStyle/>
+          <a:p>
+            <a:r>
+              <a:rPr lang="es-MX" sz="1200" dirty="0" smtClean="0"/>
+              <a:t>Fecha de consulta 32D  :</a:t>
+            </a:r>
+            <a:endParaRPr lang="es-MX" sz="1200" dirty="0"/>
+          </a:p>
+        </p:txBody>
+      </p:sp>
+      <p:sp>
+        <p:nvSpPr>
+          <p:cNvPr id="62" name="CuadroTexto 61"/>
+          <p:cNvSpPr txBox="1"/>
+          <p:nvPr/>
+        </p:nvSpPr>
+        <p:spPr>
+          <a:xfrm>
+            <a:off x="5809089" y="776492"/>
+            <a:ext cx="1939367" cy="276999"/>
+          </a:xfrm>
+          <a:prstGeom prst="rect">
+            <a:avLst/>
+          </a:prstGeom>
+          <a:noFill/>
+        </p:spPr>
+        <p:txBody>
+          <a:bodyPr wrap="square" rtlCol="0">
+            <a:spAutoFit/>
+          </a:bodyPr>
+          <a:lstStyle/>
+          <a:p>
+            <a:r>
+              <a:rPr lang="es-MX" sz="1200" dirty="0" smtClean="0"/>
+              <a:t>Resultado de consulta 32D :</a:t>
+            </a:r>
+            <a:endParaRPr lang="es-MX" sz="1200" dirty="0"/>
+          </a:p>
+        </p:txBody>
+      </p:sp>
+      <p:sp>
+        <p:nvSpPr>
+          <p:cNvPr id="63" name="Rectángulo 62"/>
           <p:cNvSpPr/>
           <p:nvPr/>
         </p:nvSpPr>
         <p:spPr>
           <a:xfrm>
-            <a:off x="8652042" y="2654546"/>
-            <a:ext cx="2377440" cy="276999"/>
-          </a:xfrm>
-          <a:prstGeom prst="roundRect">
+            <a:off x="7244798" y="1172316"/>
+            <a:ext cx="2299063" cy="307500"/>
+          </a:xfrm>
+          <a:prstGeom prst="rect">
+            <a:avLst/>
+          </a:prstGeom>
+          <a:solidFill>
+            <a:schemeClr val="bg1">
+              <a:lumMod val="85000"/>
+            </a:schemeClr>
+          </a:solidFill>
+        </p:spPr>
+        <p:style>
+          <a:lnRef idx="2">
+            <a:schemeClr val="accent1">
+              <a:shade val="50000"/>
+            </a:schemeClr>
+          </a:lnRef>
+          <a:fillRef idx="1">
+            <a:schemeClr val="accent1"/>
+          </a:fillRef>
+          <a:effectRef idx="0">
+            <a:schemeClr val="accent1"/>
+          </a:effectRef>
+          <a:fontRef idx="minor">
+            <a:schemeClr val="lt1"/>
+          </a:fontRef>
+        </p:style>
+        <p:txBody>
+          <a:bodyPr rtlCol="0" anchor="ctr"/>
+          <a:lstStyle/>
+          <a:p>
+            <a:r>
+              <a:rPr lang="es-MX" sz="1200" dirty="0" smtClean="0">
+                <a:solidFill>
+                  <a:schemeClr val="tx1"/>
+                </a:solidFill>
+              </a:rPr>
+              <a:t>Dictamen Jurídico </a:t>
+            </a:r>
+            <a:endParaRPr lang="es-MX" sz="1200" dirty="0">
+              <a:solidFill>
+                <a:schemeClr val="tx1"/>
+              </a:solidFill>
+            </a:endParaRPr>
+          </a:p>
+        </p:txBody>
+      </p:sp>
+      <p:sp>
+        <p:nvSpPr>
+          <p:cNvPr id="56" name="CuadroTexto 55"/>
+          <p:cNvSpPr txBox="1"/>
+          <p:nvPr/>
+        </p:nvSpPr>
+        <p:spPr>
+          <a:xfrm>
+            <a:off x="124643" y="4774740"/>
+            <a:ext cx="3082834" cy="276999"/>
+          </a:xfrm>
+          <a:prstGeom prst="rect">
+            <a:avLst/>
+          </a:prstGeom>
+          <a:noFill/>
+        </p:spPr>
+        <p:txBody>
+          <a:bodyPr wrap="square" rtlCol="0">
+            <a:spAutoFit/>
+          </a:bodyPr>
+          <a:lstStyle/>
+          <a:p>
+            <a:r>
+              <a:rPr lang="es-MX" sz="1200" dirty="0"/>
+              <a:t>*</a:t>
+            </a:r>
+            <a:r>
+              <a:rPr lang="es-MX" sz="1200" dirty="0" smtClean="0"/>
+              <a:t>Monto de capital  </a:t>
+            </a:r>
+            <a:r>
+              <a:rPr lang="es-MX" sz="1200" dirty="0"/>
+              <a:t>s</a:t>
+            </a:r>
+            <a:r>
+              <a:rPr lang="es-MX" sz="1200" dirty="0" smtClean="0"/>
+              <a:t>ocial </a:t>
+            </a:r>
+            <a:r>
+              <a:rPr lang="es-MX" sz="1200" dirty="0"/>
+              <a:t>p</a:t>
+            </a:r>
+            <a:r>
+              <a:rPr lang="es-MX" sz="1200" dirty="0" smtClean="0"/>
+              <a:t>agado </a:t>
+            </a:r>
+            <a:endParaRPr lang="es-MX" sz="1200" dirty="0"/>
+          </a:p>
+        </p:txBody>
+      </p:sp>
+      <p:sp>
+        <p:nvSpPr>
+          <p:cNvPr id="64" name="Rectángulo 63"/>
+          <p:cNvSpPr/>
+          <p:nvPr/>
+        </p:nvSpPr>
+        <p:spPr>
+          <a:xfrm>
+            <a:off x="2587112" y="4749939"/>
+            <a:ext cx="1844151" cy="298416"/>
+          </a:xfrm>
+          <a:prstGeom prst="rect">
             <a:avLst/>
           </a:prstGeom>
           <a:solidFill>
@@ -6789,22 +7024,20 @@
       </p:sp>
       <p:sp>
         <p:nvSpPr>
-          <p:cNvPr id="135" name="Rectángulo redondeado 134"/>
+          <p:cNvPr id="65" name="Rectángulo 64"/>
           <p:cNvSpPr/>
           <p:nvPr/>
         </p:nvSpPr>
         <p:spPr>
           <a:xfrm>
-            <a:off x="8625532" y="2654546"/>
-            <a:ext cx="339634" cy="276999"/>
-          </a:xfrm>
-          <a:prstGeom prst="roundRect">
+            <a:off x="2587112" y="4750317"/>
+            <a:ext cx="248195" cy="298038"/>
+          </a:xfrm>
+          <a:prstGeom prst="rect">
             <a:avLst/>
           </a:prstGeom>
           <a:solidFill>
-            <a:schemeClr val="bg1">
-              <a:lumMod val="95000"/>
-            </a:schemeClr>
+            <a:schemeClr val="bg1"/>
           </a:solidFill>
           <a:ln>
             <a:solidFill>
@@ -6833,265 +7066,32 @@
           <a:lstStyle/>
           <a:p>
             <a:pPr algn="ctr"/>
-            <a:endParaRPr lang="es-MX"/>
-          </a:p>
-        </p:txBody>
-      </p:sp>
-      <p:sp>
-        <p:nvSpPr>
-          <p:cNvPr id="136" name="CuadroTexto 135"/>
-          <p:cNvSpPr txBox="1"/>
-          <p:nvPr/>
-        </p:nvSpPr>
-        <p:spPr>
-          <a:xfrm>
-            <a:off x="6360273" y="2654546"/>
-            <a:ext cx="3278777" cy="276999"/>
-          </a:xfrm>
-          <a:prstGeom prst="rect">
-            <a:avLst/>
-          </a:prstGeom>
-          <a:noFill/>
-        </p:spPr>
-        <p:txBody>
-          <a:bodyPr wrap="square" rtlCol="0">
-            <a:spAutoFit/>
-          </a:bodyPr>
-          <a:lstStyle/>
-          <a:p>
-            <a:r>
-              <a:rPr lang="es-MX" sz="1200" dirty="0" smtClean="0"/>
-              <a:t>RFC</a:t>
-            </a:r>
-            <a:endParaRPr lang="es-MX" sz="1200" dirty="0"/>
-          </a:p>
-        </p:txBody>
-      </p:sp>
-      <p:cxnSp>
-        <p:nvCxnSpPr>
-          <p:cNvPr id="53" name="Conector recto 52"/>
-          <p:cNvCxnSpPr/>
-          <p:nvPr/>
-        </p:nvCxnSpPr>
-        <p:spPr>
-          <a:xfrm flipV="1">
-            <a:off x="165461" y="603404"/>
-            <a:ext cx="11834950" cy="2"/>
-          </a:xfrm>
-          <a:prstGeom prst="line">
-            <a:avLst/>
-          </a:prstGeom>
-          <a:ln>
-            <a:solidFill>
-              <a:schemeClr val="tx1"/>
-            </a:solidFill>
-          </a:ln>
-        </p:spPr>
-        <p:style>
-          <a:lnRef idx="1">
-            <a:schemeClr val="accent1"/>
-          </a:lnRef>
-          <a:fillRef idx="0">
-            <a:schemeClr val="accent1"/>
-          </a:fillRef>
-          <a:effectRef idx="0">
-            <a:schemeClr val="accent1"/>
-          </a:effectRef>
-          <a:fontRef idx="minor">
-            <a:schemeClr val="tx1"/>
-          </a:fontRef>
-        </p:style>
-      </p:cxnSp>
-      <p:sp>
-        <p:nvSpPr>
-          <p:cNvPr id="55" name="CuadroTexto 54"/>
-          <p:cNvSpPr txBox="1"/>
-          <p:nvPr/>
-        </p:nvSpPr>
-        <p:spPr>
-          <a:xfrm>
-            <a:off x="112358" y="782335"/>
-            <a:ext cx="1541417" cy="276999"/>
-          </a:xfrm>
-          <a:prstGeom prst="rect">
-            <a:avLst/>
-          </a:prstGeom>
-          <a:noFill/>
-        </p:spPr>
-        <p:txBody>
-          <a:bodyPr wrap="square" rtlCol="0">
-            <a:spAutoFit/>
-          </a:bodyPr>
-          <a:lstStyle/>
-          <a:p>
-            <a:r>
-              <a:rPr lang="es-MX" sz="1200" dirty="0" smtClean="0"/>
-              <a:t>Número de título:</a:t>
-            </a:r>
-            <a:endParaRPr lang="es-MX" sz="1200" dirty="0"/>
-          </a:p>
-        </p:txBody>
-      </p:sp>
-      <p:sp>
-        <p:nvSpPr>
-          <p:cNvPr id="57" name="CuadroTexto 56"/>
-          <p:cNvSpPr txBox="1"/>
-          <p:nvPr/>
-        </p:nvSpPr>
-        <p:spPr>
-          <a:xfrm>
-            <a:off x="1768309" y="789838"/>
-            <a:ext cx="1939367" cy="276999"/>
-          </a:xfrm>
-          <a:prstGeom prst="rect">
-            <a:avLst/>
-          </a:prstGeom>
-          <a:noFill/>
-        </p:spPr>
-        <p:txBody>
-          <a:bodyPr wrap="square" rtlCol="0">
-            <a:spAutoFit/>
-          </a:bodyPr>
-          <a:lstStyle/>
-          <a:p>
-            <a:r>
-              <a:rPr lang="es-MX" sz="1200" dirty="0" smtClean="0"/>
-              <a:t>Fecha  de Actualización:</a:t>
-            </a:r>
-            <a:endParaRPr lang="es-MX" sz="1200" dirty="0"/>
-          </a:p>
-        </p:txBody>
-      </p:sp>
-      <p:sp>
-        <p:nvSpPr>
-          <p:cNvPr id="58" name="CuadroTexto 57"/>
-          <p:cNvSpPr txBox="1"/>
-          <p:nvPr/>
-        </p:nvSpPr>
-        <p:spPr>
-          <a:xfrm>
-            <a:off x="9649264" y="776491"/>
-            <a:ext cx="1939367" cy="276999"/>
-          </a:xfrm>
-          <a:prstGeom prst="rect">
-            <a:avLst/>
-          </a:prstGeom>
-          <a:noFill/>
-        </p:spPr>
-        <p:txBody>
-          <a:bodyPr wrap="square" rtlCol="0">
-            <a:spAutoFit/>
-          </a:bodyPr>
-          <a:lstStyle/>
-          <a:p>
-            <a:r>
-              <a:rPr lang="es-MX" sz="1200" dirty="0" smtClean="0"/>
-              <a:t>Estado:</a:t>
-            </a:r>
-            <a:endParaRPr lang="es-MX" sz="1200" dirty="0"/>
-          </a:p>
-        </p:txBody>
-      </p:sp>
-      <p:sp>
-        <p:nvSpPr>
-          <p:cNvPr id="60" name="CuadroTexto 59"/>
-          <p:cNvSpPr txBox="1"/>
-          <p:nvPr/>
-        </p:nvSpPr>
-        <p:spPr>
-          <a:xfrm>
-            <a:off x="8012775" y="755621"/>
-            <a:ext cx="1939367" cy="276999"/>
-          </a:xfrm>
-          <a:prstGeom prst="rect">
-            <a:avLst/>
-          </a:prstGeom>
-          <a:noFill/>
-        </p:spPr>
-        <p:txBody>
-          <a:bodyPr wrap="square" rtlCol="0">
-            <a:spAutoFit/>
-          </a:bodyPr>
-          <a:lstStyle/>
-          <a:p>
-            <a:r>
-              <a:rPr lang="es-MX" sz="1200" dirty="0" smtClean="0"/>
-              <a:t>Días Transcurridos:</a:t>
-            </a:r>
-            <a:endParaRPr lang="es-MX" sz="1200" dirty="0"/>
-          </a:p>
-        </p:txBody>
-      </p:sp>
-      <p:sp>
-        <p:nvSpPr>
-          <p:cNvPr id="61" name="CuadroTexto 60"/>
-          <p:cNvSpPr txBox="1"/>
-          <p:nvPr/>
-        </p:nvSpPr>
-        <p:spPr>
-          <a:xfrm>
-            <a:off x="3681551" y="781740"/>
-            <a:ext cx="1939367" cy="276999"/>
-          </a:xfrm>
-          <a:prstGeom prst="rect">
-            <a:avLst/>
-          </a:prstGeom>
-          <a:noFill/>
-        </p:spPr>
-        <p:txBody>
-          <a:bodyPr wrap="square" rtlCol="0">
-            <a:spAutoFit/>
-          </a:bodyPr>
-          <a:lstStyle/>
-          <a:p>
-            <a:r>
-              <a:rPr lang="es-MX" sz="1200" dirty="0" smtClean="0"/>
-              <a:t>Fecha de consulta 32D  :</a:t>
-            </a:r>
-            <a:endParaRPr lang="es-MX" sz="1200" dirty="0"/>
-          </a:p>
-        </p:txBody>
-      </p:sp>
-      <p:sp>
-        <p:nvSpPr>
-          <p:cNvPr id="62" name="CuadroTexto 61"/>
-          <p:cNvSpPr txBox="1"/>
-          <p:nvPr/>
-        </p:nvSpPr>
-        <p:spPr>
-          <a:xfrm>
-            <a:off x="5809089" y="776492"/>
-            <a:ext cx="1939367" cy="276999"/>
-          </a:xfrm>
-          <a:prstGeom prst="rect">
-            <a:avLst/>
-          </a:prstGeom>
-          <a:noFill/>
-        </p:spPr>
-        <p:txBody>
-          <a:bodyPr wrap="square" rtlCol="0">
-            <a:spAutoFit/>
-          </a:bodyPr>
-          <a:lstStyle/>
-          <a:p>
-            <a:r>
-              <a:rPr lang="es-MX" sz="1200" dirty="0" smtClean="0"/>
-              <a:t>Resultado de consulta 32D :</a:t>
-            </a:r>
-            <a:endParaRPr lang="es-MX" sz="1200" dirty="0"/>
-          </a:p>
-        </p:txBody>
-      </p:sp>
-      <p:sp>
-        <p:nvSpPr>
-          <p:cNvPr id="63" name="Rectángulo 62"/>
+            <a:r>
+              <a:rPr lang="es-MX" sz="1200" dirty="0" smtClean="0">
+                <a:solidFill>
+                  <a:schemeClr val="tx1"/>
+                </a:solidFill>
+              </a:rPr>
+              <a:t>$</a:t>
+            </a:r>
+            <a:endParaRPr lang="es-MX" sz="1200" dirty="0">
+              <a:solidFill>
+                <a:schemeClr val="tx1"/>
+              </a:solidFill>
+            </a:endParaRPr>
+          </a:p>
+        </p:txBody>
+      </p:sp>
+      <p:sp>
+        <p:nvSpPr>
+          <p:cNvPr id="66" name="Rectángulo 65"/>
           <p:cNvSpPr/>
           <p:nvPr/>
         </p:nvSpPr>
         <p:spPr>
           <a:xfrm>
-            <a:off x="7245443" y="1171635"/>
-            <a:ext cx="2299063" cy="307174"/>
+            <a:off x="9601330" y="1172316"/>
+            <a:ext cx="2299063" cy="307500"/>
           </a:xfrm>
           <a:prstGeom prst="rect">
             <a:avLst/>
@@ -7128,7 +7128,7 @@
                   <a:schemeClr val="tx1"/>
                 </a:solidFill>
               </a:rPr>
-              <a:t>Pruebas y Alegatos</a:t>
+              <a:t>Cancelar título </a:t>
             </a:r>
             <a:endParaRPr lang="es-MX" sz="1200" dirty="0">
               <a:solidFill>
@@ -7141,7 +7141,7 @@
     </p:spTree>
     <p:extLst>
       <p:ext uri="{BB962C8B-B14F-4D97-AF65-F5344CB8AC3E}">
-        <p14:creationId xmlns:p14="http://schemas.microsoft.com/office/powerpoint/2010/main" val="1572546915"/>
+        <p14:creationId xmlns:p14="http://schemas.microsoft.com/office/powerpoint/2010/main" val="354339669"/>
       </p:ext>
     </p:extLst>
   </p:cSld>
@@ -8303,7 +8303,7 @@
     <p:controls>
       <mc:AlternateContent xmlns:mc="http://schemas.openxmlformats.org/markup-compatibility/2006">
         <mc:Choice xmlns:v="urn:schemas-microsoft-com:vml" Requires="v">
-          <p:control spid="10291" name="ListBox1" r:id="rId2" imgW="11325240" imgH="523800"/>
+          <p:control spid="10389" name="ListBox1" r:id="rId2" imgW="11325240" imgH="523800"/>
         </mc:Choice>
         <mc:Fallback>
           <p:control name="ListBox1" r:id="rId2" imgW="11325240" imgH="523800">
@@ -8336,7 +8336,7 @@
       </mc:AlternateContent>
       <mc:AlternateContent xmlns:mc="http://schemas.openxmlformats.org/markup-compatibility/2006">
         <mc:Choice xmlns:v="urn:schemas-microsoft-com:vml" Requires="v">
-          <p:control spid="10292" name="ListBox3" r:id="rId3" imgW="11325240" imgH="457200"/>
+          <p:control spid="10390" name="ListBox3" r:id="rId3" imgW="11325240" imgH="457200"/>
         </mc:Choice>
         <mc:Fallback>
           <p:control name="ListBox3" r:id="rId3" imgW="11325240" imgH="457200">
@@ -8369,7 +8369,7 @@
       </mc:AlternateContent>
       <mc:AlternateContent xmlns:mc="http://schemas.openxmlformats.org/markup-compatibility/2006">
         <mc:Choice xmlns:v="urn:schemas-microsoft-com:vml" Requires="v">
-          <p:control spid="10293" name="ListBox4" r:id="rId4" imgW="11334600" imgH="457200"/>
+          <p:control spid="10391" name="ListBox4" r:id="rId4" imgW="11334600" imgH="457200"/>
         </mc:Choice>
         <mc:Fallback>
           <p:control name="ListBox4" r:id="rId4" imgW="11334600" imgH="457200">
@@ -8402,7 +8402,7 @@
       </mc:AlternateContent>
       <mc:AlternateContent xmlns:mc="http://schemas.openxmlformats.org/markup-compatibility/2006">
         <mc:Choice xmlns:v="urn:schemas-microsoft-com:vml" Requires="v">
-          <p:control spid="10294" name="ListBox5" r:id="rId5" imgW="11382480" imgH="333360"/>
+          <p:control spid="10392" name="ListBox5" r:id="rId5" imgW="11382480" imgH="333360"/>
         </mc:Choice>
         <mc:Fallback>
           <p:control name="ListBox5" r:id="rId5" imgW="11382480" imgH="333360">
@@ -8435,7 +8435,7 @@
       </mc:AlternateContent>
       <mc:AlternateContent xmlns:mc="http://schemas.openxmlformats.org/markup-compatibility/2006">
         <mc:Choice xmlns:v="urn:schemas-microsoft-com:vml" Requires="v">
-          <p:control spid="10295" name="CheckBox1" r:id="rId6" imgW="3048120" imgH="343080"/>
+          <p:control spid="10393" name="CheckBox1" r:id="rId6" imgW="3048120" imgH="343080"/>
         </mc:Choice>
         <mc:Fallback>
           <p:control name="CheckBox1" r:id="rId6" imgW="3048120" imgH="343080">
@@ -8468,7 +8468,7 @@
       </mc:AlternateContent>
       <mc:AlternateContent xmlns:mc="http://schemas.openxmlformats.org/markup-compatibility/2006">
         <mc:Choice xmlns:v="urn:schemas-microsoft-com:vml" Requires="v">
-          <p:control spid="10296" name="CheckBox2" r:id="rId7" imgW="1990800" imgH="352440"/>
+          <p:control spid="10394" name="CheckBox2" r:id="rId7" imgW="1990800" imgH="352440"/>
         </mc:Choice>
         <mc:Fallback>
           <p:control name="CheckBox2" r:id="rId7" imgW="1990800" imgH="352440">
@@ -8501,7 +8501,7 @@
       </mc:AlternateContent>
       <mc:AlternateContent xmlns:mc="http://schemas.openxmlformats.org/markup-compatibility/2006">
         <mc:Choice xmlns:v="urn:schemas-microsoft-com:vml" Requires="v">
-          <p:control spid="10297" name="CheckBox5" r:id="rId8" imgW="1990800" imgH="352440"/>
+          <p:control spid="10395" name="CheckBox5" r:id="rId8" imgW="1990800" imgH="352440"/>
         </mc:Choice>
         <mc:Fallback>
           <p:control name="CheckBox5" r:id="rId8" imgW="1990800" imgH="352440">
@@ -9199,7 +9199,7 @@
     <p:controls>
       <mc:AlternateContent xmlns:mc="http://schemas.openxmlformats.org/markup-compatibility/2006">
         <mc:Choice xmlns:v="urn:schemas-microsoft-com:vml" Requires="v">
-          <p:control spid="11301" name="ListBox1" r:id="rId2" imgW="9163080" imgH="457200"/>
+          <p:control spid="11371" name="ListBox1" r:id="rId2" imgW="9163080" imgH="457200"/>
         </mc:Choice>
         <mc:Fallback>
           <p:control name="ListBox1" r:id="rId2" imgW="9163080" imgH="457200">
@@ -9232,7 +9232,7 @@
       </mc:AlternateContent>
       <mc:AlternateContent xmlns:mc="http://schemas.openxmlformats.org/markup-compatibility/2006">
         <mc:Choice xmlns:v="urn:schemas-microsoft-com:vml" Requires="v">
-          <p:control spid="11302" name="ListBox5" r:id="rId3" imgW="9344160" imgH="247680"/>
+          <p:control spid="11372" name="ListBox5" r:id="rId3" imgW="9344160" imgH="247680"/>
         </mc:Choice>
         <mc:Fallback>
           <p:control name="ListBox5" r:id="rId3" imgW="9344160" imgH="247680">
@@ -9265,7 +9265,7 @@
       </mc:AlternateContent>
       <mc:AlternateContent xmlns:mc="http://schemas.openxmlformats.org/markup-compatibility/2006">
         <mc:Choice xmlns:v="urn:schemas-microsoft-com:vml" Requires="v">
-          <p:control spid="11303" name="CheckBox1" r:id="rId4" imgW="3048120" imgH="343080"/>
+          <p:control spid="11373" name="CheckBox1" r:id="rId4" imgW="3048120" imgH="343080"/>
         </mc:Choice>
         <mc:Fallback>
           <p:control name="CheckBox1" r:id="rId4" imgW="3048120" imgH="343080">
@@ -9298,7 +9298,7 @@
       </mc:AlternateContent>
       <mc:AlternateContent xmlns:mc="http://schemas.openxmlformats.org/markup-compatibility/2006">
         <mc:Choice xmlns:v="urn:schemas-microsoft-com:vml" Requires="v">
-          <p:control spid="11304" name="CheckBox2" r:id="rId5" imgW="1990800" imgH="352440"/>
+          <p:control spid="11374" name="CheckBox2" r:id="rId5" imgW="1990800" imgH="352440"/>
         </mc:Choice>
         <mc:Fallback>
           <p:control name="CheckBox2" r:id="rId5" imgW="1990800" imgH="352440">
@@ -9331,7 +9331,7 @@
       </mc:AlternateContent>
       <mc:AlternateContent xmlns:mc="http://schemas.openxmlformats.org/markup-compatibility/2006">
         <mc:Choice xmlns:v="urn:schemas-microsoft-com:vml" Requires="v">
-          <p:control spid="11305" name="CheckBox5" r:id="rId6" imgW="1990800" imgH="352440"/>
+          <p:control spid="11375" name="CheckBox5" r:id="rId6" imgW="1990800" imgH="352440"/>
         </mc:Choice>
         <mc:Fallback>
           <p:control name="CheckBox5" r:id="rId6" imgW="1990800" imgH="352440">
@@ -13332,7 +13332,7 @@
     <p:controls>
       <mc:AlternateContent xmlns:mc="http://schemas.openxmlformats.org/markup-compatibility/2006">
         <mc:Choice xmlns:v="urn:schemas-microsoft-com:vml" Requires="v">
-          <p:control spid="12304" name="CheckBox2" r:id="rId2" imgW="11601360" imgH="723960"/>
+          <p:control spid="12332" name="CheckBox2" r:id="rId2" imgW="11601360" imgH="723960"/>
         </mc:Choice>
         <mc:Fallback>
           <p:control name="CheckBox2" r:id="rId2" imgW="11601360" imgH="723960">
@@ -13365,7 +13365,7 @@
       </mc:AlternateContent>
       <mc:AlternateContent xmlns:mc="http://schemas.openxmlformats.org/markup-compatibility/2006">
         <mc:Choice xmlns:v="urn:schemas-microsoft-com:vml" Requires="v">
-          <p:control spid="12305" name="ComboBox1" r:id="rId3" imgW="2724120" imgH="257040"/>
+          <p:control spid="12333" name="ComboBox1" r:id="rId3" imgW="2724120" imgH="257040"/>
         </mc:Choice>
         <mc:Fallback>
           <p:control name="ComboBox1" r:id="rId3" imgW="2724120" imgH="257040">
@@ -13711,7 +13711,23 @@
                   <a:schemeClr val="tx1"/>
                 </a:solidFill>
               </a:rPr>
-              <a:t>Prevención de  Actualización</a:t>
+              <a:t>Prevención de </a:t>
+            </a:r>
+            <a:r>
+              <a:rPr lang="es-MX" sz="1200" dirty="0" smtClean="0">
+                <a:solidFill>
+                  <a:schemeClr val="tx1"/>
+                </a:solidFill>
+              </a:rPr>
+              <a:t>la </a:t>
+            </a:r>
+            <a:r>
+              <a:rPr lang="es-MX" sz="1200" dirty="0" smtClean="0">
+                <a:solidFill>
+                  <a:schemeClr val="tx1"/>
+                </a:solidFill>
+              </a:rPr>
+              <a:t>Actualización</a:t>
             </a:r>
             <a:endParaRPr lang="es-MX" sz="1200" dirty="0">
               <a:solidFill>
@@ -13759,7 +13775,7 @@
         </p:nvSpPr>
         <p:spPr>
           <a:xfrm>
-            <a:off x="213359" y="4735733"/>
+            <a:off x="213359" y="4333938"/>
             <a:ext cx="3082834" cy="276999"/>
           </a:xfrm>
           <a:prstGeom prst="rect">
@@ -13819,7 +13835,7 @@
         </p:nvSpPr>
         <p:spPr>
           <a:xfrm>
-            <a:off x="213359" y="5242692"/>
+            <a:off x="213359" y="4716204"/>
             <a:ext cx="3662068" cy="276999"/>
           </a:xfrm>
           <a:prstGeom prst="rect">
@@ -13851,7 +13867,7 @@
         </p:nvSpPr>
         <p:spPr>
           <a:xfrm>
-            <a:off x="5448952" y="6227265"/>
+            <a:off x="6274964" y="6309091"/>
             <a:ext cx="1175656" cy="315186"/>
           </a:xfrm>
           <a:prstGeom prst="roundRect">
@@ -13891,7 +13907,7 @@
                   <a:schemeClr val="tx1"/>
                 </a:solidFill>
               </a:rPr>
-              <a:t>Prevenir</a:t>
+              <a:t>Firmar</a:t>
             </a:r>
             <a:endParaRPr lang="es-MX" sz="1200" dirty="0">
               <a:solidFill>
@@ -14211,7 +14227,7 @@
         </p:nvSpPr>
         <p:spPr>
           <a:xfrm>
-            <a:off x="5425935" y="4555788"/>
+            <a:off x="5425935" y="4320253"/>
             <a:ext cx="3082834" cy="276999"/>
           </a:xfrm>
           <a:prstGeom prst="rect">
@@ -14303,7 +14319,7 @@
         </p:nvSpPr>
         <p:spPr>
           <a:xfrm>
-            <a:off x="7115775" y="6239814"/>
+            <a:off x="5023733" y="6309091"/>
             <a:ext cx="1175656" cy="315186"/>
           </a:xfrm>
           <a:prstGeom prst="roundRect">
@@ -14632,7 +14648,7 @@
         </p:nvSpPr>
         <p:spPr>
           <a:xfrm>
-            <a:off x="3592285" y="6235681"/>
+            <a:off x="3776516" y="6283516"/>
             <a:ext cx="1175656" cy="315186"/>
           </a:xfrm>
           <a:prstGeom prst="roundRect">
@@ -14690,14 +14706,44 @@
           </a:p>
         </p:txBody>
       </p:sp>
+      <p:sp>
+        <p:nvSpPr>
+          <p:cNvPr id="42" name="CuadroTexto 41"/>
+          <p:cNvSpPr txBox="1"/>
+          <p:nvPr/>
+        </p:nvSpPr>
+        <p:spPr>
+          <a:xfrm>
+            <a:off x="209003" y="5487320"/>
+            <a:ext cx="3662068" cy="276999"/>
+          </a:xfrm>
+          <a:prstGeom prst="rect">
+            <a:avLst/>
+          </a:prstGeom>
+          <a:noFill/>
+        </p:spPr>
+        <p:txBody>
+          <a:bodyPr wrap="square" rtlCol="0">
+            <a:spAutoFit/>
+          </a:bodyPr>
+          <a:lstStyle/>
+          <a:p>
+            <a:r>
+              <a:rPr lang="es-MX" sz="1200" dirty="0" smtClean="0"/>
+              <a:t>Contestación de la prevención </a:t>
+            </a:r>
+            <a:endParaRPr lang="es-MX" sz="1200" dirty="0"/>
+          </a:p>
+        </p:txBody>
+      </p:sp>
     </p:spTree>
     <p:controls>
       <mc:AlternateContent xmlns:mc="http://schemas.openxmlformats.org/markup-compatibility/2006">
         <mc:Choice xmlns:v="urn:schemas-microsoft-com:vml" Requires="v">
-          <p:control spid="13349" name="ListBox3" r:id="rId2" imgW="11420640" imgH="457200"/>
+          <p:control spid="13437" name="ListBox3" r:id="rId2" imgW="11420640" imgH="390600"/>
         </mc:Choice>
         <mc:Fallback>
-          <p:control name="ListBox3" r:id="rId2" imgW="11420640" imgH="457200">
+          <p:control name="ListBox3" r:id="rId2" imgW="11420640" imgH="390600">
             <p:pic>
               <p:nvPicPr>
                 <p:cNvPr id="62" name="ListBox3"/>
@@ -14707,15 +14753,15 @@
                 <p:nvPr/>
               </p:nvPicPr>
               <p:blipFill>
-                <a:blip r:embed="rId8"/>
+                <a:blip r:embed="rId9"/>
                 <a:stretch>
                   <a:fillRect/>
                 </a:stretch>
               </p:blipFill>
               <p:spPr>
                 <a:xfrm>
-                  <a:off x="271667" y="5609101"/>
-                  <a:ext cx="11419590" cy="458343"/>
+                  <a:off x="271667" y="5082614"/>
+                  <a:ext cx="11419590" cy="391022"/>
                 </a:xfrm>
                 <a:prstGeom prst="rect">
                   <a:avLst/>
@@ -14727,7 +14773,7 @@
       </mc:AlternateContent>
       <mc:AlternateContent xmlns:mc="http://schemas.openxmlformats.org/markup-compatibility/2006">
         <mc:Choice xmlns:v="urn:schemas-microsoft-com:vml" Requires="v">
-          <p:control spid="13350" name="ListBox5" r:id="rId3" imgW="2685960" imgH="276120"/>
+          <p:control spid="13438" name="ListBox5" r:id="rId3" imgW="2685960" imgH="276120"/>
         </mc:Choice>
         <mc:Fallback>
           <p:control name="ListBox5" r:id="rId3" imgW="2685960" imgH="276120">
@@ -14740,7 +14786,7 @@
                 <p:nvPr/>
               </p:nvPicPr>
               <p:blipFill>
-                <a:blip r:embed="rId9"/>
+                <a:blip r:embed="rId10"/>
                 <a:stretch>
                   <a:fillRect/>
                 </a:stretch>
@@ -14760,7 +14806,7 @@
       </mc:AlternateContent>
       <mc:AlternateContent xmlns:mc="http://schemas.openxmlformats.org/markup-compatibility/2006">
         <mc:Choice xmlns:v="urn:schemas-microsoft-com:vml" Requires="v">
-          <p:control spid="13351" name="ListBox6" r:id="rId4" imgW="2523960" imgH="276120"/>
+          <p:control spid="13439" name="ListBox6" r:id="rId4" imgW="2523960" imgH="276120"/>
         </mc:Choice>
         <mc:Fallback>
           <p:control name="ListBox6" r:id="rId4" imgW="2523960" imgH="276120">
@@ -14773,7 +14819,7 @@
                 <p:nvPr/>
               </p:nvPicPr>
               <p:blipFill>
-                <a:blip r:embed="rId10"/>
+                <a:blip r:embed="rId11"/>
                 <a:stretch>
                   <a:fillRect/>
                 </a:stretch>
@@ -14793,46 +14839,13 @@
       </mc:AlternateContent>
       <mc:AlternateContent xmlns:mc="http://schemas.openxmlformats.org/markup-compatibility/2006">
         <mc:Choice xmlns:v="urn:schemas-microsoft-com:vml" Requires="v">
-          <p:control spid="13352" name="ListBox7" r:id="rId5" imgW="2523960" imgH="276120"/>
+          <p:control spid="13440" name="ListBox7" r:id="rId5" imgW="2523960" imgH="276120"/>
         </mc:Choice>
         <mc:Fallback>
           <p:control name="ListBox7" r:id="rId5" imgW="2523960" imgH="276120">
             <p:pic>
               <p:nvPicPr>
                 <p:cNvPr id="66" name="ListBox7"/>
-                <p:cNvPicPr>
-                  <a:picLocks/>
-                </p:cNvPicPr>
-                <p:nvPr/>
-              </p:nvPicPr>
-              <p:blipFill>
-                <a:blip r:embed="rId10"/>
-                <a:stretch>
-                  <a:fillRect/>
-                </a:stretch>
-              </p:blipFill>
-              <p:spPr>
-                <a:xfrm>
-                  <a:off x="1769075" y="4731895"/>
-                  <a:ext cx="2521946" cy="277812"/>
-                </a:xfrm>
-                <a:prstGeom prst="rect">
-                  <a:avLst/>
-                </a:prstGeom>
-              </p:spPr>
-            </p:pic>
-          </p:control>
-        </mc:Fallback>
-      </mc:AlternateContent>
-      <mc:AlternateContent xmlns:mc="http://schemas.openxmlformats.org/markup-compatibility/2006">
-        <mc:Choice xmlns:v="urn:schemas-microsoft-com:vml" Requires="v">
-          <p:control spid="13353" name="ListBox8" r:id="rId6" imgW="2638440" imgH="276120"/>
-        </mc:Choice>
-        <mc:Fallback>
-          <p:control name="ListBox8" r:id="rId6" imgW="2638440" imgH="276120">
-            <p:pic>
-              <p:nvPicPr>
-                <p:cNvPr id="30" name="ListBox8"/>
                 <p:cNvPicPr>
                   <a:picLocks/>
                 </p:cNvPicPr>
@@ -14846,8 +14859,74 @@
               </p:blipFill>
               <p:spPr>
                 <a:xfrm>
-                  <a:off x="6990010" y="4601959"/>
+                  <a:off x="1769075" y="4330100"/>
+                  <a:ext cx="2521946" cy="277812"/>
+                </a:xfrm>
+                <a:prstGeom prst="rect">
+                  <a:avLst/>
+                </a:prstGeom>
+              </p:spPr>
+            </p:pic>
+          </p:control>
+        </mc:Fallback>
+      </mc:AlternateContent>
+      <mc:AlternateContent xmlns:mc="http://schemas.openxmlformats.org/markup-compatibility/2006">
+        <mc:Choice xmlns:v="urn:schemas-microsoft-com:vml" Requires="v">
+          <p:control spid="13441" name="ListBox8" r:id="rId6" imgW="2638440" imgH="276120"/>
+        </mc:Choice>
+        <mc:Fallback>
+          <p:control name="ListBox8" r:id="rId6" imgW="2638440" imgH="276120">
+            <p:pic>
+              <p:nvPicPr>
+                <p:cNvPr id="30" name="ListBox8"/>
+                <p:cNvPicPr>
+                  <a:picLocks/>
+                </p:cNvPicPr>
+                <p:nvPr/>
+              </p:nvPicPr>
+              <p:blipFill>
+                <a:blip r:embed="rId12"/>
+                <a:stretch>
+                  <a:fillRect/>
+                </a:stretch>
+              </p:blipFill>
+              <p:spPr>
+                <a:xfrm>
+                  <a:off x="6990010" y="4366424"/>
                   <a:ext cx="2639138" cy="277812"/>
+                </a:xfrm>
+                <a:prstGeom prst="rect">
+                  <a:avLst/>
+                </a:prstGeom>
+              </p:spPr>
+            </p:pic>
+          </p:control>
+        </mc:Fallback>
+      </mc:AlternateContent>
+      <mc:AlternateContent xmlns:mc="http://schemas.openxmlformats.org/markup-compatibility/2006">
+        <mc:Choice xmlns:v="urn:schemas-microsoft-com:vml" Requires="v">
+          <p:control spid="13442" name="ListBox1" r:id="rId7" imgW="11420640" imgH="457200"/>
+        </mc:Choice>
+        <mc:Fallback>
+          <p:control name="ListBox1" r:id="rId7" imgW="11420640" imgH="457200">
+            <p:pic>
+              <p:nvPicPr>
+                <p:cNvPr id="44" name="ListBox1"/>
+                <p:cNvPicPr>
+                  <a:picLocks/>
+                </p:cNvPicPr>
+                <p:nvPr/>
+              </p:nvPicPr>
+              <p:blipFill>
+                <a:blip r:embed="rId13"/>
+                <a:stretch>
+                  <a:fillRect/>
+                </a:stretch>
+              </p:blipFill>
+              <p:spPr>
+                <a:xfrm>
+                  <a:off x="267311" y="5749227"/>
+                  <a:ext cx="11419590" cy="458343"/>
                 </a:xfrm>
                 <a:prstGeom prst="rect">
                   <a:avLst/>
@@ -15052,7 +15131,7 @@
         </p:nvSpPr>
         <p:spPr>
           <a:xfrm>
-            <a:off x="190862" y="1790561"/>
+            <a:off x="149297" y="1721286"/>
             <a:ext cx="3662068" cy="276999"/>
           </a:xfrm>
           <a:prstGeom prst="rect">
@@ -15098,7 +15177,41 @@
                 <a:ea typeface="+mn-ea"/>
                 <a:cs typeface="+mn-cs"/>
               </a:rPr>
-              <a:t>Motivo de prorroga</a:t>
+              <a:t>Motivo </a:t>
+            </a:r>
+            <a:r>
+              <a:rPr kumimoji="0" lang="es-MX" sz="1200" b="0" i="0" u="none" strike="noStrike" kern="1200" cap="none" spc="0" normalizeH="0" baseline="0" noProof="0" dirty="0" smtClean="0">
+                <a:ln>
+                  <a:noFill/>
+                </a:ln>
+                <a:solidFill>
+                  <a:prstClr val="black"/>
+                </a:solidFill>
+                <a:effectLst/>
+                <a:uLnTx/>
+                <a:uFillTx/>
+                <a:latin typeface="Calibri" panose="020F0502020204030204"/>
+                <a:ea typeface="+mn-ea"/>
+                <a:cs typeface="+mn-cs"/>
+              </a:rPr>
+              <a:t>de la </a:t>
+            </a:r>
+            <a:r>
+              <a:rPr kumimoji="0" lang="es-MX" sz="1200" b="0" i="0" u="none" strike="noStrike" kern="1200" cap="none" spc="0" normalizeH="0" baseline="0" noProof="0" dirty="0" smtClean="0">
+                <a:ln>
+                  <a:noFill/>
+                </a:ln>
+                <a:solidFill>
+                  <a:prstClr val="black"/>
+                </a:solidFill>
+                <a:effectLst/>
+                <a:uLnTx/>
+                <a:uFillTx/>
+                <a:latin typeface="Calibri" panose="020F0502020204030204"/>
+                <a:ea typeface="+mn-ea"/>
+                <a:cs typeface="+mn-cs"/>
+              </a:rPr>
+              <a:t>prorroga</a:t>
             </a:r>
             <a:endParaRPr kumimoji="0" lang="es-MX" sz="1200" b="0" i="0" u="none" strike="noStrike" kern="1200" cap="none" spc="0" normalizeH="0" baseline="0" noProof="0" dirty="0">
               <a:ln>
@@ -15195,7 +15308,33 @@
                 <a:ea typeface="+mn-ea"/>
                 <a:cs typeface="+mn-cs"/>
               </a:rPr>
-              <a:t>Prorroga de Actualización </a:t>
+              <a:t>Prorroga de </a:t>
+            </a:r>
+            <a:r>
+              <a:rPr lang="es-MX" sz="1200" dirty="0" smtClean="0">
+                <a:solidFill>
+                  <a:prstClr val="black"/>
+                </a:solidFill>
+                <a:latin typeface="Calibri" panose="020F0502020204030204"/>
+              </a:rPr>
+              <a:t>la </a:t>
+            </a:r>
+            <a:r>
+              <a:rPr kumimoji="0" lang="es-MX" sz="1200" b="0" i="0" u="none" strike="noStrike" kern="1200" cap="none" spc="0" normalizeH="0" baseline="0" noProof="0" dirty="0" smtClean="0">
+                <a:ln>
+                  <a:noFill/>
+                </a:ln>
+                <a:solidFill>
+                  <a:prstClr val="black"/>
+                </a:solidFill>
+                <a:effectLst/>
+                <a:uLnTx/>
+                <a:uFillTx/>
+                <a:latin typeface="Calibri" panose="020F0502020204030204"/>
+                <a:ea typeface="+mn-ea"/>
+                <a:cs typeface="+mn-cs"/>
+              </a:rPr>
+              <a:t>Actualización </a:t>
             </a:r>
             <a:endParaRPr kumimoji="0" lang="es-MX" sz="1200" b="0" i="0" u="none" strike="noStrike" kern="1200" cap="none" spc="0" normalizeH="0" baseline="0" noProof="0" dirty="0">
               <a:ln>
@@ -15222,7 +15361,7 @@
         </p:nvSpPr>
         <p:spPr>
           <a:xfrm>
-            <a:off x="209003" y="3836587"/>
+            <a:off x="209003" y="3005314"/>
             <a:ext cx="3082834" cy="276999"/>
           </a:xfrm>
           <a:prstGeom prst="rect">
@@ -15295,7 +15434,7 @@
         </p:nvSpPr>
         <p:spPr>
           <a:xfrm>
-            <a:off x="4705994" y="3827384"/>
+            <a:off x="4705994" y="2996111"/>
             <a:ext cx="3082834" cy="276999"/>
           </a:xfrm>
           <a:prstGeom prst="rect">
@@ -15368,7 +15507,7 @@
         </p:nvSpPr>
         <p:spPr>
           <a:xfrm>
-            <a:off x="190862" y="4383143"/>
+            <a:off x="190862" y="3551870"/>
             <a:ext cx="3662068" cy="276999"/>
           </a:xfrm>
           <a:prstGeom prst="rect">
@@ -15414,88 +15553,8 @@
                 <a:ea typeface="+mn-ea"/>
                 <a:cs typeface="+mn-cs"/>
               </a:rPr>
-              <a:t>Observaciones</a:t>
-            </a:r>
-            <a:endParaRPr kumimoji="0" lang="es-MX" sz="1200" b="0" i="0" u="none" strike="noStrike" kern="1200" cap="none" spc="0" normalizeH="0" baseline="0" noProof="0" dirty="0">
-              <a:ln>
-                <a:noFill/>
-              </a:ln>
-              <a:solidFill>
-                <a:prstClr val="black"/>
-              </a:solidFill>
-              <a:effectLst/>
-              <a:uLnTx/>
-              <a:uFillTx/>
-              <a:latin typeface="Calibri" panose="020F0502020204030204"/>
-              <a:ea typeface="+mn-ea"/>
-              <a:cs typeface="+mn-cs"/>
-            </a:endParaRPr>
-          </a:p>
-        </p:txBody>
-      </p:sp>
-      <p:sp>
-        <p:nvSpPr>
-          <p:cNvPr id="46" name="Rectángulo 45"/>
-          <p:cNvSpPr/>
-          <p:nvPr/>
-        </p:nvSpPr>
-        <p:spPr>
-          <a:xfrm>
-            <a:off x="238763" y="3507676"/>
-            <a:ext cx="11495392" cy="108659"/>
-          </a:xfrm>
-          <a:prstGeom prst="rect">
-            <a:avLst/>
-          </a:prstGeom>
-          <a:solidFill>
-            <a:schemeClr val="accent1">
-              <a:lumMod val="20000"/>
-              <a:lumOff val="80000"/>
-            </a:schemeClr>
-          </a:solidFill>
-          <a:ln>
-            <a:solidFill>
-              <a:schemeClr val="tx1"/>
-            </a:solidFill>
-          </a:ln>
-        </p:spPr>
-        <p:style>
-          <a:lnRef idx="2">
-            <a:schemeClr val="accent1">
-              <a:shade val="50000"/>
-            </a:schemeClr>
-          </a:lnRef>
-          <a:fillRef idx="1">
-            <a:schemeClr val="accent1"/>
-          </a:fillRef>
-          <a:effectRef idx="0">
-            <a:schemeClr val="accent1"/>
-          </a:effectRef>
-          <a:fontRef idx="minor">
-            <a:schemeClr val="lt1"/>
-          </a:fontRef>
-        </p:style>
-        <p:txBody>
-          <a:bodyPr rtlCol="0" anchor="ctr"/>
-          <a:lstStyle/>
-          <a:p>
-            <a:pPr marL="0" marR="0" lvl="0" indent="0" algn="l" defTabSz="914400" rtl="0" eaLnBrk="1" fontAlgn="auto" latinLnBrk="0" hangingPunct="1">
-              <a:lnSpc>
-                <a:spcPct val="100000"/>
-              </a:lnSpc>
-              <a:spcBef>
-                <a:spcPts val="0"/>
-              </a:spcBef>
-              <a:spcAft>
-                <a:spcPts val="0"/>
-              </a:spcAft>
-              <a:buClrTx/>
-              <a:buSzTx/>
-              <a:buFontTx/>
-              <a:buNone/>
-              <a:tabLst/>
-              <a:defRPr/>
-            </a:pPr>
+              <a:t>Contestación de la prórroga</a:t>
+            </a:r>
             <a:endParaRPr kumimoji="0" lang="es-MX" sz="1200" b="0" i="0" u="none" strike="noStrike" kern="1200" cap="none" spc="0" normalizeH="0" baseline="0" noProof="0" dirty="0">
               <a:ln>
                 <a:noFill/>
@@ -15602,7 +15661,7 @@
         </p:nvSpPr>
         <p:spPr>
           <a:xfrm>
-            <a:off x="274183" y="2073483"/>
+            <a:off x="232618" y="2004208"/>
             <a:ext cx="11384170" cy="764412"/>
           </a:xfrm>
           <a:prstGeom prst="rect">
@@ -15683,7 +15742,7 @@
         </p:nvSpPr>
         <p:spPr>
           <a:xfrm>
-            <a:off x="6764658" y="3831019"/>
+            <a:off x="6764658" y="2999746"/>
             <a:ext cx="2769599" cy="276999"/>
           </a:xfrm>
           <a:prstGeom prst="rect">
@@ -15766,7 +15825,7 @@
         </p:nvSpPr>
         <p:spPr>
           <a:xfrm>
-            <a:off x="4696740" y="5985139"/>
+            <a:off x="6511683" y="5193627"/>
             <a:ext cx="1629634" cy="344700"/>
           </a:xfrm>
           <a:prstGeom prst="roundRect">
@@ -15831,7 +15890,7 @@
                 <a:ea typeface="+mn-ea"/>
                 <a:cs typeface="+mn-cs"/>
               </a:rPr>
-              <a:t>Otorgar Prorroga</a:t>
+              <a:t>Firmar</a:t>
             </a:r>
             <a:endParaRPr kumimoji="0" lang="es-MX" sz="1200" b="0" i="0" u="none" strike="noStrike" kern="1200" cap="none" spc="0" normalizeH="0" baseline="0" noProof="0" dirty="0">
               <a:ln>
@@ -15860,7 +15919,7 @@
         </p:nvSpPr>
         <p:spPr>
           <a:xfrm>
-            <a:off x="3168808" y="5985139"/>
+            <a:off x="3487462" y="5223141"/>
             <a:ext cx="1175656" cy="315186"/>
           </a:xfrm>
           <a:prstGeom prst="roundRect">
@@ -15954,7 +16013,7 @@
         </p:nvSpPr>
         <p:spPr>
           <a:xfrm>
-            <a:off x="6626554" y="5955625"/>
+            <a:off x="4770043" y="5193627"/>
             <a:ext cx="1629634" cy="344700"/>
           </a:xfrm>
           <a:prstGeom prst="roundRect">
@@ -16019,7 +16078,7 @@
                 <a:ea typeface="+mn-ea"/>
                 <a:cs typeface="+mn-cs"/>
               </a:rPr>
-              <a:t>pre visualizar</a:t>
+              <a:t>Previsualizar</a:t>
             </a:r>
             <a:endParaRPr kumimoji="0" lang="es-MX" sz="1200" b="0" i="0" u="none" strike="noStrike" kern="1200" cap="none" spc="0" normalizeH="0" baseline="0" noProof="0" dirty="0">
               <a:ln>
@@ -16038,11 +16097,182 @@
           </a:p>
         </p:txBody>
       </p:sp>
+      <p:sp>
+        <p:nvSpPr>
+          <p:cNvPr id="21" name="CuadroTexto 20"/>
+          <p:cNvSpPr txBox="1"/>
+          <p:nvPr/>
+        </p:nvSpPr>
+        <p:spPr>
+          <a:xfrm>
+            <a:off x="117566" y="1248202"/>
+            <a:ext cx="3082834" cy="276999"/>
+          </a:xfrm>
+          <a:prstGeom prst="rect">
+            <a:avLst/>
+          </a:prstGeom>
+          <a:noFill/>
+        </p:spPr>
+        <p:txBody>
+          <a:bodyPr wrap="square" rtlCol="0">
+            <a:spAutoFit/>
+          </a:bodyPr>
+          <a:lstStyle/>
+          <a:p>
+            <a:pPr marL="0" marR="0" lvl="0" indent="0" algn="l" defTabSz="914400" rtl="0" eaLnBrk="1" fontAlgn="auto" latinLnBrk="0" hangingPunct="1">
+              <a:lnSpc>
+                <a:spcPct val="100000"/>
+              </a:lnSpc>
+              <a:spcBef>
+                <a:spcPts val="0"/>
+              </a:spcBef>
+              <a:spcAft>
+                <a:spcPts val="0"/>
+              </a:spcAft>
+              <a:buClrTx/>
+              <a:buSzTx/>
+              <a:buFontTx/>
+              <a:buNone/>
+              <a:tabLst/>
+              <a:defRPr/>
+            </a:pPr>
+            <a:r>
+              <a:rPr kumimoji="0" lang="es-MX" sz="1200" b="0" i="0" u="none" strike="noStrike" kern="1200" cap="none" spc="0" normalizeH="0" baseline="0" noProof="0" dirty="0" smtClean="0">
+                <a:ln>
+                  <a:noFill/>
+                </a:ln>
+                <a:solidFill>
+                  <a:prstClr val="black"/>
+                </a:solidFill>
+                <a:effectLst/>
+                <a:uLnTx/>
+                <a:uFillTx/>
+                <a:latin typeface="Calibri" panose="020F0502020204030204"/>
+                <a:ea typeface="+mn-ea"/>
+                <a:cs typeface="+mn-cs"/>
+              </a:rPr>
+              <a:t>Días otorgados </a:t>
+            </a:r>
+            <a:endParaRPr kumimoji="0" lang="es-MX" sz="1200" b="0" i="0" u="none" strike="noStrike" kern="1200" cap="none" spc="0" normalizeH="0" baseline="0" noProof="0" dirty="0">
+              <a:ln>
+                <a:noFill/>
+              </a:ln>
+              <a:solidFill>
+                <a:prstClr val="black"/>
+              </a:solidFill>
+              <a:effectLst/>
+              <a:uLnTx/>
+              <a:uFillTx/>
+              <a:latin typeface="Calibri" panose="020F0502020204030204"/>
+              <a:ea typeface="+mn-ea"/>
+              <a:cs typeface="+mn-cs"/>
+            </a:endParaRPr>
+          </a:p>
+        </p:txBody>
+      </p:sp>
+      <p:sp>
+        <p:nvSpPr>
+          <p:cNvPr id="25" name="Rectángulo 24"/>
+          <p:cNvSpPr/>
+          <p:nvPr/>
+        </p:nvSpPr>
+        <p:spPr>
+          <a:xfrm>
+            <a:off x="1658983" y="1288117"/>
+            <a:ext cx="2769599" cy="276999"/>
+          </a:xfrm>
+          <a:prstGeom prst="rect">
+            <a:avLst/>
+          </a:prstGeom>
+          <a:solidFill>
+            <a:schemeClr val="bg1">
+              <a:lumMod val="85000"/>
+            </a:schemeClr>
+          </a:solidFill>
+          <a:ln>
+            <a:solidFill>
+              <a:schemeClr val="bg1">
+                <a:lumMod val="95000"/>
+              </a:schemeClr>
+            </a:solidFill>
+          </a:ln>
+        </p:spPr>
+        <p:style>
+          <a:lnRef idx="2">
+            <a:schemeClr val="accent1">
+              <a:shade val="50000"/>
+            </a:schemeClr>
+          </a:lnRef>
+          <a:fillRef idx="1">
+            <a:schemeClr val="accent1"/>
+          </a:fillRef>
+          <a:effectRef idx="0">
+            <a:schemeClr val="accent1"/>
+          </a:effectRef>
+          <a:fontRef idx="minor">
+            <a:schemeClr val="lt1"/>
+          </a:fontRef>
+        </p:style>
+        <p:txBody>
+          <a:bodyPr rtlCol="0" anchor="ctr"/>
+          <a:lstStyle/>
+          <a:p>
+            <a:pPr marL="0" marR="0" lvl="0" indent="0" algn="ctr" defTabSz="914400" rtl="0" eaLnBrk="1" fontAlgn="auto" latinLnBrk="0" hangingPunct="1">
+              <a:lnSpc>
+                <a:spcPct val="100000"/>
+              </a:lnSpc>
+              <a:spcBef>
+                <a:spcPts val="0"/>
+              </a:spcBef>
+              <a:spcAft>
+                <a:spcPts val="0"/>
+              </a:spcAft>
+              <a:buClrTx/>
+              <a:buSzTx/>
+              <a:buFontTx/>
+              <a:buNone/>
+              <a:tabLst/>
+              <a:defRPr/>
+            </a:pPr>
+            <a:r>
+              <a:rPr kumimoji="0" lang="es-ES" sz="1800" b="0" i="0" u="none" strike="noStrike" kern="1200" cap="none" spc="0" normalizeH="0" baseline="0" noProof="0" dirty="0" smtClean="0">
+                <a:ln>
+                  <a:noFill/>
+                </a:ln>
+                <a:solidFill>
+                  <a:schemeClr val="tx1"/>
+                </a:solidFill>
+                <a:effectLst/>
+                <a:uLnTx/>
+                <a:uFillTx/>
+                <a:latin typeface="Calibri" panose="020F0502020204030204"/>
+                <a:ea typeface="+mn-ea"/>
+                <a:cs typeface="+mn-cs"/>
+              </a:rPr>
+              <a:t>5</a:t>
+            </a:r>
+            <a:endParaRPr kumimoji="0" lang="es-ES" sz="1800" b="0" i="0" u="none" strike="noStrike" kern="1200" cap="none" spc="0" normalizeH="0" baseline="0" noProof="0" dirty="0">
+              <a:ln>
+                <a:noFill/>
+              </a:ln>
+              <a:solidFill>
+                <a:schemeClr val="tx1"/>
+              </a:solidFill>
+              <a:effectLst/>
+              <a:uLnTx/>
+              <a:uFillTx/>
+              <a:latin typeface="Calibri" panose="020F0502020204030204"/>
+              <a:ea typeface="+mn-ea"/>
+              <a:cs typeface="+mn-cs"/>
+            </a:endParaRPr>
+          </a:p>
+        </p:txBody>
+      </p:sp>
     </p:spTree>
     <p:controls>
       <mc:AlternateContent xmlns:mc="http://schemas.openxmlformats.org/markup-compatibility/2006">
         <mc:Choice xmlns:v="urn:schemas-microsoft-com:vml" Requires="v">
-          <p:control spid="14352" name="ListBox1" r:id="rId2" imgW="11420640" imgH="752400"/>
+          <p:control spid="14384" name="ListBox1" r:id="rId2" imgW="11420640" imgH="752400"/>
         </mc:Choice>
         <mc:Fallback>
           <p:control name="ListBox1" r:id="rId2" imgW="11420640" imgH="752400">
@@ -16062,7 +16292,7 @@
               </p:blipFill>
               <p:spPr>
                 <a:xfrm>
-                  <a:off x="238763" y="4827876"/>
+                  <a:off x="238763" y="3996603"/>
                   <a:ext cx="11419590" cy="751965"/>
                 </a:xfrm>
                 <a:prstGeom prst="rect">
@@ -16075,7 +16305,7 @@
       </mc:AlternateContent>
       <mc:AlternateContent xmlns:mc="http://schemas.openxmlformats.org/markup-compatibility/2006">
         <mc:Choice xmlns:v="urn:schemas-microsoft-com:vml" Requires="v">
-          <p:control spid="14353" name="ListBox7" r:id="rId3" imgW="2523960" imgH="276120"/>
+          <p:control spid="14385" name="ListBox7" r:id="rId3" imgW="2523960" imgH="276120"/>
         </mc:Choice>
         <mc:Fallback>
           <p:control name="ListBox7" r:id="rId3" imgW="2523960" imgH="276120">
@@ -16095,7 +16325,7 @@
               </p:blipFill>
               <p:spPr>
                 <a:xfrm>
-                  <a:off x="1906637" y="3852318"/>
+                  <a:off x="1906637" y="3021045"/>
                   <a:ext cx="2521945" cy="277812"/>
                 </a:xfrm>
                 <a:prstGeom prst="rect">
@@ -16187,7 +16417,7 @@
           <a:lstStyle/>
           <a:p>
             <a:pPr algn="ctr"/>
-            <a:endParaRPr lang="es-MX"/>
+            <a:endParaRPr lang="es-MX" dirty="0"/>
           </a:p>
         </p:txBody>
       </p:sp>
@@ -16199,7 +16429,7 @@
         </p:nvSpPr>
         <p:spPr>
           <a:xfrm>
-            <a:off x="4881992" y="629902"/>
+            <a:off x="4956910" y="958631"/>
             <a:ext cx="2132762" cy="276999"/>
           </a:xfrm>
           <a:prstGeom prst="rect">
@@ -16342,7 +16572,7 @@
           </a:bodyPr>
           <a:lstStyle/>
           <a:p>
-            <a:endParaRPr lang="es-MX"/>
+            <a:endParaRPr lang="es-MX" dirty="0"/>
           </a:p>
         </p:txBody>
       </p:sp>
@@ -16354,8 +16584,8 @@
         </p:nvSpPr>
         <p:spPr>
           <a:xfrm>
-            <a:off x="201021" y="665088"/>
-            <a:ext cx="3082834" cy="276999"/>
+            <a:off x="6066725" y="1358902"/>
+            <a:ext cx="1080022" cy="276999"/>
           </a:xfrm>
           <a:prstGeom prst="rect">
             <a:avLst/>
@@ -16370,7 +16600,7 @@
           <a:p>
             <a:r>
               <a:rPr lang="es-MX" sz="1200" dirty="0" smtClean="0"/>
-              <a:t>Número de oficio </a:t>
+              <a:t>Atenta nota:</a:t>
             </a:r>
             <a:endParaRPr lang="es-MX" sz="1200" dirty="0"/>
           </a:p>
@@ -16384,7 +16614,7 @@
         </p:nvSpPr>
         <p:spPr>
           <a:xfrm>
-            <a:off x="182880" y="1819872"/>
+            <a:off x="180564" y="1988021"/>
             <a:ext cx="3662068" cy="276999"/>
           </a:xfrm>
           <a:prstGeom prst="rect">
@@ -16414,7 +16644,7 @@
         </p:nvSpPr>
         <p:spPr>
           <a:xfrm>
-            <a:off x="238765" y="5499931"/>
+            <a:off x="276509" y="5657509"/>
             <a:ext cx="11419590" cy="470916"/>
           </a:xfrm>
           <a:prstGeom prst="rect">
@@ -16454,7 +16684,7 @@
           <a:lstStyle/>
           <a:p>
             <a:pPr algn="ctr"/>
-            <a:endParaRPr lang="es-ES"/>
+            <a:endParaRPr lang="es-ES" dirty="0"/>
           </a:p>
         </p:txBody>
       </p:sp>
@@ -16466,7 +16696,7 @@
         </p:nvSpPr>
         <p:spPr>
           <a:xfrm>
-            <a:off x="201021" y="5088509"/>
+            <a:off x="238765" y="5246087"/>
             <a:ext cx="3662068" cy="276999"/>
           </a:xfrm>
           <a:prstGeom prst="rect">
@@ -16498,7 +16728,7 @@
         </p:nvSpPr>
         <p:spPr>
           <a:xfrm>
-            <a:off x="4696740" y="6209804"/>
+            <a:off x="6681138" y="6224561"/>
             <a:ext cx="1629634" cy="344700"/>
           </a:xfrm>
           <a:prstGeom prst="roundRect">
@@ -16558,7 +16788,7 @@
         </p:nvSpPr>
         <p:spPr>
           <a:xfrm>
-            <a:off x="6626554" y="6198435"/>
+            <a:off x="4993693" y="6224561"/>
             <a:ext cx="1629634" cy="344700"/>
           </a:xfrm>
           <a:prstGeom prst="roundRect">
@@ -16618,7 +16848,7 @@
         </p:nvSpPr>
         <p:spPr>
           <a:xfrm>
-            <a:off x="2925675" y="6209803"/>
+            <a:off x="3748636" y="6235929"/>
             <a:ext cx="1175656" cy="344701"/>
           </a:xfrm>
           <a:prstGeom prst="roundRect">
@@ -16684,7 +16914,7 @@
         </p:nvSpPr>
         <p:spPr>
           <a:xfrm>
-            <a:off x="238765" y="2684955"/>
+            <a:off x="238765" y="2813407"/>
             <a:ext cx="3662068" cy="276999"/>
           </a:xfrm>
           <a:prstGeom prst="rect">
@@ -16714,7 +16944,7 @@
         </p:nvSpPr>
         <p:spPr>
           <a:xfrm>
-            <a:off x="156997" y="994972"/>
+            <a:off x="180564" y="616648"/>
             <a:ext cx="3082834" cy="276999"/>
           </a:xfrm>
           <a:prstGeom prst="rect">
@@ -16744,7 +16974,7 @@
         </p:nvSpPr>
         <p:spPr>
           <a:xfrm>
-            <a:off x="194323" y="1380744"/>
+            <a:off x="180564" y="949674"/>
             <a:ext cx="3082834" cy="276999"/>
           </a:xfrm>
           <a:prstGeom prst="rect">
@@ -16760,7 +16990,7 @@
           <a:p>
             <a:r>
               <a:rPr lang="es-MX" sz="1200" dirty="0" smtClean="0"/>
-              <a:t>Número de atenta nota </a:t>
+              <a:t>Número de atenta nota: </a:t>
             </a:r>
             <a:endParaRPr lang="es-MX" sz="1200" dirty="0"/>
           </a:p>
@@ -16774,7 +17004,7 @@
         </p:nvSpPr>
         <p:spPr>
           <a:xfrm>
-            <a:off x="4854545" y="996706"/>
+            <a:off x="264179" y="1363994"/>
             <a:ext cx="3082834" cy="276999"/>
           </a:xfrm>
           <a:prstGeom prst="rect">
@@ -16807,8 +17037,8 @@
           </p:nvPr>
         </p:nvGraphicFramePr>
         <p:xfrm>
-          <a:off x="249402" y="3123604"/>
-          <a:ext cx="11619869" cy="1857732"/>
+          <a:off x="287146" y="3294245"/>
+          <a:ext cx="11619869" cy="739431"/>
         </p:xfrm>
         <a:graphic>
           <a:graphicData uri="http://schemas.openxmlformats.org/drawingml/2006/table">
@@ -16823,17 +17053,11 @@
                   </a:extLst>
                 </a:gridCol>
               </a:tblGrid>
-              <a:tr h="1857732">
+              <a:tr h="739431">
                 <a:tc>
                   <a:txBody>
                     <a:bodyPr/>
                     <a:lstStyle/>
-                    <a:p>
-                      <a:endParaRPr lang="es-ES" dirty="0" smtClean="0"/>
-                    </a:p>
-                    <a:p>
-                      <a:endParaRPr lang="es-ES" dirty="0" smtClean="0"/>
-                    </a:p>
                     <a:p>
                       <a:endParaRPr lang="es-ES" dirty="0" smtClean="0"/>
                     </a:p>
@@ -16888,183 +17112,192 @@
       </p:graphicFrame>
       <p:pic>
         <p:nvPicPr>
-          <p:cNvPr id="26" name="Imagen 25"/>
-          <p:cNvPicPr>
-            <a:picLocks noChangeAspect="1"/>
-          </p:cNvPicPr>
-          <p:nvPr/>
-        </p:nvPicPr>
-        <p:blipFill>
-          <a:blip r:embed="rId8"/>
-          <a:stretch>
-            <a:fillRect/>
-          </a:stretch>
-        </p:blipFill>
-        <p:spPr>
-          <a:xfrm>
-            <a:off x="414722" y="3203108"/>
-            <a:ext cx="1314450" cy="400050"/>
-          </a:xfrm>
-          <a:prstGeom prst="rect">
-            <a:avLst/>
-          </a:prstGeom>
-        </p:spPr>
-      </p:pic>
-      <p:pic>
-        <p:nvPicPr>
-          <p:cNvPr id="27" name="Imagen 26"/>
-          <p:cNvPicPr>
-            <a:picLocks noChangeAspect="1"/>
-          </p:cNvPicPr>
+          <p:cNvPr id="30" name="Imagen 29"/>
+          <p:cNvPicPr/>
           <p:nvPr/>
         </p:nvPicPr>
         <p:blipFill rotWithShape="1">
-          <a:blip r:embed="rId9"/>
-          <a:srcRect l="3602" r="48531" b="4005"/>
+          <a:blip r:embed="rId6" cstate="print">
+            <a:extLst>
+              <a:ext uri="{28A0092B-C50C-407E-A947-70E740481C1C}">
+                <a14:useLocalDpi xmlns:a14="http://schemas.microsoft.com/office/drawing/2010/main" val="0"/>
+              </a:ext>
+            </a:extLst>
+          </a:blip>
+          <a:srcRect l="30295" t="75502" r="57014" b="19459"/>
           <a:stretch/>
         </p:blipFill>
-        <p:spPr>
-          <a:xfrm>
-            <a:off x="1805394" y="3224084"/>
-            <a:ext cx="837321" cy="369004"/>
-          </a:xfrm>
-          <a:prstGeom prst="rect">
-            <a:avLst/>
-          </a:prstGeom>
+        <p:spPr bwMode="auto">
+          <a:xfrm>
+            <a:off x="7234555" y="1226673"/>
+            <a:ext cx="1767584" cy="419640"/>
+          </a:xfrm>
+          <a:prstGeom prst="rect">
+            <a:avLst/>
+          </a:prstGeom>
+          <a:ln>
+            <a:noFill/>
+          </a:ln>
+          <a:extLst>
+            <a:ext uri="{53640926-AAD7-44D8-BBD7-CCE9431645EC}">
+              <a14:shadowObscured xmlns:a14="http://schemas.microsoft.com/office/drawing/2010/main"/>
+            </a:ext>
+          </a:extLst>
         </p:spPr>
       </p:pic>
-      <p:pic>
-        <p:nvPicPr>
-          <p:cNvPr id="28" name="Imagen 27"/>
-          <p:cNvPicPr>
-            <a:picLocks noChangeAspect="1"/>
-          </p:cNvPicPr>
-          <p:nvPr/>
-        </p:nvPicPr>
-        <p:blipFill rotWithShape="1">
-          <a:blip r:embed="rId10"/>
-          <a:srcRect l="-1" t="-1" r="23131" b="4526"/>
-          <a:stretch/>
-        </p:blipFill>
-        <p:spPr>
-          <a:xfrm>
-            <a:off x="2718937" y="3196792"/>
-            <a:ext cx="1435084" cy="396296"/>
-          </a:xfrm>
-          <a:prstGeom prst="rect">
-            <a:avLst/>
-          </a:prstGeom>
-        </p:spPr>
-      </p:pic>
-      <p:cxnSp>
-        <p:nvCxnSpPr>
-          <p:cNvPr id="29" name="Conector recto 28"/>
-          <p:cNvCxnSpPr/>
-          <p:nvPr/>
-        </p:nvCxnSpPr>
-        <p:spPr>
-          <a:xfrm flipV="1">
-            <a:off x="264179" y="3797542"/>
-            <a:ext cx="11605092" cy="36874"/>
-          </a:xfrm>
-          <a:prstGeom prst="line">
-            <a:avLst/>
-          </a:prstGeom>
-          <a:ln>
-            <a:solidFill>
-              <a:schemeClr val="tx1"/>
-            </a:solidFill>
-          </a:ln>
-        </p:spPr>
-        <p:style>
-          <a:lnRef idx="1">
-            <a:schemeClr val="accent1"/>
-          </a:lnRef>
-          <a:fillRef idx="0">
-            <a:schemeClr val="accent1"/>
-          </a:fillRef>
-          <a:effectRef idx="0">
-            <a:schemeClr val="accent1"/>
-          </a:effectRef>
-          <a:fontRef idx="minor">
-            <a:schemeClr val="tx1"/>
-          </a:fontRef>
-        </p:style>
-      </p:cxnSp>
+      <p:sp>
+        <p:nvSpPr>
+          <p:cNvPr id="31" name="CuadroTexto 30"/>
+          <p:cNvSpPr txBox="1"/>
+          <p:nvPr/>
+        </p:nvSpPr>
+        <p:spPr>
+          <a:xfrm>
+            <a:off x="287146" y="4127420"/>
+            <a:ext cx="3662068" cy="276999"/>
+          </a:xfrm>
+          <a:prstGeom prst="rect">
+            <a:avLst/>
+          </a:prstGeom>
+          <a:noFill/>
+        </p:spPr>
+        <p:txBody>
+          <a:bodyPr wrap="square" rtlCol="0">
+            <a:spAutoFit/>
+          </a:bodyPr>
+          <a:lstStyle/>
+          <a:p>
+            <a:r>
+              <a:rPr lang="es-MX" sz="1200" dirty="0" smtClean="0"/>
+              <a:t>Termino de condición sexta:</a:t>
+            </a:r>
+            <a:endParaRPr lang="es-MX" sz="1200" dirty="0"/>
+          </a:p>
+        </p:txBody>
+      </p:sp>
+      <p:graphicFrame>
+        <p:nvGraphicFramePr>
+          <p:cNvPr id="34" name="Tabla 33"/>
+          <p:cNvGraphicFramePr>
+            <a:graphicFrameLocks noGrp="1"/>
+          </p:cNvGraphicFramePr>
+          <p:nvPr>
+            <p:extLst/>
+          </p:nvPr>
+        </p:nvGraphicFramePr>
+        <p:xfrm>
+          <a:off x="323809" y="4412965"/>
+          <a:ext cx="11619869" cy="739431"/>
+        </p:xfrm>
+        <a:graphic>
+          <a:graphicData uri="http://schemas.openxmlformats.org/drawingml/2006/table">
+            <a:tbl>
+              <a:tblPr/>
+              <a:tblGrid>
+                <a:gridCol w="11619869">
+                  <a:extLst>
+                    <a:ext uri="{9D8B030D-6E8A-4147-A177-3AD203B41FA5}">
+                      <a16:colId xmlns:a16="http://schemas.microsoft.com/office/drawing/2014/main" val="1676688776"/>
+                    </a:ext>
+                  </a:extLst>
+                </a:gridCol>
+              </a:tblGrid>
+              <a:tr h="739431">
+                <a:tc>
+                  <a:txBody>
+                    <a:bodyPr/>
+                    <a:lstStyle/>
+                    <a:p>
+                      <a:endParaRPr lang="es-ES" dirty="0" smtClean="0"/>
+                    </a:p>
+                    <a:p>
+                      <a:r>
+                        <a:rPr lang="es-ES" dirty="0" smtClean="0"/>
+                        <a:t>(Texto precargado)</a:t>
+                      </a:r>
+                      <a:r>
+                        <a:rPr lang="es-ES" baseline="0" dirty="0" smtClean="0"/>
+                        <a:t> </a:t>
+                      </a:r>
+                      <a:endParaRPr lang="es-ES" dirty="0"/>
+                    </a:p>
+                  </a:txBody>
+                  <a:tcPr>
+                    <a:lnL w="12700" cmpd="sng">
+                      <a:solidFill>
+                        <a:schemeClr val="tx1"/>
+                      </a:solidFill>
+                      <a:prstDash val="solid"/>
+                    </a:lnL>
+                    <a:lnR w="12700" cmpd="sng">
+                      <a:solidFill>
+                        <a:schemeClr val="tx1"/>
+                      </a:solidFill>
+                      <a:prstDash val="solid"/>
+                    </a:lnR>
+                    <a:lnT w="12700" cmpd="sng">
+                      <a:solidFill>
+                        <a:schemeClr val="tx1"/>
+                      </a:solidFill>
+                      <a:prstDash val="solid"/>
+                    </a:lnT>
+                    <a:lnB w="12700" cmpd="sng">
+                      <a:solidFill>
+                        <a:schemeClr val="tx1"/>
+                      </a:solidFill>
+                      <a:prstDash val="solid"/>
+                    </a:lnB>
+                  </a:tcPr>
+                </a:tc>
+                <a:extLst>
+                  <a:ext uri="{0D108BD9-81ED-4DB2-BD59-A6C34878D82A}">
+                    <a16:rowId xmlns:a16="http://schemas.microsoft.com/office/drawing/2014/main" val="2729328701"/>
+                  </a:ext>
+                </a:extLst>
+              </a:tr>
+            </a:tbl>
+          </a:graphicData>
+        </a:graphic>
+      </p:graphicFrame>
+      <p:sp>
+        <p:nvSpPr>
+          <p:cNvPr id="3" name="Rectángulo 2"/>
+          <p:cNvSpPr/>
+          <p:nvPr/>
+        </p:nvSpPr>
+        <p:spPr>
+          <a:xfrm>
+            <a:off x="238765" y="2085994"/>
+            <a:ext cx="11403768" cy="646331"/>
+          </a:xfrm>
+          <a:prstGeom prst="rect">
+            <a:avLst/>
+          </a:prstGeom>
+        </p:spPr>
+        <p:txBody>
+          <a:bodyPr wrap="square">
+            <a:spAutoFit/>
+          </a:bodyPr>
+          <a:lstStyle/>
+          <a:p>
+            <a:endParaRPr lang="es-ES" dirty="0"/>
+          </a:p>
+          <a:p>
+            <a:r>
+              <a:rPr lang="es-ES" dirty="0"/>
+              <a:t>(Texto precargado) </a:t>
+            </a:r>
+          </a:p>
+        </p:txBody>
+      </p:sp>
     </p:spTree>
     <p:controls>
       <mc:AlternateContent xmlns:mc="http://schemas.openxmlformats.org/markup-compatibility/2006">
         <mc:Choice xmlns:v="urn:schemas-microsoft-com:vml" Requires="v">
-          <p:control spid="15397" name="ListBox1" r:id="rId2" imgW="11420640" imgH="361800"/>
+          <p:control spid="22548" name="ListBox2" r:id="rId2" imgW="2523960" imgH="276120"/>
         </mc:Choice>
         <mc:Fallback>
-          <p:control name="ListBox1" r:id="rId2" imgW="11420640" imgH="361800">
-            <p:pic>
-              <p:nvPicPr>
-                <p:cNvPr id="56" name="ListBox1"/>
-                <p:cNvPicPr>
-                  <a:picLocks/>
-                </p:cNvPicPr>
-                <p:nvPr/>
-              </p:nvPicPr>
-              <p:blipFill>
-                <a:blip r:embed="rId11"/>
-                <a:stretch>
-                  <a:fillRect/>
-                </a:stretch>
-              </p:blipFill>
-              <p:spPr>
-                <a:xfrm>
-                  <a:off x="230781" y="2228747"/>
-                  <a:ext cx="11419590" cy="364172"/>
-                </a:xfrm>
-                <a:prstGeom prst="rect">
-                  <a:avLst/>
-                </a:prstGeom>
-              </p:spPr>
-            </p:pic>
-          </p:control>
-        </mc:Fallback>
-      </mc:AlternateContent>
-      <mc:AlternateContent xmlns:mc="http://schemas.openxmlformats.org/markup-compatibility/2006">
-        <mc:Choice xmlns:v="urn:schemas-microsoft-com:vml" Requires="v">
-          <p:control spid="15398" name="ListBox7" r:id="rId3" imgW="2523960" imgH="276120"/>
-        </mc:Choice>
-        <mc:Fallback>
-          <p:control name="ListBox7" r:id="rId3" imgW="2523960" imgH="276120">
-            <p:pic>
-              <p:nvPicPr>
-                <p:cNvPr id="57" name="ListBox7"/>
-                <p:cNvPicPr>
-                  <a:picLocks/>
-                </p:cNvPicPr>
-                <p:nvPr/>
-              </p:nvPicPr>
-              <p:blipFill>
-                <a:blip r:embed="rId12"/>
-                <a:stretch>
-                  <a:fillRect/>
-                </a:stretch>
-              </p:blipFill>
-              <p:spPr>
-                <a:xfrm>
-                  <a:off x="2219071" y="652404"/>
-                  <a:ext cx="2521945" cy="277812"/>
-                </a:xfrm>
-                <a:prstGeom prst="rect">
-                  <a:avLst/>
-                </a:prstGeom>
-              </p:spPr>
-            </p:pic>
-          </p:control>
-        </mc:Fallback>
-      </mc:AlternateContent>
-      <mc:AlternateContent xmlns:mc="http://schemas.openxmlformats.org/markup-compatibility/2006">
-        <mc:Choice xmlns:v="urn:schemas-microsoft-com:vml" Requires="v">
-          <p:control spid="15399" name="ListBox2" r:id="rId4" imgW="2523960" imgH="276120"/>
-        </mc:Choice>
-        <mc:Fallback>
-          <p:control name="ListBox2" r:id="rId4" imgW="2523960" imgH="276120">
+          <p:control name="ListBox2" r:id="rId2" imgW="2523960" imgH="276120">
             <p:pic>
               <p:nvPicPr>
                 <p:cNvPr id="58" name="ListBox2"/>
@@ -17074,7 +17307,7 @@
                 <p:nvPr/>
               </p:nvPicPr>
               <p:blipFill>
-                <a:blip r:embed="rId12"/>
+                <a:blip r:embed="rId7"/>
                 <a:stretch>
                   <a:fillRect/>
                 </a:stretch>
@@ -17094,10 +17327,10 @@
       </mc:AlternateContent>
       <mc:AlternateContent xmlns:mc="http://schemas.openxmlformats.org/markup-compatibility/2006">
         <mc:Choice xmlns:v="urn:schemas-microsoft-com:vml" Requires="v">
-          <p:control spid="15400" name="ListBox4" r:id="rId5" imgW="2523960" imgH="276120"/>
+          <p:control spid="22549" name="ListBox4" r:id="rId3" imgW="2523960" imgH="276120"/>
         </mc:Choice>
         <mc:Fallback>
-          <p:control name="ListBox4" r:id="rId5" imgW="2523960" imgH="276120">
+          <p:control name="ListBox4" r:id="rId3" imgW="2523960" imgH="276120">
             <p:pic>
               <p:nvPicPr>
                 <p:cNvPr id="23" name="ListBox4"/>
@@ -17107,14 +17340,14 @@
                 <p:nvPr/>
               </p:nvPicPr>
               <p:blipFill>
-                <a:blip r:embed="rId12"/>
+                <a:blip r:embed="rId7"/>
                 <a:stretch>
                   <a:fillRect/>
                 </a:stretch>
               </p:blipFill>
               <p:spPr>
                 <a:xfrm>
-                  <a:off x="7478511" y="1030208"/>
+                  <a:off x="2200955" y="1408943"/>
                   <a:ext cx="2521945" cy="277812"/>
                 </a:xfrm>
                 <a:prstGeom prst="rect">
@@ -17127,10 +17360,10 @@
       </mc:AlternateContent>
       <mc:AlternateContent xmlns:mc="http://schemas.openxmlformats.org/markup-compatibility/2006">
         <mc:Choice xmlns:v="urn:schemas-microsoft-com:vml" Requires="v">
-          <p:control spid="15401" name="ListBox5" r:id="rId6" imgW="2523960" imgH="276120"/>
+          <p:control spid="22550" name="ListBox5" r:id="rId4" imgW="2523960" imgH="276120"/>
         </mc:Choice>
         <mc:Fallback>
-          <p:control name="ListBox5" r:id="rId6" imgW="2523960" imgH="276120">
+          <p:control name="ListBox5" r:id="rId4" imgW="2523960" imgH="276120">
             <p:pic>
               <p:nvPicPr>
                 <p:cNvPr id="24" name="ListBox5"/>
@@ -17140,14 +17373,14 @@
                 <p:nvPr/>
               </p:nvPicPr>
               <p:blipFill>
-                <a:blip r:embed="rId12"/>
+                <a:blip r:embed="rId7"/>
                 <a:stretch>
                   <a:fillRect/>
                 </a:stretch>
               </p:blipFill>
               <p:spPr>
                 <a:xfrm>
-                  <a:off x="2214714" y="1407637"/>
+                  <a:off x="2200955" y="976567"/>
                   <a:ext cx="2521945" cy="277812"/>
                 </a:xfrm>
                 <a:prstGeom prst="rect">
@@ -17161,7 +17394,7 @@
     </p:controls>
     <p:extLst>
       <p:ext uri="{BB962C8B-B14F-4D97-AF65-F5344CB8AC3E}">
-        <p14:creationId xmlns:p14="http://schemas.microsoft.com/office/powerpoint/2010/main" val="3490149407"/>
+        <p14:creationId xmlns:p14="http://schemas.microsoft.com/office/powerpoint/2010/main" val="4020870332"/>
       </p:ext>
     </p:extLst>
   </p:cSld>
@@ -17281,7 +17514,7 @@
         </p:nvSpPr>
         <p:spPr>
           <a:xfrm>
-            <a:off x="190862" y="1790561"/>
+            <a:off x="190862" y="1513461"/>
             <a:ext cx="3662068" cy="276999"/>
           </a:xfrm>
           <a:prstGeom prst="rect">
@@ -17358,20 +17591,28 @@
               <a:t>Prorroga </a:t>
             </a:r>
             <a:r>
-              <a:rPr lang="es-MX" sz="1200" dirty="0">
-                <a:solidFill>
-                  <a:schemeClr val="tx1"/>
-                </a:solidFill>
-              </a:rPr>
-              <a:t> </a:t>
-            </a:r>
-            <a:r>
               <a:rPr lang="es-MX" sz="1200" dirty="0" smtClean="0">
                 <a:solidFill>
                   <a:schemeClr val="tx1"/>
                 </a:solidFill>
               </a:rPr>
-              <a:t>de inicio  de Cancelación</a:t>
+              <a:t>del </a:t>
+            </a:r>
+            <a:r>
+              <a:rPr lang="es-MX" sz="1200" dirty="0" smtClean="0">
+                <a:solidFill>
+                  <a:schemeClr val="tx1"/>
+                </a:solidFill>
+              </a:rPr>
+              <a:t>inicio </a:t>
+            </a:r>
+            <a:r>
+              <a:rPr lang="es-MX" sz="1200" dirty="0" smtClean="0">
+                <a:solidFill>
+                  <a:schemeClr val="tx1"/>
+                </a:solidFill>
+              </a:rPr>
+              <a:t>de cancelación</a:t>
             </a:r>
             <a:endParaRPr lang="es-MX" sz="1200" dirty="0">
               <a:solidFill>
@@ -17389,7 +17630,7 @@
         </p:nvSpPr>
         <p:spPr>
           <a:xfrm>
-            <a:off x="209003" y="3836587"/>
+            <a:off x="209003" y="2700508"/>
             <a:ext cx="3082834" cy="276999"/>
           </a:xfrm>
           <a:prstGeom prst="rect">
@@ -17419,7 +17660,7 @@
         </p:nvSpPr>
         <p:spPr>
           <a:xfrm>
-            <a:off x="4705994" y="3827384"/>
+            <a:off x="4705994" y="2705160"/>
             <a:ext cx="3082834" cy="276999"/>
           </a:xfrm>
           <a:prstGeom prst="rect">
@@ -17449,7 +17690,7 @@
         </p:nvSpPr>
         <p:spPr>
           <a:xfrm>
-            <a:off x="190862" y="4383143"/>
+            <a:off x="190862" y="3150081"/>
             <a:ext cx="3662068" cy="276999"/>
           </a:xfrm>
           <a:prstGeom prst="rect">
@@ -17465,63 +17706,13 @@
           <a:p>
             <a:r>
               <a:rPr lang="es-MX" sz="1200" dirty="0" smtClean="0"/>
-              <a:t>Observaciones</a:t>
+              <a:t>Contestación de la pr</a:t>
+            </a:r>
+            <a:r>
+              <a:rPr lang="es-MX" sz="1200" dirty="0" smtClean="0"/>
+              <a:t>órroga</a:t>
             </a:r>
             <a:endParaRPr lang="es-MX" sz="1200" dirty="0"/>
-          </a:p>
-        </p:txBody>
-      </p:sp>
-      <p:sp>
-        <p:nvSpPr>
-          <p:cNvPr id="46" name="Rectángulo 45"/>
-          <p:cNvSpPr/>
-          <p:nvPr/>
-        </p:nvSpPr>
-        <p:spPr>
-          <a:xfrm>
-            <a:off x="238763" y="3507676"/>
-            <a:ext cx="11495392" cy="108659"/>
-          </a:xfrm>
-          <a:prstGeom prst="rect">
-            <a:avLst/>
-          </a:prstGeom>
-          <a:solidFill>
-            <a:schemeClr val="accent1">
-              <a:lumMod val="20000"/>
-              <a:lumOff val="80000"/>
-            </a:schemeClr>
-          </a:solidFill>
-          <a:ln>
-            <a:solidFill>
-              <a:schemeClr val="tx1"/>
-            </a:solidFill>
-          </a:ln>
-        </p:spPr>
-        <p:style>
-          <a:lnRef idx="2">
-            <a:schemeClr val="accent1">
-              <a:shade val="50000"/>
-            </a:schemeClr>
-          </a:lnRef>
-          <a:fillRef idx="1">
-            <a:schemeClr val="accent1"/>
-          </a:fillRef>
-          <a:effectRef idx="0">
-            <a:schemeClr val="accent1"/>
-          </a:effectRef>
-          <a:fontRef idx="minor">
-            <a:schemeClr val="lt1"/>
-          </a:fontRef>
-        </p:style>
-        <p:txBody>
-          <a:bodyPr rtlCol="0" anchor="ctr"/>
-          <a:lstStyle/>
-          <a:p>
-            <a:endParaRPr lang="es-MX" sz="1200" dirty="0">
-              <a:solidFill>
-                <a:schemeClr val="tx1"/>
-              </a:solidFill>
-            </a:endParaRPr>
           </a:p>
         </p:txBody>
       </p:sp>
@@ -17585,7 +17776,7 @@
         </p:nvSpPr>
         <p:spPr>
           <a:xfrm>
-            <a:off x="274183" y="2073483"/>
+            <a:off x="274183" y="1796383"/>
             <a:ext cx="11384170" cy="764412"/>
           </a:xfrm>
           <a:prstGeom prst="rect">
@@ -17637,7 +17828,7 @@
         </p:nvSpPr>
         <p:spPr>
           <a:xfrm>
-            <a:off x="6764658" y="3831019"/>
+            <a:off x="6764658" y="2708795"/>
             <a:ext cx="2769599" cy="276999"/>
           </a:xfrm>
           <a:prstGeom prst="rect">
@@ -17691,7 +17882,7 @@
         </p:nvSpPr>
         <p:spPr>
           <a:xfrm>
-            <a:off x="4696740" y="5985139"/>
+            <a:off x="6310170" y="4732525"/>
             <a:ext cx="1629634" cy="344700"/>
           </a:xfrm>
           <a:prstGeom prst="roundRect">
@@ -17751,7 +17942,7 @@
         </p:nvSpPr>
         <p:spPr>
           <a:xfrm>
-            <a:off x="3168808" y="5985139"/>
+            <a:off x="3291837" y="4747282"/>
             <a:ext cx="1175656" cy="315186"/>
           </a:xfrm>
           <a:prstGeom prst="roundRect">
@@ -17811,7 +18002,7 @@
         </p:nvSpPr>
         <p:spPr>
           <a:xfrm>
-            <a:off x="6626554" y="5955625"/>
+            <a:off x="4588707" y="4732525"/>
             <a:ext cx="1629634" cy="344700"/>
           </a:xfrm>
           <a:prstGeom prst="roundRect">
@@ -17851,7 +18042,7 @@
                   <a:schemeClr val="tx1"/>
                 </a:solidFill>
               </a:rPr>
-              <a:t>pre visualizar</a:t>
+              <a:t>Previsualizar</a:t>
             </a:r>
             <a:endParaRPr lang="es-MX" sz="1200" dirty="0">
               <a:solidFill>
@@ -17869,7 +18060,7 @@
         </p:nvSpPr>
         <p:spPr>
           <a:xfrm>
-            <a:off x="169203" y="1375235"/>
+            <a:off x="196913" y="1236685"/>
             <a:ext cx="3082834" cy="276999"/>
           </a:xfrm>
           <a:prstGeom prst="rect">
@@ -17885,7 +18076,11 @@
           <a:p>
             <a:r>
               <a:rPr lang="es-MX" sz="1200" dirty="0" smtClean="0"/>
-              <a:t>Días Solicitados</a:t>
+              <a:t>Días </a:t>
+            </a:r>
+            <a:r>
+              <a:rPr lang="es-MX" sz="1200" dirty="0" smtClean="0"/>
+              <a:t>otorgados</a:t>
             </a:r>
             <a:endParaRPr lang="es-MX" sz="1200" dirty="0"/>
           </a:p>
@@ -17899,7 +18094,7 @@
         </p:nvSpPr>
         <p:spPr>
           <a:xfrm>
-            <a:off x="1708582" y="1385263"/>
+            <a:off x="1736292" y="1246713"/>
             <a:ext cx="2789778" cy="232873"/>
           </a:xfrm>
           <a:prstGeom prst="rect">
@@ -17959,7 +18154,7 @@
     <p:controls>
       <mc:AlternateContent xmlns:mc="http://schemas.openxmlformats.org/markup-compatibility/2006">
         <mc:Choice xmlns:v="urn:schemas-microsoft-com:vml" Requires="v">
-          <p:control spid="16400" name="ListBox1" r:id="rId2" imgW="11420640" imgH="752400"/>
+          <p:control spid="16430" name="ListBox1" r:id="rId2" imgW="11420640" imgH="752400"/>
         </mc:Choice>
         <mc:Fallback>
           <p:control name="ListBox1" r:id="rId2" imgW="11420640" imgH="752400">
@@ -17979,7 +18174,7 @@
               </p:blipFill>
               <p:spPr>
                 <a:xfrm>
-                  <a:off x="238763" y="4827876"/>
+                  <a:off x="238763" y="3594814"/>
                   <a:ext cx="11419590" cy="751965"/>
                 </a:xfrm>
                 <a:prstGeom prst="rect">
@@ -17992,7 +18187,7 @@
       </mc:AlternateContent>
       <mc:AlternateContent xmlns:mc="http://schemas.openxmlformats.org/markup-compatibility/2006">
         <mc:Choice xmlns:v="urn:schemas-microsoft-com:vml" Requires="v">
-          <p:control spid="16401" name="ListBox7" r:id="rId3" imgW="2523960" imgH="276120"/>
+          <p:control spid="16431" name="ListBox7" r:id="rId3" imgW="2523960" imgH="276120"/>
         </mc:Choice>
         <mc:Fallback>
           <p:control name="ListBox7" r:id="rId3" imgW="2523960" imgH="276120">
@@ -18012,7 +18207,7 @@
               </p:blipFill>
               <p:spPr>
                 <a:xfrm>
-                  <a:off x="1906637" y="3852318"/>
+                  <a:off x="1906637" y="2716239"/>
                   <a:ext cx="2521945" cy="277812"/>
                 </a:xfrm>
                 <a:prstGeom prst="rect">
@@ -18504,7 +18699,7 @@
     <p:controls>
       <mc:AlternateContent xmlns:mc="http://schemas.openxmlformats.org/markup-compatibility/2006">
         <mc:Choice xmlns:v="urn:schemas-microsoft-com:vml" Requires="v">
-          <p:control spid="17445" name="ListBox3" r:id="rId2" imgW="11420640" imgH="800280"/>
+          <p:control spid="17515" name="ListBox3" r:id="rId2" imgW="11420640" imgH="800280"/>
         </mc:Choice>
         <mc:Fallback>
           <p:control name="ListBox3" r:id="rId2" imgW="11420640" imgH="800280">
@@ -18537,7 +18732,7 @@
       </mc:AlternateContent>
       <mc:AlternateContent xmlns:mc="http://schemas.openxmlformats.org/markup-compatibility/2006">
         <mc:Choice xmlns:v="urn:schemas-microsoft-com:vml" Requires="v">
-          <p:control spid="17446" name="ListBox5" r:id="rId3" imgW="2685960" imgH="276120"/>
+          <p:control spid="17516" name="ListBox5" r:id="rId3" imgW="2685960" imgH="276120"/>
         </mc:Choice>
         <mc:Fallback>
           <p:control name="ListBox5" r:id="rId3" imgW="2685960" imgH="276120">
@@ -18570,7 +18765,7 @@
       </mc:AlternateContent>
       <mc:AlternateContent xmlns:mc="http://schemas.openxmlformats.org/markup-compatibility/2006">
         <mc:Choice xmlns:v="urn:schemas-microsoft-com:vml" Requires="v">
-          <p:control spid="17447" name="ListBox6" r:id="rId4" imgW="2523960" imgH="276120"/>
+          <p:control spid="17517" name="ListBox6" r:id="rId4" imgW="2523960" imgH="276120"/>
         </mc:Choice>
         <mc:Fallback>
           <p:control name="ListBox6" r:id="rId4" imgW="2523960" imgH="276120">
@@ -18603,7 +18798,7 @@
       </mc:AlternateContent>
       <mc:AlternateContent xmlns:mc="http://schemas.openxmlformats.org/markup-compatibility/2006">
         <mc:Choice xmlns:v="urn:schemas-microsoft-com:vml" Requires="v">
-          <p:control spid="17448" name="ListBox7" r:id="rId5" imgW="2523960" imgH="276120"/>
+          <p:control spid="17518" name="ListBox7" r:id="rId5" imgW="2523960" imgH="276120"/>
         </mc:Choice>
         <mc:Fallback>
           <p:control name="ListBox7" r:id="rId5" imgW="2523960" imgH="276120">
@@ -18636,7 +18831,7 @@
       </mc:AlternateContent>
       <mc:AlternateContent xmlns:mc="http://schemas.openxmlformats.org/markup-compatibility/2006">
         <mc:Choice xmlns:v="urn:schemas-microsoft-com:vml" Requires="v">
-          <p:control spid="17449" name="ListBox8" r:id="rId6" imgW="2638440" imgH="276120"/>
+          <p:control spid="17519" name="ListBox8" r:id="rId6" imgW="2638440" imgH="276120"/>
         </mc:Choice>
         <mc:Fallback>
           <p:control name="ListBox8" r:id="rId6" imgW="2638440" imgH="276120">
@@ -19174,13 +19369,13 @@
       </p:sp>
       <p:sp>
         <p:nvSpPr>
-          <p:cNvPr id="95" name="Rectángulo redondeado 94"/>
+          <p:cNvPr id="104" name="Rectángulo redondeado 103"/>
           <p:cNvSpPr/>
           <p:nvPr/>
         </p:nvSpPr>
         <p:spPr>
           <a:xfrm>
-            <a:off x="2530840" y="2306381"/>
+            <a:off x="8669923" y="2315136"/>
             <a:ext cx="2377440" cy="276999"/>
           </a:xfrm>
           <a:prstGeom prst="roundRect">
@@ -19224,13 +19419,13 @@
       </p:sp>
       <p:sp>
         <p:nvSpPr>
-          <p:cNvPr id="96" name="Rectángulo redondeado 95"/>
+          <p:cNvPr id="105" name="Rectángulo redondeado 104"/>
           <p:cNvSpPr/>
           <p:nvPr/>
         </p:nvSpPr>
         <p:spPr>
           <a:xfrm>
-            <a:off x="2530840" y="2306381"/>
+            <a:off x="8604224" y="2315136"/>
             <a:ext cx="339634" cy="276999"/>
           </a:xfrm>
           <a:prstGeom prst="roundRect">
@@ -19274,13 +19469,13 @@
       </p:sp>
       <p:sp>
         <p:nvSpPr>
-          <p:cNvPr id="103" name="CuadroTexto 102"/>
+          <p:cNvPr id="106" name="CuadroTexto 105"/>
           <p:cNvSpPr txBox="1"/>
           <p:nvPr/>
         </p:nvSpPr>
         <p:spPr>
           <a:xfrm>
-            <a:off x="153392" y="2306381"/>
+            <a:off x="6338965" y="2315136"/>
             <a:ext cx="3278777" cy="276999"/>
           </a:xfrm>
           <a:prstGeom prst="rect">
@@ -19296,7 +19491,7 @@
           <a:p>
             <a:r>
               <a:rPr lang="es-MX" sz="1200" dirty="0" smtClean="0"/>
-              <a:t>Número de Título de Autorización</a:t>
+              <a:t>Fecha de Emisión del TA</a:t>
             </a:r>
             <a:endParaRPr lang="es-MX" sz="1200" dirty="0"/>
           </a:p>
@@ -19304,13 +19499,13 @@
       </p:sp>
       <p:sp>
         <p:nvSpPr>
-          <p:cNvPr id="104" name="Rectángulo redondeado 103"/>
+          <p:cNvPr id="107" name="Rectángulo redondeado 106"/>
           <p:cNvSpPr/>
           <p:nvPr/>
         </p:nvSpPr>
         <p:spPr>
           <a:xfrm>
-            <a:off x="8669923" y="2232006"/>
+            <a:off x="2526021" y="2331786"/>
             <a:ext cx="2377440" cy="276999"/>
           </a:xfrm>
           <a:prstGeom prst="roundRect">
@@ -19354,13 +19549,13 @@
       </p:sp>
       <p:sp>
         <p:nvSpPr>
-          <p:cNvPr id="105" name="Rectángulo redondeado 104"/>
+          <p:cNvPr id="108" name="Rectángulo redondeado 107"/>
           <p:cNvSpPr/>
           <p:nvPr/>
         </p:nvSpPr>
         <p:spPr>
           <a:xfrm>
-            <a:off x="8604224" y="2232006"/>
+            <a:off x="2526021" y="2331786"/>
             <a:ext cx="339634" cy="276999"/>
           </a:xfrm>
           <a:prstGeom prst="roundRect">
@@ -19404,13 +19599,13 @@
       </p:sp>
       <p:sp>
         <p:nvSpPr>
-          <p:cNvPr id="106" name="CuadroTexto 105"/>
+          <p:cNvPr id="109" name="CuadroTexto 108"/>
           <p:cNvSpPr txBox="1"/>
           <p:nvPr/>
         </p:nvSpPr>
         <p:spPr>
           <a:xfrm>
-            <a:off x="6338965" y="2232006"/>
+            <a:off x="148573" y="2331786"/>
             <a:ext cx="3278777" cy="276999"/>
           </a:xfrm>
           <a:prstGeom prst="rect">
@@ -19426,7 +19621,7 @@
           <a:p>
             <a:r>
               <a:rPr lang="es-MX" sz="1200" dirty="0" smtClean="0"/>
-              <a:t>Fecha de Emisión del TA</a:t>
+              <a:t>Número de Convocatoria</a:t>
             </a:r>
             <a:endParaRPr lang="es-MX" sz="1200" dirty="0"/>
           </a:p>
@@ -19434,13 +19629,13 @@
       </p:sp>
       <p:sp>
         <p:nvSpPr>
-          <p:cNvPr id="107" name="Rectángulo redondeado 106"/>
+          <p:cNvPr id="110" name="Rectángulo redondeado 109"/>
           <p:cNvSpPr/>
           <p:nvPr/>
         </p:nvSpPr>
         <p:spPr>
           <a:xfrm>
-            <a:off x="2526021" y="2719722"/>
+            <a:off x="2522381" y="2784363"/>
             <a:ext cx="2377440" cy="276999"/>
           </a:xfrm>
           <a:prstGeom prst="roundRect">
@@ -19484,13 +19679,13 @@
       </p:sp>
       <p:sp>
         <p:nvSpPr>
-          <p:cNvPr id="108" name="Rectángulo redondeado 107"/>
+          <p:cNvPr id="111" name="Rectángulo redondeado 110"/>
           <p:cNvSpPr/>
           <p:nvPr/>
         </p:nvSpPr>
         <p:spPr>
           <a:xfrm>
-            <a:off x="2526021" y="2719722"/>
+            <a:off x="2522381" y="2784363"/>
             <a:ext cx="339634" cy="276999"/>
           </a:xfrm>
           <a:prstGeom prst="roundRect">
@@ -19534,13 +19729,13 @@
       </p:sp>
       <p:sp>
         <p:nvSpPr>
-          <p:cNvPr id="109" name="CuadroTexto 108"/>
+          <p:cNvPr id="112" name="CuadroTexto 111"/>
           <p:cNvSpPr txBox="1"/>
           <p:nvPr/>
         </p:nvSpPr>
         <p:spPr>
           <a:xfrm>
-            <a:off x="148573" y="2719722"/>
+            <a:off x="144933" y="2784363"/>
             <a:ext cx="3278777" cy="276999"/>
           </a:xfrm>
           <a:prstGeom prst="rect">
@@ -19556,7 +19751,7 @@
           <a:p>
             <a:r>
               <a:rPr lang="es-MX" sz="1200" dirty="0" smtClean="0"/>
-              <a:t>Número de Convocatoria</a:t>
+              <a:t>Nombre del servicio</a:t>
             </a:r>
             <a:endParaRPr lang="es-MX" sz="1200" dirty="0"/>
           </a:p>
@@ -19564,13 +19759,13 @@
       </p:sp>
       <p:sp>
         <p:nvSpPr>
-          <p:cNvPr id="110" name="Rectángulo redondeado 109"/>
+          <p:cNvPr id="113" name="Rectángulo redondeado 112"/>
           <p:cNvSpPr/>
           <p:nvPr/>
         </p:nvSpPr>
         <p:spPr>
           <a:xfrm>
-            <a:off x="2522381" y="3172299"/>
+            <a:off x="2521997" y="3287245"/>
             <a:ext cx="2377440" cy="276999"/>
           </a:xfrm>
           <a:prstGeom prst="roundRect">
@@ -19614,13 +19809,13 @@
       </p:sp>
       <p:sp>
         <p:nvSpPr>
-          <p:cNvPr id="111" name="Rectángulo redondeado 110"/>
+          <p:cNvPr id="114" name="Rectángulo redondeado 113"/>
           <p:cNvSpPr/>
           <p:nvPr/>
         </p:nvSpPr>
         <p:spPr>
           <a:xfrm>
-            <a:off x="2522381" y="3172299"/>
+            <a:off x="2521997" y="3287245"/>
             <a:ext cx="339634" cy="276999"/>
           </a:xfrm>
           <a:prstGeom prst="roundRect">
@@ -19664,13 +19859,13 @@
       </p:sp>
       <p:sp>
         <p:nvSpPr>
-          <p:cNvPr id="112" name="CuadroTexto 111"/>
+          <p:cNvPr id="115" name="CuadroTexto 114"/>
           <p:cNvSpPr txBox="1"/>
           <p:nvPr/>
         </p:nvSpPr>
         <p:spPr>
           <a:xfrm>
-            <a:off x="144933" y="3172299"/>
+            <a:off x="144549" y="3287245"/>
             <a:ext cx="3278777" cy="276999"/>
           </a:xfrm>
           <a:prstGeom prst="rect">
@@ -19686,7 +19881,7 @@
           <a:p>
             <a:r>
               <a:rPr lang="es-MX" sz="1200" dirty="0" smtClean="0"/>
-              <a:t>Nombre del servicio</a:t>
+              <a:t>Vigencia del TA</a:t>
             </a:r>
             <a:endParaRPr lang="es-MX" sz="1200" dirty="0"/>
           </a:p>
@@ -19694,13 +19889,13 @@
       </p:sp>
       <p:sp>
         <p:nvSpPr>
-          <p:cNvPr id="113" name="Rectángulo redondeado 112"/>
+          <p:cNvPr id="116" name="Rectángulo redondeado 115"/>
           <p:cNvSpPr/>
           <p:nvPr/>
         </p:nvSpPr>
         <p:spPr>
           <a:xfrm>
-            <a:off x="2521997" y="3675181"/>
+            <a:off x="8633803" y="3163237"/>
             <a:ext cx="2377440" cy="276999"/>
           </a:xfrm>
           <a:prstGeom prst="roundRect">
@@ -19744,13 +19939,13 @@
       </p:sp>
       <p:sp>
         <p:nvSpPr>
-          <p:cNvPr id="114" name="Rectángulo redondeado 113"/>
+          <p:cNvPr id="117" name="Rectángulo redondeado 116"/>
           <p:cNvSpPr/>
           <p:nvPr/>
         </p:nvSpPr>
         <p:spPr>
           <a:xfrm>
-            <a:off x="2521997" y="3675181"/>
+            <a:off x="8634187" y="3163237"/>
             <a:ext cx="339634" cy="276999"/>
           </a:xfrm>
           <a:prstGeom prst="roundRect">
@@ -19794,13 +19989,13 @@
       </p:sp>
       <p:sp>
         <p:nvSpPr>
-          <p:cNvPr id="115" name="CuadroTexto 114"/>
+          <p:cNvPr id="118" name="CuadroTexto 117"/>
           <p:cNvSpPr txBox="1"/>
           <p:nvPr/>
         </p:nvSpPr>
         <p:spPr>
           <a:xfrm>
-            <a:off x="144549" y="3675181"/>
+            <a:off x="6343570" y="3163237"/>
             <a:ext cx="3278777" cy="276999"/>
           </a:xfrm>
           <a:prstGeom prst="rect">
@@ -19816,7 +20011,7 @@
           <a:p>
             <a:r>
               <a:rPr lang="es-MX" sz="1200" dirty="0" smtClean="0"/>
-              <a:t>Vigencia del TA</a:t>
+              <a:t>Fecha de inicio vigencia del TA</a:t>
             </a:r>
             <a:endParaRPr lang="es-MX" sz="1200" dirty="0"/>
           </a:p>
@@ -19824,13 +20019,13 @@
       </p:sp>
       <p:sp>
         <p:nvSpPr>
-          <p:cNvPr id="116" name="Rectángulo redondeado 115"/>
+          <p:cNvPr id="119" name="Rectángulo redondeado 118"/>
           <p:cNvSpPr/>
           <p:nvPr/>
         </p:nvSpPr>
         <p:spPr>
           <a:xfrm>
-            <a:off x="8633803" y="3080107"/>
+            <a:off x="8633803" y="3674777"/>
             <a:ext cx="2377440" cy="276999"/>
           </a:xfrm>
           <a:prstGeom prst="roundRect">
@@ -19874,13 +20069,13 @@
       </p:sp>
       <p:sp>
         <p:nvSpPr>
-          <p:cNvPr id="117" name="Rectángulo redondeado 116"/>
+          <p:cNvPr id="120" name="Rectángulo redondeado 119"/>
           <p:cNvSpPr/>
           <p:nvPr/>
         </p:nvSpPr>
         <p:spPr>
           <a:xfrm>
-            <a:off x="8634187" y="3080107"/>
+            <a:off x="8633803" y="3674777"/>
             <a:ext cx="339634" cy="276999"/>
           </a:xfrm>
           <a:prstGeom prst="roundRect">
@@ -19924,13 +20119,13 @@
       </p:sp>
       <p:sp>
         <p:nvSpPr>
-          <p:cNvPr id="118" name="CuadroTexto 117"/>
+          <p:cNvPr id="121" name="CuadroTexto 120"/>
           <p:cNvSpPr txBox="1"/>
           <p:nvPr/>
         </p:nvSpPr>
         <p:spPr>
           <a:xfrm>
-            <a:off x="6343570" y="3080107"/>
+            <a:off x="6343186" y="3674777"/>
             <a:ext cx="3278777" cy="276999"/>
           </a:xfrm>
           <a:prstGeom prst="rect">
@@ -19946,7 +20141,7 @@
           <a:p>
             <a:r>
               <a:rPr lang="es-MX" sz="1200" dirty="0" smtClean="0"/>
-              <a:t>Fecha de inicio vigencia del TA</a:t>
+              <a:t>Fecha de termino vigencia del TA</a:t>
             </a:r>
             <a:endParaRPr lang="es-MX" sz="1200" dirty="0"/>
           </a:p>
@@ -19954,13 +20149,13 @@
       </p:sp>
       <p:sp>
         <p:nvSpPr>
-          <p:cNvPr id="119" name="Rectángulo redondeado 118"/>
+          <p:cNvPr id="122" name="Rectángulo redondeado 121"/>
           <p:cNvSpPr/>
           <p:nvPr/>
         </p:nvSpPr>
         <p:spPr>
           <a:xfrm>
-            <a:off x="8633803" y="3591647"/>
+            <a:off x="2518357" y="3788227"/>
             <a:ext cx="2377440" cy="276999"/>
           </a:xfrm>
           <a:prstGeom prst="roundRect">
@@ -20004,13 +20199,13 @@
       </p:sp>
       <p:sp>
         <p:nvSpPr>
-          <p:cNvPr id="120" name="Rectángulo redondeado 119"/>
+          <p:cNvPr id="123" name="Rectángulo redondeado 122"/>
           <p:cNvSpPr/>
           <p:nvPr/>
         </p:nvSpPr>
         <p:spPr>
           <a:xfrm>
-            <a:off x="8633803" y="3591647"/>
+            <a:off x="2518357" y="3788227"/>
             <a:ext cx="339634" cy="276999"/>
           </a:xfrm>
           <a:prstGeom prst="roundRect">
@@ -20054,13 +20249,13 @@
       </p:sp>
       <p:sp>
         <p:nvSpPr>
-          <p:cNvPr id="121" name="CuadroTexto 120"/>
+          <p:cNvPr id="124" name="CuadroTexto 123"/>
           <p:cNvSpPr txBox="1"/>
           <p:nvPr/>
         </p:nvSpPr>
         <p:spPr>
           <a:xfrm>
-            <a:off x="6343186" y="3591647"/>
+            <a:off x="140909" y="3788227"/>
             <a:ext cx="3278777" cy="276999"/>
           </a:xfrm>
           <a:prstGeom prst="rect">
@@ -20076,7 +20271,7 @@
           <a:p>
             <a:r>
               <a:rPr lang="es-MX" sz="1200" dirty="0" smtClean="0"/>
-              <a:t>Fecha de termino vigencia del TA</a:t>
+              <a:t>*Nombre de la Empresa</a:t>
             </a:r>
             <a:endParaRPr lang="es-MX" sz="1200" dirty="0"/>
           </a:p>
@@ -20084,13 +20279,13 @@
       </p:sp>
       <p:sp>
         <p:nvSpPr>
-          <p:cNvPr id="122" name="Rectángulo redondeado 121"/>
+          <p:cNvPr id="125" name="Rectángulo redondeado 124"/>
           <p:cNvSpPr/>
           <p:nvPr/>
         </p:nvSpPr>
         <p:spPr>
           <a:xfrm>
-            <a:off x="2518357" y="4176163"/>
+            <a:off x="8595381" y="4216406"/>
             <a:ext cx="2377440" cy="276999"/>
           </a:xfrm>
           <a:prstGeom prst="roundRect">
@@ -20134,13 +20329,13 @@
       </p:sp>
       <p:sp>
         <p:nvSpPr>
-          <p:cNvPr id="123" name="Rectángulo redondeado 122"/>
+          <p:cNvPr id="126" name="Rectángulo redondeado 125"/>
           <p:cNvSpPr/>
           <p:nvPr/>
         </p:nvSpPr>
         <p:spPr>
           <a:xfrm>
-            <a:off x="2518357" y="4176163"/>
+            <a:off x="8595381" y="4216406"/>
             <a:ext cx="339634" cy="276999"/>
           </a:xfrm>
           <a:prstGeom prst="roundRect">
@@ -20184,14 +20379,14 @@
       </p:sp>
       <p:sp>
         <p:nvSpPr>
-          <p:cNvPr id="124" name="CuadroTexto 123"/>
+          <p:cNvPr id="127" name="CuadroTexto 126"/>
           <p:cNvSpPr txBox="1"/>
           <p:nvPr/>
         </p:nvSpPr>
         <p:spPr>
           <a:xfrm>
-            <a:off x="140909" y="4176163"/>
-            <a:ext cx="3278777" cy="276999"/>
+            <a:off x="6326009" y="4749358"/>
+            <a:ext cx="2278216" cy="646331"/>
           </a:xfrm>
           <a:prstGeom prst="rect">
             <a:avLst/>
@@ -20206,21 +20401,27 @@
           <a:p>
             <a:r>
               <a:rPr lang="es-MX" sz="1200" dirty="0" smtClean="0"/>
-              <a:t>*Nombre de la Empresa</a:t>
-            </a:r>
+              <a:t>*Correo(s) Electrónico(s) </a:t>
+            </a:r>
+            <a:r>
+              <a:rPr lang="es-MX" sz="1200" dirty="0"/>
+              <a:t>para oír y recibir notificaciones</a:t>
+            </a:r>
+          </a:p>
+          <a:p>
             <a:endParaRPr lang="es-MX" sz="1200" dirty="0"/>
           </a:p>
         </p:txBody>
       </p:sp>
       <p:sp>
         <p:nvSpPr>
-          <p:cNvPr id="125" name="Rectángulo redondeado 124"/>
+          <p:cNvPr id="128" name="Rectángulo redondeado 127"/>
           <p:cNvSpPr/>
           <p:nvPr/>
         </p:nvSpPr>
         <p:spPr>
           <a:xfrm>
-            <a:off x="8595381" y="4133276"/>
+            <a:off x="8595750" y="4779464"/>
             <a:ext cx="2377440" cy="276999"/>
           </a:xfrm>
           <a:prstGeom prst="roundRect">
@@ -20264,13 +20465,13 @@
       </p:sp>
       <p:sp>
         <p:nvSpPr>
-          <p:cNvPr id="126" name="Rectángulo redondeado 125"/>
+          <p:cNvPr id="129" name="Rectángulo redondeado 128"/>
           <p:cNvSpPr/>
           <p:nvPr/>
         </p:nvSpPr>
         <p:spPr>
           <a:xfrm>
-            <a:off x="8595381" y="4133276"/>
+            <a:off x="8595750" y="4779464"/>
             <a:ext cx="339634" cy="276999"/>
           </a:xfrm>
           <a:prstGeom prst="roundRect">
@@ -20314,14 +20515,14 @@
       </p:sp>
       <p:sp>
         <p:nvSpPr>
-          <p:cNvPr id="127" name="CuadroTexto 126"/>
+          <p:cNvPr id="130" name="CuadroTexto 129"/>
           <p:cNvSpPr txBox="1"/>
           <p:nvPr/>
         </p:nvSpPr>
         <p:spPr>
           <a:xfrm>
-            <a:off x="6326009" y="4666228"/>
-            <a:ext cx="2278216" cy="646331"/>
+            <a:off x="140909" y="4302960"/>
+            <a:ext cx="3278777" cy="276999"/>
           </a:xfrm>
           <a:prstGeom prst="rect">
             <a:avLst/>
@@ -20336,27 +20537,21 @@
           <a:p>
             <a:r>
               <a:rPr lang="es-MX" sz="1200" dirty="0" smtClean="0"/>
-              <a:t>*Correo(s) Electrónico(s) </a:t>
-            </a:r>
-            <a:r>
-              <a:rPr lang="es-MX" sz="1200" dirty="0"/>
-              <a:t>para oír y recibir notificaciones</a:t>
-            </a:r>
-          </a:p>
-          <a:p>
+              <a:t>*Nombre del Representante Legal</a:t>
+            </a:r>
             <a:endParaRPr lang="es-MX" sz="1200" dirty="0"/>
           </a:p>
         </p:txBody>
       </p:sp>
       <p:sp>
         <p:nvSpPr>
-          <p:cNvPr id="128" name="Rectángulo redondeado 127"/>
+          <p:cNvPr id="131" name="Rectángulo redondeado 130"/>
           <p:cNvSpPr/>
           <p:nvPr/>
         </p:nvSpPr>
         <p:spPr>
           <a:xfrm>
-            <a:off x="8595750" y="4696334"/>
+            <a:off x="2514243" y="4287203"/>
             <a:ext cx="2377440" cy="276999"/>
           </a:xfrm>
           <a:prstGeom prst="roundRect">
@@ -20400,13 +20595,13 @@
       </p:sp>
       <p:sp>
         <p:nvSpPr>
-          <p:cNvPr id="129" name="Rectángulo redondeado 128"/>
+          <p:cNvPr id="132" name="Rectángulo redondeado 131"/>
           <p:cNvSpPr/>
           <p:nvPr/>
         </p:nvSpPr>
         <p:spPr>
           <a:xfrm>
-            <a:off x="8595750" y="4696334"/>
+            <a:off x="2514243" y="4287203"/>
             <a:ext cx="339634" cy="276999"/>
           </a:xfrm>
           <a:prstGeom prst="roundRect">
@@ -20450,14 +20645,14 @@
       </p:sp>
       <p:sp>
         <p:nvSpPr>
-          <p:cNvPr id="130" name="CuadroTexto 129"/>
+          <p:cNvPr id="133" name="CuadroTexto 132"/>
           <p:cNvSpPr txBox="1"/>
           <p:nvPr/>
         </p:nvSpPr>
         <p:spPr>
           <a:xfrm>
-            <a:off x="140909" y="4746316"/>
-            <a:ext cx="3278777" cy="276999"/>
+            <a:off x="6330122" y="4186318"/>
+            <a:ext cx="2265259" cy="461665"/>
           </a:xfrm>
           <a:prstGeom prst="rect">
             <a:avLst/>
@@ -20472,7 +20667,7 @@
           <a:p>
             <a:r>
               <a:rPr lang="es-MX" sz="1200" dirty="0" smtClean="0"/>
-              <a:t>*Nombre del Representante Legal</a:t>
+              <a:t>*Domicilio Fiscal para oír y recibir notificaciones</a:t>
             </a:r>
             <a:endParaRPr lang="es-MX" sz="1200" dirty="0"/>
           </a:p>
@@ -20480,13 +20675,13 @@
       </p:sp>
       <p:sp>
         <p:nvSpPr>
-          <p:cNvPr id="131" name="Rectángulo redondeado 130"/>
+          <p:cNvPr id="134" name="Rectángulo redondeado 133"/>
           <p:cNvSpPr/>
           <p:nvPr/>
         </p:nvSpPr>
         <p:spPr>
           <a:xfrm>
-            <a:off x="2514243" y="4730559"/>
+            <a:off x="8652042" y="2737676"/>
             <a:ext cx="2377440" cy="276999"/>
           </a:xfrm>
           <a:prstGeom prst="roundRect">
@@ -20530,13 +20725,13 @@
       </p:sp>
       <p:sp>
         <p:nvSpPr>
-          <p:cNvPr id="132" name="Rectángulo redondeado 131"/>
+          <p:cNvPr id="135" name="Rectángulo redondeado 134"/>
           <p:cNvSpPr/>
           <p:nvPr/>
         </p:nvSpPr>
         <p:spPr>
           <a:xfrm>
-            <a:off x="2514243" y="4730559"/>
+            <a:off x="8625532" y="2737676"/>
             <a:ext cx="339634" cy="276999"/>
           </a:xfrm>
           <a:prstGeom prst="roundRect">
@@ -20580,14 +20775,14 @@
       </p:sp>
       <p:sp>
         <p:nvSpPr>
-          <p:cNvPr id="133" name="CuadroTexto 132"/>
+          <p:cNvPr id="136" name="CuadroTexto 135"/>
           <p:cNvSpPr txBox="1"/>
           <p:nvPr/>
         </p:nvSpPr>
         <p:spPr>
           <a:xfrm>
-            <a:off x="6330122" y="4103188"/>
-            <a:ext cx="2265259" cy="461665"/>
+            <a:off x="6360273" y="2737676"/>
+            <a:ext cx="3278777" cy="276999"/>
           </a:xfrm>
           <a:prstGeom prst="rect">
             <a:avLst/>
@@ -20602,24 +20797,345 @@
           <a:p>
             <a:r>
               <a:rPr lang="es-MX" sz="1200" dirty="0" smtClean="0"/>
-              <a:t>*Domicilio Fiscal para oír y recibir notificaciones</a:t>
+              <a:t>RFC</a:t>
             </a:r>
             <a:endParaRPr lang="es-MX" sz="1200" dirty="0"/>
           </a:p>
         </p:txBody>
       </p:sp>
-      <p:sp>
-        <p:nvSpPr>
-          <p:cNvPr id="134" name="Rectángulo redondeado 133"/>
+      <p:cxnSp>
+        <p:nvCxnSpPr>
+          <p:cNvPr id="53" name="Conector recto 52"/>
+          <p:cNvCxnSpPr/>
+          <p:nvPr/>
+        </p:nvCxnSpPr>
+        <p:spPr>
+          <a:xfrm flipV="1">
+            <a:off x="165461" y="603404"/>
+            <a:ext cx="11834950" cy="2"/>
+          </a:xfrm>
+          <a:prstGeom prst="line">
+            <a:avLst/>
+          </a:prstGeom>
+          <a:ln>
+            <a:solidFill>
+              <a:schemeClr val="tx1"/>
+            </a:solidFill>
+          </a:ln>
+        </p:spPr>
+        <p:style>
+          <a:lnRef idx="1">
+            <a:schemeClr val="accent1"/>
+          </a:lnRef>
+          <a:fillRef idx="0">
+            <a:schemeClr val="accent1"/>
+          </a:fillRef>
+          <a:effectRef idx="0">
+            <a:schemeClr val="accent1"/>
+          </a:effectRef>
+          <a:fontRef idx="minor">
+            <a:schemeClr val="tx1"/>
+          </a:fontRef>
+        </p:style>
+      </p:cxnSp>
+      <p:sp>
+        <p:nvSpPr>
+          <p:cNvPr id="55" name="CuadroTexto 54"/>
+          <p:cNvSpPr txBox="1"/>
+          <p:nvPr/>
+        </p:nvSpPr>
+        <p:spPr>
+          <a:xfrm>
+            <a:off x="112358" y="782335"/>
+            <a:ext cx="1541417" cy="276999"/>
+          </a:xfrm>
+          <a:prstGeom prst="rect">
+            <a:avLst/>
+          </a:prstGeom>
+          <a:noFill/>
+        </p:spPr>
+        <p:txBody>
+          <a:bodyPr wrap="square" rtlCol="0">
+            <a:spAutoFit/>
+          </a:bodyPr>
+          <a:lstStyle/>
+          <a:p>
+            <a:r>
+              <a:rPr lang="es-MX" sz="1200" dirty="0" smtClean="0"/>
+              <a:t>Número de título:</a:t>
+            </a:r>
+            <a:endParaRPr lang="es-MX" sz="1200" dirty="0"/>
+          </a:p>
+        </p:txBody>
+      </p:sp>
+      <p:sp>
+        <p:nvSpPr>
+          <p:cNvPr id="57" name="CuadroTexto 56"/>
+          <p:cNvSpPr txBox="1"/>
+          <p:nvPr/>
+        </p:nvSpPr>
+        <p:spPr>
+          <a:xfrm>
+            <a:off x="1768309" y="789838"/>
+            <a:ext cx="1939367" cy="276999"/>
+          </a:xfrm>
+          <a:prstGeom prst="rect">
+            <a:avLst/>
+          </a:prstGeom>
+          <a:noFill/>
+        </p:spPr>
+        <p:txBody>
+          <a:bodyPr wrap="square" rtlCol="0">
+            <a:spAutoFit/>
+          </a:bodyPr>
+          <a:lstStyle/>
+          <a:p>
+            <a:r>
+              <a:rPr lang="es-MX" sz="1200" dirty="0" smtClean="0"/>
+              <a:t>Fecha  de Actualización:</a:t>
+            </a:r>
+            <a:endParaRPr lang="es-MX" sz="1200" dirty="0"/>
+          </a:p>
+        </p:txBody>
+      </p:sp>
+      <p:sp>
+        <p:nvSpPr>
+          <p:cNvPr id="58" name="CuadroTexto 57"/>
+          <p:cNvSpPr txBox="1"/>
+          <p:nvPr/>
+        </p:nvSpPr>
+        <p:spPr>
+          <a:xfrm>
+            <a:off x="9649264" y="776491"/>
+            <a:ext cx="1939367" cy="276999"/>
+          </a:xfrm>
+          <a:prstGeom prst="rect">
+            <a:avLst/>
+          </a:prstGeom>
+          <a:noFill/>
+        </p:spPr>
+        <p:txBody>
+          <a:bodyPr wrap="square" rtlCol="0">
+            <a:spAutoFit/>
+          </a:bodyPr>
+          <a:lstStyle/>
+          <a:p>
+            <a:r>
+              <a:rPr lang="es-MX" sz="1200" dirty="0" smtClean="0"/>
+              <a:t>Estado:</a:t>
+            </a:r>
+            <a:endParaRPr lang="es-MX" sz="1200" dirty="0"/>
+          </a:p>
+        </p:txBody>
+      </p:sp>
+      <p:sp>
+        <p:nvSpPr>
+          <p:cNvPr id="60" name="CuadroTexto 59"/>
+          <p:cNvSpPr txBox="1"/>
+          <p:nvPr/>
+        </p:nvSpPr>
+        <p:spPr>
+          <a:xfrm>
+            <a:off x="8012775" y="755621"/>
+            <a:ext cx="1939367" cy="276999"/>
+          </a:xfrm>
+          <a:prstGeom prst="rect">
+            <a:avLst/>
+          </a:prstGeom>
+          <a:noFill/>
+        </p:spPr>
+        <p:txBody>
+          <a:bodyPr wrap="square" rtlCol="0">
+            <a:spAutoFit/>
+          </a:bodyPr>
+          <a:lstStyle/>
+          <a:p>
+            <a:r>
+              <a:rPr lang="es-MX" sz="1200" dirty="0" smtClean="0"/>
+              <a:t>Días Transcurridos:</a:t>
+            </a:r>
+            <a:endParaRPr lang="es-MX" sz="1200" dirty="0"/>
+          </a:p>
+        </p:txBody>
+      </p:sp>
+      <p:sp>
+        <p:nvSpPr>
+          <p:cNvPr id="61" name="CuadroTexto 60"/>
+          <p:cNvSpPr txBox="1"/>
+          <p:nvPr/>
+        </p:nvSpPr>
+        <p:spPr>
+          <a:xfrm>
+            <a:off x="3681551" y="781740"/>
+            <a:ext cx="1939367" cy="276999"/>
+          </a:xfrm>
+          <a:prstGeom prst="rect">
+            <a:avLst/>
+          </a:prstGeom>
+          <a:noFill/>
+        </p:spPr>
+        <p:txBody>
+          <a:bodyPr wrap="square" rtlCol="0">
+            <a:spAutoFit/>
+          </a:bodyPr>
+          <a:lstStyle/>
+          <a:p>
+            <a:r>
+              <a:rPr lang="es-MX" sz="1200" dirty="0" smtClean="0"/>
+              <a:t>Fecha de consulta 32D  :</a:t>
+            </a:r>
+            <a:endParaRPr lang="es-MX" sz="1200" dirty="0"/>
+          </a:p>
+        </p:txBody>
+      </p:sp>
+      <p:sp>
+        <p:nvSpPr>
+          <p:cNvPr id="62" name="CuadroTexto 61"/>
+          <p:cNvSpPr txBox="1"/>
+          <p:nvPr/>
+        </p:nvSpPr>
+        <p:spPr>
+          <a:xfrm>
+            <a:off x="5809089" y="776492"/>
+            <a:ext cx="1939367" cy="276999"/>
+          </a:xfrm>
+          <a:prstGeom prst="rect">
+            <a:avLst/>
+          </a:prstGeom>
+          <a:noFill/>
+        </p:spPr>
+        <p:txBody>
+          <a:bodyPr wrap="square" rtlCol="0">
+            <a:spAutoFit/>
+          </a:bodyPr>
+          <a:lstStyle/>
+          <a:p>
+            <a:r>
+              <a:rPr lang="es-MX" sz="1200" dirty="0" smtClean="0"/>
+              <a:t>Resultado de consulta 32D :</a:t>
+            </a:r>
+            <a:endParaRPr lang="es-MX" sz="1200" dirty="0"/>
+          </a:p>
+        </p:txBody>
+      </p:sp>
+      <p:sp>
+        <p:nvSpPr>
+          <p:cNvPr id="63" name="Rectángulo 62"/>
           <p:cNvSpPr/>
           <p:nvPr/>
         </p:nvSpPr>
         <p:spPr>
           <a:xfrm>
-            <a:off x="8652042" y="2654546"/>
-            <a:ext cx="2377440" cy="276999"/>
-          </a:xfrm>
-          <a:prstGeom prst="roundRect">
+            <a:off x="7244798" y="1172316"/>
+            <a:ext cx="2299063" cy="307500"/>
+          </a:xfrm>
+          <a:prstGeom prst="rect">
+            <a:avLst/>
+          </a:prstGeom>
+          <a:solidFill>
+            <a:schemeClr val="bg1">
+              <a:lumMod val="85000"/>
+            </a:schemeClr>
+          </a:solidFill>
+        </p:spPr>
+        <p:style>
+          <a:lnRef idx="2">
+            <a:schemeClr val="accent1">
+              <a:shade val="50000"/>
+            </a:schemeClr>
+          </a:lnRef>
+          <a:fillRef idx="1">
+            <a:schemeClr val="accent1"/>
+          </a:fillRef>
+          <a:effectRef idx="0">
+            <a:schemeClr val="accent1"/>
+          </a:effectRef>
+          <a:fontRef idx="minor">
+            <a:schemeClr val="lt1"/>
+          </a:fontRef>
+        </p:style>
+        <p:txBody>
+          <a:bodyPr rtlCol="0" anchor="ctr"/>
+          <a:lstStyle/>
+          <a:p>
+            <a:r>
+              <a:rPr lang="es-MX" sz="1200" dirty="0" smtClean="0">
+                <a:solidFill>
+                  <a:schemeClr val="tx1"/>
+                </a:solidFill>
+              </a:rPr>
+              <a:t>Dictamen Jurídico </a:t>
+            </a:r>
+            <a:endParaRPr lang="es-MX" sz="1200" dirty="0">
+              <a:solidFill>
+                <a:schemeClr val="tx1"/>
+              </a:solidFill>
+            </a:endParaRPr>
+          </a:p>
+        </p:txBody>
+      </p:sp>
+      <p:sp>
+        <p:nvSpPr>
+          <p:cNvPr id="56" name="CuadroTexto 55"/>
+          <p:cNvSpPr txBox="1"/>
+          <p:nvPr/>
+        </p:nvSpPr>
+        <p:spPr>
+          <a:xfrm>
+            <a:off x="124643" y="4774740"/>
+            <a:ext cx="3082834" cy="276999"/>
+          </a:xfrm>
+          <a:prstGeom prst="rect">
+            <a:avLst/>
+          </a:prstGeom>
+          <a:noFill/>
+        </p:spPr>
+        <p:txBody>
+          <a:bodyPr wrap="square" rtlCol="0">
+            <a:spAutoFit/>
+          </a:bodyPr>
+          <a:lstStyle/>
+          <a:p>
+            <a:r>
+              <a:rPr lang="es-MX" sz="1200" dirty="0"/>
+              <a:t>*</a:t>
+            </a:r>
+            <a:r>
+              <a:rPr lang="es-MX" sz="1200" dirty="0" smtClean="0"/>
+              <a:t>Monto de capital  </a:t>
+            </a:r>
+            <a:r>
+              <a:rPr lang="es-MX" sz="1200" dirty="0"/>
+              <a:t>s</a:t>
+            </a:r>
+            <a:r>
+              <a:rPr lang="es-MX" sz="1200" dirty="0" smtClean="0"/>
+              <a:t>ocial </a:t>
+            </a:r>
+            <a:r>
+              <a:rPr lang="es-MX" sz="1200" dirty="0"/>
+              <a:t>p</a:t>
+            </a:r>
+            <a:r>
+              <a:rPr lang="es-MX" sz="1200" dirty="0" smtClean="0"/>
+              <a:t>agado </a:t>
+            </a:r>
+            <a:endParaRPr lang="es-MX" sz="1200" dirty="0"/>
+          </a:p>
+        </p:txBody>
+      </p:sp>
+      <p:sp>
+        <p:nvSpPr>
+          <p:cNvPr id="64" name="Rectángulo 63"/>
+          <p:cNvSpPr/>
+          <p:nvPr/>
+        </p:nvSpPr>
+        <p:spPr>
+          <a:xfrm>
+            <a:off x="2587112" y="4749939"/>
+            <a:ext cx="1844151" cy="298416"/>
+          </a:xfrm>
+          <a:prstGeom prst="rect">
             <a:avLst/>
           </a:prstGeom>
           <a:solidFill>
@@ -20660,22 +21176,20 @@
       </p:sp>
       <p:sp>
         <p:nvSpPr>
-          <p:cNvPr id="135" name="Rectángulo redondeado 134"/>
+          <p:cNvPr id="65" name="Rectángulo 64"/>
           <p:cNvSpPr/>
           <p:nvPr/>
         </p:nvSpPr>
         <p:spPr>
           <a:xfrm>
-            <a:off x="8625532" y="2654546"/>
-            <a:ext cx="339634" cy="276999"/>
-          </a:xfrm>
-          <a:prstGeom prst="roundRect">
+            <a:off x="2587112" y="4750317"/>
+            <a:ext cx="248195" cy="298038"/>
+          </a:xfrm>
+          <a:prstGeom prst="rect">
             <a:avLst/>
           </a:prstGeom>
           <a:solidFill>
-            <a:schemeClr val="bg1">
-              <a:lumMod val="95000"/>
-            </a:schemeClr>
+            <a:schemeClr val="bg1"/>
           </a:solidFill>
           <a:ln>
             <a:solidFill>
@@ -20704,264 +21218,31 @@
           <a:lstStyle/>
           <a:p>
             <a:pPr algn="ctr"/>
-            <a:endParaRPr lang="es-MX"/>
-          </a:p>
-        </p:txBody>
-      </p:sp>
-      <p:sp>
-        <p:nvSpPr>
-          <p:cNvPr id="136" name="CuadroTexto 135"/>
-          <p:cNvSpPr txBox="1"/>
-          <p:nvPr/>
-        </p:nvSpPr>
-        <p:spPr>
-          <a:xfrm>
-            <a:off x="6360273" y="2654546"/>
-            <a:ext cx="3278777" cy="276999"/>
-          </a:xfrm>
-          <a:prstGeom prst="rect">
-            <a:avLst/>
-          </a:prstGeom>
-          <a:noFill/>
-        </p:spPr>
-        <p:txBody>
-          <a:bodyPr wrap="square" rtlCol="0">
-            <a:spAutoFit/>
-          </a:bodyPr>
-          <a:lstStyle/>
-          <a:p>
-            <a:r>
-              <a:rPr lang="es-MX" sz="1200" dirty="0" smtClean="0"/>
-              <a:t>RFC</a:t>
-            </a:r>
-            <a:endParaRPr lang="es-MX" sz="1200" dirty="0"/>
-          </a:p>
-        </p:txBody>
-      </p:sp>
-      <p:cxnSp>
-        <p:nvCxnSpPr>
-          <p:cNvPr id="53" name="Conector recto 52"/>
-          <p:cNvCxnSpPr/>
-          <p:nvPr/>
-        </p:nvCxnSpPr>
-        <p:spPr>
-          <a:xfrm flipV="1">
-            <a:off x="165461" y="603404"/>
-            <a:ext cx="11834950" cy="2"/>
-          </a:xfrm>
-          <a:prstGeom prst="line">
-            <a:avLst/>
-          </a:prstGeom>
-          <a:ln>
-            <a:solidFill>
-              <a:schemeClr val="tx1"/>
-            </a:solidFill>
-          </a:ln>
-        </p:spPr>
-        <p:style>
-          <a:lnRef idx="1">
-            <a:schemeClr val="accent1"/>
-          </a:lnRef>
-          <a:fillRef idx="0">
-            <a:schemeClr val="accent1"/>
-          </a:fillRef>
-          <a:effectRef idx="0">
-            <a:schemeClr val="accent1"/>
-          </a:effectRef>
-          <a:fontRef idx="minor">
-            <a:schemeClr val="tx1"/>
-          </a:fontRef>
-        </p:style>
-      </p:cxnSp>
-      <p:sp>
-        <p:nvSpPr>
-          <p:cNvPr id="55" name="CuadroTexto 54"/>
-          <p:cNvSpPr txBox="1"/>
-          <p:nvPr/>
-        </p:nvSpPr>
-        <p:spPr>
-          <a:xfrm>
-            <a:off x="112358" y="782335"/>
-            <a:ext cx="1541417" cy="276999"/>
-          </a:xfrm>
-          <a:prstGeom prst="rect">
-            <a:avLst/>
-          </a:prstGeom>
-          <a:noFill/>
-        </p:spPr>
-        <p:txBody>
-          <a:bodyPr wrap="square" rtlCol="0">
-            <a:spAutoFit/>
-          </a:bodyPr>
-          <a:lstStyle/>
-          <a:p>
-            <a:r>
-              <a:rPr lang="es-MX" sz="1200" dirty="0" smtClean="0"/>
-              <a:t>Número de título:</a:t>
-            </a:r>
-            <a:endParaRPr lang="es-MX" sz="1200" dirty="0"/>
-          </a:p>
-        </p:txBody>
-      </p:sp>
-      <p:sp>
-        <p:nvSpPr>
-          <p:cNvPr id="57" name="CuadroTexto 56"/>
-          <p:cNvSpPr txBox="1"/>
-          <p:nvPr/>
-        </p:nvSpPr>
-        <p:spPr>
-          <a:xfrm>
-            <a:off x="1768309" y="789838"/>
-            <a:ext cx="1939367" cy="276999"/>
-          </a:xfrm>
-          <a:prstGeom prst="rect">
-            <a:avLst/>
-          </a:prstGeom>
-          <a:noFill/>
-        </p:spPr>
-        <p:txBody>
-          <a:bodyPr wrap="square" rtlCol="0">
-            <a:spAutoFit/>
-          </a:bodyPr>
-          <a:lstStyle/>
-          <a:p>
-            <a:r>
-              <a:rPr lang="es-MX" sz="1200" dirty="0" smtClean="0"/>
-              <a:t>Fecha  de Actualización:</a:t>
-            </a:r>
-            <a:endParaRPr lang="es-MX" sz="1200" dirty="0"/>
-          </a:p>
-        </p:txBody>
-      </p:sp>
-      <p:sp>
-        <p:nvSpPr>
-          <p:cNvPr id="58" name="CuadroTexto 57"/>
-          <p:cNvSpPr txBox="1"/>
-          <p:nvPr/>
-        </p:nvSpPr>
-        <p:spPr>
-          <a:xfrm>
-            <a:off x="9649264" y="776491"/>
-            <a:ext cx="1939367" cy="276999"/>
-          </a:xfrm>
-          <a:prstGeom prst="rect">
-            <a:avLst/>
-          </a:prstGeom>
-          <a:noFill/>
-        </p:spPr>
-        <p:txBody>
-          <a:bodyPr wrap="square" rtlCol="0">
-            <a:spAutoFit/>
-          </a:bodyPr>
-          <a:lstStyle/>
-          <a:p>
-            <a:r>
-              <a:rPr lang="es-MX" sz="1200" dirty="0" smtClean="0"/>
-              <a:t>Estado:</a:t>
-            </a:r>
-            <a:endParaRPr lang="es-MX" sz="1200" dirty="0"/>
-          </a:p>
-        </p:txBody>
-      </p:sp>
-      <p:sp>
-        <p:nvSpPr>
-          <p:cNvPr id="60" name="CuadroTexto 59"/>
-          <p:cNvSpPr txBox="1"/>
-          <p:nvPr/>
-        </p:nvSpPr>
-        <p:spPr>
-          <a:xfrm>
-            <a:off x="8012775" y="755621"/>
-            <a:ext cx="1939367" cy="276999"/>
-          </a:xfrm>
-          <a:prstGeom prst="rect">
-            <a:avLst/>
-          </a:prstGeom>
-          <a:noFill/>
-        </p:spPr>
-        <p:txBody>
-          <a:bodyPr wrap="square" rtlCol="0">
-            <a:spAutoFit/>
-          </a:bodyPr>
-          <a:lstStyle/>
-          <a:p>
-            <a:r>
-              <a:rPr lang="es-MX" sz="1200" dirty="0" smtClean="0"/>
-              <a:t>Días Transcurridos:</a:t>
-            </a:r>
-            <a:endParaRPr lang="es-MX" sz="1200" dirty="0"/>
-          </a:p>
-        </p:txBody>
-      </p:sp>
-      <p:sp>
-        <p:nvSpPr>
-          <p:cNvPr id="61" name="CuadroTexto 60"/>
-          <p:cNvSpPr txBox="1"/>
-          <p:nvPr/>
-        </p:nvSpPr>
-        <p:spPr>
-          <a:xfrm>
-            <a:off x="3681551" y="781740"/>
-            <a:ext cx="1939367" cy="276999"/>
-          </a:xfrm>
-          <a:prstGeom prst="rect">
-            <a:avLst/>
-          </a:prstGeom>
-          <a:noFill/>
-        </p:spPr>
-        <p:txBody>
-          <a:bodyPr wrap="square" rtlCol="0">
-            <a:spAutoFit/>
-          </a:bodyPr>
-          <a:lstStyle/>
-          <a:p>
-            <a:r>
-              <a:rPr lang="es-MX" sz="1200" dirty="0" smtClean="0"/>
-              <a:t>Fecha de consulta 32D  :</a:t>
-            </a:r>
-            <a:endParaRPr lang="es-MX" sz="1200" dirty="0"/>
-          </a:p>
-        </p:txBody>
-      </p:sp>
-      <p:sp>
-        <p:nvSpPr>
-          <p:cNvPr id="62" name="CuadroTexto 61"/>
-          <p:cNvSpPr txBox="1"/>
-          <p:nvPr/>
-        </p:nvSpPr>
-        <p:spPr>
-          <a:xfrm>
-            <a:off x="5809089" y="776492"/>
-            <a:ext cx="1939367" cy="276999"/>
-          </a:xfrm>
-          <a:prstGeom prst="rect">
-            <a:avLst/>
-          </a:prstGeom>
-          <a:noFill/>
-        </p:spPr>
-        <p:txBody>
-          <a:bodyPr wrap="square" rtlCol="0">
-            <a:spAutoFit/>
-          </a:bodyPr>
-          <a:lstStyle/>
-          <a:p>
-            <a:r>
-              <a:rPr lang="es-MX" sz="1200" dirty="0" smtClean="0"/>
-              <a:t>Resultado de consulta 32D :</a:t>
-            </a:r>
-            <a:endParaRPr lang="es-MX" sz="1200" dirty="0"/>
-          </a:p>
-        </p:txBody>
-      </p:sp>
-      <p:sp>
-        <p:nvSpPr>
-          <p:cNvPr id="63" name="Rectángulo 62"/>
+            <a:r>
+              <a:rPr lang="es-MX" sz="1200" dirty="0" smtClean="0">
+                <a:solidFill>
+                  <a:schemeClr val="tx1"/>
+                </a:solidFill>
+              </a:rPr>
+              <a:t>$</a:t>
+            </a:r>
+            <a:endParaRPr lang="es-MX" sz="1200" dirty="0">
+              <a:solidFill>
+                <a:schemeClr val="tx1"/>
+              </a:solidFill>
+            </a:endParaRPr>
+          </a:p>
+        </p:txBody>
+      </p:sp>
+      <p:sp>
+        <p:nvSpPr>
+          <p:cNvPr id="66" name="Rectángulo 65"/>
           <p:cNvSpPr/>
           <p:nvPr/>
         </p:nvSpPr>
         <p:spPr>
           <a:xfrm>
-            <a:off x="7244798" y="1172316"/>
+            <a:off x="9601330" y="1172316"/>
             <a:ext cx="2299063" cy="307500"/>
           </a:xfrm>
           <a:prstGeom prst="rect">
@@ -20999,7 +21280,7 @@
                   <a:schemeClr val="tx1"/>
                 </a:solidFill>
               </a:rPr>
-              <a:t>Dictamen Jurídico </a:t>
+              <a:t>Cancelar título </a:t>
             </a:r>
             <a:endParaRPr lang="es-MX" sz="1200" dirty="0">
               <a:solidFill>
@@ -23065,7 +23346,7 @@
     <p:controls>
       <mc:AlternateContent xmlns:mc="http://schemas.openxmlformats.org/markup-compatibility/2006">
         <mc:Choice xmlns:v="urn:schemas-microsoft-com:vml" Requires="v">
-          <p:control spid="18452" name="ComboBox1" r:id="rId2" imgW="1380960" imgH="285840"/>
+          <p:control spid="18494" name="ComboBox1" r:id="rId2" imgW="1380960" imgH="285840"/>
         </mc:Choice>
         <mc:Fallback>
           <p:control name="ComboBox1" r:id="rId2" imgW="1380960" imgH="285840">
@@ -23098,7 +23379,7 @@
       </mc:AlternateContent>
       <mc:AlternateContent xmlns:mc="http://schemas.openxmlformats.org/markup-compatibility/2006">
         <mc:Choice xmlns:v="urn:schemas-microsoft-com:vml" Requires="v">
-          <p:control spid="18453" name="ListBox2" r:id="rId3" imgW="2085840" imgH="295200"/>
+          <p:control spid="18495" name="ListBox2" r:id="rId3" imgW="2085840" imgH="295200"/>
         </mc:Choice>
         <mc:Fallback>
           <p:control name="ListBox2" r:id="rId3" imgW="2085840" imgH="295200">
@@ -23131,7 +23412,7 @@
       </mc:AlternateContent>
       <mc:AlternateContent xmlns:mc="http://schemas.openxmlformats.org/markup-compatibility/2006">
         <mc:Choice xmlns:v="urn:schemas-microsoft-com:vml" Requires="v">
-          <p:control spid="18454" name="ComboBox3" r:id="rId4" imgW="1628640" imgH="371520"/>
+          <p:control spid="18496" name="ComboBox3" r:id="rId4" imgW="1628640" imgH="371520"/>
         </mc:Choice>
         <mc:Fallback>
           <p:control name="ComboBox3" r:id="rId4" imgW="1628640" imgH="371520">
@@ -23319,7 +23600,7 @@
         </p:nvSpPr>
         <p:spPr>
           <a:xfrm>
-            <a:off x="3907528" y="5961801"/>
+            <a:off x="3907528" y="5116676"/>
             <a:ext cx="1175656" cy="315186"/>
           </a:xfrm>
           <a:prstGeom prst="roundRect">
@@ -23377,7 +23658,7 @@
         </p:nvSpPr>
         <p:spPr>
           <a:xfrm>
-            <a:off x="245460" y="4244409"/>
+            <a:off x="245460" y="3898047"/>
             <a:ext cx="3662068" cy="276999"/>
           </a:xfrm>
           <a:prstGeom prst="rect">
@@ -23407,7 +23688,7 @@
         </p:nvSpPr>
         <p:spPr>
           <a:xfrm>
-            <a:off x="294623" y="1719451"/>
+            <a:off x="294623" y="1747164"/>
             <a:ext cx="3082834" cy="276999"/>
           </a:xfrm>
           <a:prstGeom prst="rect">
@@ -23437,7 +23718,7 @@
         </p:nvSpPr>
         <p:spPr>
           <a:xfrm>
-            <a:off x="266524" y="2134690"/>
+            <a:off x="266524" y="2162403"/>
             <a:ext cx="3082834" cy="276999"/>
           </a:xfrm>
           <a:prstGeom prst="rect">
@@ -23467,7 +23748,7 @@
         </p:nvSpPr>
         <p:spPr>
           <a:xfrm>
-            <a:off x="6036739" y="1719451"/>
+            <a:off x="6036739" y="1747164"/>
             <a:ext cx="1461524" cy="276999"/>
           </a:xfrm>
           <a:prstGeom prst="rect">
@@ -23497,7 +23778,7 @@
         </p:nvSpPr>
         <p:spPr>
           <a:xfrm>
-            <a:off x="216245" y="3250646"/>
+            <a:off x="216245" y="2904284"/>
             <a:ext cx="3662068" cy="461665"/>
           </a:xfrm>
           <a:prstGeom prst="rect">
@@ -23530,7 +23811,7 @@
         </p:nvSpPr>
         <p:spPr>
           <a:xfrm>
-            <a:off x="6030958" y="2119459"/>
+            <a:off x="6030958" y="2147172"/>
             <a:ext cx="3082834" cy="276999"/>
           </a:xfrm>
           <a:prstGeom prst="rect">
@@ -23560,7 +23841,7 @@
         </p:nvSpPr>
         <p:spPr>
           <a:xfrm>
-            <a:off x="258522" y="2537517"/>
+            <a:off x="258522" y="2565230"/>
             <a:ext cx="3082834" cy="276999"/>
           </a:xfrm>
           <a:prstGeom prst="rect">
@@ -23590,7 +23871,7 @@
         </p:nvSpPr>
         <p:spPr>
           <a:xfrm>
-            <a:off x="7550515" y="1719451"/>
+            <a:off x="7550515" y="1747164"/>
             <a:ext cx="2564402" cy="276999"/>
           </a:xfrm>
           <a:prstGeom prst="rect">
@@ -23635,7 +23916,7 @@
         </p:nvSpPr>
         <p:spPr>
           <a:xfrm>
-            <a:off x="1729429" y="1727749"/>
+            <a:off x="1729429" y="1755462"/>
             <a:ext cx="2564402" cy="276999"/>
           </a:xfrm>
           <a:prstGeom prst="rect">
@@ -23680,7 +23961,7 @@
         </p:nvSpPr>
         <p:spPr>
           <a:xfrm>
-            <a:off x="7550515" y="2119459"/>
+            <a:off x="7550515" y="2147172"/>
             <a:ext cx="2564402" cy="276999"/>
           </a:xfrm>
           <a:prstGeom prst="rect">
@@ -23725,7 +24006,7 @@
         </p:nvSpPr>
         <p:spPr>
           <a:xfrm>
-            <a:off x="1724930" y="2119459"/>
+            <a:off x="1724930" y="2147172"/>
             <a:ext cx="2564402" cy="276999"/>
           </a:xfrm>
           <a:prstGeom prst="rect">
@@ -23770,7 +24051,7 @@
         </p:nvSpPr>
         <p:spPr>
           <a:xfrm>
-            <a:off x="304799" y="3530123"/>
+            <a:off x="304799" y="3183761"/>
             <a:ext cx="11177451" cy="609280"/>
           </a:xfrm>
           <a:prstGeom prst="rect">
@@ -23815,7 +24096,7 @@
         </p:nvSpPr>
         <p:spPr>
           <a:xfrm>
-            <a:off x="304801" y="4611584"/>
+            <a:off x="304801" y="4265222"/>
             <a:ext cx="11177450" cy="699714"/>
           </a:xfrm>
           <a:prstGeom prst="rect">
@@ -23858,7 +24139,7 @@
         </p:nvSpPr>
         <p:spPr>
           <a:xfrm>
-            <a:off x="1725666" y="2523292"/>
+            <a:off x="1725666" y="2551005"/>
             <a:ext cx="2564402" cy="276999"/>
           </a:xfrm>
           <a:prstGeom prst="rect">
@@ -23905,7 +24186,7 @@
         </p:nvSpPr>
         <p:spPr>
           <a:xfrm>
-            <a:off x="5197182" y="5961801"/>
+            <a:off x="5197182" y="5116676"/>
             <a:ext cx="1175656" cy="315186"/>
           </a:xfrm>
           <a:prstGeom prst="roundRect">
@@ -23965,7 +24246,7 @@
         </p:nvSpPr>
         <p:spPr>
           <a:xfrm>
-            <a:off x="6475095" y="5961801"/>
+            <a:off x="6475095" y="5116676"/>
             <a:ext cx="1175656" cy="315186"/>
           </a:xfrm>
           <a:prstGeom prst="roundRect">
@@ -24527,7 +24808,7 @@
         </p:nvSpPr>
         <p:spPr>
           <a:xfrm>
-            <a:off x="209003" y="4163162"/>
+            <a:off x="209003" y="2888542"/>
             <a:ext cx="3082834" cy="276999"/>
           </a:xfrm>
           <a:prstGeom prst="rect">
@@ -24557,7 +24838,7 @@
         </p:nvSpPr>
         <p:spPr>
           <a:xfrm>
-            <a:off x="4705994" y="4153959"/>
+            <a:off x="4705994" y="2879339"/>
             <a:ext cx="3082834" cy="276999"/>
           </a:xfrm>
           <a:prstGeom prst="rect">
@@ -24587,7 +24868,7 @@
         </p:nvSpPr>
         <p:spPr>
           <a:xfrm>
-            <a:off x="190862" y="4709718"/>
+            <a:off x="190862" y="3435098"/>
             <a:ext cx="3662068" cy="276999"/>
           </a:xfrm>
           <a:prstGeom prst="rect">
@@ -24606,60 +24887,6 @@
               <a:t>Contestación a la prórroga </a:t>
             </a:r>
             <a:endParaRPr lang="es-MX" sz="1200" dirty="0"/>
-          </a:p>
-        </p:txBody>
-      </p:sp>
-      <p:sp>
-        <p:nvSpPr>
-          <p:cNvPr id="46" name="Rectángulo 45"/>
-          <p:cNvSpPr/>
-          <p:nvPr/>
-        </p:nvSpPr>
-        <p:spPr>
-          <a:xfrm>
-            <a:off x="238763" y="3834251"/>
-            <a:ext cx="11495392" cy="108659"/>
-          </a:xfrm>
-          <a:prstGeom prst="rect">
-            <a:avLst/>
-          </a:prstGeom>
-          <a:solidFill>
-            <a:schemeClr val="accent1">
-              <a:lumMod val="20000"/>
-              <a:lumOff val="80000"/>
-            </a:schemeClr>
-          </a:solidFill>
-          <a:ln>
-            <a:solidFill>
-              <a:schemeClr val="tx1"/>
-            </a:solidFill>
-          </a:ln>
-        </p:spPr>
-        <p:style>
-          <a:lnRef idx="2">
-            <a:schemeClr val="accent1">
-              <a:shade val="50000"/>
-            </a:schemeClr>
-          </a:lnRef>
-          <a:fillRef idx="1">
-            <a:schemeClr val="accent1"/>
-          </a:fillRef>
-          <a:effectRef idx="0">
-            <a:schemeClr val="accent1"/>
-          </a:effectRef>
-          <a:fontRef idx="minor">
-            <a:schemeClr val="lt1"/>
-          </a:fontRef>
-        </p:style>
-        <p:txBody>
-          <a:bodyPr rtlCol="0" anchor="ctr"/>
-          <a:lstStyle/>
-          <a:p>
-            <a:endParaRPr lang="es-MX" sz="1200" dirty="0">
-              <a:solidFill>
-                <a:schemeClr val="tx1"/>
-              </a:solidFill>
-            </a:endParaRPr>
           </a:p>
         </p:txBody>
       </p:sp>
@@ -24771,7 +24998,7 @@
         </p:nvSpPr>
         <p:spPr>
           <a:xfrm>
-            <a:off x="6764658" y="4157594"/>
+            <a:off x="6764658" y="2882974"/>
             <a:ext cx="2769599" cy="276999"/>
           </a:xfrm>
           <a:prstGeom prst="rect">
@@ -24825,8 +25052,8 @@
         </p:nvSpPr>
         <p:spPr>
           <a:xfrm>
-            <a:off x="3852930" y="6138205"/>
-            <a:ext cx="1629634" cy="344700"/>
+            <a:off x="6046286" y="4683760"/>
+            <a:ext cx="1061096" cy="344700"/>
           </a:xfrm>
           <a:prstGeom prst="roundRect">
             <a:avLst/>
@@ -24865,7 +25092,7 @@
                   <a:schemeClr val="tx1"/>
                 </a:solidFill>
               </a:rPr>
-              <a:t>Solicitar prorroga </a:t>
+              <a:t>Firmar</a:t>
             </a:r>
             <a:endParaRPr lang="es-MX" sz="1200" dirty="0">
               <a:solidFill>
@@ -24885,8 +25112,8 @@
         </p:nvSpPr>
         <p:spPr>
           <a:xfrm>
-            <a:off x="5782744" y="6108691"/>
-            <a:ext cx="1629634" cy="344700"/>
+            <a:off x="4287878" y="4694787"/>
+            <a:ext cx="1629634" cy="333673"/>
           </a:xfrm>
           <a:prstGeom prst="roundRect">
             <a:avLst/>
@@ -24925,7 +25152,7 @@
                   <a:schemeClr val="tx1"/>
                 </a:solidFill>
               </a:rPr>
-              <a:t>pre visualizar</a:t>
+              <a:t>Previsualizar</a:t>
             </a:r>
             <a:endParaRPr lang="es-MX" sz="1200" dirty="0">
               <a:solidFill>
@@ -25033,7 +25260,7 @@
     <p:controls>
       <mc:AlternateContent xmlns:mc="http://schemas.openxmlformats.org/markup-compatibility/2006">
         <mc:Choice xmlns:v="urn:schemas-microsoft-com:vml" Requires="v">
-          <p:control spid="19470" name="ListBox1" r:id="rId2" imgW="11420640" imgH="666720"/>
+          <p:control spid="19500" name="ListBox1" r:id="rId2" imgW="11420640" imgH="666720"/>
         </mc:Choice>
         <mc:Fallback>
           <p:control name="ListBox1" r:id="rId2" imgW="11420640" imgH="666720">
@@ -25053,7 +25280,7 @@
               </p:blipFill>
               <p:spPr>
                 <a:xfrm>
-                  <a:off x="238125" y="5197475"/>
+                  <a:off x="238125" y="3922855"/>
                   <a:ext cx="11420475" cy="666750"/>
                 </a:xfrm>
                 <a:prstGeom prst="rect">
@@ -25066,7 +25293,7 @@
       </mc:AlternateContent>
       <mc:AlternateContent xmlns:mc="http://schemas.openxmlformats.org/markup-compatibility/2006">
         <mc:Choice xmlns:v="urn:schemas-microsoft-com:vml" Requires="v">
-          <p:control spid="19471" name="ListBox7" r:id="rId3" imgW="2523960" imgH="247680"/>
+          <p:control spid="19501" name="ListBox7" r:id="rId3" imgW="2523960" imgH="247680"/>
         </mc:Choice>
         <mc:Fallback>
           <p:control name="ListBox7" r:id="rId3" imgW="2523960" imgH="247680">
@@ -25086,7 +25313,7 @@
               </p:blipFill>
               <p:spPr>
                 <a:xfrm>
-                  <a:off x="1906588" y="4192588"/>
+                  <a:off x="1906588" y="2917968"/>
                   <a:ext cx="2522537" cy="249237"/>
                 </a:xfrm>
                 <a:prstGeom prst="rect">
@@ -26000,7 +26227,7 @@
         </p:nvSpPr>
         <p:spPr>
           <a:xfrm>
-            <a:off x="373645" y="3712993"/>
+            <a:off x="373645" y="3754558"/>
             <a:ext cx="2561709" cy="276999"/>
           </a:xfrm>
           <a:prstGeom prst="rect">
@@ -26060,7 +26287,7 @@
         </p:nvSpPr>
         <p:spPr>
           <a:xfrm>
-            <a:off x="443441" y="4596336"/>
+            <a:off x="374166" y="4624046"/>
             <a:ext cx="2561709" cy="276999"/>
           </a:xfrm>
           <a:prstGeom prst="rect">
@@ -26092,8 +26319,8 @@
         </p:nvSpPr>
         <p:spPr>
           <a:xfrm>
-            <a:off x="3987201" y="5892744"/>
-            <a:ext cx="1629634" cy="416615"/>
+            <a:off x="7499865" y="5904519"/>
+            <a:ext cx="1629634" cy="379013"/>
           </a:xfrm>
           <a:prstGeom prst="roundRect">
             <a:avLst/>
@@ -26207,8 +26434,8 @@
         </p:nvSpPr>
         <p:spPr>
           <a:xfrm>
-            <a:off x="5776928" y="5866917"/>
-            <a:ext cx="1629634" cy="417853"/>
+            <a:off x="3920411" y="5904631"/>
+            <a:ext cx="1629634" cy="380139"/>
           </a:xfrm>
           <a:prstGeom prst="roundRect">
             <a:avLst/>
@@ -26267,8 +26494,8 @@
         </p:nvSpPr>
         <p:spPr>
           <a:xfrm>
-            <a:off x="7566655" y="5853852"/>
-            <a:ext cx="1629634" cy="430917"/>
+            <a:off x="5710138" y="5892745"/>
+            <a:ext cx="1629634" cy="392024"/>
           </a:xfrm>
           <a:prstGeom prst="roundRect">
             <a:avLst/>
@@ -26321,7 +26548,7 @@
     <p:controls>
       <mc:AlternateContent xmlns:mc="http://schemas.openxmlformats.org/markup-compatibility/2006">
         <mc:Choice xmlns:v="urn:schemas-microsoft-com:vml" Requires="v">
-          <p:control spid="20500" name="ListBox2" r:id="rId2" imgW="11430000" imgH="333360"/>
+          <p:control spid="20545" name="ListBox2" r:id="rId2" imgW="11430000" imgH="333360"/>
         </mc:Choice>
         <mc:Fallback>
           <p:control name="ListBox2" r:id="rId2" imgW="11430000" imgH="333360">
@@ -26354,10 +26581,10 @@
       </mc:AlternateContent>
       <mc:AlternateContent xmlns:mc="http://schemas.openxmlformats.org/markup-compatibility/2006">
         <mc:Choice xmlns:v="urn:schemas-microsoft-com:vml" Requires="v">
-          <p:control spid="20501" name="ListBox3" r:id="rId3" imgW="10572840" imgH="514440"/>
+          <p:control spid="20546" name="ListBox3" r:id="rId3" imgW="10572840" imgH="504720"/>
         </mc:Choice>
         <mc:Fallback>
-          <p:control name="ListBox3" r:id="rId3" imgW="10572840" imgH="514440">
+          <p:control name="ListBox3" r:id="rId3" imgW="10572840" imgH="504720">
             <p:pic>
               <p:nvPicPr>
                 <p:cNvPr id="34" name="ListBox3"/>
@@ -26374,7 +26601,7 @@
               </p:blipFill>
               <p:spPr>
                 <a:xfrm>
-                  <a:off x="373645" y="4023515"/>
+                  <a:off x="373645" y="4065080"/>
                   <a:ext cx="10573294" cy="508413"/>
                 </a:xfrm>
                 <a:prstGeom prst="rect">
@@ -26387,10 +26614,10 @@
       </mc:AlternateContent>
       <mc:AlternateContent xmlns:mc="http://schemas.openxmlformats.org/markup-compatibility/2006">
         <mc:Choice xmlns:v="urn:schemas-microsoft-com:vml" Requires="v">
-          <p:control spid="20502" name="ListBox1" r:id="rId4" imgW="10572840" imgH="638280"/>
+          <p:control spid="20547" name="ListBox1" r:id="rId4" imgW="10572840" imgH="581040"/>
         </mc:Choice>
         <mc:Fallback>
-          <p:control name="ListBox1" r:id="rId4" imgW="10572840" imgH="638280">
+          <p:control name="ListBox1" r:id="rId4" imgW="10572840" imgH="581040">
             <p:pic>
               <p:nvPicPr>
                 <p:cNvPr id="44" name="ListBox1"/>
@@ -26407,8 +26634,8 @@
               </p:blipFill>
               <p:spPr>
                 <a:xfrm>
-                  <a:off x="404253" y="4961633"/>
-                  <a:ext cx="10573294" cy="640495"/>
+                  <a:off x="376543" y="4989343"/>
+                  <a:ext cx="10573294" cy="575850"/>
                 </a:xfrm>
                 <a:prstGeom prst="rect">
                   <a:avLst/>
@@ -26534,13 +26761,13 @@
       </p:sp>
       <p:sp>
         <p:nvSpPr>
-          <p:cNvPr id="50" name="Rectángulo redondeado 49"/>
+          <p:cNvPr id="83" name="Rectángulo redondeado 82"/>
           <p:cNvSpPr/>
           <p:nvPr/>
         </p:nvSpPr>
         <p:spPr>
           <a:xfrm>
-            <a:off x="2676717" y="1664082"/>
+            <a:off x="8529208" y="1518056"/>
             <a:ext cx="2377440" cy="276999"/>
           </a:xfrm>
           <a:prstGeom prst="roundRect">
@@ -26613,13 +26840,13 @@
       </p:sp>
       <p:sp>
         <p:nvSpPr>
-          <p:cNvPr id="81" name="Rectángulo redondeado 80"/>
+          <p:cNvPr id="84" name="Rectángulo redondeado 83"/>
           <p:cNvSpPr/>
           <p:nvPr/>
         </p:nvSpPr>
         <p:spPr>
           <a:xfrm>
-            <a:off x="2676717" y="1664082"/>
+            <a:off x="8463509" y="1518056"/>
             <a:ext cx="339634" cy="276999"/>
           </a:xfrm>
           <a:prstGeom prst="roundRect">
@@ -26692,13 +26919,13 @@
       </p:sp>
       <p:sp>
         <p:nvSpPr>
-          <p:cNvPr id="82" name="CuadroTexto 81"/>
+          <p:cNvPr id="85" name="CuadroTexto 84"/>
           <p:cNvSpPr txBox="1"/>
           <p:nvPr/>
         </p:nvSpPr>
         <p:spPr>
           <a:xfrm>
-            <a:off x="299269" y="1664082"/>
+            <a:off x="6106020" y="1544182"/>
             <a:ext cx="3278777" cy="276999"/>
           </a:xfrm>
           <a:prstGeom prst="rect">
@@ -26744,7 +26971,7 @@
                 <a:ea typeface="+mn-ea"/>
                 <a:cs typeface="+mn-cs"/>
               </a:rPr>
-              <a:t>Número de Titulo de Autorización</a:t>
+              <a:t>Fecha de Emisión del TA</a:t>
             </a:r>
             <a:endParaRPr kumimoji="0" lang="es-MX" sz="1200" b="0" i="0" u="none" strike="noStrike" kern="1200" cap="none" spc="0" normalizeH="0" baseline="0" noProof="0" dirty="0">
               <a:ln>
@@ -26765,13 +26992,13 @@
       </p:sp>
       <p:sp>
         <p:nvSpPr>
-          <p:cNvPr id="83" name="Rectángulo redondeado 82"/>
+          <p:cNvPr id="86" name="Rectángulo redondeado 85"/>
           <p:cNvSpPr/>
           <p:nvPr/>
         </p:nvSpPr>
         <p:spPr>
           <a:xfrm>
-            <a:off x="8515355" y="1628896"/>
+            <a:off x="2680358" y="1532769"/>
             <a:ext cx="2377440" cy="276999"/>
           </a:xfrm>
           <a:prstGeom prst="roundRect">
@@ -26844,13 +27071,13 @@
       </p:sp>
       <p:sp>
         <p:nvSpPr>
-          <p:cNvPr id="84" name="Rectángulo redondeado 83"/>
+          <p:cNvPr id="87" name="Rectángulo redondeado 86"/>
           <p:cNvSpPr/>
           <p:nvPr/>
         </p:nvSpPr>
         <p:spPr>
           <a:xfrm>
-            <a:off x="8449656" y="1628896"/>
+            <a:off x="2680358" y="1532769"/>
             <a:ext cx="339634" cy="276999"/>
           </a:xfrm>
           <a:prstGeom prst="roundRect">
@@ -26923,13 +27150,13 @@
       </p:sp>
       <p:sp>
         <p:nvSpPr>
-          <p:cNvPr id="85" name="CuadroTexto 84"/>
+          <p:cNvPr id="88" name="CuadroTexto 87"/>
           <p:cNvSpPr txBox="1"/>
           <p:nvPr/>
         </p:nvSpPr>
         <p:spPr>
           <a:xfrm>
-            <a:off x="6106020" y="1655022"/>
+            <a:off x="302910" y="1532769"/>
             <a:ext cx="3278777" cy="276999"/>
           </a:xfrm>
           <a:prstGeom prst="rect">
@@ -26975,7 +27202,7 @@
                 <a:ea typeface="+mn-ea"/>
                 <a:cs typeface="+mn-cs"/>
               </a:rPr>
-              <a:t>Fecha de Emisión del TA</a:t>
+              <a:t>Número de Convocatoria</a:t>
             </a:r>
             <a:endParaRPr kumimoji="0" lang="es-MX" sz="1200" b="0" i="0" u="none" strike="noStrike" kern="1200" cap="none" spc="0" normalizeH="0" baseline="0" noProof="0" dirty="0">
               <a:ln>
@@ -26996,13 +27223,13 @@
       </p:sp>
       <p:sp>
         <p:nvSpPr>
-          <p:cNvPr id="86" name="Rectángulo redondeado 85"/>
+          <p:cNvPr id="89" name="Rectángulo redondeado 88"/>
           <p:cNvSpPr/>
           <p:nvPr/>
         </p:nvSpPr>
         <p:spPr>
           <a:xfrm>
-            <a:off x="2680358" y="2142373"/>
+            <a:off x="2677103" y="2050410"/>
             <a:ext cx="2377440" cy="276999"/>
           </a:xfrm>
           <a:prstGeom prst="roundRect">
@@ -27075,13 +27302,13 @@
       </p:sp>
       <p:sp>
         <p:nvSpPr>
-          <p:cNvPr id="87" name="Rectángulo redondeado 86"/>
+          <p:cNvPr id="90" name="Rectángulo redondeado 89"/>
           <p:cNvSpPr/>
           <p:nvPr/>
         </p:nvSpPr>
         <p:spPr>
           <a:xfrm>
-            <a:off x="2680358" y="2142373"/>
+            <a:off x="2677103" y="2050410"/>
             <a:ext cx="339634" cy="276999"/>
           </a:xfrm>
           <a:prstGeom prst="roundRect">
@@ -27154,13 +27381,13 @@
       </p:sp>
       <p:sp>
         <p:nvSpPr>
-          <p:cNvPr id="88" name="CuadroTexto 87"/>
+          <p:cNvPr id="91" name="CuadroTexto 90"/>
           <p:cNvSpPr txBox="1"/>
           <p:nvPr/>
         </p:nvSpPr>
         <p:spPr>
           <a:xfrm>
-            <a:off x="302910" y="2142373"/>
+            <a:off x="299655" y="2050410"/>
             <a:ext cx="3278777" cy="276999"/>
           </a:xfrm>
           <a:prstGeom prst="rect">
@@ -27206,7 +27433,7 @@
                 <a:ea typeface="+mn-ea"/>
                 <a:cs typeface="+mn-cs"/>
               </a:rPr>
-              <a:t>Número de Convocatoria</a:t>
+              <a:t>Nombre del servicio</a:t>
             </a:r>
             <a:endParaRPr kumimoji="0" lang="es-MX" sz="1200" b="0" i="0" u="none" strike="noStrike" kern="1200" cap="none" spc="0" normalizeH="0" baseline="0" noProof="0" dirty="0">
               <a:ln>
@@ -27227,13 +27454,13 @@
       </p:sp>
       <p:sp>
         <p:nvSpPr>
-          <p:cNvPr id="89" name="Rectángulo redondeado 88"/>
+          <p:cNvPr id="113" name="Rectángulo redondeado 112"/>
           <p:cNvSpPr/>
           <p:nvPr/>
         </p:nvSpPr>
         <p:spPr>
           <a:xfrm>
-            <a:off x="2677103" y="2660014"/>
+            <a:off x="8506724" y="1992485"/>
             <a:ext cx="2377440" cy="276999"/>
           </a:xfrm>
           <a:prstGeom prst="roundRect">
@@ -27306,13 +27533,13 @@
       </p:sp>
       <p:sp>
         <p:nvSpPr>
-          <p:cNvPr id="90" name="Rectángulo redondeado 89"/>
+          <p:cNvPr id="114" name="Rectángulo redondeado 113"/>
           <p:cNvSpPr/>
           <p:nvPr/>
         </p:nvSpPr>
         <p:spPr>
           <a:xfrm>
-            <a:off x="2677103" y="2660014"/>
+            <a:off x="8480214" y="1992485"/>
             <a:ext cx="339634" cy="276999"/>
           </a:xfrm>
           <a:prstGeom prst="roundRect">
@@ -27385,13 +27612,13 @@
       </p:sp>
       <p:sp>
         <p:nvSpPr>
-          <p:cNvPr id="91" name="CuadroTexto 90"/>
+          <p:cNvPr id="115" name="CuadroTexto 114"/>
           <p:cNvSpPr txBox="1"/>
           <p:nvPr/>
         </p:nvSpPr>
         <p:spPr>
           <a:xfrm>
-            <a:off x="299655" y="2660014"/>
+            <a:off x="6122725" y="1992485"/>
             <a:ext cx="3278777" cy="276999"/>
           </a:xfrm>
           <a:prstGeom prst="rect">
@@ -27437,7 +27664,7 @@
                 <a:ea typeface="+mn-ea"/>
                 <a:cs typeface="+mn-cs"/>
               </a:rPr>
-              <a:t>Nombre del servicio</a:t>
+              <a:t>RFC</a:t>
             </a:r>
             <a:endParaRPr kumimoji="0" lang="es-MX" sz="1200" b="0" i="0" u="none" strike="noStrike" kern="1200" cap="none" spc="0" normalizeH="0" baseline="0" noProof="0" dirty="0">
               <a:ln>
@@ -27458,22 +27685,396 @@
       </p:sp>
       <p:sp>
         <p:nvSpPr>
-          <p:cNvPr id="113" name="Rectángulo redondeado 112"/>
+          <p:cNvPr id="47" name="Título 1"/>
+          <p:cNvSpPr>
+            <a:spLocks noGrp="1"/>
+          </p:cNvSpPr>
+          <p:nvPr>
+            <p:ph type="title"/>
+          </p:nvPr>
+        </p:nvSpPr>
+        <p:spPr>
+          <a:xfrm>
+            <a:off x="6136104" y="3515423"/>
+            <a:ext cx="2002058" cy="240406"/>
+          </a:xfrm>
+        </p:spPr>
+        <p:txBody>
+          <a:bodyPr>
+            <a:normAutofit fontScale="90000"/>
+          </a:bodyPr>
+          <a:lstStyle/>
+          <a:p>
+            <a:r>
+              <a:rPr lang="es-ES" sz="1300" dirty="0">
+                <a:latin typeface="+mn-lt"/>
+                <a:ea typeface="+mn-ea"/>
+                <a:cs typeface="+mn-cs"/>
+              </a:rPr>
+              <a:t>Motivo</a:t>
+            </a:r>
+            <a:r>
+              <a:rPr lang="es-ES" sz="1600" dirty="0" smtClean="0"/>
+              <a:t> de </a:t>
+            </a:r>
+            <a:r>
+              <a:rPr lang="es-ES" sz="1300" dirty="0" smtClean="0"/>
+              <a:t>Cancelación</a:t>
+            </a:r>
+            <a:r>
+              <a:rPr lang="es-ES" sz="1600" dirty="0" smtClean="0"/>
+              <a:t>:</a:t>
+            </a:r>
+            <a:endParaRPr lang="es-ES" sz="1600" dirty="0"/>
+          </a:p>
+        </p:txBody>
+      </p:sp>
+      <p:sp>
+        <p:nvSpPr>
+          <p:cNvPr id="64" name="CuadroTexto 63"/>
+          <p:cNvSpPr txBox="1"/>
+          <p:nvPr/>
+        </p:nvSpPr>
+        <p:spPr>
+          <a:xfrm>
+            <a:off x="2742030" y="528110"/>
+            <a:ext cx="1541417" cy="276999"/>
+          </a:xfrm>
+          <a:prstGeom prst="rect">
+            <a:avLst/>
+          </a:prstGeom>
+          <a:noFill/>
+        </p:spPr>
+        <p:txBody>
+          <a:bodyPr wrap="square" rtlCol="0">
+            <a:spAutoFit/>
+          </a:bodyPr>
+          <a:lstStyle/>
+          <a:p>
+            <a:pPr marL="0" marR="0" lvl="0" indent="0" algn="l" defTabSz="914400" rtl="0" eaLnBrk="1" fontAlgn="auto" latinLnBrk="0" hangingPunct="1">
+              <a:lnSpc>
+                <a:spcPct val="100000"/>
+              </a:lnSpc>
+              <a:spcBef>
+                <a:spcPts val="0"/>
+              </a:spcBef>
+              <a:spcAft>
+                <a:spcPts val="0"/>
+              </a:spcAft>
+              <a:buClrTx/>
+              <a:buSzTx/>
+              <a:buFontTx/>
+              <a:buNone/>
+              <a:tabLst/>
+              <a:defRPr/>
+            </a:pPr>
+            <a:r>
+              <a:rPr kumimoji="0" lang="es-MX" sz="1200" b="0" i="0" u="none" strike="noStrike" kern="1200" cap="none" spc="0" normalizeH="0" baseline="0" noProof="0" dirty="0" smtClean="0">
+                <a:ln>
+                  <a:noFill/>
+                </a:ln>
+                <a:solidFill>
+                  <a:prstClr val="black"/>
+                </a:solidFill>
+                <a:effectLst/>
+                <a:uLnTx/>
+                <a:uFillTx/>
+                <a:latin typeface="Calibri" panose="020F0502020204030204"/>
+                <a:ea typeface="+mn-ea"/>
+                <a:cs typeface="+mn-cs"/>
+              </a:rPr>
+              <a:t>Número de titulo:</a:t>
+            </a:r>
+            <a:endParaRPr kumimoji="0" lang="es-MX" sz="1200" b="0" i="0" u="none" strike="noStrike" kern="1200" cap="none" spc="0" normalizeH="0" baseline="0" noProof="0" dirty="0">
+              <a:ln>
+                <a:noFill/>
+              </a:ln>
+              <a:solidFill>
+                <a:prstClr val="black"/>
+              </a:solidFill>
+              <a:effectLst/>
+              <a:uLnTx/>
+              <a:uFillTx/>
+              <a:latin typeface="Calibri" panose="020F0502020204030204"/>
+              <a:ea typeface="+mn-ea"/>
+              <a:cs typeface="+mn-cs"/>
+            </a:endParaRPr>
+          </a:p>
+        </p:txBody>
+      </p:sp>
+      <p:sp>
+        <p:nvSpPr>
+          <p:cNvPr id="66" name="CuadroTexto 65"/>
+          <p:cNvSpPr txBox="1"/>
+          <p:nvPr/>
+        </p:nvSpPr>
+        <p:spPr>
+          <a:xfrm>
+            <a:off x="199516" y="531444"/>
+            <a:ext cx="1939367" cy="276999"/>
+          </a:xfrm>
+          <a:prstGeom prst="rect">
+            <a:avLst/>
+          </a:prstGeom>
+          <a:noFill/>
+        </p:spPr>
+        <p:txBody>
+          <a:bodyPr wrap="square" rtlCol="0">
+            <a:spAutoFit/>
+          </a:bodyPr>
+          <a:lstStyle/>
+          <a:p>
+            <a:pPr marL="0" marR="0" lvl="0" indent="0" algn="l" defTabSz="914400" rtl="0" eaLnBrk="1" fontAlgn="auto" latinLnBrk="0" hangingPunct="1">
+              <a:lnSpc>
+                <a:spcPct val="100000"/>
+              </a:lnSpc>
+              <a:spcBef>
+                <a:spcPts val="0"/>
+              </a:spcBef>
+              <a:spcAft>
+                <a:spcPts val="0"/>
+              </a:spcAft>
+              <a:buClrTx/>
+              <a:buSzTx/>
+              <a:buFontTx/>
+              <a:buNone/>
+              <a:tabLst/>
+              <a:defRPr/>
+            </a:pPr>
+            <a:r>
+              <a:rPr kumimoji="0" lang="es-MX" sz="1200" b="0" i="0" u="none" strike="noStrike" kern="1200" cap="none" spc="0" normalizeH="0" baseline="0" noProof="0" dirty="0" smtClean="0">
+                <a:ln>
+                  <a:noFill/>
+                </a:ln>
+                <a:solidFill>
+                  <a:prstClr val="black"/>
+                </a:solidFill>
+                <a:effectLst/>
+                <a:uLnTx/>
+                <a:uFillTx/>
+                <a:latin typeface="Calibri" panose="020F0502020204030204"/>
+                <a:ea typeface="+mn-ea"/>
+                <a:cs typeface="+mn-cs"/>
+              </a:rPr>
+              <a:t>Razón social :</a:t>
+            </a:r>
+            <a:endParaRPr kumimoji="0" lang="es-MX" sz="1200" b="0" i="0" u="none" strike="noStrike" kern="1200" cap="none" spc="0" normalizeH="0" baseline="0" noProof="0" dirty="0">
+              <a:ln>
+                <a:noFill/>
+              </a:ln>
+              <a:solidFill>
+                <a:prstClr val="black"/>
+              </a:solidFill>
+              <a:effectLst/>
+              <a:uLnTx/>
+              <a:uFillTx/>
+              <a:latin typeface="Calibri" panose="020F0502020204030204"/>
+              <a:ea typeface="+mn-ea"/>
+              <a:cs typeface="+mn-cs"/>
+            </a:endParaRPr>
+          </a:p>
+        </p:txBody>
+      </p:sp>
+      <p:sp>
+        <p:nvSpPr>
+          <p:cNvPr id="31" name="Título 1"/>
+          <p:cNvSpPr txBox="1">
+            <a:spLocks/>
+          </p:cNvSpPr>
+          <p:nvPr/>
+        </p:nvSpPr>
+        <p:spPr>
+          <a:xfrm>
+            <a:off x="6129737" y="2981390"/>
+            <a:ext cx="2256187" cy="302756"/>
+          </a:xfrm>
+          <a:prstGeom prst="rect">
+            <a:avLst/>
+          </a:prstGeom>
+        </p:spPr>
+        <p:txBody>
+          <a:bodyPr vert="horz" lIns="91440" tIns="45720" rIns="91440" bIns="45720" rtlCol="0" anchor="ctr">
+            <a:noAutofit/>
+          </a:bodyPr>
+          <a:lstStyle>
+            <a:lvl1pPr algn="l" defTabSz="914400" rtl="0" eaLnBrk="1" latinLnBrk="0" hangingPunct="1">
+              <a:lnSpc>
+                <a:spcPct val="90000"/>
+              </a:lnSpc>
+              <a:spcBef>
+                <a:spcPct val="0"/>
+              </a:spcBef>
+              <a:buNone/>
+              <a:defRPr sz="4400" kern="1200">
+                <a:solidFill>
+                  <a:schemeClr val="tx1"/>
+                </a:solidFill>
+                <a:latin typeface="+mj-lt"/>
+                <a:ea typeface="+mj-ea"/>
+                <a:cs typeface="+mj-cs"/>
+              </a:defRPr>
+            </a:lvl1pPr>
+          </a:lstStyle>
+          <a:p>
+            <a:pPr marL="0" marR="0" lvl="0" indent="0" algn="l" defTabSz="914400" rtl="0" eaLnBrk="1" fontAlgn="auto" latinLnBrk="0" hangingPunct="1">
+              <a:lnSpc>
+                <a:spcPct val="90000"/>
+              </a:lnSpc>
+              <a:spcBef>
+                <a:spcPct val="0"/>
+              </a:spcBef>
+              <a:spcAft>
+                <a:spcPts val="0"/>
+              </a:spcAft>
+              <a:buClrTx/>
+              <a:buSzTx/>
+              <a:buFontTx/>
+              <a:buNone/>
+              <a:tabLst/>
+              <a:defRPr/>
+            </a:pPr>
+            <a:r>
+              <a:rPr kumimoji="0" lang="es-ES" sz="1200" b="0" i="0" u="none" strike="noStrike" kern="1200" cap="none" spc="0" normalizeH="0" baseline="0" noProof="0" dirty="0" smtClean="0">
+                <a:ln>
+                  <a:noFill/>
+                </a:ln>
+                <a:solidFill>
+                  <a:prstClr val="black"/>
+                </a:solidFill>
+                <a:effectLst/>
+                <a:uLnTx/>
+                <a:uFillTx/>
+                <a:latin typeface="Calibri" panose="020F0502020204030204"/>
+                <a:ea typeface="+mj-ea"/>
+                <a:cs typeface="+mj-cs"/>
+              </a:rPr>
+              <a:t>Correo(s) electrónico(s) para oír o recibir notificaciones:</a:t>
+            </a:r>
+            <a:endParaRPr kumimoji="0" lang="es-ES" sz="1200" b="0" i="0" u="none" strike="noStrike" kern="1200" cap="none" spc="0" normalizeH="0" baseline="0" noProof="0" dirty="0">
+              <a:ln>
+                <a:noFill/>
+              </a:ln>
+              <a:solidFill>
+                <a:prstClr val="black"/>
+              </a:solidFill>
+              <a:effectLst/>
+              <a:uLnTx/>
+              <a:uFillTx/>
+              <a:latin typeface="Calibri Light" panose="020F0302020204030204"/>
+              <a:ea typeface="+mj-ea"/>
+              <a:cs typeface="+mj-cs"/>
+            </a:endParaRPr>
+          </a:p>
+        </p:txBody>
+      </p:sp>
+      <p:sp>
+        <p:nvSpPr>
+          <p:cNvPr id="32" name="Título 1"/>
+          <p:cNvSpPr txBox="1">
+            <a:spLocks/>
+          </p:cNvSpPr>
+          <p:nvPr/>
+        </p:nvSpPr>
+        <p:spPr>
+          <a:xfrm>
+            <a:off x="6112235" y="2557836"/>
+            <a:ext cx="2432171" cy="238601"/>
+          </a:xfrm>
+          <a:prstGeom prst="rect">
+            <a:avLst/>
+          </a:prstGeom>
+        </p:spPr>
+        <p:txBody>
+          <a:bodyPr vert="horz" lIns="91440" tIns="45720" rIns="91440" bIns="45720" rtlCol="0" anchor="ctr">
+            <a:noAutofit/>
+          </a:bodyPr>
+          <a:lstStyle>
+            <a:lvl1pPr algn="l" defTabSz="914400" rtl="0" eaLnBrk="1" latinLnBrk="0" hangingPunct="1">
+              <a:lnSpc>
+                <a:spcPct val="90000"/>
+              </a:lnSpc>
+              <a:spcBef>
+                <a:spcPct val="0"/>
+              </a:spcBef>
+              <a:buNone/>
+              <a:defRPr sz="4400" kern="1200">
+                <a:solidFill>
+                  <a:schemeClr val="tx1"/>
+                </a:solidFill>
+                <a:latin typeface="+mj-lt"/>
+                <a:ea typeface="+mj-ea"/>
+                <a:cs typeface="+mj-cs"/>
+              </a:defRPr>
+            </a:lvl1pPr>
+          </a:lstStyle>
+          <a:p>
+            <a:pPr marL="0" marR="0" lvl="0" indent="0" algn="l" defTabSz="914400" rtl="0" eaLnBrk="1" fontAlgn="auto" latinLnBrk="0" hangingPunct="1">
+              <a:lnSpc>
+                <a:spcPct val="90000"/>
+              </a:lnSpc>
+              <a:spcBef>
+                <a:spcPct val="0"/>
+              </a:spcBef>
+              <a:spcAft>
+                <a:spcPts val="0"/>
+              </a:spcAft>
+              <a:buClrTx/>
+              <a:buSzTx/>
+              <a:buFontTx/>
+              <a:buNone/>
+              <a:tabLst/>
+              <a:defRPr/>
+            </a:pPr>
+            <a:r>
+              <a:rPr kumimoji="0" lang="es-ES" sz="1200" b="0" i="0" u="none" strike="noStrike" kern="1200" cap="none" spc="0" normalizeH="0" baseline="0" noProof="0" dirty="0" smtClean="0">
+                <a:ln>
+                  <a:noFill/>
+                </a:ln>
+                <a:solidFill>
+                  <a:prstClr val="black"/>
+                </a:solidFill>
+                <a:effectLst/>
+                <a:uLnTx/>
+                <a:uFillTx/>
+                <a:latin typeface="Calibri" panose="020F0502020204030204"/>
+                <a:ea typeface="+mj-ea"/>
+                <a:cs typeface="+mj-cs"/>
+              </a:rPr>
+              <a:t>Nombre del representante legal:</a:t>
+            </a:r>
+            <a:endParaRPr kumimoji="0" lang="es-ES" sz="1200" b="0" i="0" u="none" strike="noStrike" kern="1200" cap="none" spc="0" normalizeH="0" baseline="0" noProof="0" dirty="0">
+              <a:ln>
+                <a:noFill/>
+              </a:ln>
+              <a:solidFill>
+                <a:prstClr val="black"/>
+              </a:solidFill>
+              <a:effectLst/>
+              <a:uLnTx/>
+              <a:uFillTx/>
+              <a:latin typeface="Calibri Light" panose="020F0302020204030204"/>
+              <a:ea typeface="+mj-ea"/>
+              <a:cs typeface="+mj-cs"/>
+            </a:endParaRPr>
+          </a:p>
+        </p:txBody>
+      </p:sp>
+      <p:sp>
+        <p:nvSpPr>
+          <p:cNvPr id="36" name="Rectángulo redondeado 35"/>
           <p:cNvSpPr/>
           <p:nvPr/>
         </p:nvSpPr>
         <p:spPr>
           <a:xfrm>
-            <a:off x="8492871" y="2103325"/>
+            <a:off x="8493659" y="2503363"/>
             <a:ext cx="2377440" cy="276999"/>
           </a:xfrm>
           <a:prstGeom prst="roundRect">
             <a:avLst/>
           </a:prstGeom>
           <a:solidFill>
-            <a:schemeClr val="bg1">
-              <a:lumMod val="85000"/>
-            </a:schemeClr>
+            <a:schemeClr val="bg1"/>
           </a:solidFill>
           <a:ln>
             <a:solidFill>
@@ -27537,13 +28138,13 @@
       </p:sp>
       <p:sp>
         <p:nvSpPr>
-          <p:cNvPr id="114" name="Rectángulo redondeado 113"/>
+          <p:cNvPr id="37" name="Rectángulo redondeado 36"/>
           <p:cNvSpPr/>
           <p:nvPr/>
         </p:nvSpPr>
         <p:spPr>
           <a:xfrm>
-            <a:off x="8466361" y="2103325"/>
+            <a:off x="8493659" y="2503363"/>
             <a:ext cx="339634" cy="276999"/>
           </a:xfrm>
           <a:prstGeom prst="roundRect">
@@ -27616,536 +28217,14 @@
       </p:sp>
       <p:sp>
         <p:nvSpPr>
-          <p:cNvPr id="115" name="CuadroTexto 114"/>
-          <p:cNvSpPr txBox="1"/>
-          <p:nvPr/>
-        </p:nvSpPr>
-        <p:spPr>
-          <a:xfrm>
-            <a:off x="6122725" y="2103325"/>
-            <a:ext cx="3278777" cy="276999"/>
-          </a:xfrm>
-          <a:prstGeom prst="rect">
-            <a:avLst/>
-          </a:prstGeom>
-          <a:noFill/>
-        </p:spPr>
-        <p:txBody>
-          <a:bodyPr wrap="square" rtlCol="0">
-            <a:spAutoFit/>
-          </a:bodyPr>
-          <a:lstStyle/>
-          <a:p>
-            <a:pPr marL="0" marR="0" lvl="0" indent="0" algn="l" defTabSz="914400" rtl="0" eaLnBrk="1" fontAlgn="auto" latinLnBrk="0" hangingPunct="1">
-              <a:lnSpc>
-                <a:spcPct val="100000"/>
-              </a:lnSpc>
-              <a:spcBef>
-                <a:spcPts val="0"/>
-              </a:spcBef>
-              <a:spcAft>
-                <a:spcPts val="0"/>
-              </a:spcAft>
-              <a:buClrTx/>
-              <a:buSzTx/>
-              <a:buFontTx/>
-              <a:buNone/>
-              <a:tabLst/>
-              <a:defRPr/>
-            </a:pPr>
-            <a:r>
-              <a:rPr kumimoji="0" lang="es-MX" sz="1200" b="0" i="0" u="none" strike="noStrike" kern="1200" cap="none" spc="0" normalizeH="0" baseline="0" noProof="0" dirty="0" smtClean="0">
-                <a:ln>
-                  <a:noFill/>
-                </a:ln>
-                <a:solidFill>
-                  <a:prstClr val="black"/>
-                </a:solidFill>
-                <a:effectLst/>
-                <a:uLnTx/>
-                <a:uFillTx/>
-                <a:latin typeface="Calibri" panose="020F0502020204030204"/>
-                <a:ea typeface="+mn-ea"/>
-                <a:cs typeface="+mn-cs"/>
-              </a:rPr>
-              <a:t>RFC</a:t>
-            </a:r>
-            <a:endParaRPr kumimoji="0" lang="es-MX" sz="1200" b="0" i="0" u="none" strike="noStrike" kern="1200" cap="none" spc="0" normalizeH="0" baseline="0" noProof="0" dirty="0">
-              <a:ln>
-                <a:noFill/>
-              </a:ln>
-              <a:solidFill>
-                <a:prstClr val="black"/>
-              </a:solidFill>
-              <a:effectLst/>
-              <a:uLnTx/>
-              <a:uFillTx/>
-              <a:latin typeface="Calibri" panose="020F0502020204030204"/>
-              <a:ea typeface="+mn-ea"/>
-              <a:cs typeface="+mn-cs"/>
-            </a:endParaRPr>
-          </a:p>
-        </p:txBody>
-      </p:sp>
-      <p:sp>
-        <p:nvSpPr>
-          <p:cNvPr id="47" name="Título 1"/>
-          <p:cNvSpPr>
-            <a:spLocks noGrp="1"/>
-          </p:cNvSpPr>
-          <p:nvPr>
-            <p:ph type="title"/>
-          </p:nvPr>
-        </p:nvSpPr>
-        <p:spPr>
-          <a:xfrm>
-            <a:off x="6136104" y="3626263"/>
-            <a:ext cx="2002058" cy="240406"/>
-          </a:xfrm>
-        </p:spPr>
-        <p:txBody>
-          <a:bodyPr>
-            <a:normAutofit fontScale="90000"/>
-          </a:bodyPr>
-          <a:lstStyle/>
-          <a:p>
-            <a:r>
-              <a:rPr lang="es-ES" sz="1300" dirty="0">
-                <a:latin typeface="+mn-lt"/>
-                <a:ea typeface="+mn-ea"/>
-                <a:cs typeface="+mn-cs"/>
-              </a:rPr>
-              <a:t>Motivo</a:t>
-            </a:r>
-            <a:r>
-              <a:rPr lang="es-ES" sz="1600" dirty="0" smtClean="0"/>
-              <a:t> de </a:t>
-            </a:r>
-            <a:r>
-              <a:rPr lang="es-ES" sz="1300" dirty="0" smtClean="0"/>
-              <a:t>Cancelación</a:t>
-            </a:r>
-            <a:r>
-              <a:rPr lang="es-ES" sz="1600" dirty="0" smtClean="0"/>
-              <a:t>:</a:t>
-            </a:r>
-            <a:endParaRPr lang="es-ES" sz="1600" dirty="0"/>
-          </a:p>
-        </p:txBody>
-      </p:sp>
-      <p:sp>
-        <p:nvSpPr>
-          <p:cNvPr id="64" name="CuadroTexto 63"/>
-          <p:cNvSpPr txBox="1"/>
-          <p:nvPr/>
-        </p:nvSpPr>
-        <p:spPr>
-          <a:xfrm>
-            <a:off x="2742030" y="528110"/>
-            <a:ext cx="1541417" cy="276999"/>
-          </a:xfrm>
-          <a:prstGeom prst="rect">
-            <a:avLst/>
-          </a:prstGeom>
-          <a:noFill/>
-        </p:spPr>
-        <p:txBody>
-          <a:bodyPr wrap="square" rtlCol="0">
-            <a:spAutoFit/>
-          </a:bodyPr>
-          <a:lstStyle/>
-          <a:p>
-            <a:pPr marL="0" marR="0" lvl="0" indent="0" algn="l" defTabSz="914400" rtl="0" eaLnBrk="1" fontAlgn="auto" latinLnBrk="0" hangingPunct="1">
-              <a:lnSpc>
-                <a:spcPct val="100000"/>
-              </a:lnSpc>
-              <a:spcBef>
-                <a:spcPts val="0"/>
-              </a:spcBef>
-              <a:spcAft>
-                <a:spcPts val="0"/>
-              </a:spcAft>
-              <a:buClrTx/>
-              <a:buSzTx/>
-              <a:buFontTx/>
-              <a:buNone/>
-              <a:tabLst/>
-              <a:defRPr/>
-            </a:pPr>
-            <a:r>
-              <a:rPr kumimoji="0" lang="es-MX" sz="1200" b="0" i="0" u="none" strike="noStrike" kern="1200" cap="none" spc="0" normalizeH="0" baseline="0" noProof="0" dirty="0" smtClean="0">
-                <a:ln>
-                  <a:noFill/>
-                </a:ln>
-                <a:solidFill>
-                  <a:prstClr val="black"/>
-                </a:solidFill>
-                <a:effectLst/>
-                <a:uLnTx/>
-                <a:uFillTx/>
-                <a:latin typeface="Calibri" panose="020F0502020204030204"/>
-                <a:ea typeface="+mn-ea"/>
-                <a:cs typeface="+mn-cs"/>
-              </a:rPr>
-              <a:t>Número de titulo:</a:t>
-            </a:r>
-            <a:endParaRPr kumimoji="0" lang="es-MX" sz="1200" b="0" i="0" u="none" strike="noStrike" kern="1200" cap="none" spc="0" normalizeH="0" baseline="0" noProof="0" dirty="0">
-              <a:ln>
-                <a:noFill/>
-              </a:ln>
-              <a:solidFill>
-                <a:prstClr val="black"/>
-              </a:solidFill>
-              <a:effectLst/>
-              <a:uLnTx/>
-              <a:uFillTx/>
-              <a:latin typeface="Calibri" panose="020F0502020204030204"/>
-              <a:ea typeface="+mn-ea"/>
-              <a:cs typeface="+mn-cs"/>
-            </a:endParaRPr>
-          </a:p>
-        </p:txBody>
-      </p:sp>
-      <p:sp>
-        <p:nvSpPr>
-          <p:cNvPr id="66" name="CuadroTexto 65"/>
-          <p:cNvSpPr txBox="1"/>
-          <p:nvPr/>
-        </p:nvSpPr>
-        <p:spPr>
-          <a:xfrm>
-            <a:off x="116387" y="531444"/>
-            <a:ext cx="1939367" cy="276999"/>
-          </a:xfrm>
-          <a:prstGeom prst="rect">
-            <a:avLst/>
-          </a:prstGeom>
-          <a:noFill/>
-        </p:spPr>
-        <p:txBody>
-          <a:bodyPr wrap="square" rtlCol="0">
-            <a:spAutoFit/>
-          </a:bodyPr>
-          <a:lstStyle/>
-          <a:p>
-            <a:pPr marL="0" marR="0" lvl="0" indent="0" algn="l" defTabSz="914400" rtl="0" eaLnBrk="1" fontAlgn="auto" latinLnBrk="0" hangingPunct="1">
-              <a:lnSpc>
-                <a:spcPct val="100000"/>
-              </a:lnSpc>
-              <a:spcBef>
-                <a:spcPts val="0"/>
-              </a:spcBef>
-              <a:spcAft>
-                <a:spcPts val="0"/>
-              </a:spcAft>
-              <a:buClrTx/>
-              <a:buSzTx/>
-              <a:buFontTx/>
-              <a:buNone/>
-              <a:tabLst/>
-              <a:defRPr/>
-            </a:pPr>
-            <a:r>
-              <a:rPr kumimoji="0" lang="es-MX" sz="1200" b="0" i="0" u="none" strike="noStrike" kern="1200" cap="none" spc="0" normalizeH="0" baseline="0" noProof="0" dirty="0" smtClean="0">
-                <a:ln>
-                  <a:noFill/>
-                </a:ln>
-                <a:solidFill>
-                  <a:prstClr val="black"/>
-                </a:solidFill>
-                <a:effectLst/>
-                <a:uLnTx/>
-                <a:uFillTx/>
-                <a:latin typeface="Calibri" panose="020F0502020204030204"/>
-                <a:ea typeface="+mn-ea"/>
-                <a:cs typeface="+mn-cs"/>
-              </a:rPr>
-              <a:t>Razón social :</a:t>
-            </a:r>
-            <a:endParaRPr kumimoji="0" lang="es-MX" sz="1200" b="0" i="0" u="none" strike="noStrike" kern="1200" cap="none" spc="0" normalizeH="0" baseline="0" noProof="0" dirty="0">
-              <a:ln>
-                <a:noFill/>
-              </a:ln>
-              <a:solidFill>
-                <a:prstClr val="black"/>
-              </a:solidFill>
-              <a:effectLst/>
-              <a:uLnTx/>
-              <a:uFillTx/>
-              <a:latin typeface="Calibri" panose="020F0502020204030204"/>
-              <a:ea typeface="+mn-ea"/>
-              <a:cs typeface="+mn-cs"/>
-            </a:endParaRPr>
-          </a:p>
-        </p:txBody>
-      </p:sp>
-      <p:sp>
-        <p:nvSpPr>
-          <p:cNvPr id="67" name="CuadroTexto 66"/>
-          <p:cNvSpPr txBox="1"/>
-          <p:nvPr/>
-        </p:nvSpPr>
-        <p:spPr>
-          <a:xfrm>
-            <a:off x="5250100" y="529846"/>
-            <a:ext cx="1939367" cy="276999"/>
-          </a:xfrm>
-          <a:prstGeom prst="rect">
-            <a:avLst/>
-          </a:prstGeom>
-          <a:noFill/>
-        </p:spPr>
-        <p:txBody>
-          <a:bodyPr wrap="square" rtlCol="0">
-            <a:spAutoFit/>
-          </a:bodyPr>
-          <a:lstStyle/>
-          <a:p>
-            <a:pPr marL="0" marR="0" lvl="0" indent="0" algn="l" defTabSz="914400" rtl="0" eaLnBrk="1" fontAlgn="auto" latinLnBrk="0" hangingPunct="1">
-              <a:lnSpc>
-                <a:spcPct val="100000"/>
-              </a:lnSpc>
-              <a:spcBef>
-                <a:spcPts val="0"/>
-              </a:spcBef>
-              <a:spcAft>
-                <a:spcPts val="0"/>
-              </a:spcAft>
-              <a:buClrTx/>
-              <a:buSzTx/>
-              <a:buFontTx/>
-              <a:buNone/>
-              <a:tabLst/>
-              <a:defRPr/>
-            </a:pPr>
-            <a:r>
-              <a:rPr kumimoji="0" lang="es-MX" sz="1200" b="0" i="0" u="none" strike="noStrike" kern="1200" cap="none" spc="0" normalizeH="0" baseline="0" noProof="0" dirty="0" smtClean="0">
-                <a:ln>
-                  <a:noFill/>
-                </a:ln>
-                <a:solidFill>
-                  <a:prstClr val="black"/>
-                </a:solidFill>
-                <a:effectLst/>
-                <a:uLnTx/>
-                <a:uFillTx/>
-                <a:latin typeface="Calibri" panose="020F0502020204030204"/>
-                <a:ea typeface="+mn-ea"/>
-                <a:cs typeface="+mn-cs"/>
-              </a:rPr>
-              <a:t>Servicio:</a:t>
-            </a:r>
-            <a:endParaRPr kumimoji="0" lang="es-MX" sz="1200" b="0" i="0" u="none" strike="noStrike" kern="1200" cap="none" spc="0" normalizeH="0" baseline="0" noProof="0" dirty="0">
-              <a:ln>
-                <a:noFill/>
-              </a:ln>
-              <a:solidFill>
-                <a:prstClr val="black"/>
-              </a:solidFill>
-              <a:effectLst/>
-              <a:uLnTx/>
-              <a:uFillTx/>
-              <a:latin typeface="Calibri" panose="020F0502020204030204"/>
-              <a:ea typeface="+mn-ea"/>
-              <a:cs typeface="+mn-cs"/>
-            </a:endParaRPr>
-          </a:p>
-        </p:txBody>
-      </p:sp>
-      <p:sp>
-        <p:nvSpPr>
-          <p:cNvPr id="31" name="Título 1"/>
-          <p:cNvSpPr txBox="1">
-            <a:spLocks/>
-          </p:cNvSpPr>
-          <p:nvPr/>
-        </p:nvSpPr>
-        <p:spPr>
-          <a:xfrm>
-            <a:off x="6129737" y="3133795"/>
-            <a:ext cx="1708987" cy="221553"/>
-          </a:xfrm>
-          <a:prstGeom prst="rect">
-            <a:avLst/>
-          </a:prstGeom>
-        </p:spPr>
-        <p:txBody>
-          <a:bodyPr vert="horz" lIns="91440" tIns="45720" rIns="91440" bIns="45720" rtlCol="0" anchor="ctr">
-            <a:noAutofit/>
-          </a:bodyPr>
-          <a:lstStyle>
-            <a:lvl1pPr algn="l" defTabSz="914400" rtl="0" eaLnBrk="1" latinLnBrk="0" hangingPunct="1">
-              <a:lnSpc>
-                <a:spcPct val="90000"/>
-              </a:lnSpc>
-              <a:spcBef>
-                <a:spcPct val="0"/>
-              </a:spcBef>
-              <a:buNone/>
-              <a:defRPr sz="4400" kern="1200">
-                <a:solidFill>
-                  <a:schemeClr val="tx1"/>
-                </a:solidFill>
-                <a:latin typeface="+mj-lt"/>
-                <a:ea typeface="+mj-ea"/>
-                <a:cs typeface="+mj-cs"/>
-              </a:defRPr>
-            </a:lvl1pPr>
-          </a:lstStyle>
-          <a:p>
-            <a:pPr marL="0" marR="0" lvl="0" indent="0" algn="l" defTabSz="914400" rtl="0" eaLnBrk="1" fontAlgn="auto" latinLnBrk="0" hangingPunct="1">
-              <a:lnSpc>
-                <a:spcPct val="90000"/>
-              </a:lnSpc>
-              <a:spcBef>
-                <a:spcPct val="0"/>
-              </a:spcBef>
-              <a:spcAft>
-                <a:spcPts val="0"/>
-              </a:spcAft>
-              <a:buClrTx/>
-              <a:buSzTx/>
-              <a:buFontTx/>
-              <a:buNone/>
-              <a:tabLst/>
-              <a:defRPr/>
-            </a:pPr>
-            <a:r>
-              <a:rPr kumimoji="0" lang="es-ES" sz="1200" b="0" i="0" u="none" strike="noStrike" kern="1200" cap="none" spc="0" normalizeH="0" baseline="0" noProof="0" dirty="0" smtClean="0">
-                <a:ln>
-                  <a:noFill/>
-                </a:ln>
-                <a:solidFill>
-                  <a:prstClr val="black"/>
-                </a:solidFill>
-                <a:effectLst/>
-                <a:uLnTx/>
-                <a:uFillTx/>
-                <a:latin typeface="Calibri" panose="020F0502020204030204"/>
-                <a:ea typeface="+mj-ea"/>
-                <a:cs typeface="+mj-cs"/>
-              </a:rPr>
-              <a:t>Correo electrónico:</a:t>
-            </a:r>
-            <a:endParaRPr kumimoji="0" lang="es-ES" sz="1200" b="0" i="0" u="none" strike="noStrike" kern="1200" cap="none" spc="0" normalizeH="0" baseline="0" noProof="0" dirty="0">
-              <a:ln>
-                <a:noFill/>
-              </a:ln>
-              <a:solidFill>
-                <a:prstClr val="black"/>
-              </a:solidFill>
-              <a:effectLst/>
-              <a:uLnTx/>
-              <a:uFillTx/>
-              <a:latin typeface="Calibri Light" panose="020F0302020204030204"/>
-              <a:ea typeface="+mj-ea"/>
-              <a:cs typeface="+mj-cs"/>
-            </a:endParaRPr>
-          </a:p>
-        </p:txBody>
-      </p:sp>
-      <p:sp>
-        <p:nvSpPr>
-          <p:cNvPr id="32" name="Título 1"/>
-          <p:cNvSpPr txBox="1">
-            <a:spLocks/>
-          </p:cNvSpPr>
-          <p:nvPr/>
-        </p:nvSpPr>
-        <p:spPr>
-          <a:xfrm>
-            <a:off x="6112235" y="2668676"/>
-            <a:ext cx="2432171" cy="238601"/>
-          </a:xfrm>
-          <a:prstGeom prst="rect">
-            <a:avLst/>
-          </a:prstGeom>
-        </p:spPr>
-        <p:txBody>
-          <a:bodyPr vert="horz" lIns="91440" tIns="45720" rIns="91440" bIns="45720" rtlCol="0" anchor="ctr">
-            <a:noAutofit/>
-          </a:bodyPr>
-          <a:lstStyle>
-            <a:lvl1pPr algn="l" defTabSz="914400" rtl="0" eaLnBrk="1" latinLnBrk="0" hangingPunct="1">
-              <a:lnSpc>
-                <a:spcPct val="90000"/>
-              </a:lnSpc>
-              <a:spcBef>
-                <a:spcPct val="0"/>
-              </a:spcBef>
-              <a:buNone/>
-              <a:defRPr sz="4400" kern="1200">
-                <a:solidFill>
-                  <a:schemeClr val="tx1"/>
-                </a:solidFill>
-                <a:latin typeface="+mj-lt"/>
-                <a:ea typeface="+mj-ea"/>
-                <a:cs typeface="+mj-cs"/>
-              </a:defRPr>
-            </a:lvl1pPr>
-          </a:lstStyle>
-          <a:p>
-            <a:pPr marL="0" marR="0" lvl="0" indent="0" algn="l" defTabSz="914400" rtl="0" eaLnBrk="1" fontAlgn="auto" latinLnBrk="0" hangingPunct="1">
-              <a:lnSpc>
-                <a:spcPct val="90000"/>
-              </a:lnSpc>
-              <a:spcBef>
-                <a:spcPct val="0"/>
-              </a:spcBef>
-              <a:spcAft>
-                <a:spcPts val="0"/>
-              </a:spcAft>
-              <a:buClrTx/>
-              <a:buSzTx/>
-              <a:buFontTx/>
-              <a:buNone/>
-              <a:tabLst/>
-              <a:defRPr/>
-            </a:pPr>
-            <a:r>
-              <a:rPr kumimoji="0" lang="es-ES" sz="1200" b="0" i="0" u="none" strike="noStrike" kern="1200" cap="none" spc="0" normalizeH="0" baseline="0" noProof="0" dirty="0" smtClean="0">
-                <a:ln>
-                  <a:noFill/>
-                </a:ln>
-                <a:solidFill>
-                  <a:prstClr val="black"/>
-                </a:solidFill>
-                <a:effectLst/>
-                <a:uLnTx/>
-                <a:uFillTx/>
-                <a:latin typeface="Calibri" panose="020F0502020204030204"/>
-                <a:ea typeface="+mj-ea"/>
-                <a:cs typeface="+mj-cs"/>
-              </a:rPr>
-              <a:t>Nombre del representante legal:</a:t>
-            </a:r>
-            <a:endParaRPr kumimoji="0" lang="es-ES" sz="1200" b="0" i="0" u="none" strike="noStrike" kern="1200" cap="none" spc="0" normalizeH="0" baseline="0" noProof="0" dirty="0">
-              <a:ln>
-                <a:noFill/>
-              </a:ln>
-              <a:solidFill>
-                <a:prstClr val="black"/>
-              </a:solidFill>
-              <a:effectLst/>
-              <a:uLnTx/>
-              <a:uFillTx/>
-              <a:latin typeface="Calibri Light" panose="020F0302020204030204"/>
-              <a:ea typeface="+mj-ea"/>
-              <a:cs typeface="+mj-cs"/>
-            </a:endParaRPr>
-          </a:p>
-        </p:txBody>
-      </p:sp>
-      <p:sp>
-        <p:nvSpPr>
-          <p:cNvPr id="36" name="Rectángulo redondeado 35"/>
+          <p:cNvPr id="38" name="Rectángulo redondeado 37"/>
           <p:cNvSpPr/>
           <p:nvPr/>
         </p:nvSpPr>
         <p:spPr>
           <a:xfrm>
-            <a:off x="8479806" y="2614203"/>
-            <a:ext cx="2377440" cy="276999"/>
+            <a:off x="8497590" y="2976854"/>
+            <a:ext cx="2382932" cy="282093"/>
           </a:xfrm>
           <a:prstGeom prst="roundRect">
             <a:avLst/>
@@ -28215,13 +28294,13 @@
       </p:sp>
       <p:sp>
         <p:nvSpPr>
-          <p:cNvPr id="37" name="Rectángulo redondeado 36"/>
+          <p:cNvPr id="39" name="Rectángulo redondeado 38"/>
           <p:cNvSpPr/>
           <p:nvPr/>
         </p:nvSpPr>
         <p:spPr>
           <a:xfrm>
-            <a:off x="8479806" y="2614203"/>
+            <a:off x="8497590" y="2976854"/>
             <a:ext cx="339634" cy="276999"/>
           </a:xfrm>
           <a:prstGeom prst="roundRect">
@@ -28294,14 +28373,123 @@
       </p:sp>
       <p:sp>
         <p:nvSpPr>
-          <p:cNvPr id="38" name="Rectángulo redondeado 37"/>
+          <p:cNvPr id="42" name="Título 1"/>
+          <p:cNvSpPr txBox="1">
+            <a:spLocks/>
+          </p:cNvSpPr>
+          <p:nvPr/>
+        </p:nvSpPr>
+        <p:spPr>
+          <a:xfrm>
+            <a:off x="338725" y="2922675"/>
+            <a:ext cx="1708987" cy="221553"/>
+          </a:xfrm>
+          <a:prstGeom prst="rect">
+            <a:avLst/>
+          </a:prstGeom>
+        </p:spPr>
+        <p:txBody>
+          <a:bodyPr vert="horz" lIns="91440" tIns="45720" rIns="91440" bIns="45720" rtlCol="0" anchor="ctr">
+            <a:noAutofit/>
+          </a:bodyPr>
+          <a:lstStyle>
+            <a:lvl1pPr algn="l" defTabSz="914400" rtl="0" eaLnBrk="1" latinLnBrk="0" hangingPunct="1">
+              <a:lnSpc>
+                <a:spcPct val="90000"/>
+              </a:lnSpc>
+              <a:spcBef>
+                <a:spcPct val="0"/>
+              </a:spcBef>
+              <a:buNone/>
+              <a:defRPr sz="4400" kern="1200">
+                <a:solidFill>
+                  <a:schemeClr val="tx1"/>
+                </a:solidFill>
+                <a:latin typeface="+mj-lt"/>
+                <a:ea typeface="+mj-ea"/>
+                <a:cs typeface="+mj-cs"/>
+              </a:defRPr>
+            </a:lvl1pPr>
+          </a:lstStyle>
+          <a:p>
+            <a:pPr marL="0" marR="0" lvl="0" indent="0" algn="l" defTabSz="914400" rtl="0" eaLnBrk="1" fontAlgn="auto" latinLnBrk="0" hangingPunct="1">
+              <a:lnSpc>
+                <a:spcPct val="90000"/>
+              </a:lnSpc>
+              <a:spcBef>
+                <a:spcPct val="0"/>
+              </a:spcBef>
+              <a:spcAft>
+                <a:spcPts val="0"/>
+              </a:spcAft>
+              <a:buClrTx/>
+              <a:buSzTx/>
+              <a:buFontTx/>
+              <a:buNone/>
+              <a:tabLst/>
+              <a:defRPr/>
+            </a:pPr>
+            <a:r>
+              <a:rPr kumimoji="0" lang="es-ES" sz="1200" b="0" i="0" u="none" strike="noStrike" kern="1200" cap="none" spc="0" normalizeH="0" baseline="0" noProof="0" dirty="0" smtClean="0">
+                <a:ln>
+                  <a:noFill/>
+                </a:ln>
+                <a:solidFill>
+                  <a:prstClr val="black"/>
+                </a:solidFill>
+                <a:effectLst/>
+                <a:uLnTx/>
+                <a:uFillTx/>
+                <a:latin typeface="Calibri" panose="020F0502020204030204"/>
+                <a:ea typeface="+mj-ea"/>
+                <a:cs typeface="+mj-cs"/>
+              </a:rPr>
+              <a:t>Número de oficio</a:t>
+            </a:r>
+            <a:r>
+              <a:rPr kumimoji="0" lang="es-ES" sz="1200" b="0" i="0" u="none" strike="noStrike" kern="1200" cap="none" spc="0" normalizeH="0" baseline="0" noProof="0" dirty="0" smtClean="0">
+                <a:ln>
+                  <a:noFill/>
+                </a:ln>
+                <a:solidFill>
+                  <a:prstClr val="black"/>
+                </a:solidFill>
+                <a:effectLst/>
+                <a:uLnTx/>
+                <a:uFillTx/>
+                <a:latin typeface="Calibri Light" panose="020F0302020204030204"/>
+                <a:ea typeface="+mj-ea"/>
+                <a:cs typeface="+mj-cs"/>
+              </a:rPr>
+              <a:t>:</a:t>
+            </a:r>
+            <a:endParaRPr kumimoji="0" lang="es-ES" sz="1200" b="0" i="0" u="none" strike="noStrike" kern="1200" cap="none" spc="0" normalizeH="0" baseline="0" noProof="0" dirty="0">
+              <a:ln>
+                <a:noFill/>
+              </a:ln>
+              <a:solidFill>
+                <a:prstClr val="black"/>
+              </a:solidFill>
+              <a:effectLst/>
+              <a:uLnTx/>
+              <a:uFillTx/>
+              <a:latin typeface="Calibri Light" panose="020F0302020204030204"/>
+              <a:ea typeface="+mj-ea"/>
+              <a:cs typeface="+mj-cs"/>
+            </a:endParaRPr>
+          </a:p>
+        </p:txBody>
+      </p:sp>
+      <p:sp>
+        <p:nvSpPr>
+          <p:cNvPr id="43" name="Rectángulo redondeado 42"/>
           <p:cNvSpPr/>
           <p:nvPr/>
         </p:nvSpPr>
         <p:spPr>
           <a:xfrm>
-            <a:off x="8483737" y="3087694"/>
-            <a:ext cx="2382932" cy="282093"/>
+            <a:off x="2651565" y="2922675"/>
+            <a:ext cx="2388737" cy="276999"/>
           </a:xfrm>
           <a:prstGeom prst="roundRect">
             <a:avLst/>
@@ -28371,13 +28559,13 @@
       </p:sp>
       <p:sp>
         <p:nvSpPr>
-          <p:cNvPr id="39" name="Rectángulo redondeado 38"/>
+          <p:cNvPr id="44" name="Rectángulo redondeado 43"/>
           <p:cNvSpPr/>
           <p:nvPr/>
         </p:nvSpPr>
         <p:spPr>
           <a:xfrm>
-            <a:off x="8483737" y="3087694"/>
+            <a:off x="2651566" y="2922675"/>
             <a:ext cx="339634" cy="276999"/>
           </a:xfrm>
           <a:prstGeom prst="roundRect">
@@ -28450,51 +28638,32 @@
       </p:sp>
       <p:sp>
         <p:nvSpPr>
-          <p:cNvPr id="42" name="Título 1"/>
-          <p:cNvSpPr txBox="1">
-            <a:spLocks/>
-          </p:cNvSpPr>
-          <p:nvPr/>
-        </p:nvSpPr>
-        <p:spPr>
-          <a:xfrm>
-            <a:off x="352580" y="3684684"/>
-            <a:ext cx="1708987" cy="221553"/>
-          </a:xfrm>
-          <a:prstGeom prst="rect">
-            <a:avLst/>
-          </a:prstGeom>
-        </p:spPr>
-        <p:txBody>
-          <a:bodyPr vert="horz" lIns="91440" tIns="45720" rIns="91440" bIns="45720" rtlCol="0" anchor="ctr">
-            <a:noAutofit/>
+          <p:cNvPr id="48" name="CuadroTexto 47"/>
+          <p:cNvSpPr txBox="1"/>
+          <p:nvPr/>
+        </p:nvSpPr>
+        <p:spPr>
+          <a:xfrm>
+            <a:off x="299655" y="2465498"/>
+            <a:ext cx="2819202" cy="461665"/>
+          </a:xfrm>
+          <a:prstGeom prst="rect">
+            <a:avLst/>
+          </a:prstGeom>
+          <a:noFill/>
+        </p:spPr>
+        <p:txBody>
+          <a:bodyPr wrap="square" rtlCol="0">
+            <a:spAutoFit/>
           </a:bodyPr>
-          <a:lstStyle>
-            <a:lvl1pPr algn="l" defTabSz="914400" rtl="0" eaLnBrk="1" latinLnBrk="0" hangingPunct="1">
+          <a:lstStyle/>
+          <a:p>
+            <a:pPr marL="0" marR="0" lvl="0" indent="0" algn="l" defTabSz="914400" rtl="0" eaLnBrk="1" fontAlgn="auto" latinLnBrk="0" hangingPunct="1">
               <a:lnSpc>
-                <a:spcPct val="90000"/>
+                <a:spcPct val="100000"/>
               </a:lnSpc>
               <a:spcBef>
-                <a:spcPct val="0"/>
-              </a:spcBef>
-              <a:buNone/>
-              <a:defRPr sz="4400" kern="1200">
-                <a:solidFill>
-                  <a:schemeClr val="tx1"/>
-                </a:solidFill>
-                <a:latin typeface="+mj-lt"/>
-                <a:ea typeface="+mj-ea"/>
-                <a:cs typeface="+mj-cs"/>
-              </a:defRPr>
-            </a:lvl1pPr>
-          </a:lstStyle>
-          <a:p>
-            <a:pPr marL="0" marR="0" lvl="0" indent="0" algn="l" defTabSz="914400" rtl="0" eaLnBrk="1" fontAlgn="auto" latinLnBrk="0" hangingPunct="1">
-              <a:lnSpc>
-                <a:spcPct val="90000"/>
-              </a:lnSpc>
-              <a:spcBef>
-                <a:spcPct val="0"/>
+                <a:spcPts val="0"/>
               </a:spcBef>
               <a:spcAft>
                 <a:spcPts val="0"/>
@@ -28507,7 +28676,7 @@
               <a:defRPr/>
             </a:pPr>
             <a:r>
-              <a:rPr kumimoji="0" lang="es-ES" sz="1200" b="0" i="0" u="none" strike="noStrike" kern="1200" cap="none" spc="0" normalizeH="0" baseline="0" noProof="0" dirty="0" smtClean="0">
+              <a:rPr kumimoji="0" lang="es-MX" sz="1200" b="0" i="0" u="none" strike="noStrike" kern="1200" cap="none" spc="0" normalizeH="0" baseline="0" noProof="0" dirty="0" smtClean="0">
                 <a:ln>
                   <a:noFill/>
                 </a:ln>
@@ -28518,13 +28687,13 @@
                 <a:uLnTx/>
                 <a:uFillTx/>
                 <a:latin typeface="Calibri" panose="020F0502020204030204"/>
-                <a:ea typeface="+mj-ea"/>
-                <a:cs typeface="+mj-cs"/>
+                <a:ea typeface="+mn-ea"/>
+                <a:cs typeface="+mn-cs"/>
               </a:rPr>
-              <a:t>Número de oficio</a:t>
-            </a:r>
-            <a:r>
-              <a:rPr kumimoji="0" lang="es-ES" sz="1200" b="0" i="0" u="none" strike="noStrike" kern="1200" cap="none" spc="0" normalizeH="0" baseline="0" noProof="0" dirty="0" smtClean="0">
+              <a:t>Domicilio </a:t>
+            </a:r>
+            <a:r>
+              <a:rPr kumimoji="0" lang="es-MX" sz="1200" b="0" i="0" u="none" strike="noStrike" kern="1200" cap="none" spc="0" normalizeH="0" baseline="0" noProof="0" dirty="0" smtClean="0">
                 <a:ln>
                   <a:noFill/>
                 </a:ln>
@@ -28534,13 +28703,47 @@
                 <a:effectLst/>
                 <a:uLnTx/>
                 <a:uFillTx/>
-                <a:latin typeface="Calibri Light" panose="020F0302020204030204"/>
-                <a:ea typeface="+mj-ea"/>
-                <a:cs typeface="+mj-cs"/>
+                <a:latin typeface="Calibri" panose="020F0502020204030204"/>
+                <a:ea typeface="+mn-ea"/>
+                <a:cs typeface="+mn-cs"/>
+              </a:rPr>
+              <a:t>fiscal para</a:t>
+            </a:r>
+            <a:r>
+              <a:rPr kumimoji="0" lang="es-MX" sz="1200" b="0" i="0" u="none" strike="noStrike" kern="1200" cap="none" spc="0" normalizeH="0" noProof="0" dirty="0" smtClean="0">
+                <a:ln>
+                  <a:noFill/>
+                </a:ln>
+                <a:solidFill>
+                  <a:prstClr val="black"/>
+                </a:solidFill>
+                <a:effectLst/>
+                <a:uLnTx/>
+                <a:uFillTx/>
+                <a:latin typeface="Calibri" panose="020F0502020204030204"/>
+                <a:ea typeface="+mn-ea"/>
+                <a:cs typeface="+mn-cs"/>
+              </a:rPr>
+              <a:t> oír y recibir notificaciones </a:t>
+            </a:r>
+            <a:r>
+              <a:rPr kumimoji="0" lang="es-MX" sz="1200" b="0" i="0" u="none" strike="noStrike" kern="1200" cap="none" spc="0" normalizeH="0" baseline="0" noProof="0" dirty="0" smtClean="0">
+                <a:ln>
+                  <a:noFill/>
+                </a:ln>
+                <a:solidFill>
+                  <a:prstClr val="black"/>
+                </a:solidFill>
+                <a:effectLst/>
+                <a:uLnTx/>
+                <a:uFillTx/>
+                <a:latin typeface="Calibri" panose="020F0502020204030204"/>
+                <a:ea typeface="+mn-ea"/>
+                <a:cs typeface="+mn-cs"/>
               </a:rPr>
               <a:t>:</a:t>
             </a:r>
-            <a:endParaRPr kumimoji="0" lang="es-ES" sz="1200" b="0" i="0" u="none" strike="noStrike" kern="1200" cap="none" spc="0" normalizeH="0" baseline="0" noProof="0" dirty="0">
+            <a:endParaRPr kumimoji="0" lang="es-MX" sz="1200" b="0" i="0" u="none" strike="noStrike" kern="1200" cap="none" spc="0" normalizeH="0" baseline="0" noProof="0" dirty="0">
               <a:ln>
                 <a:noFill/>
               </a:ln>
@@ -28550,23 +28753,23 @@
               <a:effectLst/>
               <a:uLnTx/>
               <a:uFillTx/>
-              <a:latin typeface="Calibri Light" panose="020F0302020204030204"/>
-              <a:ea typeface="+mj-ea"/>
-              <a:cs typeface="+mj-cs"/>
+              <a:latin typeface="Calibri" panose="020F0502020204030204"/>
+              <a:ea typeface="+mn-ea"/>
+              <a:cs typeface="+mn-cs"/>
             </a:endParaRPr>
           </a:p>
         </p:txBody>
       </p:sp>
       <p:sp>
         <p:nvSpPr>
-          <p:cNvPr id="43" name="Rectángulo redondeado 42"/>
+          <p:cNvPr id="52" name="Rectángulo redondeado 51"/>
           <p:cNvSpPr/>
           <p:nvPr/>
         </p:nvSpPr>
         <p:spPr>
           <a:xfrm>
-            <a:off x="2665420" y="3684684"/>
-            <a:ext cx="2388737" cy="276999"/>
+            <a:off x="2655334" y="2472359"/>
+            <a:ext cx="2372697" cy="276999"/>
           </a:xfrm>
           <a:prstGeom prst="roundRect">
             <a:avLst/>
@@ -28636,13 +28839,13 @@
       </p:sp>
       <p:sp>
         <p:nvSpPr>
-          <p:cNvPr id="44" name="Rectángulo redondeado 43"/>
+          <p:cNvPr id="53" name="Rectángulo redondeado 52"/>
           <p:cNvSpPr/>
           <p:nvPr/>
         </p:nvSpPr>
         <p:spPr>
           <a:xfrm>
-            <a:off x="2665421" y="3684684"/>
+            <a:off x="2655335" y="2472359"/>
             <a:ext cx="339634" cy="276999"/>
           </a:xfrm>
           <a:prstGeom prst="roundRect">
@@ -28715,235 +28918,6 @@
       </p:sp>
       <p:sp>
         <p:nvSpPr>
-          <p:cNvPr id="48" name="CuadroTexto 47"/>
-          <p:cNvSpPr txBox="1"/>
-          <p:nvPr/>
-        </p:nvSpPr>
-        <p:spPr>
-          <a:xfrm>
-            <a:off x="325780" y="3156986"/>
-            <a:ext cx="3278777" cy="276999"/>
-          </a:xfrm>
-          <a:prstGeom prst="rect">
-            <a:avLst/>
-          </a:prstGeom>
-          <a:noFill/>
-        </p:spPr>
-        <p:txBody>
-          <a:bodyPr wrap="square" rtlCol="0">
-            <a:spAutoFit/>
-          </a:bodyPr>
-          <a:lstStyle/>
-          <a:p>
-            <a:pPr marL="0" marR="0" lvl="0" indent="0" algn="l" defTabSz="914400" rtl="0" eaLnBrk="1" fontAlgn="auto" latinLnBrk="0" hangingPunct="1">
-              <a:lnSpc>
-                <a:spcPct val="100000"/>
-              </a:lnSpc>
-              <a:spcBef>
-                <a:spcPts val="0"/>
-              </a:spcBef>
-              <a:spcAft>
-                <a:spcPts val="0"/>
-              </a:spcAft>
-              <a:buClrTx/>
-              <a:buSzTx/>
-              <a:buFontTx/>
-              <a:buNone/>
-              <a:tabLst/>
-              <a:defRPr/>
-            </a:pPr>
-            <a:r>
-              <a:rPr kumimoji="0" lang="es-MX" sz="1200" b="0" i="0" u="none" strike="noStrike" kern="1200" cap="none" spc="0" normalizeH="0" baseline="0" noProof="0" dirty="0" smtClean="0">
-                <a:ln>
-                  <a:noFill/>
-                </a:ln>
-                <a:solidFill>
-                  <a:prstClr val="black"/>
-                </a:solidFill>
-                <a:effectLst/>
-                <a:uLnTx/>
-                <a:uFillTx/>
-                <a:latin typeface="Calibri" panose="020F0502020204030204"/>
-                <a:ea typeface="+mn-ea"/>
-                <a:cs typeface="+mn-cs"/>
-              </a:rPr>
-              <a:t>Domicilio fiscal:</a:t>
-            </a:r>
-            <a:endParaRPr kumimoji="0" lang="es-MX" sz="1200" b="0" i="0" u="none" strike="noStrike" kern="1200" cap="none" spc="0" normalizeH="0" baseline="0" noProof="0" dirty="0">
-              <a:ln>
-                <a:noFill/>
-              </a:ln>
-              <a:solidFill>
-                <a:prstClr val="black"/>
-              </a:solidFill>
-              <a:effectLst/>
-              <a:uLnTx/>
-              <a:uFillTx/>
-              <a:latin typeface="Calibri" panose="020F0502020204030204"/>
-              <a:ea typeface="+mn-ea"/>
-              <a:cs typeface="+mn-cs"/>
-            </a:endParaRPr>
-          </a:p>
-        </p:txBody>
-      </p:sp>
-      <p:sp>
-        <p:nvSpPr>
-          <p:cNvPr id="52" name="Rectángulo redondeado 51"/>
-          <p:cNvSpPr/>
-          <p:nvPr/>
-        </p:nvSpPr>
-        <p:spPr>
-          <a:xfrm>
-            <a:off x="2681460" y="3163848"/>
-            <a:ext cx="2372697" cy="276999"/>
-          </a:xfrm>
-          <a:prstGeom prst="roundRect">
-            <a:avLst/>
-          </a:prstGeom>
-          <a:solidFill>
-            <a:schemeClr val="bg1"/>
-          </a:solidFill>
-          <a:ln>
-            <a:solidFill>
-              <a:schemeClr val="tx1"/>
-            </a:solidFill>
-          </a:ln>
-        </p:spPr>
-        <p:style>
-          <a:lnRef idx="2">
-            <a:schemeClr val="accent1">
-              <a:shade val="50000"/>
-            </a:schemeClr>
-          </a:lnRef>
-          <a:fillRef idx="1">
-            <a:schemeClr val="accent1"/>
-          </a:fillRef>
-          <a:effectRef idx="0">
-            <a:schemeClr val="accent1"/>
-          </a:effectRef>
-          <a:fontRef idx="minor">
-            <a:schemeClr val="lt1"/>
-          </a:fontRef>
-        </p:style>
-        <p:txBody>
-          <a:bodyPr rtlCol="0" anchor="ctr"/>
-          <a:lstStyle/>
-          <a:p>
-            <a:pPr marL="0" marR="0" lvl="0" indent="0" algn="ctr" defTabSz="914400" rtl="0" eaLnBrk="1" fontAlgn="auto" latinLnBrk="0" hangingPunct="1">
-              <a:lnSpc>
-                <a:spcPct val="100000"/>
-              </a:lnSpc>
-              <a:spcBef>
-                <a:spcPts val="0"/>
-              </a:spcBef>
-              <a:spcAft>
-                <a:spcPts val="0"/>
-              </a:spcAft>
-              <a:buClrTx/>
-              <a:buSzTx/>
-              <a:buFontTx/>
-              <a:buNone/>
-              <a:tabLst/>
-              <a:defRPr/>
-            </a:pPr>
-            <a:endParaRPr kumimoji="0" lang="es-MX" sz="1800" b="0" i="0" u="none" strike="noStrike" kern="1200" cap="none" spc="0" normalizeH="0" baseline="0" noProof="0">
-              <a:ln>
-                <a:noFill/>
-              </a:ln>
-              <a:solidFill>
-                <a:prstClr val="white"/>
-              </a:solidFill>
-              <a:effectLst/>
-              <a:uLnTx/>
-              <a:uFillTx/>
-              <a:latin typeface="Calibri" panose="020F0502020204030204"/>
-              <a:ea typeface="+mn-ea"/>
-              <a:cs typeface="+mn-cs"/>
-            </a:endParaRPr>
-          </a:p>
-        </p:txBody>
-      </p:sp>
-      <p:sp>
-        <p:nvSpPr>
-          <p:cNvPr id="53" name="Rectángulo redondeado 52"/>
-          <p:cNvSpPr/>
-          <p:nvPr/>
-        </p:nvSpPr>
-        <p:spPr>
-          <a:xfrm>
-            <a:off x="2681461" y="3163848"/>
-            <a:ext cx="339634" cy="276999"/>
-          </a:xfrm>
-          <a:prstGeom prst="roundRect">
-            <a:avLst/>
-          </a:prstGeom>
-          <a:solidFill>
-            <a:schemeClr val="bg1">
-              <a:lumMod val="95000"/>
-            </a:schemeClr>
-          </a:solidFill>
-          <a:ln>
-            <a:solidFill>
-              <a:schemeClr val="tx1"/>
-            </a:solidFill>
-          </a:ln>
-        </p:spPr>
-        <p:style>
-          <a:lnRef idx="2">
-            <a:schemeClr val="accent1">
-              <a:shade val="50000"/>
-            </a:schemeClr>
-          </a:lnRef>
-          <a:fillRef idx="1">
-            <a:schemeClr val="accent1"/>
-          </a:fillRef>
-          <a:effectRef idx="0">
-            <a:schemeClr val="accent1"/>
-          </a:effectRef>
-          <a:fontRef idx="minor">
-            <a:schemeClr val="lt1"/>
-          </a:fontRef>
-        </p:style>
-        <p:txBody>
-          <a:bodyPr rtlCol="0" anchor="ctr"/>
-          <a:lstStyle/>
-          <a:p>
-            <a:pPr marL="0" marR="0" lvl="0" indent="0" algn="ctr" defTabSz="914400" rtl="0" eaLnBrk="1" fontAlgn="auto" latinLnBrk="0" hangingPunct="1">
-              <a:lnSpc>
-                <a:spcPct val="100000"/>
-              </a:lnSpc>
-              <a:spcBef>
-                <a:spcPts val="0"/>
-              </a:spcBef>
-              <a:spcAft>
-                <a:spcPts val="0"/>
-              </a:spcAft>
-              <a:buClrTx/>
-              <a:buSzTx/>
-              <a:buFontTx/>
-              <a:buNone/>
-              <a:tabLst/>
-              <a:defRPr/>
-            </a:pPr>
-            <a:endParaRPr kumimoji="0" lang="es-MX" sz="1800" b="0" i="0" u="none" strike="noStrike" kern="1200" cap="none" spc="0" normalizeH="0" baseline="0" noProof="0">
-              <a:ln>
-                <a:noFill/>
-              </a:ln>
-              <a:solidFill>
-                <a:prstClr val="white"/>
-              </a:solidFill>
-              <a:effectLst/>
-              <a:uLnTx/>
-              <a:uFillTx/>
-              <a:latin typeface="Calibri" panose="020F0502020204030204"/>
-              <a:ea typeface="+mn-ea"/>
-              <a:cs typeface="+mn-cs"/>
-            </a:endParaRPr>
-          </a:p>
-        </p:txBody>
-      </p:sp>
-      <p:sp>
-        <p:nvSpPr>
           <p:cNvPr id="58" name="Rectángulo 57"/>
           <p:cNvSpPr/>
           <p:nvPr/>
@@ -29138,7 +29112,7 @@
         </p:nvSpPr>
         <p:spPr>
           <a:xfrm>
-            <a:off x="10527034" y="3085008"/>
+            <a:off x="10540887" y="2974168"/>
             <a:ext cx="339634" cy="276999"/>
           </a:xfrm>
           <a:prstGeom prst="roundRect">
@@ -30038,7 +30012,7 @@
         </p:nvSpPr>
         <p:spPr>
           <a:xfrm>
-            <a:off x="173744" y="4167493"/>
+            <a:off x="173744" y="3834983"/>
             <a:ext cx="1939367" cy="292388"/>
           </a:xfrm>
           <a:prstGeom prst="rect">
@@ -30127,11 +30101,15 @@
             <a:graphicFrameLocks noGrp="1"/>
           </p:cNvGraphicFramePr>
           <p:nvPr>
-            <p:extLst/>
+            <p:extLst>
+              <p:ext uri="{D42A27DB-BD31-4B8C-83A1-F6EECF244321}">
+                <p14:modId xmlns:p14="http://schemas.microsoft.com/office/powerpoint/2010/main" val="2353159616"/>
+              </p:ext>
+            </p:extLst>
           </p:nvPr>
         </p:nvGraphicFramePr>
         <p:xfrm>
-          <a:off x="249402" y="4620809"/>
+          <a:off x="249402" y="4177459"/>
           <a:ext cx="11619869" cy="1566321"/>
         </p:xfrm>
         <a:graphic>
@@ -30223,7 +30201,7 @@
         </p:blipFill>
         <p:spPr>
           <a:xfrm>
-            <a:off x="414722" y="4700314"/>
+            <a:off x="414722" y="4256964"/>
             <a:ext cx="1314450" cy="400050"/>
           </a:xfrm>
           <a:prstGeom prst="rect">
@@ -30246,7 +30224,7 @@
         </p:blipFill>
         <p:spPr>
           <a:xfrm>
-            <a:off x="1805394" y="4721290"/>
+            <a:off x="1805394" y="4277940"/>
             <a:ext cx="837321" cy="369004"/>
           </a:xfrm>
           <a:prstGeom prst="rect">
@@ -30269,7 +30247,7 @@
         </p:blipFill>
         <p:spPr>
           <a:xfrm>
-            <a:off x="2718937" y="4693998"/>
+            <a:off x="2718937" y="4250648"/>
             <a:ext cx="1435084" cy="396296"/>
           </a:xfrm>
           <a:prstGeom prst="rect">
@@ -30285,7 +30263,7 @@
         </p:nvCxnSpPr>
         <p:spPr>
           <a:xfrm flipV="1">
-            <a:off x="264179" y="5137992"/>
+            <a:off x="264179" y="4694642"/>
             <a:ext cx="11605092" cy="36874"/>
           </a:xfrm>
           <a:prstGeom prst="line">
@@ -30316,7 +30294,7 @@
     <p:controls>
       <mc:AlternateContent xmlns:mc="http://schemas.openxmlformats.org/markup-compatibility/2006">
         <mc:Choice xmlns:v="urn:schemas-microsoft-com:vml" Requires="v">
-          <p:control spid="21512" name="ComboBox1" r:id="rId2" imgW="2390760" imgH="304920"/>
+          <p:control spid="21526" name="ComboBox1" r:id="rId2" imgW="2390760" imgH="304920"/>
         </mc:Choice>
         <mc:Fallback>
           <p:control name="ComboBox1" r:id="rId2" imgW="2390760" imgH="304920">
@@ -30336,7 +30314,7 @@
               </p:blipFill>
               <p:spPr>
                 <a:xfrm>
-                  <a:off x="8498235" y="3593766"/>
+                  <a:off x="8512088" y="3482926"/>
                   <a:ext cx="2385899" cy="301926"/>
                 </a:xfrm>
                 <a:prstGeom prst="rect">
@@ -30468,11 +30446,15 @@
             <a:graphicFrameLocks noGrp="1"/>
           </p:cNvGraphicFramePr>
           <p:nvPr>
-            <p:extLst/>
+            <p:extLst>
+              <p:ext uri="{D42A27DB-BD31-4B8C-83A1-F6EECF244321}">
+                <p14:modId xmlns:p14="http://schemas.microsoft.com/office/powerpoint/2010/main" val="1297238093"/>
+              </p:ext>
+            </p:extLst>
           </p:nvPr>
         </p:nvGraphicFramePr>
         <p:xfrm>
-          <a:off x="249402" y="1279728"/>
+          <a:off x="249402" y="794818"/>
           <a:ext cx="11619869" cy="1857732"/>
         </p:xfrm>
         <a:graphic>
@@ -30567,7 +30549,7 @@
         </p:blipFill>
         <p:spPr>
           <a:xfrm>
-            <a:off x="414722" y="1359232"/>
+            <a:off x="414722" y="874322"/>
             <a:ext cx="1314450" cy="400050"/>
           </a:xfrm>
           <a:prstGeom prst="rect">
@@ -30590,7 +30572,7 @@
         </p:blipFill>
         <p:spPr>
           <a:xfrm>
-            <a:off x="1805394" y="1380208"/>
+            <a:off x="1805394" y="895298"/>
             <a:ext cx="837321" cy="369004"/>
           </a:xfrm>
           <a:prstGeom prst="rect">
@@ -30613,7 +30595,7 @@
         </p:blipFill>
         <p:spPr>
           <a:xfrm>
-            <a:off x="2718937" y="1352916"/>
+            <a:off x="2718937" y="868006"/>
             <a:ext cx="1435084" cy="396296"/>
           </a:xfrm>
           <a:prstGeom prst="rect">
@@ -30629,7 +30611,7 @@
         </p:nvCxnSpPr>
         <p:spPr>
           <a:xfrm flipV="1">
-            <a:off x="264179" y="1953666"/>
+            <a:off x="264179" y="1468756"/>
             <a:ext cx="11605092" cy="36874"/>
           </a:xfrm>
           <a:prstGeom prst="line">
@@ -30664,7 +30646,7 @@
         </p:nvSpPr>
         <p:spPr>
           <a:xfrm>
-            <a:off x="155909" y="833253"/>
+            <a:off x="155909" y="348343"/>
             <a:ext cx="3037710" cy="292388"/>
           </a:xfrm>
           <a:prstGeom prst="rect">
@@ -30739,8 +30721,8 @@
         </p:nvSpPr>
         <p:spPr>
           <a:xfrm>
-            <a:off x="4320303" y="3674939"/>
-            <a:ext cx="1175656" cy="315186"/>
+            <a:off x="4320303" y="3176173"/>
+            <a:ext cx="1175656" cy="329041"/>
           </a:xfrm>
           <a:prstGeom prst="roundRect">
             <a:avLst/>
@@ -30833,8 +30815,8 @@
         </p:nvSpPr>
         <p:spPr>
           <a:xfrm>
-            <a:off x="5572776" y="3674939"/>
-            <a:ext cx="1175656" cy="315186"/>
+            <a:off x="6871166" y="3176966"/>
+            <a:ext cx="1175656" cy="328249"/>
           </a:xfrm>
           <a:prstGeom prst="roundRect">
             <a:avLst/>
@@ -30927,7 +30909,7 @@
         </p:nvSpPr>
         <p:spPr>
           <a:xfrm>
-            <a:off x="6848580" y="3661876"/>
+            <a:off x="5601674" y="3176966"/>
             <a:ext cx="1175656" cy="315186"/>
           </a:xfrm>
           <a:prstGeom prst="roundRect">
@@ -30992,7 +30974,7 @@
                 <a:ea typeface="+mn-ea"/>
                 <a:cs typeface="+mn-cs"/>
               </a:rPr>
-              <a:t>Pre visualizar </a:t>
+              <a:t>Previsualizar </a:t>
             </a:r>
             <a:endParaRPr kumimoji="0" lang="es-MX" sz="1200" b="0" i="0" u="none" strike="noStrike" kern="1200" cap="none" spc="0" normalizeH="0" baseline="0" noProof="0" dirty="0">
               <a:ln>
@@ -31326,7 +31308,15 @@
                   <a:schemeClr val="tx1"/>
                 </a:solidFill>
               </a:rPr>
-              <a:t>Prevención de  Actualización</a:t>
+              <a:t>Prevención de </a:t>
+            </a:r>
+            <a:r>
+              <a:rPr lang="es-MX" sz="1200" dirty="0" smtClean="0">
+                <a:solidFill>
+                  <a:schemeClr val="tx1"/>
+                </a:solidFill>
+              </a:rPr>
+              <a:t>la Actualización</a:t>
             </a:r>
             <a:endParaRPr lang="es-MX" sz="1200" dirty="0">
               <a:solidFill>
@@ -31466,7 +31456,7 @@
         </p:nvSpPr>
         <p:spPr>
           <a:xfrm>
-            <a:off x="7770042" y="6262284"/>
+            <a:off x="6772515" y="6262284"/>
             <a:ext cx="1175656" cy="315186"/>
           </a:xfrm>
           <a:prstGeom prst="roundRect">
@@ -31918,7 +31908,7 @@
         </p:nvSpPr>
         <p:spPr>
           <a:xfrm>
-            <a:off x="4663438" y="6268660"/>
+            <a:off x="5508566" y="6268660"/>
             <a:ext cx="1175656" cy="315186"/>
           </a:xfrm>
           <a:prstGeom prst="roundRect">
@@ -32247,7 +32237,7 @@
         </p:nvSpPr>
         <p:spPr>
           <a:xfrm>
-            <a:off x="3422213" y="6272951"/>
+            <a:off x="4267341" y="6272951"/>
             <a:ext cx="1175656" cy="315186"/>
           </a:xfrm>
           <a:prstGeom prst="roundRect">
@@ -32335,71 +32325,11 @@
           </a:p>
         </p:txBody>
       </p:sp>
-      <p:sp>
-        <p:nvSpPr>
-          <p:cNvPr id="47" name="Rectángulo redondeado 46">
-            <a:hlinkClick r:id="" action="ppaction://noaction"/>
-          </p:cNvPr>
-          <p:cNvSpPr/>
-          <p:nvPr/>
-        </p:nvSpPr>
-        <p:spPr>
-          <a:xfrm>
-            <a:off x="5904663" y="6268660"/>
-            <a:ext cx="1799810" cy="315186"/>
-          </a:xfrm>
-          <a:prstGeom prst="roundRect">
-            <a:avLst/>
-          </a:prstGeom>
-          <a:solidFill>
-            <a:schemeClr val="accent1">
-              <a:lumMod val="20000"/>
-              <a:lumOff val="80000"/>
-            </a:schemeClr>
-          </a:solidFill>
-        </p:spPr>
-        <p:style>
-          <a:lnRef idx="2">
-            <a:schemeClr val="accent1">
-              <a:shade val="50000"/>
-            </a:schemeClr>
-          </a:lnRef>
-          <a:fillRef idx="1">
-            <a:schemeClr val="accent1"/>
-          </a:fillRef>
-          <a:effectRef idx="0">
-            <a:schemeClr val="accent1"/>
-          </a:effectRef>
-          <a:fontRef idx="minor">
-            <a:schemeClr val="lt1"/>
-          </a:fontRef>
-        </p:style>
-        <p:txBody>
-          <a:bodyPr rtlCol="0" anchor="ctr"/>
-          <a:lstStyle/>
-          <a:p>
-            <a:pPr algn="ctr"/>
-            <a:r>
-              <a:rPr lang="es-MX" sz="1200" dirty="0" smtClean="0">
-                <a:solidFill>
-                  <a:schemeClr val="tx1"/>
-                </a:solidFill>
-              </a:rPr>
-              <a:t>Inicio de cancelación </a:t>
-            </a:r>
-            <a:endParaRPr lang="es-MX" sz="1200" dirty="0">
-              <a:solidFill>
-                <a:schemeClr val="tx1"/>
-              </a:solidFill>
-            </a:endParaRPr>
-          </a:p>
-        </p:txBody>
-      </p:sp>
     </p:spTree>
     <p:controls>
       <mc:AlternateContent xmlns:mc="http://schemas.openxmlformats.org/markup-compatibility/2006">
         <mc:Choice xmlns:v="urn:schemas-microsoft-com:vml" Requires="v">
-          <p:control spid="5164" name="ListBox3" r:id="rId2" imgW="11420640" imgH="457200"/>
+          <p:control spid="5254" name="ListBox3" r:id="rId2" imgW="11420640" imgH="457200"/>
         </mc:Choice>
         <mc:Fallback>
           <p:control name="ListBox3" r:id="rId2" imgW="11420640" imgH="457200">
@@ -32432,7 +32362,7 @@
       </mc:AlternateContent>
       <mc:AlternateContent xmlns:mc="http://schemas.openxmlformats.org/markup-compatibility/2006">
         <mc:Choice xmlns:v="urn:schemas-microsoft-com:vml" Requires="v">
-          <p:control spid="5165" name="ListBox5" r:id="rId3" imgW="2685960" imgH="276120"/>
+          <p:control spid="5255" name="ListBox5" r:id="rId3" imgW="2685960" imgH="276120"/>
         </mc:Choice>
         <mc:Fallback>
           <p:control name="ListBox5" r:id="rId3" imgW="2685960" imgH="276120">
@@ -32465,7 +32395,7 @@
       </mc:AlternateContent>
       <mc:AlternateContent xmlns:mc="http://schemas.openxmlformats.org/markup-compatibility/2006">
         <mc:Choice xmlns:v="urn:schemas-microsoft-com:vml" Requires="v">
-          <p:control spid="5166" name="ListBox6" r:id="rId4" imgW="2523960" imgH="276120"/>
+          <p:control spid="5256" name="ListBox6" r:id="rId4" imgW="2523960" imgH="276120"/>
         </mc:Choice>
         <mc:Fallback>
           <p:control name="ListBox6" r:id="rId4" imgW="2523960" imgH="276120">
@@ -32498,7 +32428,7 @@
       </mc:AlternateContent>
       <mc:AlternateContent xmlns:mc="http://schemas.openxmlformats.org/markup-compatibility/2006">
         <mc:Choice xmlns:v="urn:schemas-microsoft-com:vml" Requires="v">
-          <p:control spid="5167" name="ListBox7" r:id="rId5" imgW="2523960" imgH="276120"/>
+          <p:control spid="5257" name="ListBox7" r:id="rId5" imgW="2523960" imgH="276120"/>
         </mc:Choice>
         <mc:Fallback>
           <p:control name="ListBox7" r:id="rId5" imgW="2523960" imgH="276120">
@@ -32531,10 +32461,10 @@
       </mc:AlternateContent>
       <mc:AlternateContent xmlns:mc="http://schemas.openxmlformats.org/markup-compatibility/2006">
         <mc:Choice xmlns:v="urn:schemas-microsoft-com:vml" Requires="v">
-          <p:control spid="5168" name="ListBox8" r:id="rId6" imgW="2638440" imgH="276120"/>
+          <p:control spid="5258" name="ListBox8" r:id="rId6" imgW="2705040" imgH="276120"/>
         </mc:Choice>
         <mc:Fallback>
-          <p:control name="ListBox8" r:id="rId6" imgW="2638440" imgH="276120">
+          <p:control name="ListBox8" r:id="rId6" imgW="2705040" imgH="276120">
             <p:pic>
               <p:nvPicPr>
                 <p:cNvPr id="30" name="ListBox8"/>
@@ -32551,8 +32481,8 @@
               </p:blipFill>
               <p:spPr>
                 <a:xfrm>
-                  <a:off x="6990010" y="4327637"/>
-                  <a:ext cx="2639138" cy="277812"/>
+                  <a:off x="6948445" y="4313782"/>
+                  <a:ext cx="2701868" cy="277812"/>
                 </a:xfrm>
                 <a:prstGeom prst="rect">
                   <a:avLst/>
@@ -32564,7 +32494,7 @@
       </mc:AlternateContent>
       <mc:AlternateContent xmlns:mc="http://schemas.openxmlformats.org/markup-compatibility/2006">
         <mc:Choice xmlns:v="urn:schemas-microsoft-com:vml" Requires="v">
-          <p:control spid="5169" name="ListBox1" r:id="rId7" imgW="11420640" imgH="457200"/>
+          <p:control spid="5259" name="ListBox1" r:id="rId7" imgW="11420640" imgH="457200"/>
         </mc:Choice>
         <mc:Fallback>
           <p:control name="ListBox1" r:id="rId7" imgW="11420640" imgH="457200">
@@ -33173,7 +33103,7 @@
         </p:nvSpPr>
         <p:spPr>
           <a:xfrm>
-            <a:off x="238765" y="2813407"/>
+            <a:off x="238765" y="2951953"/>
             <a:ext cx="3662068" cy="276999"/>
           </a:xfrm>
           <a:prstGeom prst="rect">
@@ -33518,42 +33448,99 @@
           </a:graphicData>
         </a:graphic>
       </p:graphicFrame>
-      <p:sp>
-        <p:nvSpPr>
-          <p:cNvPr id="3" name="Rectángulo 2"/>
-          <p:cNvSpPr/>
-          <p:nvPr/>
-        </p:nvSpPr>
-        <p:spPr>
-          <a:xfrm>
-            <a:off x="238765" y="2085994"/>
-            <a:ext cx="11403768" cy="646331"/>
-          </a:xfrm>
-          <a:prstGeom prst="rect">
-            <a:avLst/>
-          </a:prstGeom>
-        </p:spPr>
-        <p:txBody>
-          <a:bodyPr wrap="square">
-            <a:spAutoFit/>
-          </a:bodyPr>
-          <a:lstStyle/>
-          <a:p>
-            <a:endParaRPr lang="es-ES" dirty="0"/>
-          </a:p>
-          <a:p>
-            <a:r>
-              <a:rPr lang="es-ES" dirty="0"/>
-              <a:t>(Texto precargado) </a:t>
-            </a:r>
-          </a:p>
-        </p:txBody>
-      </p:sp>
+      <p:graphicFrame>
+        <p:nvGraphicFramePr>
+          <p:cNvPr id="27" name="Tabla 26"/>
+          <p:cNvGraphicFramePr>
+            <a:graphicFrameLocks noGrp="1"/>
+          </p:cNvGraphicFramePr>
+          <p:nvPr>
+            <p:extLst>
+              <p:ext uri="{D42A27DB-BD31-4B8C-83A1-F6EECF244321}">
+                <p14:modId xmlns:p14="http://schemas.microsoft.com/office/powerpoint/2010/main" val="3391424525"/>
+              </p:ext>
+            </p:extLst>
+          </p:nvPr>
+        </p:nvGraphicFramePr>
+        <p:xfrm>
+          <a:off x="287143" y="2255152"/>
+          <a:ext cx="11619869" cy="640080"/>
+        </p:xfrm>
+        <a:graphic>
+          <a:graphicData uri="http://schemas.openxmlformats.org/drawingml/2006/table">
+            <a:tbl>
+              <a:tblPr/>
+              <a:tblGrid>
+                <a:gridCol w="11619869">
+                  <a:extLst>
+                    <a:ext uri="{9D8B030D-6E8A-4147-A177-3AD203B41FA5}">
+                      <a16:colId xmlns:a16="http://schemas.microsoft.com/office/drawing/2014/main" val="1676688776"/>
+                    </a:ext>
+                  </a:extLst>
+                </a:gridCol>
+              </a:tblGrid>
+              <a:tr h="549710">
+                <a:tc>
+                  <a:txBody>
+                    <a:bodyPr/>
+                    <a:lstStyle/>
+                    <a:p>
+                      <a:endParaRPr lang="es-ES" dirty="0" smtClean="0"/>
+                    </a:p>
+                    <a:p>
+                      <a:r>
+                        <a:rPr lang="es-ES" dirty="0" smtClean="0"/>
+                        <a:t>(Texto precargado)</a:t>
+                      </a:r>
+                      <a:r>
+                        <a:rPr lang="es-ES" baseline="0" dirty="0" smtClean="0"/>
+                        <a:t> </a:t>
+                      </a:r>
+                      <a:endParaRPr lang="es-ES" dirty="0"/>
+                    </a:p>
+                  </a:txBody>
+                  <a:tcPr>
+                    <a:lnL w="12700" cmpd="sng">
+                      <a:solidFill>
+                        <a:schemeClr val="tx1"/>
+                      </a:solidFill>
+                      <a:prstDash val="solid"/>
+                    </a:lnL>
+                    <a:lnR w="12700" cmpd="sng">
+                      <a:solidFill>
+                        <a:schemeClr val="tx1"/>
+                      </a:solidFill>
+                      <a:prstDash val="solid"/>
+                    </a:lnR>
+                    <a:lnT w="12700" cmpd="sng">
+                      <a:solidFill>
+                        <a:schemeClr val="tx1"/>
+                      </a:solidFill>
+                      <a:prstDash val="solid"/>
+                    </a:lnT>
+                    <a:lnB w="12700" cmpd="sng">
+                      <a:solidFill>
+                        <a:schemeClr val="tx1"/>
+                      </a:solidFill>
+                      <a:prstDash val="solid"/>
+                    </a:lnB>
+                  </a:tcPr>
+                </a:tc>
+                <a:extLst>
+                  <a:ext uri="{0D108BD9-81ED-4DB2-BD59-A6C34878D82A}">
+                    <a16:rowId xmlns:a16="http://schemas.microsoft.com/office/drawing/2014/main" val="2729328701"/>
+                  </a:ext>
+                </a:extLst>
+              </a:tr>
+            </a:tbl>
+          </a:graphicData>
+        </a:graphic>
+      </p:graphicFrame>
     </p:spTree>
     <p:controls>
       <mc:AlternateContent xmlns:mc="http://schemas.openxmlformats.org/markup-compatibility/2006">
         <mc:Choice xmlns:v="urn:schemas-microsoft-com:vml" Requires="v">
-          <p:control spid="6167" name="ListBox2" r:id="rId2" imgW="2523960" imgH="276120"/>
+          <p:control spid="6209" name="ListBox2" r:id="rId2" imgW="2523960" imgH="276120"/>
         </mc:Choice>
         <mc:Fallback>
           <p:control name="ListBox2" r:id="rId2" imgW="2523960" imgH="276120">
@@ -33586,7 +33573,7 @@
       </mc:AlternateContent>
       <mc:AlternateContent xmlns:mc="http://schemas.openxmlformats.org/markup-compatibility/2006">
         <mc:Choice xmlns:v="urn:schemas-microsoft-com:vml" Requires="v">
-          <p:control spid="6168" name="ListBox4" r:id="rId3" imgW="2523960" imgH="276120"/>
+          <p:control spid="6210" name="ListBox4" r:id="rId3" imgW="2523960" imgH="276120"/>
         </mc:Choice>
         <mc:Fallback>
           <p:control name="ListBox4" r:id="rId3" imgW="2523960" imgH="276120">
@@ -33619,7 +33606,7 @@
       </mc:AlternateContent>
       <mc:AlternateContent xmlns:mc="http://schemas.openxmlformats.org/markup-compatibility/2006">
         <mc:Choice xmlns:v="urn:schemas-microsoft-com:vml" Requires="v">
-          <p:control spid="6169" name="ListBox5" r:id="rId4" imgW="2523960" imgH="276120"/>
+          <p:control spid="6211" name="ListBox5" r:id="rId4" imgW="2523960" imgH="276120"/>
         </mc:Choice>
         <mc:Fallback>
           <p:control name="ListBox5" r:id="rId4" imgW="2523960" imgH="276120">
@@ -34949,8 +34936,8 @@
         </p:nvSpPr>
         <p:spPr>
           <a:xfrm>
-            <a:off x="344337" y="2052893"/>
-            <a:ext cx="3163046" cy="371521"/>
+            <a:off x="205787" y="2094458"/>
+            <a:ext cx="1900099" cy="371521"/>
           </a:xfrm>
           <a:prstGeom prst="rect">
             <a:avLst/>
@@ -35011,7 +34998,7 @@
         </p:nvSpPr>
         <p:spPr>
           <a:xfrm>
-            <a:off x="3677396" y="2046577"/>
+            <a:off x="2175544" y="2088142"/>
             <a:ext cx="1763487" cy="371521"/>
           </a:xfrm>
           <a:prstGeom prst="rect">
@@ -35113,7 +35100,7 @@
     <p:controls>
       <mc:AlternateContent xmlns:mc="http://schemas.openxmlformats.org/markup-compatibility/2006">
         <mc:Choice xmlns:v="urn:schemas-microsoft-com:vml" Requires="v">
-          <p:control spid="7191" name="ComboBox1" r:id="rId2" imgW="1514520" imgH="314280"/>
+          <p:control spid="7233" name="ComboBox1" r:id="rId2" imgW="1514520" imgH="314280"/>
         </mc:Choice>
         <mc:Fallback>
           <p:control name="ComboBox1" r:id="rId2" imgW="1514520" imgH="314280">
@@ -35146,7 +35133,7 @@
       </mc:AlternateContent>
       <mc:AlternateContent xmlns:mc="http://schemas.openxmlformats.org/markup-compatibility/2006">
         <mc:Choice xmlns:v="urn:schemas-microsoft-com:vml" Requires="v">
-          <p:control spid="7192" name="ListBox2" r:id="rId3" imgW="2085840" imgH="295200"/>
+          <p:control spid="7234" name="ListBox2" r:id="rId3" imgW="2085840" imgH="295200"/>
         </mc:Choice>
         <mc:Fallback>
           <p:control name="ListBox2" r:id="rId3" imgW="2085840" imgH="295200">
@@ -35179,7 +35166,7 @@
       </mc:AlternateContent>
       <mc:AlternateContent xmlns:mc="http://schemas.openxmlformats.org/markup-compatibility/2006">
         <mc:Choice xmlns:v="urn:schemas-microsoft-com:vml" Requires="v">
-          <p:control spid="7193" name="ComboBox3" r:id="rId4" imgW="1628640" imgH="371520"/>
+          <p:control spid="7235" name="ComboBox3" r:id="rId4" imgW="1628640" imgH="371520"/>
         </mc:Choice>
         <mc:Fallback>
           <p:control name="ComboBox3" r:id="rId4" imgW="1628640" imgH="371520">
@@ -35610,13 +35597,13 @@
       </p:sp>
       <p:sp>
         <p:nvSpPr>
-          <p:cNvPr id="95" name="Rectángulo redondeado 94"/>
+          <p:cNvPr id="104" name="Rectángulo redondeado 103"/>
           <p:cNvSpPr/>
           <p:nvPr/>
         </p:nvSpPr>
         <p:spPr>
           <a:xfrm>
-            <a:off x="2530840" y="2306381"/>
+            <a:off x="8669923" y="2342844"/>
             <a:ext cx="2377440" cy="276999"/>
           </a:xfrm>
           <a:prstGeom prst="roundRect">
@@ -35660,13 +35647,13 @@
       </p:sp>
       <p:sp>
         <p:nvSpPr>
-          <p:cNvPr id="96" name="Rectángulo redondeado 95"/>
+          <p:cNvPr id="105" name="Rectángulo redondeado 104"/>
           <p:cNvSpPr/>
           <p:nvPr/>
         </p:nvSpPr>
         <p:spPr>
           <a:xfrm>
-            <a:off x="2530840" y="2306381"/>
+            <a:off x="8604224" y="2342844"/>
             <a:ext cx="339634" cy="276999"/>
           </a:xfrm>
           <a:prstGeom prst="roundRect">
@@ -35710,13 +35697,13 @@
       </p:sp>
       <p:sp>
         <p:nvSpPr>
-          <p:cNvPr id="103" name="CuadroTexto 102"/>
+          <p:cNvPr id="106" name="CuadroTexto 105"/>
           <p:cNvSpPr txBox="1"/>
           <p:nvPr/>
         </p:nvSpPr>
         <p:spPr>
           <a:xfrm>
-            <a:off x="153392" y="2306381"/>
+            <a:off x="6338965" y="2342844"/>
             <a:ext cx="3278777" cy="276999"/>
           </a:xfrm>
           <a:prstGeom prst="rect">
@@ -35732,7 +35719,7 @@
           <a:p>
             <a:r>
               <a:rPr lang="es-MX" sz="1200" dirty="0" smtClean="0"/>
-              <a:t>Número de Título de Autorización</a:t>
+              <a:t>Fecha de Emisión del TA</a:t>
             </a:r>
             <a:endParaRPr lang="es-MX" sz="1200" dirty="0"/>
           </a:p>
@@ -35740,13 +35727,13 @@
       </p:sp>
       <p:sp>
         <p:nvSpPr>
-          <p:cNvPr id="104" name="Rectángulo redondeado 103"/>
+          <p:cNvPr id="107" name="Rectángulo redondeado 106"/>
           <p:cNvSpPr/>
           <p:nvPr/>
         </p:nvSpPr>
         <p:spPr>
           <a:xfrm>
-            <a:off x="8669923" y="2232006"/>
+            <a:off x="2539877" y="2345644"/>
             <a:ext cx="2377440" cy="276999"/>
           </a:xfrm>
           <a:prstGeom prst="roundRect">
@@ -35790,13 +35777,13 @@
       </p:sp>
       <p:sp>
         <p:nvSpPr>
-          <p:cNvPr id="105" name="Rectángulo redondeado 104"/>
+          <p:cNvPr id="108" name="Rectángulo redondeado 107"/>
           <p:cNvSpPr/>
           <p:nvPr/>
         </p:nvSpPr>
         <p:spPr>
           <a:xfrm>
-            <a:off x="8604224" y="2232006"/>
+            <a:off x="2539877" y="2345644"/>
             <a:ext cx="339634" cy="276999"/>
           </a:xfrm>
           <a:prstGeom prst="roundRect">
@@ -35840,13 +35827,13 @@
       </p:sp>
       <p:sp>
         <p:nvSpPr>
-          <p:cNvPr id="106" name="CuadroTexto 105"/>
+          <p:cNvPr id="109" name="CuadroTexto 108"/>
           <p:cNvSpPr txBox="1"/>
           <p:nvPr/>
         </p:nvSpPr>
         <p:spPr>
           <a:xfrm>
-            <a:off x="6338965" y="2232006"/>
+            <a:off x="162429" y="2345644"/>
             <a:ext cx="3278777" cy="276999"/>
           </a:xfrm>
           <a:prstGeom prst="rect">
@@ -35862,7 +35849,7 @@
           <a:p>
             <a:r>
               <a:rPr lang="es-MX" sz="1200" dirty="0" smtClean="0"/>
-              <a:t>Fecha de Emisión del TA</a:t>
+              <a:t>Número de Convocatoria</a:t>
             </a:r>
             <a:endParaRPr lang="es-MX" sz="1200" dirty="0"/>
           </a:p>
@@ -35870,13 +35857,13 @@
       </p:sp>
       <p:sp>
         <p:nvSpPr>
-          <p:cNvPr id="107" name="Rectángulo redondeado 106"/>
+          <p:cNvPr id="110" name="Rectángulo redondeado 109"/>
           <p:cNvSpPr/>
           <p:nvPr/>
         </p:nvSpPr>
         <p:spPr>
           <a:xfrm>
-            <a:off x="2526021" y="2719722"/>
+            <a:off x="2536237" y="2798221"/>
             <a:ext cx="2377440" cy="276999"/>
           </a:xfrm>
           <a:prstGeom prst="roundRect">
@@ -35920,13 +35907,13 @@
       </p:sp>
       <p:sp>
         <p:nvSpPr>
-          <p:cNvPr id="108" name="Rectángulo redondeado 107"/>
+          <p:cNvPr id="111" name="Rectángulo redondeado 110"/>
           <p:cNvSpPr/>
           <p:nvPr/>
         </p:nvSpPr>
         <p:spPr>
           <a:xfrm>
-            <a:off x="2526021" y="2719722"/>
+            <a:off x="2536237" y="2798221"/>
             <a:ext cx="339634" cy="276999"/>
           </a:xfrm>
           <a:prstGeom prst="roundRect">
@@ -35970,13 +35957,13 @@
       </p:sp>
       <p:sp>
         <p:nvSpPr>
-          <p:cNvPr id="109" name="CuadroTexto 108"/>
+          <p:cNvPr id="112" name="CuadroTexto 111"/>
           <p:cNvSpPr txBox="1"/>
           <p:nvPr/>
         </p:nvSpPr>
         <p:spPr>
           <a:xfrm>
-            <a:off x="148573" y="2719722"/>
+            <a:off x="158789" y="2798221"/>
             <a:ext cx="3278777" cy="276999"/>
           </a:xfrm>
           <a:prstGeom prst="rect">
@@ -35992,7 +35979,7 @@
           <a:p>
             <a:r>
               <a:rPr lang="es-MX" sz="1200" dirty="0" smtClean="0"/>
-              <a:t>Número de Convocatoria</a:t>
+              <a:t>Nombre del servicio</a:t>
             </a:r>
             <a:endParaRPr lang="es-MX" sz="1200" dirty="0"/>
           </a:p>
@@ -36000,13 +35987,13 @@
       </p:sp>
       <p:sp>
         <p:nvSpPr>
-          <p:cNvPr id="110" name="Rectángulo redondeado 109"/>
+          <p:cNvPr id="113" name="Rectángulo redondeado 112"/>
           <p:cNvSpPr/>
           <p:nvPr/>
         </p:nvSpPr>
         <p:spPr>
           <a:xfrm>
-            <a:off x="2522381" y="3172299"/>
+            <a:off x="2535853" y="3301103"/>
             <a:ext cx="2377440" cy="276999"/>
           </a:xfrm>
           <a:prstGeom prst="roundRect">
@@ -36050,13 +36037,13 @@
       </p:sp>
       <p:sp>
         <p:nvSpPr>
-          <p:cNvPr id="111" name="Rectángulo redondeado 110"/>
+          <p:cNvPr id="114" name="Rectángulo redondeado 113"/>
           <p:cNvSpPr/>
           <p:nvPr/>
         </p:nvSpPr>
         <p:spPr>
           <a:xfrm>
-            <a:off x="2522381" y="3172299"/>
+            <a:off x="2535853" y="3301103"/>
             <a:ext cx="339634" cy="276999"/>
           </a:xfrm>
           <a:prstGeom prst="roundRect">
@@ -36100,13 +36087,13 @@
       </p:sp>
       <p:sp>
         <p:nvSpPr>
-          <p:cNvPr id="112" name="CuadroTexto 111"/>
+          <p:cNvPr id="115" name="CuadroTexto 114"/>
           <p:cNvSpPr txBox="1"/>
           <p:nvPr/>
         </p:nvSpPr>
         <p:spPr>
           <a:xfrm>
-            <a:off x="144933" y="3172299"/>
+            <a:off x="158405" y="3301103"/>
             <a:ext cx="3278777" cy="276999"/>
           </a:xfrm>
           <a:prstGeom prst="rect">
@@ -36122,7 +36109,7 @@
           <a:p>
             <a:r>
               <a:rPr lang="es-MX" sz="1200" dirty="0" smtClean="0"/>
-              <a:t>Nombre del servicio</a:t>
+              <a:t>Vigencia del TA</a:t>
             </a:r>
             <a:endParaRPr lang="es-MX" sz="1200" dirty="0"/>
           </a:p>
@@ -36130,13 +36117,13 @@
       </p:sp>
       <p:sp>
         <p:nvSpPr>
-          <p:cNvPr id="113" name="Rectángulo redondeado 112"/>
+          <p:cNvPr id="116" name="Rectángulo redondeado 115"/>
           <p:cNvSpPr/>
           <p:nvPr/>
         </p:nvSpPr>
         <p:spPr>
           <a:xfrm>
-            <a:off x="2521997" y="3675181"/>
+            <a:off x="8633803" y="3190945"/>
             <a:ext cx="2377440" cy="276999"/>
           </a:xfrm>
           <a:prstGeom prst="roundRect">
@@ -36180,13 +36167,13 @@
       </p:sp>
       <p:sp>
         <p:nvSpPr>
-          <p:cNvPr id="114" name="Rectángulo redondeado 113"/>
+          <p:cNvPr id="117" name="Rectángulo redondeado 116"/>
           <p:cNvSpPr/>
           <p:nvPr/>
         </p:nvSpPr>
         <p:spPr>
           <a:xfrm>
-            <a:off x="2521997" y="3675181"/>
+            <a:off x="8634187" y="3190945"/>
             <a:ext cx="339634" cy="276999"/>
           </a:xfrm>
           <a:prstGeom prst="roundRect">
@@ -36230,13 +36217,13 @@
       </p:sp>
       <p:sp>
         <p:nvSpPr>
-          <p:cNvPr id="115" name="CuadroTexto 114"/>
+          <p:cNvPr id="118" name="CuadroTexto 117"/>
           <p:cNvSpPr txBox="1"/>
           <p:nvPr/>
         </p:nvSpPr>
         <p:spPr>
           <a:xfrm>
-            <a:off x="144549" y="3675181"/>
+            <a:off x="6343570" y="3190945"/>
             <a:ext cx="3278777" cy="276999"/>
           </a:xfrm>
           <a:prstGeom prst="rect">
@@ -36252,7 +36239,7 @@
           <a:p>
             <a:r>
               <a:rPr lang="es-MX" sz="1200" dirty="0" smtClean="0"/>
-              <a:t>Vigencia del TA</a:t>
+              <a:t>Fecha de inicio vigencia del TA</a:t>
             </a:r>
             <a:endParaRPr lang="es-MX" sz="1200" dirty="0"/>
           </a:p>
@@ -36260,13 +36247,13 @@
       </p:sp>
       <p:sp>
         <p:nvSpPr>
-          <p:cNvPr id="116" name="Rectángulo redondeado 115"/>
+          <p:cNvPr id="119" name="Rectángulo redondeado 118"/>
           <p:cNvSpPr/>
           <p:nvPr/>
         </p:nvSpPr>
         <p:spPr>
           <a:xfrm>
-            <a:off x="8633803" y="3080107"/>
+            <a:off x="8633803" y="3702485"/>
             <a:ext cx="2377440" cy="276999"/>
           </a:xfrm>
           <a:prstGeom prst="roundRect">
@@ -36310,13 +36297,13 @@
       </p:sp>
       <p:sp>
         <p:nvSpPr>
-          <p:cNvPr id="117" name="Rectángulo redondeado 116"/>
+          <p:cNvPr id="120" name="Rectángulo redondeado 119"/>
           <p:cNvSpPr/>
           <p:nvPr/>
         </p:nvSpPr>
         <p:spPr>
           <a:xfrm>
-            <a:off x="8634187" y="3080107"/>
+            <a:off x="8633803" y="3702485"/>
             <a:ext cx="339634" cy="276999"/>
           </a:xfrm>
           <a:prstGeom prst="roundRect">
@@ -36360,13 +36347,13 @@
       </p:sp>
       <p:sp>
         <p:nvSpPr>
-          <p:cNvPr id="118" name="CuadroTexto 117"/>
+          <p:cNvPr id="121" name="CuadroTexto 120"/>
           <p:cNvSpPr txBox="1"/>
           <p:nvPr/>
         </p:nvSpPr>
         <p:spPr>
           <a:xfrm>
-            <a:off x="6343570" y="3080107"/>
+            <a:off x="6343186" y="3702485"/>
             <a:ext cx="3278777" cy="276999"/>
           </a:xfrm>
           <a:prstGeom prst="rect">
@@ -36382,136 +36369,6 @@
           <a:p>
             <a:r>
               <a:rPr lang="es-MX" sz="1200" dirty="0" smtClean="0"/>
-              <a:t>Fecha de inicio vigencia del TA</a:t>
-            </a:r>
-            <a:endParaRPr lang="es-MX" sz="1200" dirty="0"/>
-          </a:p>
-        </p:txBody>
-      </p:sp>
-      <p:sp>
-        <p:nvSpPr>
-          <p:cNvPr id="119" name="Rectángulo redondeado 118"/>
-          <p:cNvSpPr/>
-          <p:nvPr/>
-        </p:nvSpPr>
-        <p:spPr>
-          <a:xfrm>
-            <a:off x="8633803" y="3591647"/>
-            <a:ext cx="2377440" cy="276999"/>
-          </a:xfrm>
-          <a:prstGeom prst="roundRect">
-            <a:avLst/>
-          </a:prstGeom>
-          <a:solidFill>
-            <a:schemeClr val="bg1">
-              <a:lumMod val="85000"/>
-            </a:schemeClr>
-          </a:solidFill>
-          <a:ln>
-            <a:solidFill>
-              <a:schemeClr val="tx1"/>
-            </a:solidFill>
-          </a:ln>
-        </p:spPr>
-        <p:style>
-          <a:lnRef idx="2">
-            <a:schemeClr val="accent1">
-              <a:shade val="50000"/>
-            </a:schemeClr>
-          </a:lnRef>
-          <a:fillRef idx="1">
-            <a:schemeClr val="accent1"/>
-          </a:fillRef>
-          <a:effectRef idx="0">
-            <a:schemeClr val="accent1"/>
-          </a:effectRef>
-          <a:fontRef idx="minor">
-            <a:schemeClr val="lt1"/>
-          </a:fontRef>
-        </p:style>
-        <p:txBody>
-          <a:bodyPr rtlCol="0" anchor="ctr"/>
-          <a:lstStyle/>
-          <a:p>
-            <a:pPr algn="ctr"/>
-            <a:endParaRPr lang="es-MX"/>
-          </a:p>
-        </p:txBody>
-      </p:sp>
-      <p:sp>
-        <p:nvSpPr>
-          <p:cNvPr id="120" name="Rectángulo redondeado 119"/>
-          <p:cNvSpPr/>
-          <p:nvPr/>
-        </p:nvSpPr>
-        <p:spPr>
-          <a:xfrm>
-            <a:off x="8633803" y="3591647"/>
-            <a:ext cx="339634" cy="276999"/>
-          </a:xfrm>
-          <a:prstGeom prst="roundRect">
-            <a:avLst/>
-          </a:prstGeom>
-          <a:solidFill>
-            <a:schemeClr val="bg1">
-              <a:lumMod val="95000"/>
-            </a:schemeClr>
-          </a:solidFill>
-          <a:ln>
-            <a:solidFill>
-              <a:schemeClr val="tx1"/>
-            </a:solidFill>
-          </a:ln>
-        </p:spPr>
-        <p:style>
-          <a:lnRef idx="2">
-            <a:schemeClr val="accent1">
-              <a:shade val="50000"/>
-            </a:schemeClr>
-          </a:lnRef>
-          <a:fillRef idx="1">
-            <a:schemeClr val="accent1"/>
-          </a:fillRef>
-          <a:effectRef idx="0">
-            <a:schemeClr val="accent1"/>
-          </a:effectRef>
-          <a:fontRef idx="minor">
-            <a:schemeClr val="lt1"/>
-          </a:fontRef>
-        </p:style>
-        <p:txBody>
-          <a:bodyPr rtlCol="0" anchor="ctr"/>
-          <a:lstStyle/>
-          <a:p>
-            <a:pPr algn="ctr"/>
-            <a:endParaRPr lang="es-MX"/>
-          </a:p>
-        </p:txBody>
-      </p:sp>
-      <p:sp>
-        <p:nvSpPr>
-          <p:cNvPr id="121" name="CuadroTexto 120"/>
-          <p:cNvSpPr txBox="1"/>
-          <p:nvPr/>
-        </p:nvSpPr>
-        <p:spPr>
-          <a:xfrm>
-            <a:off x="6343186" y="3591647"/>
-            <a:ext cx="3278777" cy="276999"/>
-          </a:xfrm>
-          <a:prstGeom prst="rect">
-            <a:avLst/>
-          </a:prstGeom>
-          <a:noFill/>
-        </p:spPr>
-        <p:txBody>
-          <a:bodyPr wrap="square" rtlCol="0">
-            <a:spAutoFit/>
-          </a:bodyPr>
-          <a:lstStyle/>
-          <a:p>
-            <a:r>
-              <a:rPr lang="es-MX" sz="1200" dirty="0" smtClean="0"/>
               <a:t>Fecha de termino vigencia del TA</a:t>
             </a:r>
             <a:endParaRPr lang="es-MX" sz="1200" dirty="0"/>
@@ -36526,7 +36383,7 @@
         </p:nvSpPr>
         <p:spPr>
           <a:xfrm>
-            <a:off x="2518357" y="4176163"/>
+            <a:off x="2532213" y="3802085"/>
             <a:ext cx="2377440" cy="276999"/>
           </a:xfrm>
           <a:prstGeom prst="roundRect">
@@ -36574,7 +36431,7 @@
         </p:nvSpPr>
         <p:spPr>
           <a:xfrm>
-            <a:off x="2518357" y="4176163"/>
+            <a:off x="2532213" y="3802085"/>
             <a:ext cx="339634" cy="276999"/>
           </a:xfrm>
           <a:prstGeom prst="roundRect">
@@ -36624,7 +36481,7 @@
         </p:nvSpPr>
         <p:spPr>
           <a:xfrm>
-            <a:off x="140909" y="4176163"/>
+            <a:off x="154765" y="3802085"/>
             <a:ext cx="3278777" cy="276999"/>
           </a:xfrm>
           <a:prstGeom prst="rect">
@@ -36654,7 +36511,7 @@
         </p:nvSpPr>
         <p:spPr>
           <a:xfrm>
-            <a:off x="8595381" y="4133276"/>
+            <a:off x="8595381" y="4244114"/>
             <a:ext cx="2377440" cy="276999"/>
           </a:xfrm>
           <a:prstGeom prst="roundRect">
@@ -36702,7 +36559,7 @@
         </p:nvSpPr>
         <p:spPr>
           <a:xfrm>
-            <a:off x="8595381" y="4133276"/>
+            <a:off x="8595381" y="4244114"/>
             <a:ext cx="339634" cy="276999"/>
           </a:xfrm>
           <a:prstGeom prst="roundRect">
@@ -36752,8 +36609,8 @@
         </p:nvSpPr>
         <p:spPr>
           <a:xfrm>
-            <a:off x="6326008" y="4666228"/>
-            <a:ext cx="3278777" cy="276999"/>
+            <a:off x="6326008" y="4777066"/>
+            <a:ext cx="2343915" cy="646331"/>
           </a:xfrm>
           <a:prstGeom prst="rect">
             <a:avLst/>
@@ -36768,8 +36625,22 @@
           <a:p>
             <a:r>
               <a:rPr lang="es-MX" sz="1200" dirty="0" smtClean="0"/>
-              <a:t>*Correo Electrónico</a:t>
-            </a:r>
+              <a:t>*</a:t>
+            </a:r>
+            <a:r>
+              <a:rPr lang="es-MX" sz="1200" dirty="0" smtClean="0"/>
+              <a:t>Correo(s) </a:t>
+            </a:r>
+            <a:r>
+              <a:rPr lang="es-MX" sz="1200" dirty="0" smtClean="0"/>
+              <a:t>Electrónico(s) </a:t>
+            </a:r>
+            <a:r>
+              <a:rPr lang="es-MX" sz="1200" dirty="0"/>
+              <a:t>para oír y recibir notificaciones </a:t>
+            </a:r>
+          </a:p>
+          <a:p>
             <a:endParaRPr lang="es-MX" sz="1200" dirty="0"/>
           </a:p>
         </p:txBody>
@@ -36782,7 +36653,7 @@
         </p:nvSpPr>
         <p:spPr>
           <a:xfrm>
-            <a:off x="8595750" y="4696334"/>
+            <a:off x="8595750" y="4807172"/>
             <a:ext cx="2377440" cy="276999"/>
           </a:xfrm>
           <a:prstGeom prst="roundRect">
@@ -36830,7 +36701,7 @@
         </p:nvSpPr>
         <p:spPr>
           <a:xfrm>
-            <a:off x="8595750" y="4696334"/>
+            <a:off x="8595750" y="4807172"/>
             <a:ext cx="339634" cy="276999"/>
           </a:xfrm>
           <a:prstGeom prst="roundRect">
@@ -36880,7 +36751,7 @@
         </p:nvSpPr>
         <p:spPr>
           <a:xfrm>
-            <a:off x="140909" y="4746316"/>
+            <a:off x="154765" y="4372238"/>
             <a:ext cx="3278777" cy="276999"/>
           </a:xfrm>
           <a:prstGeom prst="rect">
@@ -36910,7 +36781,7 @@
         </p:nvSpPr>
         <p:spPr>
           <a:xfrm>
-            <a:off x="2514243" y="4730559"/>
+            <a:off x="2528099" y="4356481"/>
             <a:ext cx="2377440" cy="276999"/>
           </a:xfrm>
           <a:prstGeom prst="roundRect">
@@ -36958,7 +36829,7 @@
         </p:nvSpPr>
         <p:spPr>
           <a:xfrm>
-            <a:off x="2514243" y="4730559"/>
+            <a:off x="2528099" y="4356481"/>
             <a:ext cx="339634" cy="276999"/>
           </a:xfrm>
           <a:prstGeom prst="roundRect">
@@ -37008,8 +36879,8 @@
         </p:nvSpPr>
         <p:spPr>
           <a:xfrm>
-            <a:off x="6330122" y="4133670"/>
-            <a:ext cx="3278777" cy="276999"/>
+            <a:off x="6330123" y="4244508"/>
+            <a:ext cx="2831068" cy="461665"/>
           </a:xfrm>
           <a:prstGeom prst="rect">
             <a:avLst/>
@@ -37024,7 +36895,11 @@
           <a:p>
             <a:r>
               <a:rPr lang="es-MX" sz="1200" dirty="0" smtClean="0"/>
-              <a:t>*Domicilio Fiscal</a:t>
+              <a:t>*Domicilio </a:t>
+            </a:r>
+            <a:r>
+              <a:rPr lang="es-MX" sz="1200" dirty="0" smtClean="0"/>
+              <a:t>Fiscal para oír y recibir notificaciones </a:t>
             </a:r>
             <a:endParaRPr lang="es-MX" sz="1200" dirty="0"/>
           </a:p>
@@ -37038,7 +36913,7 @@
         </p:nvSpPr>
         <p:spPr>
           <a:xfrm>
-            <a:off x="8652042" y="2654546"/>
+            <a:off x="8652042" y="2765384"/>
             <a:ext cx="2377440" cy="276999"/>
           </a:xfrm>
           <a:prstGeom prst="roundRect">
@@ -37088,7 +36963,7 @@
         </p:nvSpPr>
         <p:spPr>
           <a:xfrm>
-            <a:off x="8625532" y="2654546"/>
+            <a:off x="8625532" y="2765384"/>
             <a:ext cx="339634" cy="276999"/>
           </a:xfrm>
           <a:prstGeom prst="roundRect">
@@ -37138,7 +37013,7 @@
         </p:nvSpPr>
         <p:spPr>
           <a:xfrm>
-            <a:off x="6360273" y="2654546"/>
+            <a:off x="6360273" y="2765384"/>
             <a:ext cx="3278777" cy="276999"/>
           </a:xfrm>
           <a:prstGeom prst="rect">
@@ -37263,7 +37138,7 @@
         </p:nvSpPr>
         <p:spPr>
           <a:xfrm>
-            <a:off x="10633187" y="4704740"/>
+            <a:off x="10633187" y="4815578"/>
             <a:ext cx="339634" cy="276999"/>
           </a:xfrm>
           <a:prstGeom prst="roundRect">
@@ -37312,6 +37187,166 @@
             <a:endParaRPr lang="es-MX" dirty="0">
               <a:solidFill>
                 <a:srgbClr val="FF0000"/>
+              </a:solidFill>
+            </a:endParaRPr>
+          </a:p>
+        </p:txBody>
+      </p:sp>
+      <p:sp>
+        <p:nvSpPr>
+          <p:cNvPr id="49" name="CuadroTexto 48"/>
+          <p:cNvSpPr txBox="1"/>
+          <p:nvPr/>
+        </p:nvSpPr>
+        <p:spPr>
+          <a:xfrm>
+            <a:off x="152353" y="4844015"/>
+            <a:ext cx="3082834" cy="276999"/>
+          </a:xfrm>
+          <a:prstGeom prst="rect">
+            <a:avLst/>
+          </a:prstGeom>
+          <a:noFill/>
+        </p:spPr>
+        <p:txBody>
+          <a:bodyPr wrap="square" rtlCol="0">
+            <a:spAutoFit/>
+          </a:bodyPr>
+          <a:lstStyle/>
+          <a:p>
+            <a:r>
+              <a:rPr lang="es-MX" sz="1200" dirty="0"/>
+              <a:t>*</a:t>
+            </a:r>
+            <a:r>
+              <a:rPr lang="es-MX" sz="1200" dirty="0" smtClean="0"/>
+              <a:t>Monto de capital  </a:t>
+            </a:r>
+            <a:r>
+              <a:rPr lang="es-MX" sz="1200" dirty="0"/>
+              <a:t>s</a:t>
+            </a:r>
+            <a:r>
+              <a:rPr lang="es-MX" sz="1200" dirty="0" smtClean="0"/>
+              <a:t>ocial </a:t>
+            </a:r>
+            <a:r>
+              <a:rPr lang="es-MX" sz="1200" dirty="0"/>
+              <a:t>p</a:t>
+            </a:r>
+            <a:r>
+              <a:rPr lang="es-MX" sz="1200" dirty="0" smtClean="0"/>
+              <a:t>agado </a:t>
+            </a:r>
+            <a:endParaRPr lang="es-MX" sz="1200" dirty="0"/>
+          </a:p>
+        </p:txBody>
+      </p:sp>
+      <p:sp>
+        <p:nvSpPr>
+          <p:cNvPr id="50" name="Rectángulo 49"/>
+          <p:cNvSpPr/>
+          <p:nvPr/>
+        </p:nvSpPr>
+        <p:spPr>
+          <a:xfrm>
+            <a:off x="2614822" y="4819214"/>
+            <a:ext cx="1844151" cy="298416"/>
+          </a:xfrm>
+          <a:prstGeom prst="rect">
+            <a:avLst/>
+          </a:prstGeom>
+          <a:solidFill>
+            <a:schemeClr val="bg1">
+              <a:lumMod val="85000"/>
+            </a:schemeClr>
+          </a:solidFill>
+          <a:ln>
+            <a:solidFill>
+              <a:schemeClr val="tx1"/>
+            </a:solidFill>
+          </a:ln>
+        </p:spPr>
+        <p:style>
+          <a:lnRef idx="2">
+            <a:schemeClr val="accent1">
+              <a:shade val="50000"/>
+            </a:schemeClr>
+          </a:lnRef>
+          <a:fillRef idx="1">
+            <a:schemeClr val="accent1"/>
+          </a:fillRef>
+          <a:effectRef idx="0">
+            <a:schemeClr val="accent1"/>
+          </a:effectRef>
+          <a:fontRef idx="minor">
+            <a:schemeClr val="lt1"/>
+          </a:fontRef>
+        </p:style>
+        <p:txBody>
+          <a:bodyPr rtlCol="0" anchor="ctr"/>
+          <a:lstStyle/>
+          <a:p>
+            <a:pPr algn="ctr"/>
+            <a:endParaRPr lang="es-MX"/>
+          </a:p>
+        </p:txBody>
+      </p:sp>
+      <p:sp>
+        <p:nvSpPr>
+          <p:cNvPr id="54" name="Rectángulo 53"/>
+          <p:cNvSpPr/>
+          <p:nvPr/>
+        </p:nvSpPr>
+        <p:spPr>
+          <a:xfrm>
+            <a:off x="2614822" y="4819592"/>
+            <a:ext cx="248195" cy="298038"/>
+          </a:xfrm>
+          <a:prstGeom prst="rect">
+            <a:avLst/>
+          </a:prstGeom>
+          <a:solidFill>
+            <a:schemeClr val="bg1"/>
+          </a:solidFill>
+          <a:ln>
+            <a:solidFill>
+              <a:schemeClr val="tx1"/>
+            </a:solidFill>
+          </a:ln>
+        </p:spPr>
+        <p:style>
+          <a:lnRef idx="2">
+            <a:schemeClr val="accent1">
+              <a:shade val="50000"/>
+            </a:schemeClr>
+          </a:lnRef>
+          <a:fillRef idx="1">
+            <a:schemeClr val="accent1"/>
+          </a:fillRef>
+          <a:effectRef idx="0">
+            <a:schemeClr val="accent1"/>
+          </a:effectRef>
+          <a:fontRef idx="minor">
+            <a:schemeClr val="lt1"/>
+          </a:fontRef>
+        </p:style>
+        <p:txBody>
+          <a:bodyPr rtlCol="0" anchor="ctr"/>
+          <a:lstStyle/>
+          <a:p>
+            <a:pPr algn="ctr"/>
+            <a:r>
+              <a:rPr lang="es-MX" sz="1200" dirty="0" smtClean="0">
+                <a:solidFill>
+                  <a:schemeClr val="tx1"/>
+                </a:solidFill>
+              </a:rPr>
+              <a:t>$</a:t>
+            </a:r>
+            <a:endParaRPr lang="es-MX" sz="1200" dirty="0">
+              <a:solidFill>
+                <a:schemeClr val="tx1"/>
               </a:solidFill>
             </a:endParaRPr>
           </a:p>
@@ -38541,7 +38576,7 @@
     <p:controls>
       <mc:AlternateContent xmlns:mc="http://schemas.openxmlformats.org/markup-compatibility/2006">
         <mc:Choice xmlns:v="urn:schemas-microsoft-com:vml" Requires="v">
-          <p:control spid="8215" name="ListBox2" r:id="rId2" imgW="11430000" imgH="333360"/>
+          <p:control spid="8257" name="ListBox2" r:id="rId2" imgW="11430000" imgH="333360"/>
         </mc:Choice>
         <mc:Fallback>
           <p:control name="ListBox2" r:id="rId2" imgW="11430000" imgH="333360">
@@ -38574,7 +38609,7 @@
       </mc:AlternateContent>
       <mc:AlternateContent xmlns:mc="http://schemas.openxmlformats.org/markup-compatibility/2006">
         <mc:Choice xmlns:v="urn:schemas-microsoft-com:vml" Requires="v">
-          <p:control spid="8216" name="ListBox3" r:id="rId3" imgW="10572840" imgH="514440"/>
+          <p:control spid="8258" name="ListBox3" r:id="rId3" imgW="10572840" imgH="514440"/>
         </mc:Choice>
         <mc:Fallback>
           <p:control name="ListBox3" r:id="rId3" imgW="10572840" imgH="514440">
@@ -38607,7 +38642,7 @@
       </mc:AlternateContent>
       <mc:AlternateContent xmlns:mc="http://schemas.openxmlformats.org/markup-compatibility/2006">
         <mc:Choice xmlns:v="urn:schemas-microsoft-com:vml" Requires="v">
-          <p:control spid="8217" name="ListBox1" r:id="rId4" imgW="10572840" imgH="638280"/>
+          <p:control spid="8259" name="ListBox1" r:id="rId4" imgW="10572840" imgH="638280"/>
         </mc:Choice>
         <mc:Fallback>
           <p:control name="ListBox1" r:id="rId4" imgW="10572840" imgH="638280">
@@ -38835,7 +38870,31 @@
                   <a:schemeClr val="tx1"/>
                 </a:solidFill>
               </a:rPr>
-              <a:t>Prorroga de inicio de cancelación </a:t>
+              <a:t>Prorroga </a:t>
+            </a:r>
+            <a:r>
+              <a:rPr lang="es-MX" sz="1200" dirty="0" smtClean="0">
+                <a:solidFill>
+                  <a:schemeClr val="tx1"/>
+                </a:solidFill>
+              </a:rPr>
+              <a:t>del </a:t>
+            </a:r>
+            <a:r>
+              <a:rPr lang="es-MX" sz="1200" dirty="0" smtClean="0">
+                <a:solidFill>
+                  <a:schemeClr val="tx1"/>
+                </a:solidFill>
+              </a:rPr>
+              <a:t>inicio </a:t>
+            </a:r>
+            <a:r>
+              <a:rPr lang="es-MX" sz="1200" dirty="0" smtClean="0">
+                <a:solidFill>
+                  <a:schemeClr val="tx1"/>
+                </a:solidFill>
+              </a:rPr>
+              <a:t>de cancelación </a:t>
             </a:r>
             <a:endParaRPr lang="es-MX" sz="1200" dirty="0">
               <a:solidFill>
@@ -38853,7 +38912,7 @@
         </p:nvSpPr>
         <p:spPr>
           <a:xfrm>
-            <a:off x="243114" y="4102492"/>
+            <a:off x="243114" y="3811544"/>
             <a:ext cx="3082834" cy="276999"/>
           </a:xfrm>
           <a:prstGeom prst="rect">
@@ -38883,7 +38942,7 @@
         </p:nvSpPr>
         <p:spPr>
           <a:xfrm>
-            <a:off x="4740105" y="4093289"/>
+            <a:off x="4740105" y="3802341"/>
             <a:ext cx="3082834" cy="276999"/>
           </a:xfrm>
           <a:prstGeom prst="rect">
@@ -38899,7 +38958,15 @@
           <a:p>
             <a:r>
               <a:rPr lang="es-MX" sz="1200" dirty="0" smtClean="0"/>
-              <a:t>Fecha Termino de prorroga</a:t>
+              <a:t>Fecha Termino </a:t>
+            </a:r>
+            <a:r>
+              <a:rPr lang="es-MX" sz="1200" dirty="0" smtClean="0"/>
+              <a:t>de la </a:t>
+            </a:r>
+            <a:r>
+              <a:rPr lang="es-MX" sz="1200" dirty="0" smtClean="0"/>
+              <a:t>prorroga</a:t>
             </a:r>
             <a:endParaRPr lang="es-MX" sz="1200" dirty="0"/>
           </a:p>
@@ -38913,7 +38980,7 @@
         </p:nvSpPr>
         <p:spPr>
           <a:xfrm>
-            <a:off x="238763" y="4460792"/>
+            <a:off x="238763" y="4225264"/>
             <a:ext cx="3662068" cy="276999"/>
           </a:xfrm>
           <a:prstGeom prst="rect">
@@ -38929,63 +38996,9 @@
           <a:p>
             <a:r>
               <a:rPr lang="es-MX" sz="1200" dirty="0" smtClean="0"/>
-              <a:t>Observaciones</a:t>
+              <a:t>Respuesta de la prórroga </a:t>
             </a:r>
             <a:endParaRPr lang="es-MX" sz="1200" dirty="0"/>
-          </a:p>
-        </p:txBody>
-      </p:sp>
-      <p:sp>
-        <p:nvSpPr>
-          <p:cNvPr id="46" name="Rectángulo 45"/>
-          <p:cNvSpPr/>
-          <p:nvPr/>
-        </p:nvSpPr>
-        <p:spPr>
-          <a:xfrm>
-            <a:off x="238763" y="3699795"/>
-            <a:ext cx="11495392" cy="255696"/>
-          </a:xfrm>
-          <a:prstGeom prst="rect">
-            <a:avLst/>
-          </a:prstGeom>
-          <a:solidFill>
-            <a:schemeClr val="accent1">
-              <a:lumMod val="20000"/>
-              <a:lumOff val="80000"/>
-            </a:schemeClr>
-          </a:solidFill>
-          <a:ln>
-            <a:solidFill>
-              <a:schemeClr val="tx1"/>
-            </a:solidFill>
-          </a:ln>
-        </p:spPr>
-        <p:style>
-          <a:lnRef idx="2">
-            <a:schemeClr val="accent1">
-              <a:shade val="50000"/>
-            </a:schemeClr>
-          </a:lnRef>
-          <a:fillRef idx="1">
-            <a:schemeClr val="accent1"/>
-          </a:fillRef>
-          <a:effectRef idx="0">
-            <a:schemeClr val="accent1"/>
-          </a:effectRef>
-          <a:fontRef idx="minor">
-            <a:schemeClr val="lt1"/>
-          </a:fontRef>
-        </p:style>
-        <p:txBody>
-          <a:bodyPr rtlCol="0" anchor="ctr"/>
-          <a:lstStyle/>
-          <a:p>
-            <a:endParaRPr lang="es-MX" sz="1200" dirty="0">
-              <a:solidFill>
-                <a:schemeClr val="tx1"/>
-              </a:solidFill>
-            </a:endParaRPr>
           </a:p>
         </p:txBody>
       </p:sp>
@@ -39097,7 +39110,7 @@
         </p:nvSpPr>
         <p:spPr>
           <a:xfrm>
-            <a:off x="6798769" y="4070798"/>
+            <a:off x="6798769" y="3779850"/>
             <a:ext cx="2769599" cy="276999"/>
           </a:xfrm>
           <a:prstGeom prst="rect">
@@ -39149,7 +39162,7 @@
         </p:nvSpPr>
         <p:spPr>
           <a:xfrm>
-            <a:off x="274183" y="4722238"/>
+            <a:off x="274183" y="4639112"/>
             <a:ext cx="11384170" cy="906965"/>
           </a:xfrm>
           <a:prstGeom prst="rect">
@@ -39201,7 +39214,7 @@
         </p:nvSpPr>
         <p:spPr>
           <a:xfrm>
-            <a:off x="1697447" y="4085727"/>
+            <a:off x="1697447" y="3794779"/>
             <a:ext cx="2769599" cy="276999"/>
           </a:xfrm>
           <a:prstGeom prst="rect">
@@ -39255,8 +39268,8 @@
         </p:nvSpPr>
         <p:spPr>
           <a:xfrm>
-            <a:off x="4306986" y="5827325"/>
-            <a:ext cx="1629634" cy="344700"/>
+            <a:off x="5874402" y="5714685"/>
+            <a:ext cx="1629634" cy="373782"/>
           </a:xfrm>
           <a:prstGeom prst="roundRect">
             <a:avLst/>
@@ -39295,7 +39308,7 @@
                   <a:schemeClr val="tx1"/>
                 </a:solidFill>
               </a:rPr>
-              <a:t>firmar</a:t>
+              <a:t>Firmar</a:t>
             </a:r>
             <a:endParaRPr lang="es-MX" sz="1200" dirty="0">
               <a:solidFill>
@@ -39315,7 +39328,7 @@
         </p:nvSpPr>
         <p:spPr>
           <a:xfrm>
-            <a:off x="6236800" y="5797811"/>
+            <a:off x="4172468" y="5714685"/>
             <a:ext cx="1629634" cy="373782"/>
           </a:xfrm>
           <a:prstGeom prst="roundRect">
@@ -39355,7 +39368,7 @@
                   <a:schemeClr val="tx1"/>
                 </a:solidFill>
               </a:rPr>
-              <a:t>pre visualizar</a:t>
+              <a:t>Previsualizar</a:t>
             </a:r>
             <a:endParaRPr lang="es-MX" sz="1200" dirty="0">
               <a:solidFill>
@@ -39532,8 +39545,8 @@
         </p:nvSpPr>
         <p:spPr>
           <a:xfrm>
-            <a:off x="2050872" y="730340"/>
-            <a:ext cx="2299063" cy="273815"/>
+            <a:off x="2023162" y="775768"/>
+            <a:ext cx="2299063" cy="283807"/>
           </a:xfrm>
           <a:prstGeom prst="rect">
             <a:avLst/>
@@ -39578,6 +39591,118 @@
               </a:rPr>
               <a:t>Seguimiento</a:t>
             </a:r>
+          </a:p>
+        </p:txBody>
+      </p:sp>
+      <p:sp>
+        <p:nvSpPr>
+          <p:cNvPr id="26" name="Rectángulo 25"/>
+          <p:cNvSpPr/>
+          <p:nvPr/>
+        </p:nvSpPr>
+        <p:spPr>
+          <a:xfrm>
+            <a:off x="182880" y="779820"/>
+            <a:ext cx="1802674" cy="278561"/>
+          </a:xfrm>
+          <a:prstGeom prst="rect">
+            <a:avLst/>
+          </a:prstGeom>
+          <a:solidFill>
+            <a:schemeClr val="bg1">
+              <a:lumMod val="85000"/>
+            </a:schemeClr>
+          </a:solidFill>
+        </p:spPr>
+        <p:style>
+          <a:lnRef idx="2">
+            <a:schemeClr val="accent1">
+              <a:shade val="50000"/>
+            </a:schemeClr>
+          </a:lnRef>
+          <a:fillRef idx="1">
+            <a:schemeClr val="accent1"/>
+          </a:fillRef>
+          <a:effectRef idx="0">
+            <a:schemeClr val="accent1"/>
+          </a:effectRef>
+          <a:fontRef idx="minor">
+            <a:schemeClr val="lt1"/>
+          </a:fontRef>
+        </p:style>
+        <p:txBody>
+          <a:bodyPr rtlCol="0" anchor="ctr"/>
+          <a:lstStyle/>
+          <a:p>
+            <a:r>
+              <a:rPr lang="es-MX" sz="1200" dirty="0" smtClean="0">
+                <a:solidFill>
+                  <a:schemeClr val="tx1"/>
+                </a:solidFill>
+              </a:rPr>
+              <a:t>Registro de Actualización</a:t>
+            </a:r>
+            <a:endParaRPr lang="es-MX" sz="1200" dirty="0">
+              <a:solidFill>
+                <a:schemeClr val="tx1"/>
+              </a:solidFill>
+            </a:endParaRPr>
+          </a:p>
+        </p:txBody>
+      </p:sp>
+      <p:sp>
+        <p:nvSpPr>
+          <p:cNvPr id="28" name="Rectángulo 27"/>
+          <p:cNvSpPr/>
+          <p:nvPr/>
+        </p:nvSpPr>
+        <p:spPr>
+          <a:xfrm>
+            <a:off x="4383098" y="767437"/>
+            <a:ext cx="2299063" cy="290944"/>
+          </a:xfrm>
+          <a:prstGeom prst="rect">
+            <a:avLst/>
+          </a:prstGeom>
+          <a:solidFill>
+            <a:schemeClr val="bg1">
+              <a:lumMod val="85000"/>
+            </a:schemeClr>
+          </a:solidFill>
+        </p:spPr>
+        <p:style>
+          <a:lnRef idx="2">
+            <a:schemeClr val="accent1">
+              <a:shade val="50000"/>
+            </a:schemeClr>
+          </a:lnRef>
+          <a:fillRef idx="1">
+            <a:schemeClr val="accent1"/>
+          </a:fillRef>
+          <a:effectRef idx="0">
+            <a:schemeClr val="accent1"/>
+          </a:effectRef>
+          <a:fontRef idx="minor">
+            <a:schemeClr val="lt1"/>
+          </a:fontRef>
+        </p:style>
+        <p:txBody>
+          <a:bodyPr rtlCol="0" anchor="ctr"/>
+          <a:lstStyle/>
+          <a:p>
+            <a:r>
+              <a:rPr lang="es-MX" sz="1200" dirty="0">
+                <a:solidFill>
+                  <a:schemeClr val="tx1"/>
+                </a:solidFill>
+              </a:rPr>
+              <a:t>Pruebas y Alegatos</a:t>
+            </a:r>
+            <a:endParaRPr lang="es-MX" sz="1200" dirty="0">
+              <a:solidFill>
+                <a:schemeClr val="tx1"/>
+              </a:solidFill>
+            </a:endParaRPr>
           </a:p>
         </p:txBody>
       </p:sp>
@@ -41063,7 +41188,7 @@
     <p:controls>
       <mc:AlternateContent xmlns:mc="http://schemas.openxmlformats.org/markup-compatibility/2006">
         <mc:Choice xmlns:v="urn:schemas-microsoft-com:vml" Requires="v">
-          <p:control spid="9239" name="ComboBox1" r:id="rId2" imgW="1514520" imgH="314280"/>
+          <p:control spid="9281" name="ComboBox1" r:id="rId2" imgW="1514520" imgH="314280"/>
         </mc:Choice>
         <mc:Fallback>
           <p:control name="ComboBox1" r:id="rId2" imgW="1514520" imgH="314280">
@@ -41096,7 +41221,7 @@
       </mc:AlternateContent>
       <mc:AlternateContent xmlns:mc="http://schemas.openxmlformats.org/markup-compatibility/2006">
         <mc:Choice xmlns:v="urn:schemas-microsoft-com:vml" Requires="v">
-          <p:control spid="9240" name="ListBox2" r:id="rId3" imgW="2085840" imgH="295200"/>
+          <p:control spid="9282" name="ListBox2" r:id="rId3" imgW="2085840" imgH="295200"/>
         </mc:Choice>
         <mc:Fallback>
           <p:control name="ListBox2" r:id="rId3" imgW="2085840" imgH="295200">
@@ -41129,7 +41254,7 @@
       </mc:AlternateContent>
       <mc:AlternateContent xmlns:mc="http://schemas.openxmlformats.org/markup-compatibility/2006">
         <mc:Choice xmlns:v="urn:schemas-microsoft-com:vml" Requires="v">
-          <p:control spid="9241" name="ComboBox3" r:id="rId4" imgW="1628640" imgH="371520"/>
+          <p:control spid="9283" name="ComboBox3" r:id="rId4" imgW="1628640" imgH="371520"/>
         </mc:Choice>
         <mc:Fallback>
           <p:control name="ComboBox3" r:id="rId4" imgW="1628640" imgH="371520">

--- a/TAF 092019/Cancelación.pptx
+++ b/TAF 092019/Cancelación.pptx
@@ -632,7 +632,7 @@
           <a:p>
             <a:fld id="{F82F63F0-32AF-43BC-AA99-8D41706238CB}" type="datetimeFigureOut">
               <a:rPr lang="es-MX" smtClean="0"/>
-              <a:t>03/10/2019</a:t>
+              <a:t>04/10/2019</a:t>
             </a:fld>
             <a:endParaRPr lang="es-MX"/>
           </a:p>
@@ -1115,7 +1115,7 @@
           <a:p>
             <a:fld id="{2A6247F6-0F2C-4C0B-AB48-D2CBB26B21B0}" type="datetimeFigureOut">
               <a:rPr lang="en-US" smtClean="0"/>
-              <a:t>10/3/2019</a:t>
+              <a:t>10/4/2019</a:t>
             </a:fld>
             <a:endParaRPr lang="en-US"/>
           </a:p>
@@ -1285,7 +1285,7 @@
           <a:p>
             <a:fld id="{2A6247F6-0F2C-4C0B-AB48-D2CBB26B21B0}" type="datetimeFigureOut">
               <a:rPr lang="en-US" smtClean="0"/>
-              <a:t>10/3/2019</a:t>
+              <a:t>10/4/2019</a:t>
             </a:fld>
             <a:endParaRPr lang="en-US"/>
           </a:p>
@@ -1465,7 +1465,7 @@
           <a:p>
             <a:fld id="{2A6247F6-0F2C-4C0B-AB48-D2CBB26B21B0}" type="datetimeFigureOut">
               <a:rPr lang="en-US" smtClean="0"/>
-              <a:t>10/3/2019</a:t>
+              <a:t>10/4/2019</a:t>
             </a:fld>
             <a:endParaRPr lang="en-US"/>
           </a:p>
@@ -1635,7 +1635,7 @@
           <a:p>
             <a:fld id="{2A6247F6-0F2C-4C0B-AB48-D2CBB26B21B0}" type="datetimeFigureOut">
               <a:rPr lang="en-US" smtClean="0"/>
-              <a:t>10/3/2019</a:t>
+              <a:t>10/4/2019</a:t>
             </a:fld>
             <a:endParaRPr lang="en-US"/>
           </a:p>
@@ -1881,7 +1881,7 @@
           <a:p>
             <a:fld id="{2A6247F6-0F2C-4C0B-AB48-D2CBB26B21B0}" type="datetimeFigureOut">
               <a:rPr lang="en-US" smtClean="0"/>
-              <a:t>10/3/2019</a:t>
+              <a:t>10/4/2019</a:t>
             </a:fld>
             <a:endParaRPr lang="en-US"/>
           </a:p>
@@ -2113,7 +2113,7 @@
           <a:p>
             <a:fld id="{2A6247F6-0F2C-4C0B-AB48-D2CBB26B21B0}" type="datetimeFigureOut">
               <a:rPr lang="en-US" smtClean="0"/>
-              <a:t>10/3/2019</a:t>
+              <a:t>10/4/2019</a:t>
             </a:fld>
             <a:endParaRPr lang="en-US"/>
           </a:p>
@@ -2480,7 +2480,7 @@
           <a:p>
             <a:fld id="{2A6247F6-0F2C-4C0B-AB48-D2CBB26B21B0}" type="datetimeFigureOut">
               <a:rPr lang="en-US" smtClean="0"/>
-              <a:t>10/3/2019</a:t>
+              <a:t>10/4/2019</a:t>
             </a:fld>
             <a:endParaRPr lang="en-US"/>
           </a:p>
@@ -2598,7 +2598,7 @@
           <a:p>
             <a:fld id="{2A6247F6-0F2C-4C0B-AB48-D2CBB26B21B0}" type="datetimeFigureOut">
               <a:rPr lang="en-US" smtClean="0"/>
-              <a:t>10/3/2019</a:t>
+              <a:t>10/4/2019</a:t>
             </a:fld>
             <a:endParaRPr lang="en-US"/>
           </a:p>
@@ -2693,7 +2693,7 @@
           <a:p>
             <a:fld id="{2A6247F6-0F2C-4C0B-AB48-D2CBB26B21B0}" type="datetimeFigureOut">
               <a:rPr lang="en-US" smtClean="0"/>
-              <a:t>10/3/2019</a:t>
+              <a:t>10/4/2019</a:t>
             </a:fld>
             <a:endParaRPr lang="en-US"/>
           </a:p>
@@ -2970,7 +2970,7 @@
           <a:p>
             <a:fld id="{2A6247F6-0F2C-4C0B-AB48-D2CBB26B21B0}" type="datetimeFigureOut">
               <a:rPr lang="en-US" smtClean="0"/>
-              <a:t>10/3/2019</a:t>
+              <a:t>10/4/2019</a:t>
             </a:fld>
             <a:endParaRPr lang="en-US"/>
           </a:p>
@@ -3223,7 +3223,7 @@
           <a:p>
             <a:fld id="{2A6247F6-0F2C-4C0B-AB48-D2CBB26B21B0}" type="datetimeFigureOut">
               <a:rPr lang="en-US" smtClean="0"/>
-              <a:t>10/3/2019</a:t>
+              <a:t>10/4/2019</a:t>
             </a:fld>
             <a:endParaRPr lang="en-US"/>
           </a:p>
@@ -3436,7 +3436,7 @@
           <a:p>
             <a:fld id="{2A6247F6-0F2C-4C0B-AB48-D2CBB26B21B0}" type="datetimeFigureOut">
               <a:rPr lang="en-US" smtClean="0"/>
-              <a:t>10/3/2019</a:t>
+              <a:t>10/4/2019</a:t>
             </a:fld>
             <a:endParaRPr lang="en-US"/>
           </a:p>
@@ -5158,7 +5158,7 @@
     <p:controls>
       <mc:AlternateContent xmlns:mc="http://schemas.openxmlformats.org/markup-compatibility/2006">
         <mc:Choice xmlns:v="urn:schemas-microsoft-com:vml" Requires="v">
-          <p:control spid="4212" name="ComboBox1" r:id="rId2" imgW="1514520" imgH="314280"/>
+          <p:control spid="4221" name="ComboBox1" r:id="rId2" imgW="1514520" imgH="314280"/>
         </mc:Choice>
         <mc:Fallback>
           <p:control name="ComboBox1" r:id="rId2" imgW="1514520" imgH="314280">
@@ -5191,7 +5191,7 @@
       </mc:AlternateContent>
       <mc:AlternateContent xmlns:mc="http://schemas.openxmlformats.org/markup-compatibility/2006">
         <mc:Choice xmlns:v="urn:schemas-microsoft-com:vml" Requires="v">
-          <p:control spid="4213" name="ListBox2" r:id="rId3" imgW="2085840" imgH="295200"/>
+          <p:control spid="4222" name="ListBox2" r:id="rId3" imgW="2085840" imgH="295200"/>
         </mc:Choice>
         <mc:Fallback>
           <p:control name="ListBox2" r:id="rId3" imgW="2085840" imgH="295200">
@@ -5224,7 +5224,7 @@
       </mc:AlternateContent>
       <mc:AlternateContent xmlns:mc="http://schemas.openxmlformats.org/markup-compatibility/2006">
         <mc:Choice xmlns:v="urn:schemas-microsoft-com:vml" Requires="v">
-          <p:control spid="4214" name="ComboBox3" r:id="rId4" imgW="1628640" imgH="371520"/>
+          <p:control spid="4223" name="ComboBox3" r:id="rId4" imgW="1628640" imgH="371520"/>
         </mc:Choice>
         <mc:Fallback>
           <p:control name="ComboBox3" r:id="rId4" imgW="1628640" imgH="371520">
@@ -8848,7 +8848,7 @@
     <p:controls>
       <mc:AlternateContent xmlns:mc="http://schemas.openxmlformats.org/markup-compatibility/2006">
         <mc:Choice xmlns:v="urn:schemas-microsoft-com:vml" Requires="v">
-          <p:control spid="10508" name="ListBox1" r:id="rId2" imgW="11325240" imgH="533520"/>
+          <p:control spid="10529" name="ListBox1" r:id="rId2" imgW="11325240" imgH="533520"/>
         </mc:Choice>
         <mc:Fallback>
           <p:control name="ListBox1" r:id="rId2" imgW="11325240" imgH="533520">
@@ -8881,7 +8881,7 @@
       </mc:AlternateContent>
       <mc:AlternateContent xmlns:mc="http://schemas.openxmlformats.org/markup-compatibility/2006">
         <mc:Choice xmlns:v="urn:schemas-microsoft-com:vml" Requires="v">
-          <p:control spid="10509" name="ListBox3" r:id="rId3" imgW="11325240" imgH="457200"/>
+          <p:control spid="10530" name="ListBox3" r:id="rId3" imgW="11325240" imgH="457200"/>
         </mc:Choice>
         <mc:Fallback>
           <p:control name="ListBox3" r:id="rId3" imgW="11325240" imgH="457200">
@@ -8914,7 +8914,7 @@
       </mc:AlternateContent>
       <mc:AlternateContent xmlns:mc="http://schemas.openxmlformats.org/markup-compatibility/2006">
         <mc:Choice xmlns:v="urn:schemas-microsoft-com:vml" Requires="v">
-          <p:control spid="10510" name="ListBox4" r:id="rId4" imgW="11334600" imgH="457200"/>
+          <p:control spid="10531" name="ListBox4" r:id="rId4" imgW="11334600" imgH="457200"/>
         </mc:Choice>
         <mc:Fallback>
           <p:control name="ListBox4" r:id="rId4" imgW="11334600" imgH="457200">
@@ -8947,7 +8947,7 @@
       </mc:AlternateContent>
       <mc:AlternateContent xmlns:mc="http://schemas.openxmlformats.org/markup-compatibility/2006">
         <mc:Choice xmlns:v="urn:schemas-microsoft-com:vml" Requires="v">
-          <p:control spid="10511" name="ListBox5" r:id="rId5" imgW="11382480" imgH="514440"/>
+          <p:control spid="10532" name="ListBox5" r:id="rId5" imgW="11382480" imgH="514440"/>
         </mc:Choice>
         <mc:Fallback>
           <p:control name="ListBox5" r:id="rId5" imgW="11382480" imgH="514440">
@@ -8980,7 +8980,7 @@
       </mc:AlternateContent>
       <mc:AlternateContent xmlns:mc="http://schemas.openxmlformats.org/markup-compatibility/2006">
         <mc:Choice xmlns:v="urn:schemas-microsoft-com:vml" Requires="v">
-          <p:control spid="10512" name="CheckBox1" r:id="rId6" imgW="3048120" imgH="343080"/>
+          <p:control spid="10533" name="CheckBox1" r:id="rId6" imgW="3048120" imgH="343080"/>
         </mc:Choice>
         <mc:Fallback>
           <p:control name="CheckBox1" r:id="rId6" imgW="3048120" imgH="343080">
@@ -9013,7 +9013,7 @@
       </mc:AlternateContent>
       <mc:AlternateContent xmlns:mc="http://schemas.openxmlformats.org/markup-compatibility/2006">
         <mc:Choice xmlns:v="urn:schemas-microsoft-com:vml" Requires="v">
-          <p:control spid="10513" name="CheckBox2" r:id="rId7" imgW="1990800" imgH="352440"/>
+          <p:control spid="10534" name="CheckBox2" r:id="rId7" imgW="1990800" imgH="352440"/>
         </mc:Choice>
         <mc:Fallback>
           <p:control name="CheckBox2" r:id="rId7" imgW="1990800" imgH="352440">
@@ -9046,7 +9046,7 @@
       </mc:AlternateContent>
       <mc:AlternateContent xmlns:mc="http://schemas.openxmlformats.org/markup-compatibility/2006">
         <mc:Choice xmlns:v="urn:schemas-microsoft-com:vml" Requires="v">
-          <p:control spid="10514" name="CheckBox5" r:id="rId8" imgW="1990800" imgH="352440"/>
+          <p:control spid="10535" name="CheckBox5" r:id="rId8" imgW="1990800" imgH="352440"/>
         </mc:Choice>
         <mc:Fallback>
           <p:control name="CheckBox5" r:id="rId8" imgW="1990800" imgH="352440">
@@ -9744,7 +9744,7 @@
     <p:controls>
       <mc:AlternateContent xmlns:mc="http://schemas.openxmlformats.org/markup-compatibility/2006">
         <mc:Choice xmlns:v="urn:schemas-microsoft-com:vml" Requires="v">
-          <p:control spid="11451" name="ListBox1" r:id="rId2" imgW="9163080" imgH="457200"/>
+          <p:control spid="11466" name="ListBox1" r:id="rId2" imgW="9163080" imgH="457200"/>
         </mc:Choice>
         <mc:Fallback>
           <p:control name="ListBox1" r:id="rId2" imgW="9163080" imgH="457200">
@@ -9777,7 +9777,7 @@
       </mc:AlternateContent>
       <mc:AlternateContent xmlns:mc="http://schemas.openxmlformats.org/markup-compatibility/2006">
         <mc:Choice xmlns:v="urn:schemas-microsoft-com:vml" Requires="v">
-          <p:control spid="11452" name="ListBox5" r:id="rId3" imgW="9344160" imgH="247680"/>
+          <p:control spid="11467" name="ListBox5" r:id="rId3" imgW="9344160" imgH="247680"/>
         </mc:Choice>
         <mc:Fallback>
           <p:control name="ListBox5" r:id="rId3" imgW="9344160" imgH="247680">
@@ -9810,7 +9810,7 @@
       </mc:AlternateContent>
       <mc:AlternateContent xmlns:mc="http://schemas.openxmlformats.org/markup-compatibility/2006">
         <mc:Choice xmlns:v="urn:schemas-microsoft-com:vml" Requires="v">
-          <p:control spid="11453" name="CheckBox1" r:id="rId4" imgW="3048120" imgH="343080"/>
+          <p:control spid="11468" name="CheckBox1" r:id="rId4" imgW="3048120" imgH="343080"/>
         </mc:Choice>
         <mc:Fallback>
           <p:control name="CheckBox1" r:id="rId4" imgW="3048120" imgH="343080">
@@ -9843,7 +9843,7 @@
       </mc:AlternateContent>
       <mc:AlternateContent xmlns:mc="http://schemas.openxmlformats.org/markup-compatibility/2006">
         <mc:Choice xmlns:v="urn:schemas-microsoft-com:vml" Requires="v">
-          <p:control spid="11454" name="CheckBox2" r:id="rId5" imgW="1990800" imgH="352440"/>
+          <p:control spid="11469" name="CheckBox2" r:id="rId5" imgW="1990800" imgH="352440"/>
         </mc:Choice>
         <mc:Fallback>
           <p:control name="CheckBox2" r:id="rId5" imgW="1990800" imgH="352440">
@@ -9876,7 +9876,7 @@
       </mc:AlternateContent>
       <mc:AlternateContent xmlns:mc="http://schemas.openxmlformats.org/markup-compatibility/2006">
         <mc:Choice xmlns:v="urn:schemas-microsoft-com:vml" Requires="v">
-          <p:control spid="11455" name="CheckBox5" r:id="rId6" imgW="1990800" imgH="352440"/>
+          <p:control spid="11470" name="CheckBox5" r:id="rId6" imgW="1990800" imgH="352440"/>
         </mc:Choice>
         <mc:Fallback>
           <p:control name="CheckBox5" r:id="rId6" imgW="1990800" imgH="352440">
@@ -13877,7 +13877,7 @@
     <p:controls>
       <mc:AlternateContent xmlns:mc="http://schemas.openxmlformats.org/markup-compatibility/2006">
         <mc:Choice xmlns:v="urn:schemas-microsoft-com:vml" Requires="v">
-          <p:control spid="12364" name="CheckBox2" r:id="rId2" imgW="11601360" imgH="723960"/>
+          <p:control spid="12370" name="CheckBox2" r:id="rId2" imgW="11601360" imgH="723960"/>
         </mc:Choice>
         <mc:Fallback>
           <p:control name="CheckBox2" r:id="rId2" imgW="11601360" imgH="723960">
@@ -13910,7 +13910,7 @@
       </mc:AlternateContent>
       <mc:AlternateContent xmlns:mc="http://schemas.openxmlformats.org/markup-compatibility/2006">
         <mc:Choice xmlns:v="urn:schemas-microsoft-com:vml" Requires="v">
-          <p:control spid="12365" name="ComboBox1" r:id="rId3" imgW="2724120" imgH="257040"/>
+          <p:control spid="12371" name="ComboBox1" r:id="rId3" imgW="2724120" imgH="257040"/>
         </mc:Choice>
         <mc:Fallback>
           <p:control name="ComboBox1" r:id="rId3" imgW="2724120" imgH="257040">
@@ -15269,7 +15269,7 @@
     <p:controls>
       <mc:AlternateContent xmlns:mc="http://schemas.openxmlformats.org/markup-compatibility/2006">
         <mc:Choice xmlns:v="urn:schemas-microsoft-com:vml" Requires="v">
-          <p:control spid="13533" name="ListBox3" r:id="rId2" imgW="11420640" imgH="390600"/>
+          <p:control spid="13551" name="ListBox3" r:id="rId2" imgW="11420640" imgH="390600"/>
         </mc:Choice>
         <mc:Fallback>
           <p:control name="ListBox3" r:id="rId2" imgW="11420640" imgH="390600">
@@ -15302,7 +15302,7 @@
       </mc:AlternateContent>
       <mc:AlternateContent xmlns:mc="http://schemas.openxmlformats.org/markup-compatibility/2006">
         <mc:Choice xmlns:v="urn:schemas-microsoft-com:vml" Requires="v">
-          <p:control spid="13534" name="ListBox5" r:id="rId3" imgW="2685960" imgH="276120"/>
+          <p:control spid="13552" name="ListBox5" r:id="rId3" imgW="2685960" imgH="276120"/>
         </mc:Choice>
         <mc:Fallback>
           <p:control name="ListBox5" r:id="rId3" imgW="2685960" imgH="276120">
@@ -15335,7 +15335,7 @@
       </mc:AlternateContent>
       <mc:AlternateContent xmlns:mc="http://schemas.openxmlformats.org/markup-compatibility/2006">
         <mc:Choice xmlns:v="urn:schemas-microsoft-com:vml" Requires="v">
-          <p:control spid="13535" name="ListBox6" r:id="rId4" imgW="2523960" imgH="276120"/>
+          <p:control spid="13553" name="ListBox6" r:id="rId4" imgW="2523960" imgH="276120"/>
         </mc:Choice>
         <mc:Fallback>
           <p:control name="ListBox6" r:id="rId4" imgW="2523960" imgH="276120">
@@ -15368,7 +15368,7 @@
       </mc:AlternateContent>
       <mc:AlternateContent xmlns:mc="http://schemas.openxmlformats.org/markup-compatibility/2006">
         <mc:Choice xmlns:v="urn:schemas-microsoft-com:vml" Requires="v">
-          <p:control spid="13536" name="ListBox7" r:id="rId5" imgW="2523960" imgH="276120"/>
+          <p:control spid="13554" name="ListBox7" r:id="rId5" imgW="2523960" imgH="276120"/>
         </mc:Choice>
         <mc:Fallback>
           <p:control name="ListBox7" r:id="rId5" imgW="2523960" imgH="276120">
@@ -15401,7 +15401,7 @@
       </mc:AlternateContent>
       <mc:AlternateContent xmlns:mc="http://schemas.openxmlformats.org/markup-compatibility/2006">
         <mc:Choice xmlns:v="urn:schemas-microsoft-com:vml" Requires="v">
-          <p:control spid="13537" name="ListBox8" r:id="rId6" imgW="2638440" imgH="276120"/>
+          <p:control spid="13555" name="ListBox8" r:id="rId6" imgW="2638440" imgH="276120"/>
         </mc:Choice>
         <mc:Fallback>
           <p:control name="ListBox8" r:id="rId6" imgW="2638440" imgH="276120">
@@ -15434,7 +15434,7 @@
       </mc:AlternateContent>
       <mc:AlternateContent xmlns:mc="http://schemas.openxmlformats.org/markup-compatibility/2006">
         <mc:Choice xmlns:v="urn:schemas-microsoft-com:vml" Requires="v">
-          <p:control spid="13538" name="ListBox1" r:id="rId7" imgW="11420640" imgH="457200"/>
+          <p:control spid="13556" name="ListBox1" r:id="rId7" imgW="11420640" imgH="457200"/>
         </mc:Choice>
         <mc:Fallback>
           <p:control name="ListBox1" r:id="rId7" imgW="11420640" imgH="457200">
@@ -16767,7 +16767,7 @@
     <p:controls>
       <mc:AlternateContent xmlns:mc="http://schemas.openxmlformats.org/markup-compatibility/2006">
         <mc:Choice xmlns:v="urn:schemas-microsoft-com:vml" Requires="v">
-          <p:control spid="14416" name="ListBox1" r:id="rId2" imgW="11420640" imgH="752400"/>
+          <p:control spid="14422" name="ListBox1" r:id="rId2" imgW="11420640" imgH="752400"/>
         </mc:Choice>
         <mc:Fallback>
           <p:control name="ListBox1" r:id="rId2" imgW="11420640" imgH="752400">
@@ -16800,7 +16800,7 @@
       </mc:AlternateContent>
       <mc:AlternateContent xmlns:mc="http://schemas.openxmlformats.org/markup-compatibility/2006">
         <mc:Choice xmlns:v="urn:schemas-microsoft-com:vml" Requires="v">
-          <p:control spid="14417" name="ListBox7" r:id="rId3" imgW="2523960" imgH="276120"/>
+          <p:control spid="14423" name="ListBox7" r:id="rId3" imgW="2523960" imgH="276120"/>
         </mc:Choice>
         <mc:Fallback>
           <p:control name="ListBox7" r:id="rId3" imgW="2523960" imgH="276120">
@@ -17789,7 +17789,7 @@
     <p:controls>
       <mc:AlternateContent xmlns:mc="http://schemas.openxmlformats.org/markup-compatibility/2006">
         <mc:Choice xmlns:v="urn:schemas-microsoft-com:vml" Requires="v">
-          <p:control spid="22596" name="ListBox2" r:id="rId2" imgW="2523960" imgH="276120"/>
+          <p:control spid="22605" name="ListBox2" r:id="rId2" imgW="2523960" imgH="276120"/>
         </mc:Choice>
         <mc:Fallback>
           <p:control name="ListBox2" r:id="rId2" imgW="2523960" imgH="276120">
@@ -17822,7 +17822,7 @@
       </mc:AlternateContent>
       <mc:AlternateContent xmlns:mc="http://schemas.openxmlformats.org/markup-compatibility/2006">
         <mc:Choice xmlns:v="urn:schemas-microsoft-com:vml" Requires="v">
-          <p:control spid="22597" name="ListBox4" r:id="rId3" imgW="2523960" imgH="276120"/>
+          <p:control spid="22606" name="ListBox4" r:id="rId3" imgW="2523960" imgH="276120"/>
         </mc:Choice>
         <mc:Fallback>
           <p:control name="ListBox4" r:id="rId3" imgW="2523960" imgH="276120">
@@ -17855,7 +17855,7 @@
       </mc:AlternateContent>
       <mc:AlternateContent xmlns:mc="http://schemas.openxmlformats.org/markup-compatibility/2006">
         <mc:Choice xmlns:v="urn:schemas-microsoft-com:vml" Requires="v">
-          <p:control spid="22598" name="ListBox5" r:id="rId4" imgW="2523960" imgH="276120"/>
+          <p:control spid="22607" name="ListBox5" r:id="rId4" imgW="2523960" imgH="276120"/>
         </mc:Choice>
         <mc:Fallback>
           <p:control name="ListBox5" r:id="rId4" imgW="2523960" imgH="276120">
@@ -18617,7 +18617,7 @@
     <p:controls>
       <mc:AlternateContent xmlns:mc="http://schemas.openxmlformats.org/markup-compatibility/2006">
         <mc:Choice xmlns:v="urn:schemas-microsoft-com:vml" Requires="v">
-          <p:control spid="16462" name="ListBox1" r:id="rId2" imgW="11420640" imgH="752400"/>
+          <p:control spid="16468" name="ListBox1" r:id="rId2" imgW="11420640" imgH="752400"/>
         </mc:Choice>
         <mc:Fallback>
           <p:control name="ListBox1" r:id="rId2" imgW="11420640" imgH="752400">
@@ -18650,7 +18650,7 @@
       </mc:AlternateContent>
       <mc:AlternateContent xmlns:mc="http://schemas.openxmlformats.org/markup-compatibility/2006">
         <mc:Choice xmlns:v="urn:schemas-microsoft-com:vml" Requires="v">
-          <p:control spid="16463" name="ListBox7" r:id="rId3" imgW="2523960" imgH="276120"/>
+          <p:control spid="16469" name="ListBox7" r:id="rId3" imgW="2523960" imgH="276120"/>
         </mc:Choice>
         <mc:Fallback>
           <p:control name="ListBox7" r:id="rId3" imgW="2523960" imgH="276120">
@@ -19162,7 +19162,7 @@
     <p:controls>
       <mc:AlternateContent xmlns:mc="http://schemas.openxmlformats.org/markup-compatibility/2006">
         <mc:Choice xmlns:v="urn:schemas-microsoft-com:vml" Requires="v">
-          <p:control spid="17595" name="ListBox3" r:id="rId2" imgW="11420640" imgH="800280"/>
+          <p:control spid="17610" name="ListBox3" r:id="rId2" imgW="11420640" imgH="800280"/>
         </mc:Choice>
         <mc:Fallback>
           <p:control name="ListBox3" r:id="rId2" imgW="11420640" imgH="800280">
@@ -19195,7 +19195,7 @@
       </mc:AlternateContent>
       <mc:AlternateContent xmlns:mc="http://schemas.openxmlformats.org/markup-compatibility/2006">
         <mc:Choice xmlns:v="urn:schemas-microsoft-com:vml" Requires="v">
-          <p:control spid="17596" name="ListBox5" r:id="rId3" imgW="2685960" imgH="276120"/>
+          <p:control spid="17611" name="ListBox5" r:id="rId3" imgW="2685960" imgH="276120"/>
         </mc:Choice>
         <mc:Fallback>
           <p:control name="ListBox5" r:id="rId3" imgW="2685960" imgH="276120">
@@ -19228,7 +19228,7 @@
       </mc:AlternateContent>
       <mc:AlternateContent xmlns:mc="http://schemas.openxmlformats.org/markup-compatibility/2006">
         <mc:Choice xmlns:v="urn:schemas-microsoft-com:vml" Requires="v">
-          <p:control spid="17597" name="ListBox6" r:id="rId4" imgW="2523960" imgH="276120"/>
+          <p:control spid="17612" name="ListBox6" r:id="rId4" imgW="2523960" imgH="276120"/>
         </mc:Choice>
         <mc:Fallback>
           <p:control name="ListBox6" r:id="rId4" imgW="2523960" imgH="276120">
@@ -19261,7 +19261,7 @@
       </mc:AlternateContent>
       <mc:AlternateContent xmlns:mc="http://schemas.openxmlformats.org/markup-compatibility/2006">
         <mc:Choice xmlns:v="urn:schemas-microsoft-com:vml" Requires="v">
-          <p:control spid="17598" name="ListBox7" r:id="rId5" imgW="2523960" imgH="276120"/>
+          <p:control spid="17613" name="ListBox7" r:id="rId5" imgW="2523960" imgH="276120"/>
         </mc:Choice>
         <mc:Fallback>
           <p:control name="ListBox7" r:id="rId5" imgW="2523960" imgH="276120">
@@ -19294,7 +19294,7 @@
       </mc:AlternateContent>
       <mc:AlternateContent xmlns:mc="http://schemas.openxmlformats.org/markup-compatibility/2006">
         <mc:Choice xmlns:v="urn:schemas-microsoft-com:vml" Requires="v">
-          <p:control spid="17599" name="ListBox8" r:id="rId6" imgW="2638440" imgH="276120"/>
+          <p:control spid="17614" name="ListBox8" r:id="rId6" imgW="2638440" imgH="276120"/>
         </mc:Choice>
         <mc:Fallback>
           <p:control name="ListBox8" r:id="rId6" imgW="2638440" imgH="276120">
@@ -20978,14 +20978,14 @@
       </p:sp>
       <p:sp>
         <p:nvSpPr>
-          <p:cNvPr id="130" name="CuadroTexto 129"/>
+          <p:cNvPr id="133" name="CuadroTexto 132"/>
           <p:cNvSpPr txBox="1"/>
           <p:nvPr/>
         </p:nvSpPr>
         <p:spPr>
           <a:xfrm>
-            <a:off x="140909" y="4302960"/>
-            <a:ext cx="3278777" cy="276999"/>
+            <a:off x="6330122" y="4186318"/>
+            <a:ext cx="2265259" cy="461665"/>
           </a:xfrm>
           <a:prstGeom prst="rect">
             <a:avLst/>
@@ -21000,7 +21000,7 @@
           <a:p>
             <a:r>
               <a:rPr lang="es-MX" sz="1200" dirty="0" smtClean="0"/>
-              <a:t>*Nombre del Representante Legal</a:t>
+              <a:t>*Domicilio Fiscal para oír y recibir notificaciones</a:t>
             </a:r>
             <a:endParaRPr lang="es-MX" sz="1200" dirty="0"/>
           </a:p>
@@ -21008,13 +21008,13 @@
       </p:sp>
       <p:sp>
         <p:nvSpPr>
-          <p:cNvPr id="131" name="Rectángulo redondeado 130"/>
+          <p:cNvPr id="134" name="Rectángulo redondeado 133"/>
           <p:cNvSpPr/>
           <p:nvPr/>
         </p:nvSpPr>
         <p:spPr>
           <a:xfrm>
-            <a:off x="2514243" y="4287203"/>
+            <a:off x="8652042" y="2737676"/>
             <a:ext cx="2377440" cy="276999"/>
           </a:xfrm>
           <a:prstGeom prst="roundRect">
@@ -21058,13 +21058,13 @@
       </p:sp>
       <p:sp>
         <p:nvSpPr>
-          <p:cNvPr id="132" name="Rectángulo redondeado 131"/>
+          <p:cNvPr id="135" name="Rectángulo redondeado 134"/>
           <p:cNvSpPr/>
           <p:nvPr/>
         </p:nvSpPr>
         <p:spPr>
           <a:xfrm>
-            <a:off x="2514243" y="4287203"/>
+            <a:off x="8625532" y="2737676"/>
             <a:ext cx="339634" cy="276999"/>
           </a:xfrm>
           <a:prstGeom prst="roundRect">
@@ -21108,14 +21108,14 @@
       </p:sp>
       <p:sp>
         <p:nvSpPr>
-          <p:cNvPr id="133" name="CuadroTexto 132"/>
+          <p:cNvPr id="136" name="CuadroTexto 135"/>
           <p:cNvSpPr txBox="1"/>
           <p:nvPr/>
         </p:nvSpPr>
         <p:spPr>
           <a:xfrm>
-            <a:off x="6330122" y="4186318"/>
-            <a:ext cx="2265259" cy="461665"/>
+            <a:off x="6360273" y="2737676"/>
+            <a:ext cx="3278777" cy="276999"/>
           </a:xfrm>
           <a:prstGeom prst="rect">
             <a:avLst/>
@@ -21130,24 +21130,345 @@
           <a:p>
             <a:r>
               <a:rPr lang="es-MX" sz="1200" dirty="0" smtClean="0"/>
-              <a:t>*Domicilio Fiscal para oír y recibir notificaciones</a:t>
+              <a:t>RFC</a:t>
             </a:r>
             <a:endParaRPr lang="es-MX" sz="1200" dirty="0"/>
           </a:p>
         </p:txBody>
       </p:sp>
-      <p:sp>
-        <p:nvSpPr>
-          <p:cNvPr id="134" name="Rectángulo redondeado 133"/>
+      <p:cxnSp>
+        <p:nvCxnSpPr>
+          <p:cNvPr id="53" name="Conector recto 52"/>
+          <p:cNvCxnSpPr/>
+          <p:nvPr/>
+        </p:nvCxnSpPr>
+        <p:spPr>
+          <a:xfrm flipV="1">
+            <a:off x="165461" y="603404"/>
+            <a:ext cx="11834950" cy="2"/>
+          </a:xfrm>
+          <a:prstGeom prst="line">
+            <a:avLst/>
+          </a:prstGeom>
+          <a:ln>
+            <a:solidFill>
+              <a:schemeClr val="tx1"/>
+            </a:solidFill>
+          </a:ln>
+        </p:spPr>
+        <p:style>
+          <a:lnRef idx="1">
+            <a:schemeClr val="accent1"/>
+          </a:lnRef>
+          <a:fillRef idx="0">
+            <a:schemeClr val="accent1"/>
+          </a:fillRef>
+          <a:effectRef idx="0">
+            <a:schemeClr val="accent1"/>
+          </a:effectRef>
+          <a:fontRef idx="minor">
+            <a:schemeClr val="tx1"/>
+          </a:fontRef>
+        </p:style>
+      </p:cxnSp>
+      <p:sp>
+        <p:nvSpPr>
+          <p:cNvPr id="55" name="CuadroTexto 54"/>
+          <p:cNvSpPr txBox="1"/>
+          <p:nvPr/>
+        </p:nvSpPr>
+        <p:spPr>
+          <a:xfrm>
+            <a:off x="112358" y="782335"/>
+            <a:ext cx="1541417" cy="276999"/>
+          </a:xfrm>
+          <a:prstGeom prst="rect">
+            <a:avLst/>
+          </a:prstGeom>
+          <a:noFill/>
+        </p:spPr>
+        <p:txBody>
+          <a:bodyPr wrap="square" rtlCol="0">
+            <a:spAutoFit/>
+          </a:bodyPr>
+          <a:lstStyle/>
+          <a:p>
+            <a:r>
+              <a:rPr lang="es-MX" sz="1200" dirty="0" smtClean="0"/>
+              <a:t>Número de título:</a:t>
+            </a:r>
+            <a:endParaRPr lang="es-MX" sz="1200" dirty="0"/>
+          </a:p>
+        </p:txBody>
+      </p:sp>
+      <p:sp>
+        <p:nvSpPr>
+          <p:cNvPr id="57" name="CuadroTexto 56"/>
+          <p:cNvSpPr txBox="1"/>
+          <p:nvPr/>
+        </p:nvSpPr>
+        <p:spPr>
+          <a:xfrm>
+            <a:off x="1768309" y="789838"/>
+            <a:ext cx="1939367" cy="276999"/>
+          </a:xfrm>
+          <a:prstGeom prst="rect">
+            <a:avLst/>
+          </a:prstGeom>
+          <a:noFill/>
+        </p:spPr>
+        <p:txBody>
+          <a:bodyPr wrap="square" rtlCol="0">
+            <a:spAutoFit/>
+          </a:bodyPr>
+          <a:lstStyle/>
+          <a:p>
+            <a:r>
+              <a:rPr lang="es-MX" sz="1200" dirty="0" smtClean="0"/>
+              <a:t>Fecha  de Actualización:</a:t>
+            </a:r>
+            <a:endParaRPr lang="es-MX" sz="1200" dirty="0"/>
+          </a:p>
+        </p:txBody>
+      </p:sp>
+      <p:sp>
+        <p:nvSpPr>
+          <p:cNvPr id="58" name="CuadroTexto 57"/>
+          <p:cNvSpPr txBox="1"/>
+          <p:nvPr/>
+        </p:nvSpPr>
+        <p:spPr>
+          <a:xfrm>
+            <a:off x="9649264" y="790346"/>
+            <a:ext cx="1939367" cy="276999"/>
+          </a:xfrm>
+          <a:prstGeom prst="rect">
+            <a:avLst/>
+          </a:prstGeom>
+          <a:noFill/>
+        </p:spPr>
+        <p:txBody>
+          <a:bodyPr wrap="square" rtlCol="0">
+            <a:spAutoFit/>
+          </a:bodyPr>
+          <a:lstStyle/>
+          <a:p>
+            <a:r>
+              <a:rPr lang="es-MX" sz="1200" dirty="0" smtClean="0"/>
+              <a:t>Estado:</a:t>
+            </a:r>
+            <a:endParaRPr lang="es-MX" sz="1200" dirty="0"/>
+          </a:p>
+        </p:txBody>
+      </p:sp>
+      <p:sp>
+        <p:nvSpPr>
+          <p:cNvPr id="60" name="CuadroTexto 59"/>
+          <p:cNvSpPr txBox="1"/>
+          <p:nvPr/>
+        </p:nvSpPr>
+        <p:spPr>
+          <a:xfrm>
+            <a:off x="8012775" y="769476"/>
+            <a:ext cx="1939367" cy="276999"/>
+          </a:xfrm>
+          <a:prstGeom prst="rect">
+            <a:avLst/>
+          </a:prstGeom>
+          <a:noFill/>
+        </p:spPr>
+        <p:txBody>
+          <a:bodyPr wrap="square" rtlCol="0">
+            <a:spAutoFit/>
+          </a:bodyPr>
+          <a:lstStyle/>
+          <a:p>
+            <a:r>
+              <a:rPr lang="es-MX" sz="1200" dirty="0" smtClean="0"/>
+              <a:t>Días Transcurridos:</a:t>
+            </a:r>
+            <a:endParaRPr lang="es-MX" sz="1200" dirty="0"/>
+          </a:p>
+        </p:txBody>
+      </p:sp>
+      <p:sp>
+        <p:nvSpPr>
+          <p:cNvPr id="61" name="CuadroTexto 60"/>
+          <p:cNvSpPr txBox="1"/>
+          <p:nvPr/>
+        </p:nvSpPr>
+        <p:spPr>
+          <a:xfrm>
+            <a:off x="3681551" y="781740"/>
+            <a:ext cx="1939367" cy="276999"/>
+          </a:xfrm>
+          <a:prstGeom prst="rect">
+            <a:avLst/>
+          </a:prstGeom>
+          <a:noFill/>
+        </p:spPr>
+        <p:txBody>
+          <a:bodyPr wrap="square" rtlCol="0">
+            <a:spAutoFit/>
+          </a:bodyPr>
+          <a:lstStyle/>
+          <a:p>
+            <a:r>
+              <a:rPr lang="es-MX" sz="1200" dirty="0" smtClean="0"/>
+              <a:t>Fecha de consulta 32D  :</a:t>
+            </a:r>
+            <a:endParaRPr lang="es-MX" sz="1200" dirty="0"/>
+          </a:p>
+        </p:txBody>
+      </p:sp>
+      <p:sp>
+        <p:nvSpPr>
+          <p:cNvPr id="62" name="CuadroTexto 61"/>
+          <p:cNvSpPr txBox="1"/>
+          <p:nvPr/>
+        </p:nvSpPr>
+        <p:spPr>
+          <a:xfrm>
+            <a:off x="5809089" y="790347"/>
+            <a:ext cx="1939367" cy="276999"/>
+          </a:xfrm>
+          <a:prstGeom prst="rect">
+            <a:avLst/>
+          </a:prstGeom>
+          <a:noFill/>
+        </p:spPr>
+        <p:txBody>
+          <a:bodyPr wrap="square" rtlCol="0">
+            <a:spAutoFit/>
+          </a:bodyPr>
+          <a:lstStyle/>
+          <a:p>
+            <a:r>
+              <a:rPr lang="es-MX" sz="1200" dirty="0" smtClean="0"/>
+              <a:t>Resultado de consulta 32D :</a:t>
+            </a:r>
+            <a:endParaRPr lang="es-MX" sz="1200" dirty="0"/>
+          </a:p>
+        </p:txBody>
+      </p:sp>
+      <p:sp>
+        <p:nvSpPr>
+          <p:cNvPr id="63" name="Rectángulo 62"/>
           <p:cNvSpPr/>
           <p:nvPr/>
         </p:nvSpPr>
         <p:spPr>
           <a:xfrm>
-            <a:off x="8652042" y="2737676"/>
-            <a:ext cx="2377440" cy="276999"/>
-          </a:xfrm>
-          <a:prstGeom prst="roundRect">
+            <a:off x="7956520" y="1172316"/>
+            <a:ext cx="1543458" cy="304861"/>
+          </a:xfrm>
+          <a:prstGeom prst="rect">
+            <a:avLst/>
+          </a:prstGeom>
+          <a:solidFill>
+            <a:schemeClr val="bg1">
+              <a:lumMod val="85000"/>
+            </a:schemeClr>
+          </a:solidFill>
+        </p:spPr>
+        <p:style>
+          <a:lnRef idx="2">
+            <a:schemeClr val="accent1">
+              <a:shade val="50000"/>
+            </a:schemeClr>
+          </a:lnRef>
+          <a:fillRef idx="1">
+            <a:schemeClr val="accent1"/>
+          </a:fillRef>
+          <a:effectRef idx="0">
+            <a:schemeClr val="accent1"/>
+          </a:effectRef>
+          <a:fontRef idx="minor">
+            <a:schemeClr val="lt1"/>
+          </a:fontRef>
+        </p:style>
+        <p:txBody>
+          <a:bodyPr rtlCol="0" anchor="ctr"/>
+          <a:lstStyle/>
+          <a:p>
+            <a:r>
+              <a:rPr lang="es-MX" sz="1200" dirty="0" smtClean="0">
+                <a:solidFill>
+                  <a:schemeClr val="tx1"/>
+                </a:solidFill>
+              </a:rPr>
+              <a:t>Dictamen Jurídico </a:t>
+            </a:r>
+            <a:endParaRPr lang="es-MX" sz="1200" dirty="0">
+              <a:solidFill>
+                <a:schemeClr val="tx1"/>
+              </a:solidFill>
+            </a:endParaRPr>
+          </a:p>
+        </p:txBody>
+      </p:sp>
+      <p:sp>
+        <p:nvSpPr>
+          <p:cNvPr id="56" name="CuadroTexto 55"/>
+          <p:cNvSpPr txBox="1"/>
+          <p:nvPr/>
+        </p:nvSpPr>
+        <p:spPr>
+          <a:xfrm>
+            <a:off x="124643" y="4206701"/>
+            <a:ext cx="3082834" cy="276999"/>
+          </a:xfrm>
+          <a:prstGeom prst="rect">
+            <a:avLst/>
+          </a:prstGeom>
+          <a:noFill/>
+        </p:spPr>
+        <p:txBody>
+          <a:bodyPr wrap="square" rtlCol="0">
+            <a:spAutoFit/>
+          </a:bodyPr>
+          <a:lstStyle/>
+          <a:p>
+            <a:r>
+              <a:rPr lang="es-MX" sz="1200" dirty="0"/>
+              <a:t>*</a:t>
+            </a:r>
+            <a:r>
+              <a:rPr lang="es-MX" sz="1200" dirty="0" smtClean="0"/>
+              <a:t>Monto de capital  </a:t>
+            </a:r>
+            <a:r>
+              <a:rPr lang="es-MX" sz="1200" dirty="0"/>
+              <a:t>s</a:t>
+            </a:r>
+            <a:r>
+              <a:rPr lang="es-MX" sz="1200" dirty="0" smtClean="0"/>
+              <a:t>ocial </a:t>
+            </a:r>
+            <a:r>
+              <a:rPr lang="es-MX" sz="1200" dirty="0"/>
+              <a:t>p</a:t>
+            </a:r>
+            <a:r>
+              <a:rPr lang="es-MX" sz="1200" dirty="0" smtClean="0"/>
+              <a:t>agado </a:t>
+            </a:r>
+            <a:endParaRPr lang="es-MX" sz="1200" dirty="0"/>
+          </a:p>
+        </p:txBody>
+      </p:sp>
+      <p:sp>
+        <p:nvSpPr>
+          <p:cNvPr id="64" name="Rectángulo 63"/>
+          <p:cNvSpPr/>
+          <p:nvPr/>
+        </p:nvSpPr>
+        <p:spPr>
+          <a:xfrm>
+            <a:off x="2587112" y="4181900"/>
+            <a:ext cx="1844151" cy="298416"/>
+          </a:xfrm>
+          <a:prstGeom prst="rect">
             <a:avLst/>
           </a:prstGeom>
           <a:solidFill>
@@ -21188,464 +21509,13 @@
       </p:sp>
       <p:sp>
         <p:nvSpPr>
-          <p:cNvPr id="135" name="Rectángulo redondeado 134"/>
-          <p:cNvSpPr/>
-          <p:nvPr/>
-        </p:nvSpPr>
-        <p:spPr>
-          <a:xfrm>
-            <a:off x="8625532" y="2737676"/>
-            <a:ext cx="339634" cy="276999"/>
-          </a:xfrm>
-          <a:prstGeom prst="roundRect">
-            <a:avLst/>
-          </a:prstGeom>
-          <a:solidFill>
-            <a:schemeClr val="bg1">
-              <a:lumMod val="95000"/>
-            </a:schemeClr>
-          </a:solidFill>
-          <a:ln>
-            <a:solidFill>
-              <a:schemeClr val="tx1"/>
-            </a:solidFill>
-          </a:ln>
-        </p:spPr>
-        <p:style>
-          <a:lnRef idx="2">
-            <a:schemeClr val="accent1">
-              <a:shade val="50000"/>
-            </a:schemeClr>
-          </a:lnRef>
-          <a:fillRef idx="1">
-            <a:schemeClr val="accent1"/>
-          </a:fillRef>
-          <a:effectRef idx="0">
-            <a:schemeClr val="accent1"/>
-          </a:effectRef>
-          <a:fontRef idx="minor">
-            <a:schemeClr val="lt1"/>
-          </a:fontRef>
-        </p:style>
-        <p:txBody>
-          <a:bodyPr rtlCol="0" anchor="ctr"/>
-          <a:lstStyle/>
-          <a:p>
-            <a:pPr algn="ctr"/>
-            <a:endParaRPr lang="es-MX"/>
-          </a:p>
-        </p:txBody>
-      </p:sp>
-      <p:sp>
-        <p:nvSpPr>
-          <p:cNvPr id="136" name="CuadroTexto 135"/>
-          <p:cNvSpPr txBox="1"/>
-          <p:nvPr/>
-        </p:nvSpPr>
-        <p:spPr>
-          <a:xfrm>
-            <a:off x="6360273" y="2737676"/>
-            <a:ext cx="3278777" cy="276999"/>
-          </a:xfrm>
-          <a:prstGeom prst="rect">
-            <a:avLst/>
-          </a:prstGeom>
-          <a:noFill/>
-        </p:spPr>
-        <p:txBody>
-          <a:bodyPr wrap="square" rtlCol="0">
-            <a:spAutoFit/>
-          </a:bodyPr>
-          <a:lstStyle/>
-          <a:p>
-            <a:r>
-              <a:rPr lang="es-MX" sz="1200" dirty="0" smtClean="0"/>
-              <a:t>RFC</a:t>
-            </a:r>
-            <a:endParaRPr lang="es-MX" sz="1200" dirty="0"/>
-          </a:p>
-        </p:txBody>
-      </p:sp>
-      <p:cxnSp>
-        <p:nvCxnSpPr>
-          <p:cNvPr id="53" name="Conector recto 52"/>
-          <p:cNvCxnSpPr/>
-          <p:nvPr/>
-        </p:nvCxnSpPr>
-        <p:spPr>
-          <a:xfrm flipV="1">
-            <a:off x="165461" y="603404"/>
-            <a:ext cx="11834950" cy="2"/>
-          </a:xfrm>
-          <a:prstGeom prst="line">
-            <a:avLst/>
-          </a:prstGeom>
-          <a:ln>
-            <a:solidFill>
-              <a:schemeClr val="tx1"/>
-            </a:solidFill>
-          </a:ln>
-        </p:spPr>
-        <p:style>
-          <a:lnRef idx="1">
-            <a:schemeClr val="accent1"/>
-          </a:lnRef>
-          <a:fillRef idx="0">
-            <a:schemeClr val="accent1"/>
-          </a:fillRef>
-          <a:effectRef idx="0">
-            <a:schemeClr val="accent1"/>
-          </a:effectRef>
-          <a:fontRef idx="minor">
-            <a:schemeClr val="tx1"/>
-          </a:fontRef>
-        </p:style>
-      </p:cxnSp>
-      <p:sp>
-        <p:nvSpPr>
-          <p:cNvPr id="55" name="CuadroTexto 54"/>
-          <p:cNvSpPr txBox="1"/>
-          <p:nvPr/>
-        </p:nvSpPr>
-        <p:spPr>
-          <a:xfrm>
-            <a:off x="112358" y="782335"/>
-            <a:ext cx="1541417" cy="276999"/>
-          </a:xfrm>
-          <a:prstGeom prst="rect">
-            <a:avLst/>
-          </a:prstGeom>
-          <a:noFill/>
-        </p:spPr>
-        <p:txBody>
-          <a:bodyPr wrap="square" rtlCol="0">
-            <a:spAutoFit/>
-          </a:bodyPr>
-          <a:lstStyle/>
-          <a:p>
-            <a:r>
-              <a:rPr lang="es-MX" sz="1200" dirty="0" smtClean="0"/>
-              <a:t>Número de título:</a:t>
-            </a:r>
-            <a:endParaRPr lang="es-MX" sz="1200" dirty="0"/>
-          </a:p>
-        </p:txBody>
-      </p:sp>
-      <p:sp>
-        <p:nvSpPr>
-          <p:cNvPr id="57" name="CuadroTexto 56"/>
-          <p:cNvSpPr txBox="1"/>
-          <p:nvPr/>
-        </p:nvSpPr>
-        <p:spPr>
-          <a:xfrm>
-            <a:off x="1768309" y="789838"/>
-            <a:ext cx="1939367" cy="276999"/>
-          </a:xfrm>
-          <a:prstGeom prst="rect">
-            <a:avLst/>
-          </a:prstGeom>
-          <a:noFill/>
-        </p:spPr>
-        <p:txBody>
-          <a:bodyPr wrap="square" rtlCol="0">
-            <a:spAutoFit/>
-          </a:bodyPr>
-          <a:lstStyle/>
-          <a:p>
-            <a:r>
-              <a:rPr lang="es-MX" sz="1200" dirty="0" smtClean="0"/>
-              <a:t>Fecha  de Actualización:</a:t>
-            </a:r>
-            <a:endParaRPr lang="es-MX" sz="1200" dirty="0"/>
-          </a:p>
-        </p:txBody>
-      </p:sp>
-      <p:sp>
-        <p:nvSpPr>
-          <p:cNvPr id="58" name="CuadroTexto 57"/>
-          <p:cNvSpPr txBox="1"/>
-          <p:nvPr/>
-        </p:nvSpPr>
-        <p:spPr>
-          <a:xfrm>
-            <a:off x="9649264" y="790346"/>
-            <a:ext cx="1939367" cy="276999"/>
-          </a:xfrm>
-          <a:prstGeom prst="rect">
-            <a:avLst/>
-          </a:prstGeom>
-          <a:noFill/>
-        </p:spPr>
-        <p:txBody>
-          <a:bodyPr wrap="square" rtlCol="0">
-            <a:spAutoFit/>
-          </a:bodyPr>
-          <a:lstStyle/>
-          <a:p>
-            <a:r>
-              <a:rPr lang="es-MX" sz="1200" dirty="0" smtClean="0"/>
-              <a:t>Estado:</a:t>
-            </a:r>
-            <a:endParaRPr lang="es-MX" sz="1200" dirty="0"/>
-          </a:p>
-        </p:txBody>
-      </p:sp>
-      <p:sp>
-        <p:nvSpPr>
-          <p:cNvPr id="60" name="CuadroTexto 59"/>
-          <p:cNvSpPr txBox="1"/>
-          <p:nvPr/>
-        </p:nvSpPr>
-        <p:spPr>
-          <a:xfrm>
-            <a:off x="8012775" y="769476"/>
-            <a:ext cx="1939367" cy="276999"/>
-          </a:xfrm>
-          <a:prstGeom prst="rect">
-            <a:avLst/>
-          </a:prstGeom>
-          <a:noFill/>
-        </p:spPr>
-        <p:txBody>
-          <a:bodyPr wrap="square" rtlCol="0">
-            <a:spAutoFit/>
-          </a:bodyPr>
-          <a:lstStyle/>
-          <a:p>
-            <a:r>
-              <a:rPr lang="es-MX" sz="1200" dirty="0" smtClean="0"/>
-              <a:t>Días Transcurridos:</a:t>
-            </a:r>
-            <a:endParaRPr lang="es-MX" sz="1200" dirty="0"/>
-          </a:p>
-        </p:txBody>
-      </p:sp>
-      <p:sp>
-        <p:nvSpPr>
-          <p:cNvPr id="61" name="CuadroTexto 60"/>
-          <p:cNvSpPr txBox="1"/>
-          <p:nvPr/>
-        </p:nvSpPr>
-        <p:spPr>
-          <a:xfrm>
-            <a:off x="3681551" y="781740"/>
-            <a:ext cx="1939367" cy="276999"/>
-          </a:xfrm>
-          <a:prstGeom prst="rect">
-            <a:avLst/>
-          </a:prstGeom>
-          <a:noFill/>
-        </p:spPr>
-        <p:txBody>
-          <a:bodyPr wrap="square" rtlCol="0">
-            <a:spAutoFit/>
-          </a:bodyPr>
-          <a:lstStyle/>
-          <a:p>
-            <a:r>
-              <a:rPr lang="es-MX" sz="1200" dirty="0" smtClean="0"/>
-              <a:t>Fecha de consulta 32D  :</a:t>
-            </a:r>
-            <a:endParaRPr lang="es-MX" sz="1200" dirty="0"/>
-          </a:p>
-        </p:txBody>
-      </p:sp>
-      <p:sp>
-        <p:nvSpPr>
-          <p:cNvPr id="62" name="CuadroTexto 61"/>
-          <p:cNvSpPr txBox="1"/>
-          <p:nvPr/>
-        </p:nvSpPr>
-        <p:spPr>
-          <a:xfrm>
-            <a:off x="5809089" y="790347"/>
-            <a:ext cx="1939367" cy="276999"/>
-          </a:xfrm>
-          <a:prstGeom prst="rect">
-            <a:avLst/>
-          </a:prstGeom>
-          <a:noFill/>
-        </p:spPr>
-        <p:txBody>
-          <a:bodyPr wrap="square" rtlCol="0">
-            <a:spAutoFit/>
-          </a:bodyPr>
-          <a:lstStyle/>
-          <a:p>
-            <a:r>
-              <a:rPr lang="es-MX" sz="1200" dirty="0" smtClean="0"/>
-              <a:t>Resultado de consulta 32D :</a:t>
-            </a:r>
-            <a:endParaRPr lang="es-MX" sz="1200" dirty="0"/>
-          </a:p>
-        </p:txBody>
-      </p:sp>
-      <p:sp>
-        <p:nvSpPr>
-          <p:cNvPr id="63" name="Rectángulo 62"/>
-          <p:cNvSpPr/>
-          <p:nvPr/>
-        </p:nvSpPr>
-        <p:spPr>
-          <a:xfrm>
-            <a:off x="6169283" y="1172316"/>
-            <a:ext cx="1543458" cy="304861"/>
-          </a:xfrm>
-          <a:prstGeom prst="rect">
-            <a:avLst/>
-          </a:prstGeom>
-          <a:solidFill>
-            <a:schemeClr val="bg1">
-              <a:lumMod val="85000"/>
-            </a:schemeClr>
-          </a:solidFill>
-        </p:spPr>
-        <p:style>
-          <a:lnRef idx="2">
-            <a:schemeClr val="accent1">
-              <a:shade val="50000"/>
-            </a:schemeClr>
-          </a:lnRef>
-          <a:fillRef idx="1">
-            <a:schemeClr val="accent1"/>
-          </a:fillRef>
-          <a:effectRef idx="0">
-            <a:schemeClr val="accent1"/>
-          </a:effectRef>
-          <a:fontRef idx="minor">
-            <a:schemeClr val="lt1"/>
-          </a:fontRef>
-        </p:style>
-        <p:txBody>
-          <a:bodyPr rtlCol="0" anchor="ctr"/>
-          <a:lstStyle/>
-          <a:p>
-            <a:r>
-              <a:rPr lang="es-MX" sz="1200" dirty="0" smtClean="0">
-                <a:solidFill>
-                  <a:schemeClr val="tx1"/>
-                </a:solidFill>
-              </a:rPr>
-              <a:t>Dictamen Jurídico </a:t>
-            </a:r>
-            <a:endParaRPr lang="es-MX" sz="1200" dirty="0">
-              <a:solidFill>
-                <a:schemeClr val="tx1"/>
-              </a:solidFill>
-            </a:endParaRPr>
-          </a:p>
-        </p:txBody>
-      </p:sp>
-      <p:sp>
-        <p:nvSpPr>
-          <p:cNvPr id="56" name="CuadroTexto 55"/>
-          <p:cNvSpPr txBox="1"/>
-          <p:nvPr/>
-        </p:nvSpPr>
-        <p:spPr>
-          <a:xfrm>
-            <a:off x="124643" y="4774740"/>
-            <a:ext cx="3082834" cy="276999"/>
-          </a:xfrm>
-          <a:prstGeom prst="rect">
-            <a:avLst/>
-          </a:prstGeom>
-          <a:noFill/>
-        </p:spPr>
-        <p:txBody>
-          <a:bodyPr wrap="square" rtlCol="0">
-            <a:spAutoFit/>
-          </a:bodyPr>
-          <a:lstStyle/>
-          <a:p>
-            <a:r>
-              <a:rPr lang="es-MX" sz="1200" dirty="0"/>
-              <a:t>*</a:t>
-            </a:r>
-            <a:r>
-              <a:rPr lang="es-MX" sz="1200" dirty="0" smtClean="0"/>
-              <a:t>Monto de capital  </a:t>
-            </a:r>
-            <a:r>
-              <a:rPr lang="es-MX" sz="1200" dirty="0"/>
-              <a:t>s</a:t>
-            </a:r>
-            <a:r>
-              <a:rPr lang="es-MX" sz="1200" dirty="0" smtClean="0"/>
-              <a:t>ocial </a:t>
-            </a:r>
-            <a:r>
-              <a:rPr lang="es-MX" sz="1200" dirty="0"/>
-              <a:t>p</a:t>
-            </a:r>
-            <a:r>
-              <a:rPr lang="es-MX" sz="1200" dirty="0" smtClean="0"/>
-              <a:t>agado </a:t>
-            </a:r>
-            <a:endParaRPr lang="es-MX" sz="1200" dirty="0"/>
-          </a:p>
-        </p:txBody>
-      </p:sp>
-      <p:sp>
-        <p:nvSpPr>
-          <p:cNvPr id="64" name="Rectángulo 63"/>
-          <p:cNvSpPr/>
-          <p:nvPr/>
-        </p:nvSpPr>
-        <p:spPr>
-          <a:xfrm>
-            <a:off x="2587112" y="4749939"/>
-            <a:ext cx="1844151" cy="298416"/>
-          </a:xfrm>
-          <a:prstGeom prst="rect">
-            <a:avLst/>
-          </a:prstGeom>
-          <a:solidFill>
-            <a:schemeClr val="bg1">
-              <a:lumMod val="85000"/>
-            </a:schemeClr>
-          </a:solidFill>
-          <a:ln>
-            <a:solidFill>
-              <a:schemeClr val="tx1"/>
-            </a:solidFill>
-          </a:ln>
-        </p:spPr>
-        <p:style>
-          <a:lnRef idx="2">
-            <a:schemeClr val="accent1">
-              <a:shade val="50000"/>
-            </a:schemeClr>
-          </a:lnRef>
-          <a:fillRef idx="1">
-            <a:schemeClr val="accent1"/>
-          </a:fillRef>
-          <a:effectRef idx="0">
-            <a:schemeClr val="accent1"/>
-          </a:effectRef>
-          <a:fontRef idx="minor">
-            <a:schemeClr val="lt1"/>
-          </a:fontRef>
-        </p:style>
-        <p:txBody>
-          <a:bodyPr rtlCol="0" anchor="ctr"/>
-          <a:lstStyle/>
-          <a:p>
-            <a:pPr algn="ctr"/>
-            <a:endParaRPr lang="es-MX"/>
-          </a:p>
-        </p:txBody>
-      </p:sp>
-      <p:sp>
-        <p:nvSpPr>
           <p:cNvPr id="65" name="Rectángulo 64"/>
           <p:cNvSpPr/>
           <p:nvPr/>
         </p:nvSpPr>
         <p:spPr>
           <a:xfrm>
-            <a:off x="2587112" y="4750317"/>
+            <a:off x="2587112" y="4182278"/>
             <a:ext cx="248195" cy="298038"/>
           </a:xfrm>
           <a:prstGeom prst="rect">
@@ -21705,7 +21575,7 @@
         </p:nvSpPr>
         <p:spPr>
           <a:xfrm>
-            <a:off x="7772520" y="1172316"/>
+            <a:off x="9559757" y="1172316"/>
             <a:ext cx="1219081" cy="304861"/>
           </a:xfrm>
           <a:prstGeom prst="rect">
@@ -21761,7 +21631,7 @@
         </p:nvSpPr>
         <p:spPr>
           <a:xfrm>
-            <a:off x="9051382" y="1172316"/>
+            <a:off x="10838619" y="1172316"/>
             <a:ext cx="1081856" cy="304861"/>
           </a:xfrm>
           <a:prstGeom prst="rect">
@@ -21817,7 +21687,7 @@
         </p:nvSpPr>
         <p:spPr>
           <a:xfrm>
-            <a:off x="4592213" y="1173954"/>
+            <a:off x="6379450" y="1173954"/>
             <a:ext cx="1531495" cy="291321"/>
           </a:xfrm>
           <a:prstGeom prst="rect">
@@ -21856,6 +21726,62 @@
                 </a:solidFill>
               </a:rPr>
               <a:t>Pruebas y alegatos</a:t>
+            </a:r>
+            <a:endParaRPr lang="es-MX" sz="1200" dirty="0">
+              <a:solidFill>
+                <a:schemeClr val="tx1"/>
+              </a:solidFill>
+            </a:endParaRPr>
+          </a:p>
+        </p:txBody>
+      </p:sp>
+      <p:sp>
+        <p:nvSpPr>
+          <p:cNvPr id="68" name="Rectángulo 67"/>
+          <p:cNvSpPr/>
+          <p:nvPr/>
+        </p:nvSpPr>
+        <p:spPr>
+          <a:xfrm>
+            <a:off x="4601406" y="1173954"/>
+            <a:ext cx="1718618" cy="307163"/>
+          </a:xfrm>
+          <a:prstGeom prst="rect">
+            <a:avLst/>
+          </a:prstGeom>
+          <a:solidFill>
+            <a:schemeClr val="bg1">
+              <a:lumMod val="85000"/>
+            </a:schemeClr>
+          </a:solidFill>
+        </p:spPr>
+        <p:style>
+          <a:lnRef idx="2">
+            <a:schemeClr val="accent1">
+              <a:shade val="50000"/>
+            </a:schemeClr>
+          </a:lnRef>
+          <a:fillRef idx="1">
+            <a:schemeClr val="accent1"/>
+          </a:fillRef>
+          <a:effectRef idx="0">
+            <a:schemeClr val="accent1"/>
+          </a:effectRef>
+          <a:fontRef idx="minor">
+            <a:schemeClr val="lt1"/>
+          </a:fontRef>
+        </p:style>
+        <p:txBody>
+          <a:bodyPr rtlCol="0" anchor="ctr"/>
+          <a:lstStyle/>
+          <a:p>
+            <a:r>
+              <a:rPr lang="es-MX" sz="1200" dirty="0" smtClean="0">
+                <a:solidFill>
+                  <a:schemeClr val="tx1"/>
+                </a:solidFill>
+              </a:rPr>
+              <a:t>Emisión de Actualización </a:t>
             </a:r>
             <a:endParaRPr lang="es-MX" sz="1200" dirty="0">
               <a:solidFill>
@@ -23921,7 +23847,7 @@
     <p:controls>
       <mc:AlternateContent xmlns:mc="http://schemas.openxmlformats.org/markup-compatibility/2006">
         <mc:Choice xmlns:v="urn:schemas-microsoft-com:vml" Requires="v">
-          <p:control spid="18542" name="ComboBox1" r:id="rId2" imgW="1380960" imgH="285840"/>
+          <p:control spid="18551" name="ComboBox1" r:id="rId2" imgW="1380960" imgH="285840"/>
         </mc:Choice>
         <mc:Fallback>
           <p:control name="ComboBox1" r:id="rId2" imgW="1380960" imgH="285840">
@@ -23954,7 +23880,7 @@
       </mc:AlternateContent>
       <mc:AlternateContent xmlns:mc="http://schemas.openxmlformats.org/markup-compatibility/2006">
         <mc:Choice xmlns:v="urn:schemas-microsoft-com:vml" Requires="v">
-          <p:control spid="18543" name="ListBox2" r:id="rId3" imgW="2085840" imgH="295200"/>
+          <p:control spid="18552" name="ListBox2" r:id="rId3" imgW="2085840" imgH="295200"/>
         </mc:Choice>
         <mc:Fallback>
           <p:control name="ListBox2" r:id="rId3" imgW="2085840" imgH="295200">
@@ -23987,7 +23913,7 @@
       </mc:AlternateContent>
       <mc:AlternateContent xmlns:mc="http://schemas.openxmlformats.org/markup-compatibility/2006">
         <mc:Choice xmlns:v="urn:schemas-microsoft-com:vml" Requires="v">
-          <p:control spid="18544" name="ComboBox3" r:id="rId4" imgW="1628640" imgH="371520"/>
+          <p:control spid="18553" name="ComboBox3" r:id="rId4" imgW="1628640" imgH="371520"/>
         </mc:Choice>
         <mc:Fallback>
           <p:control name="ComboBox3" r:id="rId4" imgW="1628640" imgH="371520">
@@ -25835,7 +25761,7 @@
     <p:controls>
       <mc:AlternateContent xmlns:mc="http://schemas.openxmlformats.org/markup-compatibility/2006">
         <mc:Choice xmlns:v="urn:schemas-microsoft-com:vml" Requires="v">
-          <p:control spid="19532" name="ListBox1" r:id="rId2" imgW="11420640" imgH="666720"/>
+          <p:control spid="19538" name="ListBox1" r:id="rId2" imgW="11420640" imgH="666720"/>
         </mc:Choice>
         <mc:Fallback>
           <p:control name="ListBox1" r:id="rId2" imgW="11420640" imgH="666720">
@@ -25868,7 +25794,7 @@
       </mc:AlternateContent>
       <mc:AlternateContent xmlns:mc="http://schemas.openxmlformats.org/markup-compatibility/2006">
         <mc:Choice xmlns:v="urn:schemas-microsoft-com:vml" Requires="v">
-          <p:control spid="19533" name="ListBox7" r:id="rId3" imgW="2523960" imgH="247680"/>
+          <p:control spid="19539" name="ListBox7" r:id="rId3" imgW="2523960" imgH="247680"/>
         </mc:Choice>
         <mc:Fallback>
           <p:control name="ListBox7" r:id="rId3" imgW="2523960" imgH="247680">
@@ -27127,7 +27053,7 @@
     <p:controls>
       <mc:AlternateContent xmlns:mc="http://schemas.openxmlformats.org/markup-compatibility/2006">
         <mc:Choice xmlns:v="urn:schemas-microsoft-com:vml" Requires="v">
-          <p:control spid="20593" name="ListBox2" r:id="rId2" imgW="11430000" imgH="380880"/>
+          <p:control spid="20602" name="ListBox2" r:id="rId2" imgW="11430000" imgH="380880"/>
         </mc:Choice>
         <mc:Fallback>
           <p:control name="ListBox2" r:id="rId2" imgW="11430000" imgH="380880">
@@ -27160,7 +27086,7 @@
       </mc:AlternateContent>
       <mc:AlternateContent xmlns:mc="http://schemas.openxmlformats.org/markup-compatibility/2006">
         <mc:Choice xmlns:v="urn:schemas-microsoft-com:vml" Requires="v">
-          <p:control spid="20594" name="ListBox3" r:id="rId3" imgW="10572840" imgH="504720"/>
+          <p:control spid="20603" name="ListBox3" r:id="rId3" imgW="10572840" imgH="504720"/>
         </mc:Choice>
         <mc:Fallback>
           <p:control name="ListBox3" r:id="rId3" imgW="10572840" imgH="504720">
@@ -27193,7 +27119,7 @@
       </mc:AlternateContent>
       <mc:AlternateContent xmlns:mc="http://schemas.openxmlformats.org/markup-compatibility/2006">
         <mc:Choice xmlns:v="urn:schemas-microsoft-com:vml" Requires="v">
-          <p:control spid="20595" name="ListBox1" r:id="rId4" imgW="10572840" imgH="581040"/>
+          <p:control spid="20604" name="ListBox1" r:id="rId4" imgW="10572840" imgH="581040"/>
         </mc:Choice>
         <mc:Fallback>
           <p:control name="ListBox1" r:id="rId4" imgW="10572840" imgH="581040">
@@ -30856,7 +30782,7 @@
     <p:controls>
       <mc:AlternateContent xmlns:mc="http://schemas.openxmlformats.org/markup-compatibility/2006">
         <mc:Choice xmlns:v="urn:schemas-microsoft-com:vml" Requires="v">
-          <p:control spid="21542" name="ComboBox1" r:id="rId2" imgW="2390760" imgH="304920"/>
+          <p:control spid="21545" name="ComboBox1" r:id="rId2" imgW="2390760" imgH="304920"/>
         </mc:Choice>
         <mc:Fallback>
           <p:control name="ComboBox1" r:id="rId2" imgW="2390760" imgH="304920">
@@ -32867,7 +32793,7 @@
     <p:controls>
       <mc:AlternateContent xmlns:mc="http://schemas.openxmlformats.org/markup-compatibility/2006">
         <mc:Choice xmlns:v="urn:schemas-microsoft-com:vml" Requires="v">
-          <p:control spid="23596" name="ComboBox1" r:id="rId2" imgW="1514520" imgH="314280"/>
+          <p:control spid="23605" name="ComboBox1" r:id="rId2" imgW="1514520" imgH="314280"/>
         </mc:Choice>
         <mc:Fallback>
           <p:control name="ComboBox1" r:id="rId2" imgW="1514520" imgH="314280">
@@ -32900,7 +32826,7 @@
       </mc:AlternateContent>
       <mc:AlternateContent xmlns:mc="http://schemas.openxmlformats.org/markup-compatibility/2006">
         <mc:Choice xmlns:v="urn:schemas-microsoft-com:vml" Requires="v">
-          <p:control spid="23597" name="ListBox2" r:id="rId3" imgW="2085840" imgH="295200"/>
+          <p:control spid="23606" name="ListBox2" r:id="rId3" imgW="2085840" imgH="295200"/>
         </mc:Choice>
         <mc:Fallback>
           <p:control name="ListBox2" r:id="rId3" imgW="2085840" imgH="295200">
@@ -32933,7 +32859,7 @@
       </mc:AlternateContent>
       <mc:AlternateContent xmlns:mc="http://schemas.openxmlformats.org/markup-compatibility/2006">
         <mc:Choice xmlns:v="urn:schemas-microsoft-com:vml" Requires="v">
-          <p:control spid="23598" name="ComboBox3" r:id="rId4" imgW="1628640" imgH="371520"/>
+          <p:control spid="23607" name="ComboBox3" r:id="rId4" imgW="1628640" imgH="371520"/>
         </mc:Choice>
         <mc:Fallback>
           <p:control name="ComboBox3" r:id="rId4" imgW="1628640" imgH="371520">
@@ -36669,7 +36595,7 @@
     <p:controls>
       <mc:AlternateContent xmlns:mc="http://schemas.openxmlformats.org/markup-compatibility/2006">
         <mc:Choice xmlns:v="urn:schemas-microsoft-com:vml" Requires="v">
-          <p:control spid="24592" name="ComboBox1" r:id="rId2" imgW="2457360" imgH="304920"/>
+          <p:control spid="24595" name="ComboBox1" r:id="rId2" imgW="2457360" imgH="304920"/>
         </mc:Choice>
         <mc:Fallback>
           <p:control name="ComboBox1" r:id="rId2" imgW="2457360" imgH="304920">
@@ -37514,11 +37440,6 @@
               </a:rPr>
               <a:t>Respuesta a la prevención de actualización </a:t>
             </a:r>
-            <a:endParaRPr lang="es-MX" sz="1200" dirty="0">
-              <a:solidFill>
-                <a:prstClr val="black"/>
-              </a:solidFill>
-            </a:endParaRPr>
           </a:p>
         </p:txBody>
       </p:sp>
@@ -38154,7 +38075,7 @@
     <p:controls>
       <mc:AlternateContent xmlns:mc="http://schemas.openxmlformats.org/markup-compatibility/2006">
         <mc:Choice xmlns:v="urn:schemas-microsoft-com:vml" Requires="v">
-          <p:control spid="5368" name="ListBox3" r:id="rId2" imgW="11420640" imgH="457200"/>
+          <p:control spid="5386" name="ListBox3" r:id="rId2" imgW="11420640" imgH="457200"/>
         </mc:Choice>
         <mc:Fallback>
           <p:control name="ListBox3" r:id="rId2" imgW="11420640" imgH="457200">
@@ -38187,7 +38108,7 @@
       </mc:AlternateContent>
       <mc:AlternateContent xmlns:mc="http://schemas.openxmlformats.org/markup-compatibility/2006">
         <mc:Choice xmlns:v="urn:schemas-microsoft-com:vml" Requires="v">
-          <p:control spid="5369" name="ListBox5" r:id="rId3" imgW="2685960" imgH="276120"/>
+          <p:control spid="5387" name="ListBox5" r:id="rId3" imgW="2685960" imgH="276120"/>
         </mc:Choice>
         <mc:Fallback>
           <p:control name="ListBox5" r:id="rId3" imgW="2685960" imgH="276120">
@@ -38220,7 +38141,7 @@
       </mc:AlternateContent>
       <mc:AlternateContent xmlns:mc="http://schemas.openxmlformats.org/markup-compatibility/2006">
         <mc:Choice xmlns:v="urn:schemas-microsoft-com:vml" Requires="v">
-          <p:control spid="5370" name="ListBox6" r:id="rId4" imgW="2523960" imgH="276120"/>
+          <p:control spid="5388" name="ListBox6" r:id="rId4" imgW="2523960" imgH="276120"/>
         </mc:Choice>
         <mc:Fallback>
           <p:control name="ListBox6" r:id="rId4" imgW="2523960" imgH="276120">
@@ -38253,7 +38174,7 @@
       </mc:AlternateContent>
       <mc:AlternateContent xmlns:mc="http://schemas.openxmlformats.org/markup-compatibility/2006">
         <mc:Choice xmlns:v="urn:schemas-microsoft-com:vml" Requires="v">
-          <p:control spid="5371" name="ListBox7" r:id="rId5" imgW="2523960" imgH="276120"/>
+          <p:control spid="5389" name="ListBox7" r:id="rId5" imgW="2523960" imgH="276120"/>
         </mc:Choice>
         <mc:Fallback>
           <p:control name="ListBox7" r:id="rId5" imgW="2523960" imgH="276120">
@@ -38286,7 +38207,7 @@
       </mc:AlternateContent>
       <mc:AlternateContent xmlns:mc="http://schemas.openxmlformats.org/markup-compatibility/2006">
         <mc:Choice xmlns:v="urn:schemas-microsoft-com:vml" Requires="v">
-          <p:control spid="5372" name="ListBox8" r:id="rId6" imgW="2705040" imgH="276120"/>
+          <p:control spid="5390" name="ListBox8" r:id="rId6" imgW="2705040" imgH="276120"/>
         </mc:Choice>
         <mc:Fallback>
           <p:control name="ListBox8" r:id="rId6" imgW="2705040" imgH="276120">
@@ -38319,7 +38240,7 @@
       </mc:AlternateContent>
       <mc:AlternateContent xmlns:mc="http://schemas.openxmlformats.org/markup-compatibility/2006">
         <mc:Choice xmlns:v="urn:schemas-microsoft-com:vml" Requires="v">
-          <p:control spid="5373" name="ListBox1" r:id="rId7" imgW="11420640" imgH="457200"/>
+          <p:control spid="5391" name="ListBox1" r:id="rId7" imgW="11420640" imgH="457200"/>
         </mc:Choice>
         <mc:Fallback>
           <p:control name="ListBox1" r:id="rId7" imgW="11420640" imgH="457200">
@@ -42437,7 +42358,7 @@
     <p:controls>
       <mc:AlternateContent xmlns:mc="http://schemas.openxmlformats.org/markup-compatibility/2006">
         <mc:Choice xmlns:v="urn:schemas-microsoft-com:vml" Requires="v">
-          <p:control spid="25644" name="ComboBox1" r:id="rId2" imgW="1514520" imgH="314280"/>
+          <p:control spid="25653" name="ComboBox1" r:id="rId2" imgW="1514520" imgH="314280"/>
         </mc:Choice>
         <mc:Fallback>
           <p:control name="ComboBox1" r:id="rId2" imgW="1514520" imgH="314280">
@@ -42470,7 +42391,7 @@
       </mc:AlternateContent>
       <mc:AlternateContent xmlns:mc="http://schemas.openxmlformats.org/markup-compatibility/2006">
         <mc:Choice xmlns:v="urn:schemas-microsoft-com:vml" Requires="v">
-          <p:control spid="25645" name="ListBox2" r:id="rId3" imgW="2085840" imgH="295200"/>
+          <p:control spid="25654" name="ListBox2" r:id="rId3" imgW="2085840" imgH="295200"/>
         </mc:Choice>
         <mc:Fallback>
           <p:control name="ListBox2" r:id="rId3" imgW="2085840" imgH="295200">
@@ -42503,7 +42424,7 @@
       </mc:AlternateContent>
       <mc:AlternateContent xmlns:mc="http://schemas.openxmlformats.org/markup-compatibility/2006">
         <mc:Choice xmlns:v="urn:schemas-microsoft-com:vml" Requires="v">
-          <p:control spid="25646" name="ComboBox3" r:id="rId4" imgW="1628640" imgH="371520"/>
+          <p:control spid="25655" name="ComboBox3" r:id="rId4" imgW="1628640" imgH="371520"/>
         </mc:Choice>
         <mc:Fallback>
           <p:control name="ComboBox3" r:id="rId4" imgW="1628640" imgH="371520">
@@ -44056,7 +43977,7 @@
     <p:controls>
       <mc:AlternateContent xmlns:mc="http://schemas.openxmlformats.org/markup-compatibility/2006">
         <mc:Choice xmlns:v="urn:schemas-microsoft-com:vml" Requires="v">
-          <p:control spid="26668" name="ComboBox1" r:id="rId2" imgW="1514520" imgH="314280"/>
+          <p:control spid="26677" name="ComboBox1" r:id="rId2" imgW="1514520" imgH="314280"/>
         </mc:Choice>
         <mc:Fallback>
           <p:control name="ComboBox1" r:id="rId2" imgW="1514520" imgH="314280">
@@ -44089,7 +44010,7 @@
       </mc:AlternateContent>
       <mc:AlternateContent xmlns:mc="http://schemas.openxmlformats.org/markup-compatibility/2006">
         <mc:Choice xmlns:v="urn:schemas-microsoft-com:vml" Requires="v">
-          <p:control spid="26669" name="ListBox2" r:id="rId3" imgW="2085840" imgH="295200"/>
+          <p:control spid="26678" name="ListBox2" r:id="rId3" imgW="2085840" imgH="295200"/>
         </mc:Choice>
         <mc:Fallback>
           <p:control name="ListBox2" r:id="rId3" imgW="2085840" imgH="295200">
@@ -44122,7 +44043,7 @@
       </mc:AlternateContent>
       <mc:AlternateContent xmlns:mc="http://schemas.openxmlformats.org/markup-compatibility/2006">
         <mc:Choice xmlns:v="urn:schemas-microsoft-com:vml" Requires="v">
-          <p:control spid="26670" name="ComboBox3" r:id="rId4" imgW="1628640" imgH="371520"/>
+          <p:control spid="26679" name="ComboBox3" r:id="rId4" imgW="1628640" imgH="371520"/>
         </mc:Choice>
         <mc:Fallback>
           <p:control name="ComboBox3" r:id="rId4" imgW="1628640" imgH="371520">
@@ -45228,7 +45149,7 @@
     <p:controls>
       <mc:AlternateContent xmlns:mc="http://schemas.openxmlformats.org/markup-compatibility/2006">
         <mc:Choice xmlns:v="urn:schemas-microsoft-com:vml" Requires="v">
-          <p:control spid="27720" name="ListBox3" r:id="rId2" imgW="11420640" imgH="457200"/>
+          <p:control spid="27735" name="ListBox3" r:id="rId2" imgW="11420640" imgH="457200"/>
         </mc:Choice>
         <mc:Fallback>
           <p:control name="ListBox3" r:id="rId2" imgW="11420640" imgH="457200">
@@ -45261,7 +45182,7 @@
       </mc:AlternateContent>
       <mc:AlternateContent xmlns:mc="http://schemas.openxmlformats.org/markup-compatibility/2006">
         <mc:Choice xmlns:v="urn:schemas-microsoft-com:vml" Requires="v">
-          <p:control spid="27721" name="ListBox5" r:id="rId3" imgW="2685960" imgH="276120"/>
+          <p:control spid="27736" name="ListBox5" r:id="rId3" imgW="2685960" imgH="276120"/>
         </mc:Choice>
         <mc:Fallback>
           <p:control name="ListBox5" r:id="rId3" imgW="2685960" imgH="276120">
@@ -45294,7 +45215,7 @@
       </mc:AlternateContent>
       <mc:AlternateContent xmlns:mc="http://schemas.openxmlformats.org/markup-compatibility/2006">
         <mc:Choice xmlns:v="urn:schemas-microsoft-com:vml" Requires="v">
-          <p:control spid="27722" name="ListBox6" r:id="rId4" imgW="2523960" imgH="276120"/>
+          <p:control spid="27737" name="ListBox6" r:id="rId4" imgW="2523960" imgH="276120"/>
         </mc:Choice>
         <mc:Fallback>
           <p:control name="ListBox6" r:id="rId4" imgW="2523960" imgH="276120">
@@ -45327,7 +45248,7 @@
       </mc:AlternateContent>
       <mc:AlternateContent xmlns:mc="http://schemas.openxmlformats.org/markup-compatibility/2006">
         <mc:Choice xmlns:v="urn:schemas-microsoft-com:vml" Requires="v">
-          <p:control spid="27723" name="ListBox7" r:id="rId5" imgW="2523960" imgH="276120"/>
+          <p:control spid="27738" name="ListBox7" r:id="rId5" imgW="2523960" imgH="276120"/>
         </mc:Choice>
         <mc:Fallback>
           <p:control name="ListBox7" r:id="rId5" imgW="2523960" imgH="276120">
@@ -45360,7 +45281,7 @@
       </mc:AlternateContent>
       <mc:AlternateContent xmlns:mc="http://schemas.openxmlformats.org/markup-compatibility/2006">
         <mc:Choice xmlns:v="urn:schemas-microsoft-com:vml" Requires="v">
-          <p:control spid="27724" name="ListBox8" r:id="rId6" imgW="2685960" imgH="276120"/>
+          <p:control spid="27739" name="ListBox8" r:id="rId6" imgW="2685960" imgH="276120"/>
         </mc:Choice>
         <mc:Fallback>
           <p:control name="ListBox8" r:id="rId6" imgW="2685960" imgH="276120">
@@ -48075,7 +47996,7 @@
     <p:controls>
       <mc:AlternateContent xmlns:mc="http://schemas.openxmlformats.org/markup-compatibility/2006">
         <mc:Choice xmlns:v="urn:schemas-microsoft-com:vml" Requires="v">
-          <p:control spid="28688" name="ComboBox1" r:id="rId2" imgW="2362320" imgH="209520"/>
+          <p:control spid="28691" name="ComboBox1" r:id="rId2" imgW="2362320" imgH="209520"/>
         </mc:Choice>
         <mc:Fallback>
           <p:control name="ComboBox1" r:id="rId2" imgW="2362320" imgH="209520">
@@ -50281,7 +50202,7 @@
     <p:controls>
       <mc:AlternateContent xmlns:mc="http://schemas.openxmlformats.org/markup-compatibility/2006">
         <mc:Choice xmlns:v="urn:schemas-microsoft-com:vml" Requires="v">
-          <p:control spid="29726" name="ListBox1" r:id="rId2" imgW="11420640" imgH="752400"/>
+          <p:control spid="29732" name="ListBox1" r:id="rId2" imgW="11420640" imgH="752400"/>
         </mc:Choice>
         <mc:Fallback>
           <p:control name="ListBox1" r:id="rId2" imgW="11420640" imgH="752400">
@@ -50314,7 +50235,7 @@
       </mc:AlternateContent>
       <mc:AlternateContent xmlns:mc="http://schemas.openxmlformats.org/markup-compatibility/2006">
         <mc:Choice xmlns:v="urn:schemas-microsoft-com:vml" Requires="v">
-          <p:control spid="29727" name="ListBox7" r:id="rId3" imgW="2523960" imgH="276120"/>
+          <p:control spid="29733" name="ListBox7" r:id="rId3" imgW="2523960" imgH="276120"/>
         </mc:Choice>
         <mc:Fallback>
           <p:control name="ListBox7" r:id="rId3" imgW="2523960" imgH="276120">
@@ -51404,7 +51325,7 @@
     <p:controls>
       <mc:AlternateContent xmlns:mc="http://schemas.openxmlformats.org/markup-compatibility/2006">
         <mc:Choice xmlns:v="urn:schemas-microsoft-com:vml" Requires="v">
-          <p:control spid="6274" name="ListBox2" r:id="rId2" imgW="2523960" imgH="276120"/>
+          <p:control spid="6286" name="ListBox2" r:id="rId2" imgW="2523960" imgH="276120"/>
         </mc:Choice>
         <mc:Fallback>
           <p:control name="ListBox2" r:id="rId2" imgW="2523960" imgH="276120">
@@ -51437,7 +51358,7 @@
       </mc:AlternateContent>
       <mc:AlternateContent xmlns:mc="http://schemas.openxmlformats.org/markup-compatibility/2006">
         <mc:Choice xmlns:v="urn:schemas-microsoft-com:vml" Requires="v">
-          <p:control spid="6275" name="ListBox4" r:id="rId3" imgW="2523960" imgH="276120"/>
+          <p:control spid="6287" name="ListBox4" r:id="rId3" imgW="2523960" imgH="276120"/>
         </mc:Choice>
         <mc:Fallback>
           <p:control name="ListBox4" r:id="rId3" imgW="2523960" imgH="276120">
@@ -51470,7 +51391,7 @@
       </mc:AlternateContent>
       <mc:AlternateContent xmlns:mc="http://schemas.openxmlformats.org/markup-compatibility/2006">
         <mc:Choice xmlns:v="urn:schemas-microsoft-com:vml" Requires="v">
-          <p:control spid="6276" name="ListBox5" r:id="rId4" imgW="2523960" imgH="276120"/>
+          <p:control spid="6288" name="ListBox5" r:id="rId4" imgW="2523960" imgH="276120"/>
         </mc:Choice>
         <mc:Fallback>
           <p:control name="ListBox5" r:id="rId4" imgW="2523960" imgH="276120">
@@ -51503,7 +51424,7 @@
       </mc:AlternateContent>
       <mc:AlternateContent xmlns:mc="http://schemas.openxmlformats.org/markup-compatibility/2006">
         <mc:Choice xmlns:v="urn:schemas-microsoft-com:vml" Requires="v">
-          <p:control spid="6277" name="ListBox1" r:id="rId5" imgW="2523960" imgH="276120"/>
+          <p:control spid="6289" name="ListBox1" r:id="rId5" imgW="2523960" imgH="276120"/>
         </mc:Choice>
         <mc:Fallback>
           <p:control name="ListBox1" r:id="rId5" imgW="2523960" imgH="276120">
@@ -53915,7 +53836,7 @@
     <p:controls>
       <mc:AlternateContent xmlns:mc="http://schemas.openxmlformats.org/markup-compatibility/2006">
         <mc:Choice xmlns:v="urn:schemas-microsoft-com:vml" Requires="v">
-          <p:control spid="30736" name="ComboBox1" r:id="rId2" imgW="2362320" imgH="209520"/>
+          <p:control spid="30739" name="ComboBox1" r:id="rId2" imgW="2362320" imgH="209520"/>
         </mc:Choice>
         <mc:Fallback>
           <p:control name="ComboBox1" r:id="rId2" imgW="2362320" imgH="209520">
@@ -55409,7 +55330,7 @@
     <p:controls>
       <mc:AlternateContent xmlns:mc="http://schemas.openxmlformats.org/markup-compatibility/2006">
         <mc:Choice xmlns:v="urn:schemas-microsoft-com:vml" Requires="v">
-          <p:control spid="7281" name="ComboBox1" r:id="rId2" imgW="1514520" imgH="314280"/>
+          <p:control spid="7290" name="ComboBox1" r:id="rId2" imgW="1514520" imgH="314280"/>
         </mc:Choice>
         <mc:Fallback>
           <p:control name="ComboBox1" r:id="rId2" imgW="1514520" imgH="314280">
@@ -55442,7 +55363,7 @@
       </mc:AlternateContent>
       <mc:AlternateContent xmlns:mc="http://schemas.openxmlformats.org/markup-compatibility/2006">
         <mc:Choice xmlns:v="urn:schemas-microsoft-com:vml" Requires="v">
-          <p:control spid="7282" name="ListBox2" r:id="rId3" imgW="2085840" imgH="295200"/>
+          <p:control spid="7291" name="ListBox2" r:id="rId3" imgW="2085840" imgH="295200"/>
         </mc:Choice>
         <mc:Fallback>
           <p:control name="ListBox2" r:id="rId3" imgW="2085840" imgH="295200">
@@ -55475,7 +55396,7 @@
       </mc:AlternateContent>
       <mc:AlternateContent xmlns:mc="http://schemas.openxmlformats.org/markup-compatibility/2006">
         <mc:Choice xmlns:v="urn:schemas-microsoft-com:vml" Requires="v">
-          <p:control spid="7283" name="ComboBox3" r:id="rId4" imgW="1628640" imgH="371520"/>
+          <p:control spid="7292" name="ComboBox3" r:id="rId4" imgW="1628640" imgH="371520"/>
         </mc:Choice>
         <mc:Fallback>
           <p:control name="ComboBox3" r:id="rId4" imgW="1628640" imgH="371520">
@@ -58873,7 +58794,7 @@
     <p:controls>
       <mc:AlternateContent xmlns:mc="http://schemas.openxmlformats.org/markup-compatibility/2006">
         <mc:Choice xmlns:v="urn:schemas-microsoft-com:vml" Requires="v">
-          <p:control spid="8305" name="ListBox2" r:id="rId2" imgW="11430000" imgH="333360"/>
+          <p:control spid="8314" name="ListBox2" r:id="rId2" imgW="11430000" imgH="333360"/>
         </mc:Choice>
         <mc:Fallback>
           <p:control name="ListBox2" r:id="rId2" imgW="11430000" imgH="333360">
@@ -58906,7 +58827,7 @@
       </mc:AlternateContent>
       <mc:AlternateContent xmlns:mc="http://schemas.openxmlformats.org/markup-compatibility/2006">
         <mc:Choice xmlns:v="urn:schemas-microsoft-com:vml" Requires="v">
-          <p:control spid="8306" name="ListBox3" r:id="rId3" imgW="10572840" imgH="514440"/>
+          <p:control spid="8315" name="ListBox3" r:id="rId3" imgW="10572840" imgH="514440"/>
         </mc:Choice>
         <mc:Fallback>
           <p:control name="ListBox3" r:id="rId3" imgW="10572840" imgH="514440">
@@ -58939,7 +58860,7 @@
       </mc:AlternateContent>
       <mc:AlternateContent xmlns:mc="http://schemas.openxmlformats.org/markup-compatibility/2006">
         <mc:Choice xmlns:v="urn:schemas-microsoft-com:vml" Requires="v">
-          <p:control spid="8307" name="ListBox1" r:id="rId4" imgW="10572840" imgH="638280"/>
+          <p:control spid="8316" name="ListBox1" r:id="rId4" imgW="10572840" imgH="638280"/>
         </mc:Choice>
         <mc:Fallback>
           <p:control name="ListBox1" r:id="rId4" imgW="10572840" imgH="638280">
@@ -61448,7 +61369,7 @@
     <p:controls>
       <mc:AlternateContent xmlns:mc="http://schemas.openxmlformats.org/markup-compatibility/2006">
         <mc:Choice xmlns:v="urn:schemas-microsoft-com:vml" Requires="v">
-          <p:control spid="9329" name="ComboBox1" r:id="rId2" imgW="1514520" imgH="314280"/>
+          <p:control spid="9338" name="ComboBox1" r:id="rId2" imgW="1514520" imgH="314280"/>
         </mc:Choice>
         <mc:Fallback>
           <p:control name="ComboBox1" r:id="rId2" imgW="1514520" imgH="314280">
@@ -61481,7 +61402,7 @@
       </mc:AlternateContent>
       <mc:AlternateContent xmlns:mc="http://schemas.openxmlformats.org/markup-compatibility/2006">
         <mc:Choice xmlns:v="urn:schemas-microsoft-com:vml" Requires="v">
-          <p:control spid="9330" name="ListBox2" r:id="rId3" imgW="2085840" imgH="295200"/>
+          <p:control spid="9339" name="ListBox2" r:id="rId3" imgW="2085840" imgH="295200"/>
         </mc:Choice>
         <mc:Fallback>
           <p:control name="ListBox2" r:id="rId3" imgW="2085840" imgH="295200">
@@ -61514,7 +61435,7 @@
       </mc:AlternateContent>
       <mc:AlternateContent xmlns:mc="http://schemas.openxmlformats.org/markup-compatibility/2006">
         <mc:Choice xmlns:v="urn:schemas-microsoft-com:vml" Requires="v">
-          <p:control spid="9331" name="ComboBox3" r:id="rId4" imgW="1628640" imgH="371520"/>
+          <p:control spid="9340" name="ComboBox3" r:id="rId4" imgW="1628640" imgH="371520"/>
         </mc:Choice>
         <mc:Fallback>
           <p:control name="ComboBox3" r:id="rId4" imgW="1628640" imgH="371520">

--- a/TAF 092019/Cancelación.pptx
+++ b/TAF 092019/Cancelación.pptx
@@ -632,7 +632,7 @@
           <a:p>
             <a:fld id="{F82F63F0-32AF-43BC-AA99-8D41706238CB}" type="datetimeFigureOut">
               <a:rPr lang="es-MX" smtClean="0"/>
-              <a:t>04/10/2019</a:t>
+              <a:t>07/10/2019</a:t>
             </a:fld>
             <a:endParaRPr lang="es-MX"/>
           </a:p>
@@ -1115,7 +1115,7 @@
           <a:p>
             <a:fld id="{2A6247F6-0F2C-4C0B-AB48-D2CBB26B21B0}" type="datetimeFigureOut">
               <a:rPr lang="en-US" smtClean="0"/>
-              <a:t>10/4/2019</a:t>
+              <a:t>10/7/2019</a:t>
             </a:fld>
             <a:endParaRPr lang="en-US"/>
           </a:p>
@@ -1285,7 +1285,7 @@
           <a:p>
             <a:fld id="{2A6247F6-0F2C-4C0B-AB48-D2CBB26B21B0}" type="datetimeFigureOut">
               <a:rPr lang="en-US" smtClean="0"/>
-              <a:t>10/4/2019</a:t>
+              <a:t>10/7/2019</a:t>
             </a:fld>
             <a:endParaRPr lang="en-US"/>
           </a:p>
@@ -1465,7 +1465,7 @@
           <a:p>
             <a:fld id="{2A6247F6-0F2C-4C0B-AB48-D2CBB26B21B0}" type="datetimeFigureOut">
               <a:rPr lang="en-US" smtClean="0"/>
-              <a:t>10/4/2019</a:t>
+              <a:t>10/7/2019</a:t>
             </a:fld>
             <a:endParaRPr lang="en-US"/>
           </a:p>
@@ -1635,7 +1635,7 @@
           <a:p>
             <a:fld id="{2A6247F6-0F2C-4C0B-AB48-D2CBB26B21B0}" type="datetimeFigureOut">
               <a:rPr lang="en-US" smtClean="0"/>
-              <a:t>10/4/2019</a:t>
+              <a:t>10/7/2019</a:t>
             </a:fld>
             <a:endParaRPr lang="en-US"/>
           </a:p>
@@ -1881,7 +1881,7 @@
           <a:p>
             <a:fld id="{2A6247F6-0F2C-4C0B-AB48-D2CBB26B21B0}" type="datetimeFigureOut">
               <a:rPr lang="en-US" smtClean="0"/>
-              <a:t>10/4/2019</a:t>
+              <a:t>10/7/2019</a:t>
             </a:fld>
             <a:endParaRPr lang="en-US"/>
           </a:p>
@@ -2113,7 +2113,7 @@
           <a:p>
             <a:fld id="{2A6247F6-0F2C-4C0B-AB48-D2CBB26B21B0}" type="datetimeFigureOut">
               <a:rPr lang="en-US" smtClean="0"/>
-              <a:t>10/4/2019</a:t>
+              <a:t>10/7/2019</a:t>
             </a:fld>
             <a:endParaRPr lang="en-US"/>
           </a:p>
@@ -2480,7 +2480,7 @@
           <a:p>
             <a:fld id="{2A6247F6-0F2C-4C0B-AB48-D2CBB26B21B0}" type="datetimeFigureOut">
               <a:rPr lang="en-US" smtClean="0"/>
-              <a:t>10/4/2019</a:t>
+              <a:t>10/7/2019</a:t>
             </a:fld>
             <a:endParaRPr lang="en-US"/>
           </a:p>
@@ -2598,7 +2598,7 @@
           <a:p>
             <a:fld id="{2A6247F6-0F2C-4C0B-AB48-D2CBB26B21B0}" type="datetimeFigureOut">
               <a:rPr lang="en-US" smtClean="0"/>
-              <a:t>10/4/2019</a:t>
+              <a:t>10/7/2019</a:t>
             </a:fld>
             <a:endParaRPr lang="en-US"/>
           </a:p>
@@ -2693,7 +2693,7 @@
           <a:p>
             <a:fld id="{2A6247F6-0F2C-4C0B-AB48-D2CBB26B21B0}" type="datetimeFigureOut">
               <a:rPr lang="en-US" smtClean="0"/>
-              <a:t>10/4/2019</a:t>
+              <a:t>10/7/2019</a:t>
             </a:fld>
             <a:endParaRPr lang="en-US"/>
           </a:p>
@@ -2970,7 +2970,7 @@
           <a:p>
             <a:fld id="{2A6247F6-0F2C-4C0B-AB48-D2CBB26B21B0}" type="datetimeFigureOut">
               <a:rPr lang="en-US" smtClean="0"/>
-              <a:t>10/4/2019</a:t>
+              <a:t>10/7/2019</a:t>
             </a:fld>
             <a:endParaRPr lang="en-US"/>
           </a:p>
@@ -3223,7 +3223,7 @@
           <a:p>
             <a:fld id="{2A6247F6-0F2C-4C0B-AB48-D2CBB26B21B0}" type="datetimeFigureOut">
               <a:rPr lang="en-US" smtClean="0"/>
-              <a:t>10/4/2019</a:t>
+              <a:t>10/7/2019</a:t>
             </a:fld>
             <a:endParaRPr lang="en-US"/>
           </a:p>
@@ -3436,7 +3436,7 @@
           <a:p>
             <a:fld id="{2A6247F6-0F2C-4C0B-AB48-D2CBB26B21B0}" type="datetimeFigureOut">
               <a:rPr lang="en-US" smtClean="0"/>
-              <a:t>10/4/2019</a:t>
+              <a:t>10/7/2019</a:t>
             </a:fld>
             <a:endParaRPr lang="en-US"/>
           </a:p>
@@ -5063,8 +5063,8 @@
         </p:nvSpPr>
         <p:spPr>
           <a:xfrm>
-            <a:off x="8466170" y="378185"/>
-            <a:ext cx="1306286" cy="371521"/>
+            <a:off x="8563155" y="391886"/>
+            <a:ext cx="1306286" cy="343965"/>
           </a:xfrm>
           <a:prstGeom prst="rect">
             <a:avLst/>
@@ -5158,7 +5158,7 @@
     <p:controls>
       <mc:AlternateContent xmlns:mc="http://schemas.openxmlformats.org/markup-compatibility/2006">
         <mc:Choice xmlns:v="urn:schemas-microsoft-com:vml" Requires="v">
-          <p:control spid="4221" name="ComboBox1" r:id="rId2" imgW="1514520" imgH="314280"/>
+          <p:control spid="4224" name="ComboBox1" r:id="rId2" imgW="1514520" imgH="314280"/>
         </mc:Choice>
         <mc:Fallback>
           <p:control name="ComboBox1" r:id="rId2" imgW="1514520" imgH="314280">
@@ -5191,7 +5191,7 @@
       </mc:AlternateContent>
       <mc:AlternateContent xmlns:mc="http://schemas.openxmlformats.org/markup-compatibility/2006">
         <mc:Choice xmlns:v="urn:schemas-microsoft-com:vml" Requires="v">
-          <p:control spid="4222" name="ListBox2" r:id="rId3" imgW="2085840" imgH="295200"/>
+          <p:control spid="4225" name="ListBox2" r:id="rId3" imgW="2085840" imgH="295200"/>
         </mc:Choice>
         <mc:Fallback>
           <p:control name="ListBox2" r:id="rId3" imgW="2085840" imgH="295200">
@@ -5224,7 +5224,7 @@
       </mc:AlternateContent>
       <mc:AlternateContent xmlns:mc="http://schemas.openxmlformats.org/markup-compatibility/2006">
         <mc:Choice xmlns:v="urn:schemas-microsoft-com:vml" Requires="v">
-          <p:control spid="4223" name="ComboBox3" r:id="rId4" imgW="1628640" imgH="371520"/>
+          <p:control spid="4226" name="ComboBox3" r:id="rId4" imgW="1628640" imgH="371520"/>
         </mc:Choice>
         <mc:Fallback>
           <p:control name="ComboBox3" r:id="rId4" imgW="1628640" imgH="371520">
@@ -8848,7 +8848,7 @@
     <p:controls>
       <mc:AlternateContent xmlns:mc="http://schemas.openxmlformats.org/markup-compatibility/2006">
         <mc:Choice xmlns:v="urn:schemas-microsoft-com:vml" Requires="v">
-          <p:control spid="10529" name="ListBox1" r:id="rId2" imgW="11325240" imgH="533520"/>
+          <p:control spid="10536" name="ListBox1" r:id="rId2" imgW="11325240" imgH="533520"/>
         </mc:Choice>
         <mc:Fallback>
           <p:control name="ListBox1" r:id="rId2" imgW="11325240" imgH="533520">
@@ -8881,7 +8881,7 @@
       </mc:AlternateContent>
       <mc:AlternateContent xmlns:mc="http://schemas.openxmlformats.org/markup-compatibility/2006">
         <mc:Choice xmlns:v="urn:schemas-microsoft-com:vml" Requires="v">
-          <p:control spid="10530" name="ListBox3" r:id="rId3" imgW="11325240" imgH="457200"/>
+          <p:control spid="10537" name="ListBox3" r:id="rId3" imgW="11325240" imgH="457200"/>
         </mc:Choice>
         <mc:Fallback>
           <p:control name="ListBox3" r:id="rId3" imgW="11325240" imgH="457200">
@@ -8914,7 +8914,7 @@
       </mc:AlternateContent>
       <mc:AlternateContent xmlns:mc="http://schemas.openxmlformats.org/markup-compatibility/2006">
         <mc:Choice xmlns:v="urn:schemas-microsoft-com:vml" Requires="v">
-          <p:control spid="10531" name="ListBox4" r:id="rId4" imgW="11334600" imgH="457200"/>
+          <p:control spid="10538" name="ListBox4" r:id="rId4" imgW="11334600" imgH="457200"/>
         </mc:Choice>
         <mc:Fallback>
           <p:control name="ListBox4" r:id="rId4" imgW="11334600" imgH="457200">
@@ -8947,7 +8947,7 @@
       </mc:AlternateContent>
       <mc:AlternateContent xmlns:mc="http://schemas.openxmlformats.org/markup-compatibility/2006">
         <mc:Choice xmlns:v="urn:schemas-microsoft-com:vml" Requires="v">
-          <p:control spid="10532" name="ListBox5" r:id="rId5" imgW="11382480" imgH="514440"/>
+          <p:control spid="10539" name="ListBox5" r:id="rId5" imgW="11382480" imgH="514440"/>
         </mc:Choice>
         <mc:Fallback>
           <p:control name="ListBox5" r:id="rId5" imgW="11382480" imgH="514440">
@@ -8980,7 +8980,7 @@
       </mc:AlternateContent>
       <mc:AlternateContent xmlns:mc="http://schemas.openxmlformats.org/markup-compatibility/2006">
         <mc:Choice xmlns:v="urn:schemas-microsoft-com:vml" Requires="v">
-          <p:control spid="10533" name="CheckBox1" r:id="rId6" imgW="3048120" imgH="343080"/>
+          <p:control spid="10540" name="CheckBox1" r:id="rId6" imgW="3048120" imgH="343080"/>
         </mc:Choice>
         <mc:Fallback>
           <p:control name="CheckBox1" r:id="rId6" imgW="3048120" imgH="343080">
@@ -9013,7 +9013,7 @@
       </mc:AlternateContent>
       <mc:AlternateContent xmlns:mc="http://schemas.openxmlformats.org/markup-compatibility/2006">
         <mc:Choice xmlns:v="urn:schemas-microsoft-com:vml" Requires="v">
-          <p:control spid="10534" name="CheckBox2" r:id="rId7" imgW="1990800" imgH="352440"/>
+          <p:control spid="10541" name="CheckBox2" r:id="rId7" imgW="1990800" imgH="352440"/>
         </mc:Choice>
         <mc:Fallback>
           <p:control name="CheckBox2" r:id="rId7" imgW="1990800" imgH="352440">
@@ -9046,7 +9046,7 @@
       </mc:AlternateContent>
       <mc:AlternateContent xmlns:mc="http://schemas.openxmlformats.org/markup-compatibility/2006">
         <mc:Choice xmlns:v="urn:schemas-microsoft-com:vml" Requires="v">
-          <p:control spid="10535" name="CheckBox5" r:id="rId8" imgW="1990800" imgH="352440"/>
+          <p:control spid="10542" name="CheckBox5" r:id="rId8" imgW="1990800" imgH="352440"/>
         </mc:Choice>
         <mc:Fallback>
           <p:control name="CheckBox5" r:id="rId8" imgW="1990800" imgH="352440">
@@ -9744,7 +9744,7 @@
     <p:controls>
       <mc:AlternateContent xmlns:mc="http://schemas.openxmlformats.org/markup-compatibility/2006">
         <mc:Choice xmlns:v="urn:schemas-microsoft-com:vml" Requires="v">
-          <p:control spid="11466" name="ListBox1" r:id="rId2" imgW="9163080" imgH="457200"/>
+          <p:control spid="11471" name="ListBox1" r:id="rId2" imgW="9163080" imgH="457200"/>
         </mc:Choice>
         <mc:Fallback>
           <p:control name="ListBox1" r:id="rId2" imgW="9163080" imgH="457200">
@@ -9777,7 +9777,7 @@
       </mc:AlternateContent>
       <mc:AlternateContent xmlns:mc="http://schemas.openxmlformats.org/markup-compatibility/2006">
         <mc:Choice xmlns:v="urn:schemas-microsoft-com:vml" Requires="v">
-          <p:control spid="11467" name="ListBox5" r:id="rId3" imgW="9344160" imgH="247680"/>
+          <p:control spid="11472" name="ListBox5" r:id="rId3" imgW="9344160" imgH="247680"/>
         </mc:Choice>
         <mc:Fallback>
           <p:control name="ListBox5" r:id="rId3" imgW="9344160" imgH="247680">
@@ -9810,7 +9810,7 @@
       </mc:AlternateContent>
       <mc:AlternateContent xmlns:mc="http://schemas.openxmlformats.org/markup-compatibility/2006">
         <mc:Choice xmlns:v="urn:schemas-microsoft-com:vml" Requires="v">
-          <p:control spid="11468" name="CheckBox1" r:id="rId4" imgW="3048120" imgH="343080"/>
+          <p:control spid="11473" name="CheckBox1" r:id="rId4" imgW="3048120" imgH="343080"/>
         </mc:Choice>
         <mc:Fallback>
           <p:control name="CheckBox1" r:id="rId4" imgW="3048120" imgH="343080">
@@ -9843,7 +9843,7 @@
       </mc:AlternateContent>
       <mc:AlternateContent xmlns:mc="http://schemas.openxmlformats.org/markup-compatibility/2006">
         <mc:Choice xmlns:v="urn:schemas-microsoft-com:vml" Requires="v">
-          <p:control spid="11469" name="CheckBox2" r:id="rId5" imgW="1990800" imgH="352440"/>
+          <p:control spid="11474" name="CheckBox2" r:id="rId5" imgW="1990800" imgH="352440"/>
         </mc:Choice>
         <mc:Fallback>
           <p:control name="CheckBox2" r:id="rId5" imgW="1990800" imgH="352440">
@@ -9876,7 +9876,7 @@
       </mc:AlternateContent>
       <mc:AlternateContent xmlns:mc="http://schemas.openxmlformats.org/markup-compatibility/2006">
         <mc:Choice xmlns:v="urn:schemas-microsoft-com:vml" Requires="v">
-          <p:control spid="11470" name="CheckBox5" r:id="rId6" imgW="1990800" imgH="352440"/>
+          <p:control spid="11475" name="CheckBox5" r:id="rId6" imgW="1990800" imgH="352440"/>
         </mc:Choice>
         <mc:Fallback>
           <p:control name="CheckBox5" r:id="rId6" imgW="1990800" imgH="352440">
@@ -13877,7 +13877,7 @@
     <p:controls>
       <mc:AlternateContent xmlns:mc="http://schemas.openxmlformats.org/markup-compatibility/2006">
         <mc:Choice xmlns:v="urn:schemas-microsoft-com:vml" Requires="v">
-          <p:control spid="12370" name="CheckBox2" r:id="rId2" imgW="11601360" imgH="723960"/>
+          <p:control spid="12372" name="CheckBox2" r:id="rId2" imgW="11601360" imgH="723960"/>
         </mc:Choice>
         <mc:Fallback>
           <p:control name="CheckBox2" r:id="rId2" imgW="11601360" imgH="723960">
@@ -13910,7 +13910,7 @@
       </mc:AlternateContent>
       <mc:AlternateContent xmlns:mc="http://schemas.openxmlformats.org/markup-compatibility/2006">
         <mc:Choice xmlns:v="urn:schemas-microsoft-com:vml" Requires="v">
-          <p:control spid="12371" name="ComboBox1" r:id="rId3" imgW="2724120" imgH="257040"/>
+          <p:control spid="12373" name="ComboBox1" r:id="rId3" imgW="2724120" imgH="257040"/>
         </mc:Choice>
         <mc:Fallback>
           <p:control name="ComboBox1" r:id="rId3" imgW="2724120" imgH="257040">
@@ -15269,7 +15269,7 @@
     <p:controls>
       <mc:AlternateContent xmlns:mc="http://schemas.openxmlformats.org/markup-compatibility/2006">
         <mc:Choice xmlns:v="urn:schemas-microsoft-com:vml" Requires="v">
-          <p:control spid="13551" name="ListBox3" r:id="rId2" imgW="11420640" imgH="390600"/>
+          <p:control spid="13557" name="ListBox3" r:id="rId2" imgW="11420640" imgH="390600"/>
         </mc:Choice>
         <mc:Fallback>
           <p:control name="ListBox3" r:id="rId2" imgW="11420640" imgH="390600">
@@ -15302,7 +15302,7 @@
       </mc:AlternateContent>
       <mc:AlternateContent xmlns:mc="http://schemas.openxmlformats.org/markup-compatibility/2006">
         <mc:Choice xmlns:v="urn:schemas-microsoft-com:vml" Requires="v">
-          <p:control spid="13552" name="ListBox5" r:id="rId3" imgW="2685960" imgH="276120"/>
+          <p:control spid="13558" name="ListBox5" r:id="rId3" imgW="2685960" imgH="276120"/>
         </mc:Choice>
         <mc:Fallback>
           <p:control name="ListBox5" r:id="rId3" imgW="2685960" imgH="276120">
@@ -15335,7 +15335,7 @@
       </mc:AlternateContent>
       <mc:AlternateContent xmlns:mc="http://schemas.openxmlformats.org/markup-compatibility/2006">
         <mc:Choice xmlns:v="urn:schemas-microsoft-com:vml" Requires="v">
-          <p:control spid="13553" name="ListBox6" r:id="rId4" imgW="2523960" imgH="276120"/>
+          <p:control spid="13559" name="ListBox6" r:id="rId4" imgW="2523960" imgH="276120"/>
         </mc:Choice>
         <mc:Fallback>
           <p:control name="ListBox6" r:id="rId4" imgW="2523960" imgH="276120">
@@ -15368,7 +15368,7 @@
       </mc:AlternateContent>
       <mc:AlternateContent xmlns:mc="http://schemas.openxmlformats.org/markup-compatibility/2006">
         <mc:Choice xmlns:v="urn:schemas-microsoft-com:vml" Requires="v">
-          <p:control spid="13554" name="ListBox7" r:id="rId5" imgW="2523960" imgH="276120"/>
+          <p:control spid="13560" name="ListBox7" r:id="rId5" imgW="2523960" imgH="276120"/>
         </mc:Choice>
         <mc:Fallback>
           <p:control name="ListBox7" r:id="rId5" imgW="2523960" imgH="276120">
@@ -15401,7 +15401,7 @@
       </mc:AlternateContent>
       <mc:AlternateContent xmlns:mc="http://schemas.openxmlformats.org/markup-compatibility/2006">
         <mc:Choice xmlns:v="urn:schemas-microsoft-com:vml" Requires="v">
-          <p:control spid="13555" name="ListBox8" r:id="rId6" imgW="2638440" imgH="276120"/>
+          <p:control spid="13561" name="ListBox8" r:id="rId6" imgW="2638440" imgH="276120"/>
         </mc:Choice>
         <mc:Fallback>
           <p:control name="ListBox8" r:id="rId6" imgW="2638440" imgH="276120">
@@ -15434,7 +15434,7 @@
       </mc:AlternateContent>
       <mc:AlternateContent xmlns:mc="http://schemas.openxmlformats.org/markup-compatibility/2006">
         <mc:Choice xmlns:v="urn:schemas-microsoft-com:vml" Requires="v">
-          <p:control spid="13556" name="ListBox1" r:id="rId7" imgW="11420640" imgH="457200"/>
+          <p:control spid="13562" name="ListBox1" r:id="rId7" imgW="11420640" imgH="457200"/>
         </mc:Choice>
         <mc:Fallback>
           <p:control name="ListBox1" r:id="rId7" imgW="11420640" imgH="457200">
@@ -16767,7 +16767,7 @@
     <p:controls>
       <mc:AlternateContent xmlns:mc="http://schemas.openxmlformats.org/markup-compatibility/2006">
         <mc:Choice xmlns:v="urn:schemas-microsoft-com:vml" Requires="v">
-          <p:control spid="14422" name="ListBox1" r:id="rId2" imgW="11420640" imgH="752400"/>
+          <p:control spid="14424" name="ListBox1" r:id="rId2" imgW="11420640" imgH="752400"/>
         </mc:Choice>
         <mc:Fallback>
           <p:control name="ListBox1" r:id="rId2" imgW="11420640" imgH="752400">
@@ -16800,7 +16800,7 @@
       </mc:AlternateContent>
       <mc:AlternateContent xmlns:mc="http://schemas.openxmlformats.org/markup-compatibility/2006">
         <mc:Choice xmlns:v="urn:schemas-microsoft-com:vml" Requires="v">
-          <p:control spid="14423" name="ListBox7" r:id="rId3" imgW="2523960" imgH="276120"/>
+          <p:control spid="14425" name="ListBox7" r:id="rId3" imgW="2523960" imgH="276120"/>
         </mc:Choice>
         <mc:Fallback>
           <p:control name="ListBox7" r:id="rId3" imgW="2523960" imgH="276120">
@@ -17789,7 +17789,7 @@
     <p:controls>
       <mc:AlternateContent xmlns:mc="http://schemas.openxmlformats.org/markup-compatibility/2006">
         <mc:Choice xmlns:v="urn:schemas-microsoft-com:vml" Requires="v">
-          <p:control spid="22605" name="ListBox2" r:id="rId2" imgW="2523960" imgH="276120"/>
+          <p:control spid="22608" name="ListBox2" r:id="rId2" imgW="2523960" imgH="276120"/>
         </mc:Choice>
         <mc:Fallback>
           <p:control name="ListBox2" r:id="rId2" imgW="2523960" imgH="276120">
@@ -17822,7 +17822,7 @@
       </mc:AlternateContent>
       <mc:AlternateContent xmlns:mc="http://schemas.openxmlformats.org/markup-compatibility/2006">
         <mc:Choice xmlns:v="urn:schemas-microsoft-com:vml" Requires="v">
-          <p:control spid="22606" name="ListBox4" r:id="rId3" imgW="2523960" imgH="276120"/>
+          <p:control spid="22609" name="ListBox4" r:id="rId3" imgW="2523960" imgH="276120"/>
         </mc:Choice>
         <mc:Fallback>
           <p:control name="ListBox4" r:id="rId3" imgW="2523960" imgH="276120">
@@ -17855,7 +17855,7 @@
       </mc:AlternateContent>
       <mc:AlternateContent xmlns:mc="http://schemas.openxmlformats.org/markup-compatibility/2006">
         <mc:Choice xmlns:v="urn:schemas-microsoft-com:vml" Requires="v">
-          <p:control spid="22607" name="ListBox5" r:id="rId4" imgW="2523960" imgH="276120"/>
+          <p:control spid="22610" name="ListBox5" r:id="rId4" imgW="2523960" imgH="276120"/>
         </mc:Choice>
         <mc:Fallback>
           <p:control name="ListBox5" r:id="rId4" imgW="2523960" imgH="276120">
@@ -18617,7 +18617,7 @@
     <p:controls>
       <mc:AlternateContent xmlns:mc="http://schemas.openxmlformats.org/markup-compatibility/2006">
         <mc:Choice xmlns:v="urn:schemas-microsoft-com:vml" Requires="v">
-          <p:control spid="16468" name="ListBox1" r:id="rId2" imgW="11420640" imgH="752400"/>
+          <p:control spid="16470" name="ListBox1" r:id="rId2" imgW="11420640" imgH="752400"/>
         </mc:Choice>
         <mc:Fallback>
           <p:control name="ListBox1" r:id="rId2" imgW="11420640" imgH="752400">
@@ -18650,7 +18650,7 @@
       </mc:AlternateContent>
       <mc:AlternateContent xmlns:mc="http://schemas.openxmlformats.org/markup-compatibility/2006">
         <mc:Choice xmlns:v="urn:schemas-microsoft-com:vml" Requires="v">
-          <p:control spid="16469" name="ListBox7" r:id="rId3" imgW="2523960" imgH="276120"/>
+          <p:control spid="16471" name="ListBox7" r:id="rId3" imgW="2523960" imgH="276120"/>
         </mc:Choice>
         <mc:Fallback>
           <p:control name="ListBox7" r:id="rId3" imgW="2523960" imgH="276120">
@@ -19162,7 +19162,7 @@
     <p:controls>
       <mc:AlternateContent xmlns:mc="http://schemas.openxmlformats.org/markup-compatibility/2006">
         <mc:Choice xmlns:v="urn:schemas-microsoft-com:vml" Requires="v">
-          <p:control spid="17610" name="ListBox3" r:id="rId2" imgW="11420640" imgH="800280"/>
+          <p:control spid="17615" name="ListBox3" r:id="rId2" imgW="11420640" imgH="800280"/>
         </mc:Choice>
         <mc:Fallback>
           <p:control name="ListBox3" r:id="rId2" imgW="11420640" imgH="800280">
@@ -19195,7 +19195,7 @@
       </mc:AlternateContent>
       <mc:AlternateContent xmlns:mc="http://schemas.openxmlformats.org/markup-compatibility/2006">
         <mc:Choice xmlns:v="urn:schemas-microsoft-com:vml" Requires="v">
-          <p:control spid="17611" name="ListBox5" r:id="rId3" imgW="2685960" imgH="276120"/>
+          <p:control spid="17616" name="ListBox5" r:id="rId3" imgW="2685960" imgH="276120"/>
         </mc:Choice>
         <mc:Fallback>
           <p:control name="ListBox5" r:id="rId3" imgW="2685960" imgH="276120">
@@ -19228,7 +19228,7 @@
       </mc:AlternateContent>
       <mc:AlternateContent xmlns:mc="http://schemas.openxmlformats.org/markup-compatibility/2006">
         <mc:Choice xmlns:v="urn:schemas-microsoft-com:vml" Requires="v">
-          <p:control spid="17612" name="ListBox6" r:id="rId4" imgW="2523960" imgH="276120"/>
+          <p:control spid="17617" name="ListBox6" r:id="rId4" imgW="2523960" imgH="276120"/>
         </mc:Choice>
         <mc:Fallback>
           <p:control name="ListBox6" r:id="rId4" imgW="2523960" imgH="276120">
@@ -19261,7 +19261,7 @@
       </mc:AlternateContent>
       <mc:AlternateContent xmlns:mc="http://schemas.openxmlformats.org/markup-compatibility/2006">
         <mc:Choice xmlns:v="urn:schemas-microsoft-com:vml" Requires="v">
-          <p:control spid="17613" name="ListBox7" r:id="rId5" imgW="2523960" imgH="276120"/>
+          <p:control spid="17618" name="ListBox7" r:id="rId5" imgW="2523960" imgH="276120"/>
         </mc:Choice>
         <mc:Fallback>
           <p:control name="ListBox7" r:id="rId5" imgW="2523960" imgH="276120">
@@ -19294,7 +19294,7 @@
       </mc:AlternateContent>
       <mc:AlternateContent xmlns:mc="http://schemas.openxmlformats.org/markup-compatibility/2006">
         <mc:Choice xmlns:v="urn:schemas-microsoft-com:vml" Requires="v">
-          <p:control spid="17614" name="ListBox8" r:id="rId6" imgW="2638440" imgH="276120"/>
+          <p:control spid="17619" name="ListBox8" r:id="rId6" imgW="2638440" imgH="276120"/>
         </mc:Choice>
         <mc:Fallback>
           <p:control name="ListBox8" r:id="rId6" imgW="2638440" imgH="276120">
@@ -23847,7 +23847,7 @@
     <p:controls>
       <mc:AlternateContent xmlns:mc="http://schemas.openxmlformats.org/markup-compatibility/2006">
         <mc:Choice xmlns:v="urn:schemas-microsoft-com:vml" Requires="v">
-          <p:control spid="18551" name="ComboBox1" r:id="rId2" imgW="1380960" imgH="285840"/>
+          <p:control spid="18554" name="ComboBox1" r:id="rId2" imgW="1380960" imgH="285840"/>
         </mc:Choice>
         <mc:Fallback>
           <p:control name="ComboBox1" r:id="rId2" imgW="1380960" imgH="285840">
@@ -23880,7 +23880,7 @@
       </mc:AlternateContent>
       <mc:AlternateContent xmlns:mc="http://schemas.openxmlformats.org/markup-compatibility/2006">
         <mc:Choice xmlns:v="urn:schemas-microsoft-com:vml" Requires="v">
-          <p:control spid="18552" name="ListBox2" r:id="rId3" imgW="2085840" imgH="295200"/>
+          <p:control spid="18555" name="ListBox2" r:id="rId3" imgW="2085840" imgH="295200"/>
         </mc:Choice>
         <mc:Fallback>
           <p:control name="ListBox2" r:id="rId3" imgW="2085840" imgH="295200">
@@ -23913,7 +23913,7 @@
       </mc:AlternateContent>
       <mc:AlternateContent xmlns:mc="http://schemas.openxmlformats.org/markup-compatibility/2006">
         <mc:Choice xmlns:v="urn:schemas-microsoft-com:vml" Requires="v">
-          <p:control spid="18553" name="ComboBox3" r:id="rId4" imgW="1628640" imgH="371520"/>
+          <p:control spid="18556" name="ComboBox3" r:id="rId4" imgW="1628640" imgH="371520"/>
         </mc:Choice>
         <mc:Fallback>
           <p:control name="ComboBox3" r:id="rId4" imgW="1628640" imgH="371520">
@@ -25761,7 +25761,7 @@
     <p:controls>
       <mc:AlternateContent xmlns:mc="http://schemas.openxmlformats.org/markup-compatibility/2006">
         <mc:Choice xmlns:v="urn:schemas-microsoft-com:vml" Requires="v">
-          <p:control spid="19538" name="ListBox1" r:id="rId2" imgW="11420640" imgH="666720"/>
+          <p:control spid="19540" name="ListBox1" r:id="rId2" imgW="11420640" imgH="666720"/>
         </mc:Choice>
         <mc:Fallback>
           <p:control name="ListBox1" r:id="rId2" imgW="11420640" imgH="666720">
@@ -25794,7 +25794,7 @@
       </mc:AlternateContent>
       <mc:AlternateContent xmlns:mc="http://schemas.openxmlformats.org/markup-compatibility/2006">
         <mc:Choice xmlns:v="urn:schemas-microsoft-com:vml" Requires="v">
-          <p:control spid="19539" name="ListBox7" r:id="rId3" imgW="2523960" imgH="247680"/>
+          <p:control spid="19541" name="ListBox7" r:id="rId3" imgW="2523960" imgH="247680"/>
         </mc:Choice>
         <mc:Fallback>
           <p:control name="ListBox7" r:id="rId3" imgW="2523960" imgH="247680">
@@ -27053,7 +27053,7 @@
     <p:controls>
       <mc:AlternateContent xmlns:mc="http://schemas.openxmlformats.org/markup-compatibility/2006">
         <mc:Choice xmlns:v="urn:schemas-microsoft-com:vml" Requires="v">
-          <p:control spid="20602" name="ListBox2" r:id="rId2" imgW="11430000" imgH="380880"/>
+          <p:control spid="20605" name="ListBox2" r:id="rId2" imgW="11430000" imgH="380880"/>
         </mc:Choice>
         <mc:Fallback>
           <p:control name="ListBox2" r:id="rId2" imgW="11430000" imgH="380880">
@@ -27086,7 +27086,7 @@
       </mc:AlternateContent>
       <mc:AlternateContent xmlns:mc="http://schemas.openxmlformats.org/markup-compatibility/2006">
         <mc:Choice xmlns:v="urn:schemas-microsoft-com:vml" Requires="v">
-          <p:control spid="20603" name="ListBox3" r:id="rId3" imgW="10572840" imgH="504720"/>
+          <p:control spid="20606" name="ListBox3" r:id="rId3" imgW="10572840" imgH="504720"/>
         </mc:Choice>
         <mc:Fallback>
           <p:control name="ListBox3" r:id="rId3" imgW="10572840" imgH="504720">
@@ -27119,7 +27119,7 @@
       </mc:AlternateContent>
       <mc:AlternateContent xmlns:mc="http://schemas.openxmlformats.org/markup-compatibility/2006">
         <mc:Choice xmlns:v="urn:schemas-microsoft-com:vml" Requires="v">
-          <p:control spid="20604" name="ListBox1" r:id="rId4" imgW="10572840" imgH="581040"/>
+          <p:control spid="20607" name="ListBox1" r:id="rId4" imgW="10572840" imgH="581040"/>
         </mc:Choice>
         <mc:Fallback>
           <p:control name="ListBox1" r:id="rId4" imgW="10572840" imgH="581040">
@@ -30782,7 +30782,7 @@
     <p:controls>
       <mc:AlternateContent xmlns:mc="http://schemas.openxmlformats.org/markup-compatibility/2006">
         <mc:Choice xmlns:v="urn:schemas-microsoft-com:vml" Requires="v">
-          <p:control spid="21545" name="ComboBox1" r:id="rId2" imgW="2390760" imgH="304920"/>
+          <p:control spid="21546" name="ComboBox1" r:id="rId2" imgW="2390760" imgH="304920"/>
         </mc:Choice>
         <mc:Fallback>
           <p:control name="ComboBox1" r:id="rId2" imgW="2390760" imgH="304920">
@@ -32793,7 +32793,7 @@
     <p:controls>
       <mc:AlternateContent xmlns:mc="http://schemas.openxmlformats.org/markup-compatibility/2006">
         <mc:Choice xmlns:v="urn:schemas-microsoft-com:vml" Requires="v">
-          <p:control spid="23605" name="ComboBox1" r:id="rId2" imgW="1514520" imgH="314280"/>
+          <p:control spid="23608" name="ComboBox1" r:id="rId2" imgW="1514520" imgH="314280"/>
         </mc:Choice>
         <mc:Fallback>
           <p:control name="ComboBox1" r:id="rId2" imgW="1514520" imgH="314280">
@@ -32826,7 +32826,7 @@
       </mc:AlternateContent>
       <mc:AlternateContent xmlns:mc="http://schemas.openxmlformats.org/markup-compatibility/2006">
         <mc:Choice xmlns:v="urn:schemas-microsoft-com:vml" Requires="v">
-          <p:control spid="23606" name="ListBox2" r:id="rId3" imgW="2085840" imgH="295200"/>
+          <p:control spid="23609" name="ListBox2" r:id="rId3" imgW="2085840" imgH="295200"/>
         </mc:Choice>
         <mc:Fallback>
           <p:control name="ListBox2" r:id="rId3" imgW="2085840" imgH="295200">
@@ -32859,7 +32859,7 @@
       </mc:AlternateContent>
       <mc:AlternateContent xmlns:mc="http://schemas.openxmlformats.org/markup-compatibility/2006">
         <mc:Choice xmlns:v="urn:schemas-microsoft-com:vml" Requires="v">
-          <p:control spid="23607" name="ComboBox3" r:id="rId4" imgW="1628640" imgH="371520"/>
+          <p:control spid="23610" name="ComboBox3" r:id="rId4" imgW="1628640" imgH="371520"/>
         </mc:Choice>
         <mc:Fallback>
           <p:control name="ComboBox3" r:id="rId4" imgW="1628640" imgH="371520">
@@ -36595,7 +36595,7 @@
     <p:controls>
       <mc:AlternateContent xmlns:mc="http://schemas.openxmlformats.org/markup-compatibility/2006">
         <mc:Choice xmlns:v="urn:schemas-microsoft-com:vml" Requires="v">
-          <p:control spid="24595" name="ComboBox1" r:id="rId2" imgW="2457360" imgH="304920"/>
+          <p:control spid="24596" name="ComboBox1" r:id="rId2" imgW="2457360" imgH="304920"/>
         </mc:Choice>
         <mc:Fallback>
           <p:control name="ComboBox1" r:id="rId2" imgW="2457360" imgH="304920">
@@ -38075,7 +38075,7 @@
     <p:controls>
       <mc:AlternateContent xmlns:mc="http://schemas.openxmlformats.org/markup-compatibility/2006">
         <mc:Choice xmlns:v="urn:schemas-microsoft-com:vml" Requires="v">
-          <p:control spid="5386" name="ListBox3" r:id="rId2" imgW="11420640" imgH="457200"/>
+          <p:control spid="5392" name="ListBox3" r:id="rId2" imgW="11420640" imgH="457200"/>
         </mc:Choice>
         <mc:Fallback>
           <p:control name="ListBox3" r:id="rId2" imgW="11420640" imgH="457200">
@@ -38108,7 +38108,7 @@
       </mc:AlternateContent>
       <mc:AlternateContent xmlns:mc="http://schemas.openxmlformats.org/markup-compatibility/2006">
         <mc:Choice xmlns:v="urn:schemas-microsoft-com:vml" Requires="v">
-          <p:control spid="5387" name="ListBox5" r:id="rId3" imgW="2685960" imgH="276120"/>
+          <p:control spid="5393" name="ListBox5" r:id="rId3" imgW="2685960" imgH="276120"/>
         </mc:Choice>
         <mc:Fallback>
           <p:control name="ListBox5" r:id="rId3" imgW="2685960" imgH="276120">
@@ -38141,7 +38141,7 @@
       </mc:AlternateContent>
       <mc:AlternateContent xmlns:mc="http://schemas.openxmlformats.org/markup-compatibility/2006">
         <mc:Choice xmlns:v="urn:schemas-microsoft-com:vml" Requires="v">
-          <p:control spid="5388" name="ListBox6" r:id="rId4" imgW="2523960" imgH="276120"/>
+          <p:control spid="5394" name="ListBox6" r:id="rId4" imgW="2523960" imgH="276120"/>
         </mc:Choice>
         <mc:Fallback>
           <p:control name="ListBox6" r:id="rId4" imgW="2523960" imgH="276120">
@@ -38174,7 +38174,7 @@
       </mc:AlternateContent>
       <mc:AlternateContent xmlns:mc="http://schemas.openxmlformats.org/markup-compatibility/2006">
         <mc:Choice xmlns:v="urn:schemas-microsoft-com:vml" Requires="v">
-          <p:control spid="5389" name="ListBox7" r:id="rId5" imgW="2523960" imgH="276120"/>
+          <p:control spid="5395" name="ListBox7" r:id="rId5" imgW="2523960" imgH="276120"/>
         </mc:Choice>
         <mc:Fallback>
           <p:control name="ListBox7" r:id="rId5" imgW="2523960" imgH="276120">
@@ -38207,7 +38207,7 @@
       </mc:AlternateContent>
       <mc:AlternateContent xmlns:mc="http://schemas.openxmlformats.org/markup-compatibility/2006">
         <mc:Choice xmlns:v="urn:schemas-microsoft-com:vml" Requires="v">
-          <p:control spid="5390" name="ListBox8" r:id="rId6" imgW="2705040" imgH="276120"/>
+          <p:control spid="5396" name="ListBox8" r:id="rId6" imgW="2705040" imgH="276120"/>
         </mc:Choice>
         <mc:Fallback>
           <p:control name="ListBox8" r:id="rId6" imgW="2705040" imgH="276120">
@@ -38240,7 +38240,7 @@
       </mc:AlternateContent>
       <mc:AlternateContent xmlns:mc="http://schemas.openxmlformats.org/markup-compatibility/2006">
         <mc:Choice xmlns:v="urn:schemas-microsoft-com:vml" Requires="v">
-          <p:control spid="5391" name="ListBox1" r:id="rId7" imgW="11420640" imgH="457200"/>
+          <p:control spid="5397" name="ListBox1" r:id="rId7" imgW="11420640" imgH="457200"/>
         </mc:Choice>
         <mc:Fallback>
           <p:control name="ListBox1" r:id="rId7" imgW="11420640" imgH="457200">
@@ -42358,7 +42358,7 @@
     <p:controls>
       <mc:AlternateContent xmlns:mc="http://schemas.openxmlformats.org/markup-compatibility/2006">
         <mc:Choice xmlns:v="urn:schemas-microsoft-com:vml" Requires="v">
-          <p:control spid="25653" name="ComboBox1" r:id="rId2" imgW="1514520" imgH="314280"/>
+          <p:control spid="25656" name="ComboBox1" r:id="rId2" imgW="1514520" imgH="314280"/>
         </mc:Choice>
         <mc:Fallback>
           <p:control name="ComboBox1" r:id="rId2" imgW="1514520" imgH="314280">
@@ -42391,7 +42391,7 @@
       </mc:AlternateContent>
       <mc:AlternateContent xmlns:mc="http://schemas.openxmlformats.org/markup-compatibility/2006">
         <mc:Choice xmlns:v="urn:schemas-microsoft-com:vml" Requires="v">
-          <p:control spid="25654" name="ListBox2" r:id="rId3" imgW="2085840" imgH="295200"/>
+          <p:control spid="25657" name="ListBox2" r:id="rId3" imgW="2085840" imgH="295200"/>
         </mc:Choice>
         <mc:Fallback>
           <p:control name="ListBox2" r:id="rId3" imgW="2085840" imgH="295200">
@@ -42424,7 +42424,7 @@
       </mc:AlternateContent>
       <mc:AlternateContent xmlns:mc="http://schemas.openxmlformats.org/markup-compatibility/2006">
         <mc:Choice xmlns:v="urn:schemas-microsoft-com:vml" Requires="v">
-          <p:control spid="25655" name="ComboBox3" r:id="rId4" imgW="1628640" imgH="371520"/>
+          <p:control spid="25658" name="ComboBox3" r:id="rId4" imgW="1628640" imgH="371520"/>
         </mc:Choice>
         <mc:Fallback>
           <p:control name="ComboBox3" r:id="rId4" imgW="1628640" imgH="371520">
@@ -43977,7 +43977,7 @@
     <p:controls>
       <mc:AlternateContent xmlns:mc="http://schemas.openxmlformats.org/markup-compatibility/2006">
         <mc:Choice xmlns:v="urn:schemas-microsoft-com:vml" Requires="v">
-          <p:control spid="26677" name="ComboBox1" r:id="rId2" imgW="1514520" imgH="314280"/>
+          <p:control spid="26680" name="ComboBox1" r:id="rId2" imgW="1514520" imgH="314280"/>
         </mc:Choice>
         <mc:Fallback>
           <p:control name="ComboBox1" r:id="rId2" imgW="1514520" imgH="314280">
@@ -44010,7 +44010,7 @@
       </mc:AlternateContent>
       <mc:AlternateContent xmlns:mc="http://schemas.openxmlformats.org/markup-compatibility/2006">
         <mc:Choice xmlns:v="urn:schemas-microsoft-com:vml" Requires="v">
-          <p:control spid="26678" name="ListBox2" r:id="rId3" imgW="2085840" imgH="295200"/>
+          <p:control spid="26681" name="ListBox2" r:id="rId3" imgW="2085840" imgH="295200"/>
         </mc:Choice>
         <mc:Fallback>
           <p:control name="ListBox2" r:id="rId3" imgW="2085840" imgH="295200">
@@ -44043,7 +44043,7 @@
       </mc:AlternateContent>
       <mc:AlternateContent xmlns:mc="http://schemas.openxmlformats.org/markup-compatibility/2006">
         <mc:Choice xmlns:v="urn:schemas-microsoft-com:vml" Requires="v">
-          <p:control spid="26679" name="ComboBox3" r:id="rId4" imgW="1628640" imgH="371520"/>
+          <p:control spid="26682" name="ComboBox3" r:id="rId4" imgW="1628640" imgH="371520"/>
         </mc:Choice>
         <mc:Fallback>
           <p:control name="ComboBox3" r:id="rId4" imgW="1628640" imgH="371520">
@@ -45149,7 +45149,7 @@
     <p:controls>
       <mc:AlternateContent xmlns:mc="http://schemas.openxmlformats.org/markup-compatibility/2006">
         <mc:Choice xmlns:v="urn:schemas-microsoft-com:vml" Requires="v">
-          <p:control spid="27735" name="ListBox3" r:id="rId2" imgW="11420640" imgH="457200"/>
+          <p:control spid="27740" name="ListBox3" r:id="rId2" imgW="11420640" imgH="457200"/>
         </mc:Choice>
         <mc:Fallback>
           <p:control name="ListBox3" r:id="rId2" imgW="11420640" imgH="457200">
@@ -45182,7 +45182,7 @@
       </mc:AlternateContent>
       <mc:AlternateContent xmlns:mc="http://schemas.openxmlformats.org/markup-compatibility/2006">
         <mc:Choice xmlns:v="urn:schemas-microsoft-com:vml" Requires="v">
-          <p:control spid="27736" name="ListBox5" r:id="rId3" imgW="2685960" imgH="276120"/>
+          <p:control spid="27741" name="ListBox5" r:id="rId3" imgW="2685960" imgH="276120"/>
         </mc:Choice>
         <mc:Fallback>
           <p:control name="ListBox5" r:id="rId3" imgW="2685960" imgH="276120">
@@ -45215,7 +45215,7 @@
       </mc:AlternateContent>
       <mc:AlternateContent xmlns:mc="http://schemas.openxmlformats.org/markup-compatibility/2006">
         <mc:Choice xmlns:v="urn:schemas-microsoft-com:vml" Requires="v">
-          <p:control spid="27737" name="ListBox6" r:id="rId4" imgW="2523960" imgH="276120"/>
+          <p:control spid="27742" name="ListBox6" r:id="rId4" imgW="2523960" imgH="276120"/>
         </mc:Choice>
         <mc:Fallback>
           <p:control name="ListBox6" r:id="rId4" imgW="2523960" imgH="276120">
@@ -45248,7 +45248,7 @@
       </mc:AlternateContent>
       <mc:AlternateContent xmlns:mc="http://schemas.openxmlformats.org/markup-compatibility/2006">
         <mc:Choice xmlns:v="urn:schemas-microsoft-com:vml" Requires="v">
-          <p:control spid="27738" name="ListBox7" r:id="rId5" imgW="2523960" imgH="276120"/>
+          <p:control spid="27743" name="ListBox7" r:id="rId5" imgW="2523960" imgH="276120"/>
         </mc:Choice>
         <mc:Fallback>
           <p:control name="ListBox7" r:id="rId5" imgW="2523960" imgH="276120">
@@ -45281,7 +45281,7 @@
       </mc:AlternateContent>
       <mc:AlternateContent xmlns:mc="http://schemas.openxmlformats.org/markup-compatibility/2006">
         <mc:Choice xmlns:v="urn:schemas-microsoft-com:vml" Requires="v">
-          <p:control spid="27739" name="ListBox8" r:id="rId6" imgW="2685960" imgH="276120"/>
+          <p:control spid="27744" name="ListBox8" r:id="rId6" imgW="2685960" imgH="276120"/>
         </mc:Choice>
         <mc:Fallback>
           <p:control name="ListBox8" r:id="rId6" imgW="2685960" imgH="276120">
@@ -47996,7 +47996,7 @@
     <p:controls>
       <mc:AlternateContent xmlns:mc="http://schemas.openxmlformats.org/markup-compatibility/2006">
         <mc:Choice xmlns:v="urn:schemas-microsoft-com:vml" Requires="v">
-          <p:control spid="28691" name="ComboBox1" r:id="rId2" imgW="2362320" imgH="209520"/>
+          <p:control spid="28692" name="ComboBox1" r:id="rId2" imgW="2362320" imgH="209520"/>
         </mc:Choice>
         <mc:Fallback>
           <p:control name="ComboBox1" r:id="rId2" imgW="2362320" imgH="209520">
@@ -50202,7 +50202,7 @@
     <p:controls>
       <mc:AlternateContent xmlns:mc="http://schemas.openxmlformats.org/markup-compatibility/2006">
         <mc:Choice xmlns:v="urn:schemas-microsoft-com:vml" Requires="v">
-          <p:control spid="29732" name="ListBox1" r:id="rId2" imgW="11420640" imgH="752400"/>
+          <p:control spid="29734" name="ListBox1" r:id="rId2" imgW="11420640" imgH="752400"/>
         </mc:Choice>
         <mc:Fallback>
           <p:control name="ListBox1" r:id="rId2" imgW="11420640" imgH="752400">
@@ -50235,7 +50235,7 @@
       </mc:AlternateContent>
       <mc:AlternateContent xmlns:mc="http://schemas.openxmlformats.org/markup-compatibility/2006">
         <mc:Choice xmlns:v="urn:schemas-microsoft-com:vml" Requires="v">
-          <p:control spid="29733" name="ListBox7" r:id="rId3" imgW="2523960" imgH="276120"/>
+          <p:control spid="29735" name="ListBox7" r:id="rId3" imgW="2523960" imgH="276120"/>
         </mc:Choice>
         <mc:Fallback>
           <p:control name="ListBox7" r:id="rId3" imgW="2523960" imgH="276120">
@@ -51325,7 +51325,7 @@
     <p:controls>
       <mc:AlternateContent xmlns:mc="http://schemas.openxmlformats.org/markup-compatibility/2006">
         <mc:Choice xmlns:v="urn:schemas-microsoft-com:vml" Requires="v">
-          <p:control spid="6286" name="ListBox2" r:id="rId2" imgW="2523960" imgH="276120"/>
+          <p:control spid="6290" name="ListBox2" r:id="rId2" imgW="2523960" imgH="276120"/>
         </mc:Choice>
         <mc:Fallback>
           <p:control name="ListBox2" r:id="rId2" imgW="2523960" imgH="276120">
@@ -51358,7 +51358,7 @@
       </mc:AlternateContent>
       <mc:AlternateContent xmlns:mc="http://schemas.openxmlformats.org/markup-compatibility/2006">
         <mc:Choice xmlns:v="urn:schemas-microsoft-com:vml" Requires="v">
-          <p:control spid="6287" name="ListBox4" r:id="rId3" imgW="2523960" imgH="276120"/>
+          <p:control spid="6291" name="ListBox4" r:id="rId3" imgW="2523960" imgH="276120"/>
         </mc:Choice>
         <mc:Fallback>
           <p:control name="ListBox4" r:id="rId3" imgW="2523960" imgH="276120">
@@ -51391,7 +51391,7 @@
       </mc:AlternateContent>
       <mc:AlternateContent xmlns:mc="http://schemas.openxmlformats.org/markup-compatibility/2006">
         <mc:Choice xmlns:v="urn:schemas-microsoft-com:vml" Requires="v">
-          <p:control spid="6288" name="ListBox5" r:id="rId4" imgW="2523960" imgH="276120"/>
+          <p:control spid="6292" name="ListBox5" r:id="rId4" imgW="2523960" imgH="276120"/>
         </mc:Choice>
         <mc:Fallback>
           <p:control name="ListBox5" r:id="rId4" imgW="2523960" imgH="276120">
@@ -51424,7 +51424,7 @@
       </mc:AlternateContent>
       <mc:AlternateContent xmlns:mc="http://schemas.openxmlformats.org/markup-compatibility/2006">
         <mc:Choice xmlns:v="urn:schemas-microsoft-com:vml" Requires="v">
-          <p:control spid="6289" name="ListBox1" r:id="rId5" imgW="2523960" imgH="276120"/>
+          <p:control spid="6293" name="ListBox1" r:id="rId5" imgW="2523960" imgH="276120"/>
         </mc:Choice>
         <mc:Fallback>
           <p:control name="ListBox1" r:id="rId5" imgW="2523960" imgH="276120">
@@ -53836,7 +53836,7 @@
     <p:controls>
       <mc:AlternateContent xmlns:mc="http://schemas.openxmlformats.org/markup-compatibility/2006">
         <mc:Choice xmlns:v="urn:schemas-microsoft-com:vml" Requires="v">
-          <p:control spid="30739" name="ComboBox1" r:id="rId2" imgW="2362320" imgH="209520"/>
+          <p:control spid="30740" name="ComboBox1" r:id="rId2" imgW="2362320" imgH="209520"/>
         </mc:Choice>
         <mc:Fallback>
           <p:control name="ComboBox1" r:id="rId2" imgW="2362320" imgH="209520">
@@ -55330,7 +55330,7 @@
     <p:controls>
       <mc:AlternateContent xmlns:mc="http://schemas.openxmlformats.org/markup-compatibility/2006">
         <mc:Choice xmlns:v="urn:schemas-microsoft-com:vml" Requires="v">
-          <p:control spid="7290" name="ComboBox1" r:id="rId2" imgW="1514520" imgH="314280"/>
+          <p:control spid="7293" name="ComboBox1" r:id="rId2" imgW="1514520" imgH="314280"/>
         </mc:Choice>
         <mc:Fallback>
           <p:control name="ComboBox1" r:id="rId2" imgW="1514520" imgH="314280">
@@ -55363,7 +55363,7 @@
       </mc:AlternateContent>
       <mc:AlternateContent xmlns:mc="http://schemas.openxmlformats.org/markup-compatibility/2006">
         <mc:Choice xmlns:v="urn:schemas-microsoft-com:vml" Requires="v">
-          <p:control spid="7291" name="ListBox2" r:id="rId3" imgW="2085840" imgH="295200"/>
+          <p:control spid="7294" name="ListBox2" r:id="rId3" imgW="2085840" imgH="295200"/>
         </mc:Choice>
         <mc:Fallback>
           <p:control name="ListBox2" r:id="rId3" imgW="2085840" imgH="295200">
@@ -55396,7 +55396,7 @@
       </mc:AlternateContent>
       <mc:AlternateContent xmlns:mc="http://schemas.openxmlformats.org/markup-compatibility/2006">
         <mc:Choice xmlns:v="urn:schemas-microsoft-com:vml" Requires="v">
-          <p:control spid="7292" name="ComboBox3" r:id="rId4" imgW="1628640" imgH="371520"/>
+          <p:control spid="7295" name="ComboBox3" r:id="rId4" imgW="1628640" imgH="371520"/>
         </mc:Choice>
         <mc:Fallback>
           <p:control name="ComboBox3" r:id="rId4" imgW="1628640" imgH="371520">
@@ -58794,7 +58794,7 @@
     <p:controls>
       <mc:AlternateContent xmlns:mc="http://schemas.openxmlformats.org/markup-compatibility/2006">
         <mc:Choice xmlns:v="urn:schemas-microsoft-com:vml" Requires="v">
-          <p:control spid="8314" name="ListBox2" r:id="rId2" imgW="11430000" imgH="333360"/>
+          <p:control spid="8317" name="ListBox2" r:id="rId2" imgW="11430000" imgH="333360"/>
         </mc:Choice>
         <mc:Fallback>
           <p:control name="ListBox2" r:id="rId2" imgW="11430000" imgH="333360">
@@ -58827,7 +58827,7 @@
       </mc:AlternateContent>
       <mc:AlternateContent xmlns:mc="http://schemas.openxmlformats.org/markup-compatibility/2006">
         <mc:Choice xmlns:v="urn:schemas-microsoft-com:vml" Requires="v">
-          <p:control spid="8315" name="ListBox3" r:id="rId3" imgW="10572840" imgH="514440"/>
+          <p:control spid="8318" name="ListBox3" r:id="rId3" imgW="10572840" imgH="514440"/>
         </mc:Choice>
         <mc:Fallback>
           <p:control name="ListBox3" r:id="rId3" imgW="10572840" imgH="514440">
@@ -58860,7 +58860,7 @@
       </mc:AlternateContent>
       <mc:AlternateContent xmlns:mc="http://schemas.openxmlformats.org/markup-compatibility/2006">
         <mc:Choice xmlns:v="urn:schemas-microsoft-com:vml" Requires="v">
-          <p:control spid="8316" name="ListBox1" r:id="rId4" imgW="10572840" imgH="638280"/>
+          <p:control spid="8319" name="ListBox1" r:id="rId4" imgW="10572840" imgH="638280"/>
         </mc:Choice>
         <mc:Fallback>
           <p:control name="ListBox1" r:id="rId4" imgW="10572840" imgH="638280">
@@ -61369,7 +61369,7 @@
     <p:controls>
       <mc:AlternateContent xmlns:mc="http://schemas.openxmlformats.org/markup-compatibility/2006">
         <mc:Choice xmlns:v="urn:schemas-microsoft-com:vml" Requires="v">
-          <p:control spid="9338" name="ComboBox1" r:id="rId2" imgW="1514520" imgH="314280"/>
+          <p:control spid="9341" name="ComboBox1" r:id="rId2" imgW="1514520" imgH="314280"/>
         </mc:Choice>
         <mc:Fallback>
           <p:control name="ComboBox1" r:id="rId2" imgW="1514520" imgH="314280">
@@ -61402,7 +61402,7 @@
       </mc:AlternateContent>
       <mc:AlternateContent xmlns:mc="http://schemas.openxmlformats.org/markup-compatibility/2006">
         <mc:Choice xmlns:v="urn:schemas-microsoft-com:vml" Requires="v">
-          <p:control spid="9339" name="ListBox2" r:id="rId3" imgW="2085840" imgH="295200"/>
+          <p:control spid="9342" name="ListBox2" r:id="rId3" imgW="2085840" imgH="295200"/>
         </mc:Choice>
         <mc:Fallback>
           <p:control name="ListBox2" r:id="rId3" imgW="2085840" imgH="295200">
@@ -61435,7 +61435,7 @@
       </mc:AlternateContent>
       <mc:AlternateContent xmlns:mc="http://schemas.openxmlformats.org/markup-compatibility/2006">
         <mc:Choice xmlns:v="urn:schemas-microsoft-com:vml" Requires="v">
-          <p:control spid="9340" name="ComboBox3" r:id="rId4" imgW="1628640" imgH="371520"/>
+          <p:control spid="9343" name="ComboBox3" r:id="rId4" imgW="1628640" imgH="371520"/>
         </mc:Choice>
         <mc:Fallback>
           <p:control name="ComboBox3" r:id="rId4" imgW="1628640" imgH="371520">

--- a/TAF 092019/Cancelación.pptx
+++ b/TAF 092019/Cancelación.pptx
@@ -538,7 +538,7 @@
           <a:p>
             <a:fld id="{F82F63F0-32AF-43BC-AA99-8D41706238CB}" type="datetimeFigureOut">
               <a:rPr lang="es-MX" smtClean="0"/>
-              <a:t>10/10/2019</a:t>
+              <a:t>14/10/2019</a:t>
             </a:fld>
             <a:endParaRPr lang="es-MX"/>
           </a:p>
@@ -1021,7 +1021,7 @@
           <a:p>
             <a:fld id="{2A6247F6-0F2C-4C0B-AB48-D2CBB26B21B0}" type="datetimeFigureOut">
               <a:rPr lang="en-US" smtClean="0"/>
-              <a:t>10/10/2019</a:t>
+              <a:t>10/14/2019</a:t>
             </a:fld>
             <a:endParaRPr lang="en-US"/>
           </a:p>
@@ -1191,7 +1191,7 @@
           <a:p>
             <a:fld id="{2A6247F6-0F2C-4C0B-AB48-D2CBB26B21B0}" type="datetimeFigureOut">
               <a:rPr lang="en-US" smtClean="0"/>
-              <a:t>10/10/2019</a:t>
+              <a:t>10/14/2019</a:t>
             </a:fld>
             <a:endParaRPr lang="en-US"/>
           </a:p>
@@ -1371,7 +1371,7 @@
           <a:p>
             <a:fld id="{2A6247F6-0F2C-4C0B-AB48-D2CBB26B21B0}" type="datetimeFigureOut">
               <a:rPr lang="en-US" smtClean="0"/>
-              <a:t>10/10/2019</a:t>
+              <a:t>10/14/2019</a:t>
             </a:fld>
             <a:endParaRPr lang="en-US"/>
           </a:p>
@@ -1541,7 +1541,7 @@
           <a:p>
             <a:fld id="{2A6247F6-0F2C-4C0B-AB48-D2CBB26B21B0}" type="datetimeFigureOut">
               <a:rPr lang="en-US" smtClean="0"/>
-              <a:t>10/10/2019</a:t>
+              <a:t>10/14/2019</a:t>
             </a:fld>
             <a:endParaRPr lang="en-US"/>
           </a:p>
@@ -1787,7 +1787,7 @@
           <a:p>
             <a:fld id="{2A6247F6-0F2C-4C0B-AB48-D2CBB26B21B0}" type="datetimeFigureOut">
               <a:rPr lang="en-US" smtClean="0"/>
-              <a:t>10/10/2019</a:t>
+              <a:t>10/14/2019</a:t>
             </a:fld>
             <a:endParaRPr lang="en-US"/>
           </a:p>
@@ -2019,7 +2019,7 @@
           <a:p>
             <a:fld id="{2A6247F6-0F2C-4C0B-AB48-D2CBB26B21B0}" type="datetimeFigureOut">
               <a:rPr lang="en-US" smtClean="0"/>
-              <a:t>10/10/2019</a:t>
+              <a:t>10/14/2019</a:t>
             </a:fld>
             <a:endParaRPr lang="en-US"/>
           </a:p>
@@ -2386,7 +2386,7 @@
           <a:p>
             <a:fld id="{2A6247F6-0F2C-4C0B-AB48-D2CBB26B21B0}" type="datetimeFigureOut">
               <a:rPr lang="en-US" smtClean="0"/>
-              <a:t>10/10/2019</a:t>
+              <a:t>10/14/2019</a:t>
             </a:fld>
             <a:endParaRPr lang="en-US"/>
           </a:p>
@@ -2504,7 +2504,7 @@
           <a:p>
             <a:fld id="{2A6247F6-0F2C-4C0B-AB48-D2CBB26B21B0}" type="datetimeFigureOut">
               <a:rPr lang="en-US" smtClean="0"/>
-              <a:t>10/10/2019</a:t>
+              <a:t>10/14/2019</a:t>
             </a:fld>
             <a:endParaRPr lang="en-US"/>
           </a:p>
@@ -2599,7 +2599,7 @@
           <a:p>
             <a:fld id="{2A6247F6-0F2C-4C0B-AB48-D2CBB26B21B0}" type="datetimeFigureOut">
               <a:rPr lang="en-US" smtClean="0"/>
-              <a:t>10/10/2019</a:t>
+              <a:t>10/14/2019</a:t>
             </a:fld>
             <a:endParaRPr lang="en-US"/>
           </a:p>
@@ -2876,7 +2876,7 @@
           <a:p>
             <a:fld id="{2A6247F6-0F2C-4C0B-AB48-D2CBB26B21B0}" type="datetimeFigureOut">
               <a:rPr lang="en-US" smtClean="0"/>
-              <a:t>10/10/2019</a:t>
+              <a:t>10/14/2019</a:t>
             </a:fld>
             <a:endParaRPr lang="en-US"/>
           </a:p>
@@ -3129,7 +3129,7 @@
           <a:p>
             <a:fld id="{2A6247F6-0F2C-4C0B-AB48-D2CBB26B21B0}" type="datetimeFigureOut">
               <a:rPr lang="en-US" smtClean="0"/>
-              <a:t>10/10/2019</a:t>
+              <a:t>10/14/2019</a:t>
             </a:fld>
             <a:endParaRPr lang="en-US"/>
           </a:p>
@@ -3342,7 +3342,7 @@
           <a:p>
             <a:fld id="{2A6247F6-0F2C-4C0B-AB48-D2CBB26B21B0}" type="datetimeFigureOut">
               <a:rPr lang="en-US" smtClean="0"/>
-              <a:t>10/10/2019</a:t>
+              <a:t>10/14/2019</a:t>
             </a:fld>
             <a:endParaRPr lang="en-US"/>
           </a:p>
@@ -3747,43 +3747,6 @@
           <a:chExt cx="0" cy="0"/>
         </a:xfrm>
       </p:grpSpPr>
-      <p:sp>
-        <p:nvSpPr>
-          <p:cNvPr id="5" name="CuadroTexto 4"/>
-          <p:cNvSpPr txBox="1"/>
-          <p:nvPr/>
-        </p:nvSpPr>
-        <p:spPr>
-          <a:xfrm>
-            <a:off x="143691" y="391886"/>
-            <a:ext cx="4676503" cy="646331"/>
-          </a:xfrm>
-          <a:prstGeom prst="rect">
-            <a:avLst/>
-          </a:prstGeom>
-          <a:noFill/>
-        </p:spPr>
-        <p:txBody>
-          <a:bodyPr wrap="square" rtlCol="0">
-            <a:spAutoFit/>
-          </a:bodyPr>
-          <a:lstStyle/>
-          <a:p>
-            <a:r>
-              <a:rPr lang="es-MX" dirty="0" smtClean="0"/>
-              <a:t>Títulos  de autorización Otorgados  </a:t>
-            </a:r>
-            <a:endParaRPr lang="es-MX" dirty="0"/>
-          </a:p>
-          <a:p>
-            <a:r>
-              <a:rPr lang="es-MX" dirty="0" smtClean="0"/>
-              <a:t> </a:t>
-            </a:r>
-            <a:endParaRPr lang="es-MX" dirty="0"/>
-          </a:p>
-        </p:txBody>
-      </p:sp>
       <p:cxnSp>
         <p:nvCxnSpPr>
           <p:cNvPr id="7" name="Conector recto 6"/>
@@ -5181,7 +5144,7 @@
     <p:controls>
       <mc:AlternateContent xmlns:mc="http://schemas.openxmlformats.org/markup-compatibility/2006">
         <mc:Choice xmlns:v="urn:schemas-microsoft-com:vml" Requires="v">
-          <p:control spid="4383" name="ComboBox1" r:id="rId2" imgW="1514520" imgH="314280"/>
+          <p:control spid="4401" name="ComboBox1" r:id="rId2" imgW="1514520" imgH="314280"/>
         </mc:Choice>
         <mc:Fallback>
           <p:control name="ComboBox1" r:id="rId2" imgW="1514520" imgH="314280">
@@ -5214,7 +5177,7 @@
       </mc:AlternateContent>
       <mc:AlternateContent xmlns:mc="http://schemas.openxmlformats.org/markup-compatibility/2006">
         <mc:Choice xmlns:v="urn:schemas-microsoft-com:vml" Requires="v">
-          <p:control spid="4384" name="ListBox2" r:id="rId3" imgW="2085840" imgH="295200"/>
+          <p:control spid="4402" name="ListBox2" r:id="rId3" imgW="2085840" imgH="295200"/>
         </mc:Choice>
         <mc:Fallback>
           <p:control name="ListBox2" r:id="rId3" imgW="2085840" imgH="295200">
@@ -5247,7 +5210,7 @@
       </mc:AlternateContent>
       <mc:AlternateContent xmlns:mc="http://schemas.openxmlformats.org/markup-compatibility/2006">
         <mc:Choice xmlns:v="urn:schemas-microsoft-com:vml" Requires="v">
-          <p:control spid="4385" name="ComboBox3" r:id="rId4" imgW="1628640" imgH="371520"/>
+          <p:control spid="4403" name="ComboBox3" r:id="rId4" imgW="1628640" imgH="371520"/>
         </mc:Choice>
         <mc:Fallback>
           <p:control name="ComboBox3" r:id="rId4" imgW="1628640" imgH="371520">
@@ -5365,79 +5328,14 @@
       </p:sp>
       <p:sp>
         <p:nvSpPr>
-          <p:cNvPr id="27" name="CuadroTexto 26"/>
-          <p:cNvSpPr txBox="1"/>
-          <p:nvPr/>
-        </p:nvSpPr>
-        <p:spPr>
-          <a:xfrm>
-            <a:off x="130628" y="156752"/>
-            <a:ext cx="4676503" cy="369332"/>
-          </a:xfrm>
-          <a:prstGeom prst="rect">
-            <a:avLst/>
-          </a:prstGeom>
-          <a:noFill/>
-        </p:spPr>
-        <p:txBody>
-          <a:bodyPr wrap="square" rtlCol="0">
-            <a:spAutoFit/>
-          </a:bodyPr>
-          <a:lstStyle/>
-          <a:p>
-            <a:r>
-              <a:rPr lang="es-MX" dirty="0" smtClean="0"/>
-              <a:t>Cancelación</a:t>
-            </a:r>
-            <a:endParaRPr lang="es-MX" dirty="0"/>
-          </a:p>
-        </p:txBody>
-      </p:sp>
-      <p:cxnSp>
-        <p:nvCxnSpPr>
-          <p:cNvPr id="28" name="Conector recto 27"/>
-          <p:cNvCxnSpPr/>
-          <p:nvPr/>
-        </p:nvCxnSpPr>
-        <p:spPr>
-          <a:xfrm flipV="1">
-            <a:off x="169816" y="513018"/>
-            <a:ext cx="11834950" cy="2"/>
-          </a:xfrm>
-          <a:prstGeom prst="line">
-            <a:avLst/>
-          </a:prstGeom>
-          <a:ln>
-            <a:solidFill>
-              <a:schemeClr val="tx1"/>
-            </a:solidFill>
-          </a:ln>
-        </p:spPr>
-        <p:style>
-          <a:lnRef idx="1">
-            <a:schemeClr val="accent1"/>
-          </a:lnRef>
-          <a:fillRef idx="0">
-            <a:schemeClr val="accent1"/>
-          </a:fillRef>
-          <a:effectRef idx="0">
-            <a:schemeClr val="accent1"/>
-          </a:effectRef>
-          <a:fontRef idx="minor">
-            <a:schemeClr val="tx1"/>
-          </a:fontRef>
-        </p:style>
-      </p:cxnSp>
-      <p:sp>
-        <p:nvSpPr>
           <p:cNvPr id="8" name="Rectángulo 7"/>
           <p:cNvSpPr/>
           <p:nvPr/>
         </p:nvSpPr>
         <p:spPr>
           <a:xfrm>
-            <a:off x="182880" y="973789"/>
-            <a:ext cx="1802674" cy="278561"/>
+            <a:off x="182880" y="895231"/>
+            <a:ext cx="1802674" cy="329410"/>
           </a:xfrm>
           <a:prstGeom prst="rect">
             <a:avLst/>
@@ -5492,8 +5390,8 @@
         </p:nvSpPr>
         <p:spPr>
           <a:xfrm>
-            <a:off x="2050872" y="978535"/>
-            <a:ext cx="2299063" cy="273815"/>
+            <a:off x="2050872" y="888120"/>
+            <a:ext cx="2299063" cy="336522"/>
           </a:xfrm>
           <a:prstGeom prst="rect">
             <a:avLst/>
@@ -5548,7 +5446,7 @@
         </p:nvSpPr>
         <p:spPr>
           <a:xfrm>
-            <a:off x="182880" y="637960"/>
+            <a:off x="182880" y="513269"/>
             <a:ext cx="2479216" cy="276999"/>
           </a:xfrm>
           <a:prstGeom prst="rect">
@@ -5578,8 +5476,8 @@
         </p:nvSpPr>
         <p:spPr>
           <a:xfrm>
-            <a:off x="4424663" y="975174"/>
-            <a:ext cx="2299063" cy="277176"/>
+            <a:off x="4424663" y="867520"/>
+            <a:ext cx="2299063" cy="351680"/>
           </a:xfrm>
           <a:prstGeom prst="rect">
             <a:avLst/>
@@ -5724,7 +5622,7 @@
         </p:nvSpPr>
         <p:spPr>
           <a:xfrm>
-            <a:off x="3550307" y="629161"/>
+            <a:off x="3550307" y="504470"/>
             <a:ext cx="2654550" cy="276999"/>
           </a:xfrm>
           <a:prstGeom prst="rect">
@@ -6486,11 +6384,41 @@
           </a:p>
         </p:txBody>
       </p:sp>
+      <p:sp>
+        <p:nvSpPr>
+          <p:cNvPr id="31" name="CuadroTexto 30"/>
+          <p:cNvSpPr txBox="1"/>
+          <p:nvPr/>
+        </p:nvSpPr>
+        <p:spPr>
+          <a:xfrm>
+            <a:off x="7093068" y="470396"/>
+            <a:ext cx="2683750" cy="276999"/>
+          </a:xfrm>
+          <a:prstGeom prst="rect">
+            <a:avLst/>
+          </a:prstGeom>
+          <a:noFill/>
+        </p:spPr>
+        <p:txBody>
+          <a:bodyPr wrap="square" rtlCol="0">
+            <a:spAutoFit/>
+          </a:bodyPr>
+          <a:lstStyle/>
+          <a:p>
+            <a:r>
+              <a:rPr lang="es-MX" sz="1200" dirty="0" smtClean="0"/>
+              <a:t>Estado:</a:t>
+            </a:r>
+            <a:endParaRPr lang="es-MX" sz="1200" dirty="0"/>
+          </a:p>
+        </p:txBody>
+      </p:sp>
     </p:spTree>
     <p:controls>
       <mc:AlternateContent xmlns:mc="http://schemas.openxmlformats.org/markup-compatibility/2006">
         <mc:Choice xmlns:v="urn:schemas-microsoft-com:vml" Requires="v">
-          <p:control spid="8399" name="ListBox2" r:id="rId2" imgW="11430000" imgH="609480"/>
+          <p:control spid="8405" name="ListBox2" r:id="rId2" imgW="11430000" imgH="609480"/>
         </mc:Choice>
         <mc:Fallback>
           <p:control name="ListBox2" r:id="rId2" imgW="11430000" imgH="609480">
@@ -6783,7 +6711,7 @@
         </p:nvSpPr>
         <p:spPr>
           <a:xfrm>
-            <a:off x="6195502" y="5674798"/>
+            <a:off x="6832810" y="5674798"/>
             <a:ext cx="1062456" cy="392025"/>
           </a:xfrm>
           <a:prstGeom prst="roundRect">
@@ -6838,7 +6766,7 @@
         </p:nvSpPr>
         <p:spPr>
           <a:xfrm>
-            <a:off x="3355321" y="5688239"/>
+            <a:off x="4311285" y="5688239"/>
             <a:ext cx="1175656" cy="392026"/>
           </a:xfrm>
           <a:prstGeom prst="roundRect">
@@ -7939,7 +7867,7 @@
         </p:nvSpPr>
         <p:spPr>
           <a:xfrm>
-            <a:off x="4694699" y="5674797"/>
+            <a:off x="5567537" y="5674797"/>
             <a:ext cx="1175656" cy="392026"/>
           </a:xfrm>
           <a:prstGeom prst="roundRect">
@@ -7993,7 +7921,7 @@
     <p:controls>
       <mc:AlternateContent xmlns:mc="http://schemas.openxmlformats.org/markup-compatibility/2006">
         <mc:Choice xmlns:v="urn:schemas-microsoft-com:vml" Requires="v">
-          <p:control spid="35935" name="ListBox3" r:id="rId2" imgW="11115720" imgH="752400"/>
+          <p:control spid="35941" name="ListBox3" r:id="rId2" imgW="11115720" imgH="752400"/>
         </mc:Choice>
         <mc:Fallback>
           <p:control name="ListBox3" r:id="rId2" imgW="11115720" imgH="752400">
@@ -9041,7 +8969,7 @@
     <p:controls>
       <mc:AlternateContent xmlns:mc="http://schemas.openxmlformats.org/markup-compatibility/2006">
         <mc:Choice xmlns:v="urn:schemas-microsoft-com:vml" Requires="v">
-          <p:control spid="32905" name="ListBox3" r:id="rId2" imgW="11115720" imgH="695160"/>
+          <p:control spid="32929" name="ListBox3" r:id="rId2" imgW="11115720" imgH="695160"/>
         </mc:Choice>
         <mc:Fallback>
           <p:control name="ListBox3" r:id="rId2" imgW="11115720" imgH="695160">
@@ -9074,7 +9002,7 @@
       </mc:AlternateContent>
       <mc:AlternateContent xmlns:mc="http://schemas.openxmlformats.org/markup-compatibility/2006">
         <mc:Choice xmlns:v="urn:schemas-microsoft-com:vml" Requires="v">
-          <p:control spid="32906" name="CheckBox1" r:id="rId3" imgW="2076480" imgH="419040"/>
+          <p:control spid="32930" name="CheckBox1" r:id="rId3" imgW="2076480" imgH="419040"/>
         </mc:Choice>
         <mc:Fallback>
           <p:control name="CheckBox1" r:id="rId3" imgW="2076480" imgH="419040">
@@ -9107,7 +9035,7 @@
       </mc:AlternateContent>
       <mc:AlternateContent xmlns:mc="http://schemas.openxmlformats.org/markup-compatibility/2006">
         <mc:Choice xmlns:v="urn:schemas-microsoft-com:vml" Requires="v">
-          <p:control spid="32907" name="CheckBox2" r:id="rId4" imgW="2066760" imgH="352440"/>
+          <p:control spid="32931" name="CheckBox2" r:id="rId4" imgW="2066760" imgH="352440"/>
         </mc:Choice>
         <mc:Fallback>
           <p:control name="CheckBox2" r:id="rId4" imgW="2066760" imgH="352440">
@@ -9140,7 +9068,7 @@
       </mc:AlternateContent>
       <mc:AlternateContent xmlns:mc="http://schemas.openxmlformats.org/markup-compatibility/2006">
         <mc:Choice xmlns:v="urn:schemas-microsoft-com:vml" Requires="v">
-          <p:control spid="32908" name="CheckBox5" r:id="rId5" imgW="1990800" imgH="352440"/>
+          <p:control spid="32932" name="CheckBox5" r:id="rId5" imgW="1990800" imgH="352440"/>
         </mc:Choice>
         <mc:Fallback>
           <p:control name="CheckBox5" r:id="rId5" imgW="1990800" imgH="352440">
@@ -10726,7 +10654,7 @@
     <p:controls>
       <mc:AlternateContent xmlns:mc="http://schemas.openxmlformats.org/markup-compatibility/2006">
         <mc:Choice xmlns:v="urn:schemas-microsoft-com:vml" Requires="v">
-          <p:control spid="33869" name="ComboBox1" r:id="rId2" imgW="1514520" imgH="314280"/>
+          <p:control spid="33887" name="ComboBox1" r:id="rId2" imgW="1514520" imgH="314280"/>
         </mc:Choice>
         <mc:Fallback>
           <p:control name="ComboBox1" r:id="rId2" imgW="1514520" imgH="314280">
@@ -10759,7 +10687,7 @@
       </mc:AlternateContent>
       <mc:AlternateContent xmlns:mc="http://schemas.openxmlformats.org/markup-compatibility/2006">
         <mc:Choice xmlns:v="urn:schemas-microsoft-com:vml" Requires="v">
-          <p:control spid="33870" name="ListBox2" r:id="rId3" imgW="2085840" imgH="295200"/>
+          <p:control spid="33888" name="ListBox2" r:id="rId3" imgW="2085840" imgH="295200"/>
         </mc:Choice>
         <mc:Fallback>
           <p:control name="ListBox2" r:id="rId3" imgW="2085840" imgH="295200">
@@ -10792,7 +10720,7 @@
       </mc:AlternateContent>
       <mc:AlternateContent xmlns:mc="http://schemas.openxmlformats.org/markup-compatibility/2006">
         <mc:Choice xmlns:v="urn:schemas-microsoft-com:vml" Requires="v">
-          <p:control spid="33871" name="ComboBox3" r:id="rId4" imgW="1628640" imgH="371520"/>
+          <p:control spid="33889" name="ComboBox3" r:id="rId4" imgW="1628640" imgH="371520"/>
         </mc:Choice>
         <mc:Fallback>
           <p:control name="ComboBox3" r:id="rId4" imgW="1628640" imgH="371520">
@@ -13141,14 +13069,14 @@
       </p:sp>
       <p:sp>
         <p:nvSpPr>
-          <p:cNvPr id="77" name="CuadroTexto 76"/>
+          <p:cNvPr id="78" name="CuadroTexto 77"/>
           <p:cNvSpPr txBox="1"/>
           <p:nvPr/>
         </p:nvSpPr>
         <p:spPr>
           <a:xfrm>
-            <a:off x="1782168" y="762128"/>
-            <a:ext cx="2404290" cy="276999"/>
+            <a:off x="10258868" y="693361"/>
+            <a:ext cx="1939367" cy="276999"/>
           </a:xfrm>
           <a:prstGeom prst="rect">
             <a:avLst/>
@@ -13163,7 +13091,7 @@
           <a:p>
             <a:r>
               <a:rPr lang="es-MX" sz="1200" dirty="0" smtClean="0"/>
-              <a:t>Fecha solicitud de la Actualización:</a:t>
+              <a:t>Estado:</a:t>
             </a:r>
             <a:endParaRPr lang="es-MX" sz="1200" dirty="0"/>
           </a:p>
@@ -13171,13 +13099,13 @@
       </p:sp>
       <p:sp>
         <p:nvSpPr>
-          <p:cNvPr id="78" name="CuadroTexto 77"/>
+          <p:cNvPr id="79" name="CuadroTexto 78"/>
           <p:cNvSpPr txBox="1"/>
           <p:nvPr/>
         </p:nvSpPr>
         <p:spPr>
           <a:xfrm>
-            <a:off x="10258868" y="762636"/>
+            <a:off x="8622379" y="672491"/>
             <a:ext cx="1939367" cy="276999"/>
           </a:xfrm>
           <a:prstGeom prst="rect">
@@ -13193,7 +13121,7 @@
           <a:p>
             <a:r>
               <a:rPr lang="es-MX" sz="1200" dirty="0" smtClean="0"/>
-              <a:t>Estado:</a:t>
+              <a:t>Días Transcurridos:</a:t>
             </a:r>
             <a:endParaRPr lang="es-MX" sz="1200" dirty="0"/>
           </a:p>
@@ -13201,13 +13129,13 @@
       </p:sp>
       <p:sp>
         <p:nvSpPr>
-          <p:cNvPr id="79" name="CuadroTexto 78"/>
+          <p:cNvPr id="80" name="CuadroTexto 79"/>
           <p:cNvSpPr txBox="1"/>
           <p:nvPr/>
         </p:nvSpPr>
         <p:spPr>
           <a:xfrm>
-            <a:off x="8622379" y="741766"/>
+            <a:off x="4291155" y="684755"/>
             <a:ext cx="1939367" cy="276999"/>
           </a:xfrm>
           <a:prstGeom prst="rect">
@@ -13223,7 +13151,7 @@
           <a:p>
             <a:r>
               <a:rPr lang="es-MX" sz="1200" dirty="0" smtClean="0"/>
-              <a:t>Días Transcurridos:</a:t>
+              <a:t>Fecha de consulta 32D  :</a:t>
             </a:r>
             <a:endParaRPr lang="es-MX" sz="1200" dirty="0"/>
           </a:p>
@@ -13231,13 +13159,13 @@
       </p:sp>
       <p:sp>
         <p:nvSpPr>
-          <p:cNvPr id="80" name="CuadroTexto 79"/>
+          <p:cNvPr id="81" name="CuadroTexto 80"/>
           <p:cNvSpPr txBox="1"/>
           <p:nvPr/>
         </p:nvSpPr>
         <p:spPr>
           <a:xfrm>
-            <a:off x="4291155" y="754030"/>
+            <a:off x="6418693" y="693362"/>
             <a:ext cx="1939367" cy="276999"/>
           </a:xfrm>
           <a:prstGeom prst="rect">
@@ -13253,7 +13181,7 @@
           <a:p>
             <a:r>
               <a:rPr lang="es-MX" sz="1200" dirty="0" smtClean="0"/>
-              <a:t>Fecha de consulta 32D  :</a:t>
+              <a:t>Resultado de consulta 32D :</a:t>
             </a:r>
             <a:endParaRPr lang="es-MX" sz="1200" dirty="0"/>
           </a:p>
@@ -13261,14 +13189,14 @@
       </p:sp>
       <p:sp>
         <p:nvSpPr>
-          <p:cNvPr id="81" name="CuadroTexto 80"/>
+          <p:cNvPr id="57" name="CuadroTexto 56"/>
           <p:cNvSpPr txBox="1"/>
           <p:nvPr/>
         </p:nvSpPr>
         <p:spPr>
           <a:xfrm>
-            <a:off x="6418693" y="762637"/>
-            <a:ext cx="1939367" cy="276999"/>
+            <a:off x="1721997" y="709752"/>
+            <a:ext cx="2683750" cy="276999"/>
           </a:xfrm>
           <a:prstGeom prst="rect">
             <a:avLst/>
@@ -13283,7 +13211,7 @@
           <a:p>
             <a:r>
               <a:rPr lang="es-MX" sz="1200" dirty="0" smtClean="0"/>
-              <a:t>Resultado de consulta 32D :</a:t>
+              <a:t>Fecha de inicio de la cancelación:</a:t>
             </a:r>
             <a:endParaRPr lang="es-MX" sz="1200" dirty="0"/>
           </a:p>
@@ -14931,7 +14859,7 @@
     <p:controls>
       <mc:AlternateContent xmlns:mc="http://schemas.openxmlformats.org/markup-compatibility/2006">
         <mc:Choice xmlns:v="urn:schemas-microsoft-com:vml" Requires="v">
-          <p:control spid="10876" name="ListBox1" r:id="rId2" imgW="11325240" imgH="476280"/>
+          <p:control spid="10906" name="ListBox1" r:id="rId2" imgW="11325240" imgH="476280"/>
         </mc:Choice>
         <mc:Fallback>
           <p:control name="ListBox1" r:id="rId2" imgW="11325240" imgH="476280">
@@ -14964,7 +14892,7 @@
       </mc:AlternateContent>
       <mc:AlternateContent xmlns:mc="http://schemas.openxmlformats.org/markup-compatibility/2006">
         <mc:Choice xmlns:v="urn:schemas-microsoft-com:vml" Requires="v">
-          <p:control spid="10877" name="ListBox5" r:id="rId3" imgW="11382480" imgH="380880"/>
+          <p:control spid="10907" name="ListBox5" r:id="rId3" imgW="11382480" imgH="380880"/>
         </mc:Choice>
         <mc:Fallback>
           <p:control name="ListBox5" r:id="rId3" imgW="11382480" imgH="380880">
@@ -14997,7 +14925,7 @@
       </mc:AlternateContent>
       <mc:AlternateContent xmlns:mc="http://schemas.openxmlformats.org/markup-compatibility/2006">
         <mc:Choice xmlns:v="urn:schemas-microsoft-com:vml" Requires="v">
-          <p:control spid="10878" name="CheckBox1" r:id="rId4" imgW="2076480" imgH="419040"/>
+          <p:control spid="10908" name="CheckBox1" r:id="rId4" imgW="2076480" imgH="419040"/>
         </mc:Choice>
         <mc:Fallback>
           <p:control name="CheckBox1" r:id="rId4" imgW="2076480" imgH="419040">
@@ -15030,7 +14958,7 @@
       </mc:AlternateContent>
       <mc:AlternateContent xmlns:mc="http://schemas.openxmlformats.org/markup-compatibility/2006">
         <mc:Choice xmlns:v="urn:schemas-microsoft-com:vml" Requires="v">
-          <p:control spid="10879" name="CheckBox2" r:id="rId5" imgW="2066760" imgH="352440"/>
+          <p:control spid="10909" name="CheckBox2" r:id="rId5" imgW="2066760" imgH="352440"/>
         </mc:Choice>
         <mc:Fallback>
           <p:control name="CheckBox2" r:id="rId5" imgW="2066760" imgH="352440">
@@ -15063,7 +14991,7 @@
       </mc:AlternateContent>
       <mc:AlternateContent xmlns:mc="http://schemas.openxmlformats.org/markup-compatibility/2006">
         <mc:Choice xmlns:v="urn:schemas-microsoft-com:vml" Requires="v">
-          <p:control spid="10880" name="CheckBox5" r:id="rId6" imgW="1990800" imgH="352440"/>
+          <p:control spid="10910" name="CheckBox5" r:id="rId6" imgW="1990800" imgH="352440"/>
         </mc:Choice>
         <mc:Fallback>
           <p:control name="CheckBox5" r:id="rId6" imgW="1990800" imgH="352440">
@@ -15724,11 +15652,6 @@
               </a:rPr>
               <a:t>Emisión de la actualización del T.A.</a:t>
             </a:r>
-            <a:endParaRPr lang="es-MX" sz="1200" dirty="0">
-              <a:solidFill>
-                <a:schemeClr val="tx1"/>
-              </a:solidFill>
-            </a:endParaRPr>
           </a:p>
         </p:txBody>
       </p:sp>
@@ -15764,14 +15687,14 @@
       </p:sp>
       <p:sp>
         <p:nvSpPr>
-          <p:cNvPr id="44" name="CuadroTexto 43"/>
+          <p:cNvPr id="45" name="CuadroTexto 44"/>
           <p:cNvSpPr txBox="1"/>
           <p:nvPr/>
         </p:nvSpPr>
         <p:spPr>
           <a:xfrm>
-            <a:off x="1782168" y="554303"/>
-            <a:ext cx="2404290" cy="276999"/>
+            <a:off x="10258868" y="513246"/>
+            <a:ext cx="1939367" cy="276999"/>
           </a:xfrm>
           <a:prstGeom prst="rect">
             <a:avLst/>
@@ -15786,7 +15709,7 @@
           <a:p>
             <a:r>
               <a:rPr lang="es-MX" sz="1200" dirty="0" smtClean="0"/>
-              <a:t>Fecha solicitud de la Actualización:</a:t>
+              <a:t>Estado:</a:t>
             </a:r>
             <a:endParaRPr lang="es-MX" sz="1200" dirty="0"/>
           </a:p>
@@ -15794,13 +15717,13 @@
       </p:sp>
       <p:sp>
         <p:nvSpPr>
-          <p:cNvPr id="45" name="CuadroTexto 44"/>
+          <p:cNvPr id="46" name="CuadroTexto 45"/>
           <p:cNvSpPr txBox="1"/>
           <p:nvPr/>
         </p:nvSpPr>
         <p:spPr>
           <a:xfrm>
-            <a:off x="10258868" y="554811"/>
+            <a:off x="8622379" y="506231"/>
             <a:ext cx="1939367" cy="276999"/>
           </a:xfrm>
           <a:prstGeom prst="rect">
@@ -15816,7 +15739,7 @@
           <a:p>
             <a:r>
               <a:rPr lang="es-MX" sz="1200" dirty="0" smtClean="0"/>
-              <a:t>Estado:</a:t>
+              <a:t>Días Transcurridos:</a:t>
             </a:r>
             <a:endParaRPr lang="es-MX" sz="1200" dirty="0"/>
           </a:p>
@@ -15824,13 +15747,13 @@
       </p:sp>
       <p:sp>
         <p:nvSpPr>
-          <p:cNvPr id="46" name="CuadroTexto 45"/>
+          <p:cNvPr id="47" name="CuadroTexto 46"/>
           <p:cNvSpPr txBox="1"/>
           <p:nvPr/>
         </p:nvSpPr>
         <p:spPr>
           <a:xfrm>
-            <a:off x="8622379" y="533941"/>
+            <a:off x="4291155" y="532350"/>
             <a:ext cx="1939367" cy="276999"/>
           </a:xfrm>
           <a:prstGeom prst="rect">
@@ -15846,36 +15769,6 @@
           <a:p>
             <a:r>
               <a:rPr lang="es-MX" sz="1200" dirty="0" smtClean="0"/>
-              <a:t>Días Transcurridos:</a:t>
-            </a:r>
-            <a:endParaRPr lang="es-MX" sz="1200" dirty="0"/>
-          </a:p>
-        </p:txBody>
-      </p:sp>
-      <p:sp>
-        <p:nvSpPr>
-          <p:cNvPr id="47" name="CuadroTexto 46"/>
-          <p:cNvSpPr txBox="1"/>
-          <p:nvPr/>
-        </p:nvSpPr>
-        <p:spPr>
-          <a:xfrm>
-            <a:off x="4291155" y="546205"/>
-            <a:ext cx="1939367" cy="276999"/>
-          </a:xfrm>
-          <a:prstGeom prst="rect">
-            <a:avLst/>
-          </a:prstGeom>
-          <a:noFill/>
-        </p:spPr>
-        <p:txBody>
-          <a:bodyPr wrap="square" rtlCol="0">
-            <a:spAutoFit/>
-          </a:bodyPr>
-          <a:lstStyle/>
-          <a:p>
-            <a:r>
-              <a:rPr lang="es-MX" sz="1200" dirty="0" smtClean="0"/>
               <a:t>Fecha de consulta 32D  :</a:t>
             </a:r>
             <a:endParaRPr lang="es-MX" sz="1200" dirty="0"/>
@@ -15890,7 +15783,7 @@
         </p:nvSpPr>
         <p:spPr>
           <a:xfrm>
-            <a:off x="6418693" y="554812"/>
+            <a:off x="6418693" y="513247"/>
             <a:ext cx="1939367" cy="276999"/>
           </a:xfrm>
           <a:prstGeom prst="rect">
@@ -16732,11 +16625,41 @@
           </a:p>
         </p:txBody>
       </p:sp>
+      <p:sp>
+        <p:nvSpPr>
+          <p:cNvPr id="34" name="CuadroTexto 33"/>
+          <p:cNvSpPr txBox="1"/>
+          <p:nvPr/>
+        </p:nvSpPr>
+        <p:spPr>
+          <a:xfrm>
+            <a:off x="1761838" y="526926"/>
+            <a:ext cx="2683750" cy="276999"/>
+          </a:xfrm>
+          <a:prstGeom prst="rect">
+            <a:avLst/>
+          </a:prstGeom>
+          <a:noFill/>
+        </p:spPr>
+        <p:txBody>
+          <a:bodyPr wrap="square" rtlCol="0">
+            <a:spAutoFit/>
+          </a:bodyPr>
+          <a:lstStyle/>
+          <a:p>
+            <a:r>
+              <a:rPr lang="es-MX" sz="1200" dirty="0" smtClean="0"/>
+              <a:t>Fecha de inicio de la cancelación:</a:t>
+            </a:r>
+            <a:endParaRPr lang="es-MX" sz="1200" dirty="0"/>
+          </a:p>
+        </p:txBody>
+      </p:sp>
     </p:spTree>
     <p:controls>
       <mc:AlternateContent xmlns:mc="http://schemas.openxmlformats.org/markup-compatibility/2006">
         <mc:Choice xmlns:v="urn:schemas-microsoft-com:vml" Requires="v">
-          <p:control spid="11659" name="ListBox3" r:id="rId2" imgW="11611080" imgH="666720"/>
+          <p:control spid="11683" name="ListBox3" r:id="rId2" imgW="11611080" imgH="666720"/>
         </mc:Choice>
         <mc:Fallback>
           <p:control name="ListBox3" r:id="rId2" imgW="11611080" imgH="666720">
@@ -16769,7 +16692,7 @@
       </mc:AlternateContent>
       <mc:AlternateContent xmlns:mc="http://schemas.openxmlformats.org/markup-compatibility/2006">
         <mc:Choice xmlns:v="urn:schemas-microsoft-com:vml" Requires="v">
-          <p:control spid="11660" name="ListBox1" r:id="rId3" imgW="11601360" imgH="647640"/>
+          <p:control spid="11684" name="ListBox1" r:id="rId3" imgW="11601360" imgH="647640"/>
         </mc:Choice>
         <mc:Fallback>
           <p:control name="ListBox1" r:id="rId3" imgW="11601360" imgH="647640">
@@ -16802,7 +16725,7 @@
       </mc:AlternateContent>
       <mc:AlternateContent xmlns:mc="http://schemas.openxmlformats.org/markup-compatibility/2006">
         <mc:Choice xmlns:v="urn:schemas-microsoft-com:vml" Requires="v">
-          <p:control spid="11661" name="CheckBox4" r:id="rId4" imgW="847800" imgH="352440"/>
+          <p:control spid="11685" name="CheckBox4" r:id="rId4" imgW="847800" imgH="352440"/>
         </mc:Choice>
         <mc:Fallback>
           <p:control name="CheckBox4" r:id="rId4" imgW="847800" imgH="352440">
@@ -16835,7 +16758,7 @@
       </mc:AlternateContent>
       <mc:AlternateContent xmlns:mc="http://schemas.openxmlformats.org/markup-compatibility/2006">
         <mc:Choice xmlns:v="urn:schemas-microsoft-com:vml" Requires="v">
-          <p:control spid="11662" name="CheckBox5" r:id="rId5" imgW="1076400" imgH="352440"/>
+          <p:control spid="11686" name="CheckBox5" r:id="rId5" imgW="1076400" imgH="352440"/>
         </mc:Choice>
         <mc:Fallback>
           <p:control name="CheckBox5" r:id="rId5" imgW="1076400" imgH="352440">
@@ -18247,7 +18170,7 @@
     <p:controls>
       <mc:AlternateContent xmlns:mc="http://schemas.openxmlformats.org/markup-compatibility/2006">
         <mc:Choice xmlns:v="urn:schemas-microsoft-com:vml" Requires="v">
-          <p:control spid="18704" name="ComboBox1" r:id="rId2" imgW="1380960" imgH="285840"/>
+          <p:control spid="18722" name="ComboBox1" r:id="rId2" imgW="1380960" imgH="285840"/>
         </mc:Choice>
         <mc:Fallback>
           <p:control name="ComboBox1" r:id="rId2" imgW="1380960" imgH="285840">
@@ -18280,7 +18203,7 @@
       </mc:AlternateContent>
       <mc:AlternateContent xmlns:mc="http://schemas.openxmlformats.org/markup-compatibility/2006">
         <mc:Choice xmlns:v="urn:schemas-microsoft-com:vml" Requires="v">
-          <p:control spid="18705" name="ListBox2" r:id="rId3" imgW="2085840" imgH="295200"/>
+          <p:control spid="18723" name="ListBox2" r:id="rId3" imgW="2085840" imgH="295200"/>
         </mc:Choice>
         <mc:Fallback>
           <p:control name="ListBox2" r:id="rId3" imgW="2085840" imgH="295200">
@@ -18313,7 +18236,7 @@
       </mc:AlternateContent>
       <mc:AlternateContent xmlns:mc="http://schemas.openxmlformats.org/markup-compatibility/2006">
         <mc:Choice xmlns:v="urn:schemas-microsoft-com:vml" Requires="v">
-          <p:control spid="18706" name="ComboBox3" r:id="rId4" imgW="1628640" imgH="371520"/>
+          <p:control spid="18724" name="ComboBox3" r:id="rId4" imgW="1628640" imgH="371520"/>
         </mc:Choice>
         <mc:Fallback>
           <p:control name="ComboBox3" r:id="rId4" imgW="1628640" imgH="371520">
@@ -20161,7 +20084,7 @@
     <p:controls>
       <mc:AlternateContent xmlns:mc="http://schemas.openxmlformats.org/markup-compatibility/2006">
         <mc:Choice xmlns:v="urn:schemas-microsoft-com:vml" Requires="v">
-          <p:control spid="19640" name="ListBox1" r:id="rId2" imgW="11420640" imgH="666720"/>
+          <p:control spid="19652" name="ListBox1" r:id="rId2" imgW="11420640" imgH="666720"/>
         </mc:Choice>
         <mc:Fallback>
           <p:control name="ListBox1" r:id="rId2" imgW="11420640" imgH="666720">
@@ -20194,7 +20117,7 @@
       </mc:AlternateContent>
       <mc:AlternateContent xmlns:mc="http://schemas.openxmlformats.org/markup-compatibility/2006">
         <mc:Choice xmlns:v="urn:schemas-microsoft-com:vml" Requires="v">
-          <p:control spid="19641" name="ListBox7" r:id="rId3" imgW="2523960" imgH="247680"/>
+          <p:control spid="19653" name="ListBox7" r:id="rId3" imgW="2523960" imgH="247680"/>
         </mc:Choice>
         <mc:Fallback>
           <p:control name="ListBox7" r:id="rId3" imgW="2523960" imgH="247680">
@@ -20312,36 +20235,6 @@
       </p:sp>
       <p:sp>
         <p:nvSpPr>
-          <p:cNvPr id="27" name="CuadroTexto 26"/>
-          <p:cNvSpPr txBox="1"/>
-          <p:nvPr/>
-        </p:nvSpPr>
-        <p:spPr>
-          <a:xfrm>
-            <a:off x="130628" y="274319"/>
-            <a:ext cx="4676503" cy="369332"/>
-          </a:xfrm>
-          <a:prstGeom prst="rect">
-            <a:avLst/>
-          </a:prstGeom>
-          <a:noFill/>
-        </p:spPr>
-        <p:txBody>
-          <a:bodyPr wrap="square" rtlCol="0">
-            <a:spAutoFit/>
-          </a:bodyPr>
-          <a:lstStyle/>
-          <a:p>
-            <a:r>
-              <a:rPr lang="es-MX" dirty="0" smtClean="0"/>
-              <a:t>Cancelación </a:t>
-            </a:r>
-            <a:endParaRPr lang="es-MX" dirty="0"/>
-          </a:p>
-        </p:txBody>
-      </p:sp>
-      <p:sp>
-        <p:nvSpPr>
           <p:cNvPr id="6" name="Rectángulo 5"/>
           <p:cNvSpPr/>
           <p:nvPr/>
@@ -22036,41 +21929,6 @@
           </a:p>
         </p:txBody>
       </p:sp>
-      <p:cxnSp>
-        <p:nvCxnSpPr>
-          <p:cNvPr id="53" name="Conector recto 52"/>
-          <p:cNvCxnSpPr/>
-          <p:nvPr/>
-        </p:nvCxnSpPr>
-        <p:spPr>
-          <a:xfrm flipV="1">
-            <a:off x="165461" y="603404"/>
-            <a:ext cx="11834950" cy="2"/>
-          </a:xfrm>
-          <a:prstGeom prst="line">
-            <a:avLst/>
-          </a:prstGeom>
-          <a:ln>
-            <a:solidFill>
-              <a:schemeClr val="tx1"/>
-            </a:solidFill>
-          </a:ln>
-        </p:spPr>
-        <p:style>
-          <a:lnRef idx="1">
-            <a:schemeClr val="accent1"/>
-          </a:lnRef>
-          <a:fillRef idx="0">
-            <a:schemeClr val="accent1"/>
-          </a:fillRef>
-          <a:effectRef idx="0">
-            <a:schemeClr val="accent1"/>
-          </a:effectRef>
-          <a:fontRef idx="minor">
-            <a:schemeClr val="tx1"/>
-          </a:fontRef>
-        </p:style>
-      </p:cxnSp>
       <p:sp>
         <p:nvSpPr>
           <p:cNvPr id="63" name="Rectángulo 62"/>
@@ -23975,7 +23833,7 @@
     <p:controls>
       <mc:AlternateContent xmlns:mc="http://schemas.openxmlformats.org/markup-compatibility/2006">
         <mc:Choice xmlns:v="urn:schemas-microsoft-com:vml" Requires="v">
-          <p:control spid="20755" name="ListBox2" r:id="rId2" imgW="11430000" imgH="380880"/>
+          <p:control spid="20773" name="ListBox2" r:id="rId2" imgW="11430000" imgH="380880"/>
         </mc:Choice>
         <mc:Fallback>
           <p:control name="ListBox2" r:id="rId2" imgW="11430000" imgH="380880">
@@ -24008,7 +23866,7 @@
       </mc:AlternateContent>
       <mc:AlternateContent xmlns:mc="http://schemas.openxmlformats.org/markup-compatibility/2006">
         <mc:Choice xmlns:v="urn:schemas-microsoft-com:vml" Requires="v">
-          <p:control spid="20756" name="ListBox3" r:id="rId3" imgW="10572840" imgH="504720"/>
+          <p:control spid="20774" name="ListBox3" r:id="rId3" imgW="10572840" imgH="504720"/>
         </mc:Choice>
         <mc:Fallback>
           <p:control name="ListBox3" r:id="rId3" imgW="10572840" imgH="504720">
@@ -24041,7 +23899,7 @@
       </mc:AlternateContent>
       <mc:AlternateContent xmlns:mc="http://schemas.openxmlformats.org/markup-compatibility/2006">
         <mc:Choice xmlns:v="urn:schemas-microsoft-com:vml" Requires="v">
-          <p:control spid="20757" name="ListBox1" r:id="rId4" imgW="10572840" imgH="581040"/>
+          <p:control spid="20775" name="ListBox1" r:id="rId4" imgW="10572840" imgH="581040"/>
         </mc:Choice>
         <mc:Fallback>
           <p:control name="ListBox1" r:id="rId4" imgW="10572840" imgH="581040">
@@ -27704,7 +27562,7 @@
     <p:controls>
       <mc:AlternateContent xmlns:mc="http://schemas.openxmlformats.org/markup-compatibility/2006">
         <mc:Choice xmlns:v="urn:schemas-microsoft-com:vml" Requires="v">
-          <p:control spid="21596" name="ComboBox1" r:id="rId2" imgW="2390760" imgH="304920"/>
+          <p:control spid="21602" name="ComboBox1" r:id="rId2" imgW="2390760" imgH="304920"/>
         </mc:Choice>
         <mc:Fallback>
           <p:control name="ComboBox1" r:id="rId2" imgW="2390760" imgH="304920">
@@ -29816,7 +29674,7 @@
     <p:controls>
       <mc:AlternateContent xmlns:mc="http://schemas.openxmlformats.org/markup-compatibility/2006">
         <mc:Choice xmlns:v="urn:schemas-microsoft-com:vml" Requires="v">
-          <p:control spid="23758" name="ComboBox1" r:id="rId2" imgW="1514520" imgH="314280"/>
+          <p:control spid="23776" name="ComboBox1" r:id="rId2" imgW="1514520" imgH="314280"/>
         </mc:Choice>
         <mc:Fallback>
           <p:control name="ComboBox1" r:id="rId2" imgW="1514520" imgH="314280">
@@ -29849,7 +29707,7 @@
       </mc:AlternateContent>
       <mc:AlternateContent xmlns:mc="http://schemas.openxmlformats.org/markup-compatibility/2006">
         <mc:Choice xmlns:v="urn:schemas-microsoft-com:vml" Requires="v">
-          <p:control spid="23759" name="ListBox2" r:id="rId3" imgW="2085840" imgH="295200"/>
+          <p:control spid="23777" name="ListBox2" r:id="rId3" imgW="2085840" imgH="295200"/>
         </mc:Choice>
         <mc:Fallback>
           <p:control name="ListBox2" r:id="rId3" imgW="2085840" imgH="295200">
@@ -29882,7 +29740,7 @@
       </mc:AlternateContent>
       <mc:AlternateContent xmlns:mc="http://schemas.openxmlformats.org/markup-compatibility/2006">
         <mc:Choice xmlns:v="urn:schemas-microsoft-com:vml" Requires="v">
-          <p:control spid="23760" name="ComboBox3" r:id="rId4" imgW="1628640" imgH="371520"/>
+          <p:control spid="23778" name="ComboBox3" r:id="rId4" imgW="1628640" imgH="371520"/>
         </mc:Choice>
         <mc:Fallback>
           <p:control name="ComboBox3" r:id="rId4" imgW="1628640" imgH="371520">
@@ -36621,7 +36479,7 @@
     <p:controls>
       <mc:AlternateContent xmlns:mc="http://schemas.openxmlformats.org/markup-compatibility/2006">
         <mc:Choice xmlns:v="urn:schemas-microsoft-com:vml" Requires="v">
-          <p:control spid="25806" name="ComboBox1" r:id="rId2" imgW="1514520" imgH="314280"/>
+          <p:control spid="25824" name="ComboBox1" r:id="rId2" imgW="1514520" imgH="314280"/>
         </mc:Choice>
         <mc:Fallback>
           <p:control name="ComboBox1" r:id="rId2" imgW="1514520" imgH="314280">
@@ -36654,7 +36512,7 @@
       </mc:AlternateContent>
       <mc:AlternateContent xmlns:mc="http://schemas.openxmlformats.org/markup-compatibility/2006">
         <mc:Choice xmlns:v="urn:schemas-microsoft-com:vml" Requires="v">
-          <p:control spid="25807" name="ListBox2" r:id="rId3" imgW="2085840" imgH="295200"/>
+          <p:control spid="25825" name="ListBox2" r:id="rId3" imgW="2085840" imgH="295200"/>
         </mc:Choice>
         <mc:Fallback>
           <p:control name="ListBox2" r:id="rId3" imgW="2085840" imgH="295200">
@@ -36687,7 +36545,7 @@
       </mc:AlternateContent>
       <mc:AlternateContent xmlns:mc="http://schemas.openxmlformats.org/markup-compatibility/2006">
         <mc:Choice xmlns:v="urn:schemas-microsoft-com:vml" Requires="v">
-          <p:control spid="25808" name="ComboBox3" r:id="rId4" imgW="1628640" imgH="371520"/>
+          <p:control spid="25826" name="ComboBox3" r:id="rId4" imgW="1628640" imgH="371520"/>
         </mc:Choice>
         <mc:Fallback>
           <p:control name="ComboBox3" r:id="rId4" imgW="1628640" imgH="371520">
@@ -38240,7 +38098,7 @@
     <p:controls>
       <mc:AlternateContent xmlns:mc="http://schemas.openxmlformats.org/markup-compatibility/2006">
         <mc:Choice xmlns:v="urn:schemas-microsoft-com:vml" Requires="v">
-          <p:control spid="26830" name="ComboBox1" r:id="rId2" imgW="1514520" imgH="314280"/>
+          <p:control spid="26848" name="ComboBox1" r:id="rId2" imgW="1514520" imgH="314280"/>
         </mc:Choice>
         <mc:Fallback>
           <p:control name="ComboBox1" r:id="rId2" imgW="1514520" imgH="314280">
@@ -38273,7 +38131,7 @@
       </mc:AlternateContent>
       <mc:AlternateContent xmlns:mc="http://schemas.openxmlformats.org/markup-compatibility/2006">
         <mc:Choice xmlns:v="urn:schemas-microsoft-com:vml" Requires="v">
-          <p:control spid="26831" name="ListBox2" r:id="rId3" imgW="2085840" imgH="295200"/>
+          <p:control spid="26849" name="ListBox2" r:id="rId3" imgW="2085840" imgH="295200"/>
         </mc:Choice>
         <mc:Fallback>
           <p:control name="ListBox2" r:id="rId3" imgW="2085840" imgH="295200">
@@ -38306,7 +38164,7 @@
       </mc:AlternateContent>
       <mc:AlternateContent xmlns:mc="http://schemas.openxmlformats.org/markup-compatibility/2006">
         <mc:Choice xmlns:v="urn:schemas-microsoft-com:vml" Requires="v">
-          <p:control spid="26832" name="ComboBox3" r:id="rId4" imgW="1628640" imgH="371520"/>
+          <p:control spid="26850" name="ComboBox3" r:id="rId4" imgW="1628640" imgH="371520"/>
         </mc:Choice>
         <mc:Fallback>
           <p:control name="ComboBox3" r:id="rId4" imgW="1628640" imgH="371520">
@@ -39412,7 +39270,7 @@
     <p:controls>
       <mc:AlternateContent xmlns:mc="http://schemas.openxmlformats.org/markup-compatibility/2006">
         <mc:Choice xmlns:v="urn:schemas-microsoft-com:vml" Requires="v">
-          <p:control spid="27990" name="ListBox3" r:id="rId2" imgW="11420640" imgH="457200"/>
+          <p:control spid="28020" name="ListBox3" r:id="rId2" imgW="11420640" imgH="457200"/>
         </mc:Choice>
         <mc:Fallback>
           <p:control name="ListBox3" r:id="rId2" imgW="11420640" imgH="457200">
@@ -39445,7 +39303,7 @@
       </mc:AlternateContent>
       <mc:AlternateContent xmlns:mc="http://schemas.openxmlformats.org/markup-compatibility/2006">
         <mc:Choice xmlns:v="urn:schemas-microsoft-com:vml" Requires="v">
-          <p:control spid="27991" name="ListBox5" r:id="rId3" imgW="2685960" imgH="276120"/>
+          <p:control spid="28021" name="ListBox5" r:id="rId3" imgW="2685960" imgH="276120"/>
         </mc:Choice>
         <mc:Fallback>
           <p:control name="ListBox5" r:id="rId3" imgW="2685960" imgH="276120">
@@ -39478,7 +39336,7 @@
       </mc:AlternateContent>
       <mc:AlternateContent xmlns:mc="http://schemas.openxmlformats.org/markup-compatibility/2006">
         <mc:Choice xmlns:v="urn:schemas-microsoft-com:vml" Requires="v">
-          <p:control spid="27992" name="ListBox6" r:id="rId4" imgW="2523960" imgH="276120"/>
+          <p:control spid="28022" name="ListBox6" r:id="rId4" imgW="2523960" imgH="276120"/>
         </mc:Choice>
         <mc:Fallback>
           <p:control name="ListBox6" r:id="rId4" imgW="2523960" imgH="276120">
@@ -39511,7 +39369,7 @@
       </mc:AlternateContent>
       <mc:AlternateContent xmlns:mc="http://schemas.openxmlformats.org/markup-compatibility/2006">
         <mc:Choice xmlns:v="urn:schemas-microsoft-com:vml" Requires="v">
-          <p:control spid="27993" name="ListBox7" r:id="rId5" imgW="2523960" imgH="276120"/>
+          <p:control spid="28023" name="ListBox7" r:id="rId5" imgW="2523960" imgH="276120"/>
         </mc:Choice>
         <mc:Fallback>
           <p:control name="ListBox7" r:id="rId5" imgW="2523960" imgH="276120">
@@ -39544,7 +39402,7 @@
       </mc:AlternateContent>
       <mc:AlternateContent xmlns:mc="http://schemas.openxmlformats.org/markup-compatibility/2006">
         <mc:Choice xmlns:v="urn:schemas-microsoft-com:vml" Requires="v">
-          <p:control spid="27994" name="ListBox8" r:id="rId6" imgW="2685960" imgH="276120"/>
+          <p:control spid="28024" name="ListBox8" r:id="rId6" imgW="2685960" imgH="276120"/>
         </mc:Choice>
         <mc:Fallback>
           <p:control name="ListBox8" r:id="rId6" imgW="2685960" imgH="276120">
@@ -40503,7 +40361,7 @@
     <p:controls>
       <mc:AlternateContent xmlns:mc="http://schemas.openxmlformats.org/markup-compatibility/2006">
         <mc:Choice xmlns:v="urn:schemas-microsoft-com:vml" Requires="v">
-          <p:control spid="36878" name="ComboBox1" r:id="rId2" imgW="2381400" imgH="314280"/>
+          <p:control spid="36884" name="ComboBox1" r:id="rId2" imgW="2381400" imgH="314280"/>
         </mc:Choice>
         <mc:Fallback>
           <p:control name="ComboBox1" r:id="rId2" imgW="2381400" imgH="314280">
@@ -43222,7 +43080,7 @@
     <p:controls>
       <mc:AlternateContent xmlns:mc="http://schemas.openxmlformats.org/markup-compatibility/2006">
         <mc:Choice xmlns:v="urn:schemas-microsoft-com:vml" Requires="v">
-          <p:control spid="28742" name="ComboBox1" r:id="rId2" imgW="2362320" imgH="209520"/>
+          <p:control spid="28748" name="ComboBox1" r:id="rId2" imgW="2362320" imgH="209520"/>
         </mc:Choice>
         <mc:Fallback>
           <p:control name="ComboBox1" r:id="rId2" imgW="2362320" imgH="209520">
@@ -45428,7 +45286,7 @@
     <p:controls>
       <mc:AlternateContent xmlns:mc="http://schemas.openxmlformats.org/markup-compatibility/2006">
         <mc:Choice xmlns:v="urn:schemas-microsoft-com:vml" Requires="v">
-          <p:control spid="29834" name="ListBox1" r:id="rId2" imgW="11420640" imgH="752400"/>
+          <p:control spid="29846" name="ListBox1" r:id="rId2" imgW="11420640" imgH="752400"/>
         </mc:Choice>
         <mc:Fallback>
           <p:control name="ListBox1" r:id="rId2" imgW="11420640" imgH="752400">
@@ -45461,7 +45319,7 @@
       </mc:AlternateContent>
       <mc:AlternateContent xmlns:mc="http://schemas.openxmlformats.org/markup-compatibility/2006">
         <mc:Choice xmlns:v="urn:schemas-microsoft-com:vml" Requires="v">
-          <p:control spid="29835" name="ListBox7" r:id="rId3" imgW="2523960" imgH="276120"/>
+          <p:control spid="29847" name="ListBox7" r:id="rId3" imgW="2523960" imgH="276120"/>
         </mc:Choice>
         <mc:Fallback>
           <p:control name="ListBox7" r:id="rId3" imgW="2523960" imgH="276120">
@@ -47873,7 +47731,7 @@
     <p:controls>
       <mc:AlternateContent xmlns:mc="http://schemas.openxmlformats.org/markup-compatibility/2006">
         <mc:Choice xmlns:v="urn:schemas-microsoft-com:vml" Requires="v">
-          <p:control spid="30790" name="ComboBox1" r:id="rId2" imgW="2362320" imgH="209520"/>
+          <p:control spid="30796" name="ComboBox1" r:id="rId2" imgW="2362320" imgH="209520"/>
         </mc:Choice>
         <mc:Fallback>
           <p:control name="ComboBox1" r:id="rId2" imgW="2362320" imgH="209520">
@@ -47989,71 +47847,6 @@
           </a:p>
         </p:txBody>
       </p:sp>
-      <p:sp>
-        <p:nvSpPr>
-          <p:cNvPr id="78" name="CuadroTexto 77"/>
-          <p:cNvSpPr txBox="1"/>
-          <p:nvPr/>
-        </p:nvSpPr>
-        <p:spPr>
-          <a:xfrm>
-            <a:off x="130628" y="329737"/>
-            <a:ext cx="4676503" cy="369332"/>
-          </a:xfrm>
-          <a:prstGeom prst="rect">
-            <a:avLst/>
-          </a:prstGeom>
-          <a:noFill/>
-        </p:spPr>
-        <p:txBody>
-          <a:bodyPr wrap="square" rtlCol="0">
-            <a:spAutoFit/>
-          </a:bodyPr>
-          <a:lstStyle/>
-          <a:p>
-            <a:r>
-              <a:rPr lang="es-MX" dirty="0" smtClean="0"/>
-              <a:t>Cancelación </a:t>
-            </a:r>
-            <a:endParaRPr lang="es-MX" dirty="0"/>
-          </a:p>
-        </p:txBody>
-      </p:sp>
-      <p:cxnSp>
-        <p:nvCxnSpPr>
-          <p:cNvPr id="85" name="Conector recto 84"/>
-          <p:cNvCxnSpPr/>
-          <p:nvPr/>
-        </p:nvCxnSpPr>
-        <p:spPr>
-          <a:xfrm flipV="1">
-            <a:off x="165461" y="658822"/>
-            <a:ext cx="11834950" cy="2"/>
-          </a:xfrm>
-          <a:prstGeom prst="line">
-            <a:avLst/>
-          </a:prstGeom>
-          <a:ln>
-            <a:solidFill>
-              <a:schemeClr val="tx1"/>
-            </a:solidFill>
-          </a:ln>
-        </p:spPr>
-        <p:style>
-          <a:lnRef idx="1">
-            <a:schemeClr val="accent1"/>
-          </a:lnRef>
-          <a:fillRef idx="0">
-            <a:schemeClr val="accent1"/>
-          </a:fillRef>
-          <a:effectRef idx="0">
-            <a:schemeClr val="accent1"/>
-          </a:effectRef>
-          <a:fontRef idx="minor">
-            <a:schemeClr val="tx1"/>
-          </a:fontRef>
-        </p:style>
-      </p:cxnSp>
       <p:sp>
         <p:nvSpPr>
           <p:cNvPr id="40" name="CuadroTexto 39"/>
@@ -49343,7 +49136,7 @@
     <p:controls>
       <mc:AlternateContent xmlns:mc="http://schemas.openxmlformats.org/markup-compatibility/2006">
         <mc:Choice xmlns:v="urn:schemas-microsoft-com:vml" Requires="v">
-          <p:control spid="5618" name="ListBox2" r:id="rId2" imgW="2523960" imgH="276120"/>
+          <p:control spid="5642" name="ListBox2" r:id="rId2" imgW="2523960" imgH="276120"/>
         </mc:Choice>
         <mc:Fallback>
           <p:control name="ListBox2" r:id="rId2" imgW="2523960" imgH="276120">
@@ -49376,7 +49169,7 @@
       </mc:AlternateContent>
       <mc:AlternateContent xmlns:mc="http://schemas.openxmlformats.org/markup-compatibility/2006">
         <mc:Choice xmlns:v="urn:schemas-microsoft-com:vml" Requires="v">
-          <p:control spid="5619" name="ListBox4" r:id="rId3" imgW="2523960" imgH="276120"/>
+          <p:control spid="5643" name="ListBox4" r:id="rId3" imgW="2523960" imgH="276120"/>
         </mc:Choice>
         <mc:Fallback>
           <p:control name="ListBox4" r:id="rId3" imgW="2523960" imgH="276120">
@@ -49409,7 +49202,7 @@
       </mc:AlternateContent>
       <mc:AlternateContent xmlns:mc="http://schemas.openxmlformats.org/markup-compatibility/2006">
         <mc:Choice xmlns:v="urn:schemas-microsoft-com:vml" Requires="v">
-          <p:control spid="5620" name="ListBox5" r:id="rId4" imgW="2523960" imgH="276120"/>
+          <p:control spid="5644" name="ListBox5" r:id="rId4" imgW="2523960" imgH="276120"/>
         </mc:Choice>
         <mc:Fallback>
           <p:control name="ListBox5" r:id="rId4" imgW="2523960" imgH="276120">
@@ -49442,7 +49235,7 @@
       </mc:AlternateContent>
       <mc:AlternateContent xmlns:mc="http://schemas.openxmlformats.org/markup-compatibility/2006">
         <mc:Choice xmlns:v="urn:schemas-microsoft-com:vml" Requires="v">
-          <p:control spid="5621" name="ListBox1" r:id="rId5" imgW="2523960" imgH="276120"/>
+          <p:control spid="5645" name="ListBox1" r:id="rId5" imgW="2523960" imgH="276120"/>
         </mc:Choice>
         <mc:Fallback>
           <p:control name="ListBox1" r:id="rId5" imgW="2523960" imgH="276120">
@@ -51364,7 +51157,6 @@
               <a:rPr lang="es-MX" sz="1200" dirty="0"/>
               <a:t>Supuesto de cancelación </a:t>
             </a:r>
-            <a:endParaRPr lang="es-MX" sz="1200" dirty="0"/>
           </a:p>
         </p:txBody>
       </p:sp>
@@ -51460,7 +51252,7 @@
     <p:controls>
       <mc:AlternateContent xmlns:mc="http://schemas.openxmlformats.org/markup-compatibility/2006">
         <mc:Choice xmlns:v="urn:schemas-microsoft-com:vml" Requires="v">
-          <p:control spid="32022" name="ListBox1" r:id="rId2" imgW="11420640" imgH="952560"/>
+          <p:control spid="32052" name="ListBox1" r:id="rId2" imgW="11420640" imgH="952560"/>
         </mc:Choice>
         <mc:Fallback>
           <p:control name="ListBox1" r:id="rId2" imgW="11420640" imgH="952560">
@@ -51493,7 +51285,7 @@
       </mc:AlternateContent>
       <mc:AlternateContent xmlns:mc="http://schemas.openxmlformats.org/markup-compatibility/2006">
         <mc:Choice xmlns:v="urn:schemas-microsoft-com:vml" Requires="v">
-          <p:control spid="32023" name="ListBox7" r:id="rId3" imgW="2523960" imgH="276120"/>
+          <p:control spid="32053" name="ListBox7" r:id="rId3" imgW="2523960" imgH="276120"/>
         </mc:Choice>
         <mc:Fallback>
           <p:control name="ListBox7" r:id="rId3" imgW="2523960" imgH="276120">
@@ -51526,7 +51318,7 @@
       </mc:AlternateContent>
       <mc:AlternateContent xmlns:mc="http://schemas.openxmlformats.org/markup-compatibility/2006">
         <mc:Choice xmlns:v="urn:schemas-microsoft-com:vml" Requires="v">
-          <p:control spid="32024" name="ListBox2" r:id="rId4" imgW="2523960" imgH="276120"/>
+          <p:control spid="32054" name="ListBox2" r:id="rId4" imgW="2523960" imgH="276120"/>
         </mc:Choice>
         <mc:Fallback>
           <p:control name="ListBox2" r:id="rId4" imgW="2523960" imgH="276120">
@@ -51559,7 +51351,7 @@
       </mc:AlternateContent>
       <mc:AlternateContent xmlns:mc="http://schemas.openxmlformats.org/markup-compatibility/2006">
         <mc:Choice xmlns:v="urn:schemas-microsoft-com:vml" Requires="v">
-          <p:control spid="32025" name="ListBox4" r:id="rId5" imgW="2523960" imgH="276120"/>
+          <p:control spid="32055" name="ListBox4" r:id="rId5" imgW="2523960" imgH="276120"/>
         </mc:Choice>
         <mc:Fallback>
           <p:control name="ListBox4" r:id="rId5" imgW="2523960" imgH="276120">
@@ -51592,7 +51384,7 @@
       </mc:AlternateContent>
       <mc:AlternateContent xmlns:mc="http://schemas.openxmlformats.org/markup-compatibility/2006">
         <mc:Choice xmlns:v="urn:schemas-microsoft-com:vml" Requires="v">
-          <p:control spid="32026" name="ListBox5" r:id="rId6" imgW="2523960" imgH="276120"/>
+          <p:control spid="32056" name="ListBox5" r:id="rId6" imgW="2523960" imgH="276120"/>
         </mc:Choice>
         <mc:Fallback>
           <p:control name="ListBox5" r:id="rId6" imgW="2523960" imgH="276120">
@@ -52318,43 +52110,6 @@
           <a:chExt cx="0" cy="0"/>
         </a:xfrm>
       </p:grpSpPr>
-      <p:sp>
-        <p:nvSpPr>
-          <p:cNvPr id="5" name="CuadroTexto 4"/>
-          <p:cNvSpPr txBox="1"/>
-          <p:nvPr/>
-        </p:nvSpPr>
-        <p:spPr>
-          <a:xfrm>
-            <a:off x="143691" y="391886"/>
-            <a:ext cx="4676503" cy="646331"/>
-          </a:xfrm>
-          <a:prstGeom prst="rect">
-            <a:avLst/>
-          </a:prstGeom>
-          <a:noFill/>
-        </p:spPr>
-        <p:txBody>
-          <a:bodyPr wrap="square" rtlCol="0">
-            <a:spAutoFit/>
-          </a:bodyPr>
-          <a:lstStyle/>
-          <a:p>
-            <a:r>
-              <a:rPr lang="es-MX" dirty="0" smtClean="0"/>
-              <a:t>Títulos Cancelados   </a:t>
-            </a:r>
-            <a:endParaRPr lang="es-MX" dirty="0"/>
-          </a:p>
-          <a:p>
-            <a:r>
-              <a:rPr lang="es-MX" dirty="0" smtClean="0"/>
-              <a:t> </a:t>
-            </a:r>
-            <a:endParaRPr lang="es-MX" dirty="0"/>
-          </a:p>
-        </p:txBody>
-      </p:sp>
       <p:cxnSp>
         <p:nvCxnSpPr>
           <p:cNvPr id="7" name="Conector recto 6"/>
@@ -53836,7 +53591,7 @@
     <p:controls>
       <mc:AlternateContent xmlns:mc="http://schemas.openxmlformats.org/markup-compatibility/2006">
         <mc:Choice xmlns:v="urn:schemas-microsoft-com:vml" Requires="v">
-          <p:control spid="7452" name="ComboBox1" r:id="rId2" imgW="1514520" imgH="314280"/>
+          <p:control spid="7470" name="ComboBox1" r:id="rId2" imgW="1514520" imgH="314280"/>
         </mc:Choice>
         <mc:Fallback>
           <p:control name="ComboBox1" r:id="rId2" imgW="1514520" imgH="314280">
@@ -53869,7 +53624,7 @@
       </mc:AlternateContent>
       <mc:AlternateContent xmlns:mc="http://schemas.openxmlformats.org/markup-compatibility/2006">
         <mc:Choice xmlns:v="urn:schemas-microsoft-com:vml" Requires="v">
-          <p:control spid="7453" name="ListBox2" r:id="rId3" imgW="2085840" imgH="295200"/>
+          <p:control spid="7471" name="ListBox2" r:id="rId3" imgW="2085840" imgH="295200"/>
         </mc:Choice>
         <mc:Fallback>
           <p:control name="ListBox2" r:id="rId3" imgW="2085840" imgH="295200">
@@ -53902,7 +53657,7 @@
       </mc:AlternateContent>
       <mc:AlternateContent xmlns:mc="http://schemas.openxmlformats.org/markup-compatibility/2006">
         <mc:Choice xmlns:v="urn:schemas-microsoft-com:vml" Requires="v">
-          <p:control spid="7454" name="ComboBox3" r:id="rId4" imgW="1628640" imgH="295200"/>
+          <p:control spid="7472" name="ComboBox3" r:id="rId4" imgW="1628640" imgH="295200"/>
         </mc:Choice>
         <mc:Fallback>
           <p:control name="ComboBox3" r:id="rId4" imgW="1628640" imgH="295200">
@@ -54020,36 +53775,6 @@
       </p:sp>
       <p:sp>
         <p:nvSpPr>
-          <p:cNvPr id="27" name="CuadroTexto 26"/>
-          <p:cNvSpPr txBox="1"/>
-          <p:nvPr/>
-        </p:nvSpPr>
-        <p:spPr>
-          <a:xfrm>
-            <a:off x="130628" y="274319"/>
-            <a:ext cx="4676503" cy="369332"/>
-          </a:xfrm>
-          <a:prstGeom prst="rect">
-            <a:avLst/>
-          </a:prstGeom>
-          <a:noFill/>
-        </p:spPr>
-        <p:txBody>
-          <a:bodyPr wrap="square" rtlCol="0">
-            <a:spAutoFit/>
-          </a:bodyPr>
-          <a:lstStyle/>
-          <a:p>
-            <a:r>
-              <a:rPr lang="es-MX" dirty="0" smtClean="0"/>
-              <a:t>Inicio de cancelación </a:t>
-            </a:r>
-            <a:endParaRPr lang="es-MX" dirty="0"/>
-          </a:p>
-        </p:txBody>
-      </p:sp>
-      <p:sp>
-        <p:nvSpPr>
           <p:cNvPr id="6" name="Rectángulo 5"/>
           <p:cNvSpPr/>
           <p:nvPr/>
@@ -54119,7 +53844,7 @@
         <p:spPr>
           <a:xfrm>
             <a:off x="184039" y="1532983"/>
-            <a:ext cx="1410788" cy="320146"/>
+            <a:ext cx="1410788" cy="295817"/>
           </a:xfrm>
           <a:prstGeom prst="rect">
             <a:avLst/>
@@ -55637,41 +55362,6 @@
           </a:p>
         </p:txBody>
       </p:sp>
-      <p:cxnSp>
-        <p:nvCxnSpPr>
-          <p:cNvPr id="53" name="Conector recto 52"/>
-          <p:cNvCxnSpPr/>
-          <p:nvPr/>
-        </p:nvCxnSpPr>
-        <p:spPr>
-          <a:xfrm flipV="1">
-            <a:off x="165461" y="603404"/>
-            <a:ext cx="11834950" cy="2"/>
-          </a:xfrm>
-          <a:prstGeom prst="line">
-            <a:avLst/>
-          </a:prstGeom>
-          <a:ln>
-            <a:solidFill>
-              <a:schemeClr val="tx1"/>
-            </a:solidFill>
-          </a:ln>
-        </p:spPr>
-        <p:style>
-          <a:lnRef idx="1">
-            <a:schemeClr val="accent1"/>
-          </a:lnRef>
-          <a:fillRef idx="0">
-            <a:schemeClr val="accent1"/>
-          </a:fillRef>
-          <a:effectRef idx="0">
-            <a:schemeClr val="accent1"/>
-          </a:effectRef>
-          <a:fontRef idx="minor">
-            <a:schemeClr val="tx1"/>
-          </a:fontRef>
-        </p:style>
-      </p:cxnSp>
       <p:sp>
         <p:nvSpPr>
           <p:cNvPr id="55" name="CuadroTexto 54"/>
@@ -55680,8 +55370,8 @@
         </p:nvSpPr>
         <p:spPr>
           <a:xfrm>
-            <a:off x="112358" y="700789"/>
-            <a:ext cx="1541417" cy="461665"/>
+            <a:off x="112358" y="659224"/>
+            <a:ext cx="2381317" cy="276999"/>
           </a:xfrm>
           <a:prstGeom prst="rect">
             <a:avLst/>
@@ -55710,7 +55400,7 @@
         </p:nvSpPr>
         <p:spPr>
           <a:xfrm>
-            <a:off x="2691814" y="654332"/>
+            <a:off x="2691814" y="682042"/>
             <a:ext cx="2683750" cy="276999"/>
           </a:xfrm>
           <a:prstGeom prst="rect">
@@ -55734,68 +55424,6 @@
       </p:sp>
       <p:sp>
         <p:nvSpPr>
-          <p:cNvPr id="65" name="Rectángulo redondeado 64"/>
-          <p:cNvSpPr/>
-          <p:nvPr/>
-        </p:nvSpPr>
-        <p:spPr>
-          <a:xfrm>
-            <a:off x="10633187" y="4815578"/>
-            <a:ext cx="339634" cy="276999"/>
-          </a:xfrm>
-          <a:prstGeom prst="roundRect">
-            <a:avLst/>
-          </a:prstGeom>
-          <a:solidFill>
-            <a:schemeClr val="bg1">
-              <a:lumMod val="95000"/>
-            </a:schemeClr>
-          </a:solidFill>
-          <a:ln>
-            <a:solidFill>
-              <a:schemeClr val="tx1"/>
-            </a:solidFill>
-          </a:ln>
-        </p:spPr>
-        <p:style>
-          <a:lnRef idx="2">
-            <a:schemeClr val="accent1">
-              <a:shade val="50000"/>
-            </a:schemeClr>
-          </a:lnRef>
-          <a:fillRef idx="1">
-            <a:schemeClr val="accent1"/>
-          </a:fillRef>
-          <a:effectRef idx="0">
-            <a:schemeClr val="accent1"/>
-          </a:effectRef>
-          <a:fontRef idx="minor">
-            <a:schemeClr val="lt1"/>
-          </a:fontRef>
-        </p:style>
-        <p:txBody>
-          <a:bodyPr rtlCol="0" anchor="ctr"/>
-          <a:lstStyle/>
-          <a:p>
-            <a:pPr algn="ctr"/>
-            <a:r>
-              <a:rPr lang="es-MX" dirty="0" smtClean="0">
-                <a:solidFill>
-                  <a:srgbClr val="FF0000"/>
-                </a:solidFill>
-              </a:rPr>
-              <a:t>+</a:t>
-            </a:r>
-            <a:endParaRPr lang="es-MX" dirty="0">
-              <a:solidFill>
-                <a:srgbClr val="FF0000"/>
-              </a:solidFill>
-            </a:endParaRPr>
-          </a:p>
-        </p:txBody>
-      </p:sp>
-      <p:sp>
-        <p:nvSpPr>
           <p:cNvPr id="49" name="CuadroTexto 48"/>
           <p:cNvSpPr txBox="1"/>
           <p:nvPr/>
@@ -55822,7 +55450,11 @@
             </a:r>
             <a:r>
               <a:rPr lang="es-MX" sz="1200" dirty="0" smtClean="0"/>
-              <a:t>Monto de capital  </a:t>
+              <a:t>Monto de </a:t>
+            </a:r>
+            <a:r>
+              <a:rPr lang="es-MX" sz="1200" dirty="0" smtClean="0"/>
+              <a:t>capital </a:t>
             </a:r>
             <a:r>
               <a:rPr lang="es-MX" sz="1200" dirty="0"/>
@@ -55962,7 +55594,7 @@
         </p:nvSpPr>
         <p:spPr>
           <a:xfrm>
-            <a:off x="5712105" y="653407"/>
+            <a:off x="5656685" y="667262"/>
             <a:ext cx="2683750" cy="276999"/>
           </a:xfrm>
           <a:prstGeom prst="rect">

--- a/TAF 092019/Cancelación.pptx
+++ b/TAF 092019/Cancelación.pptx
@@ -5144,7 +5144,7 @@
     <p:controls>
       <mc:AlternateContent xmlns:mc="http://schemas.openxmlformats.org/markup-compatibility/2006">
         <mc:Choice xmlns:v="urn:schemas-microsoft-com:vml" Requires="v">
-          <p:control spid="4401" name="ComboBox1" r:id="rId2" imgW="1514520" imgH="314280"/>
+          <p:control spid="4407" name="ComboBox1" r:id="rId2" imgW="1514520" imgH="314280"/>
         </mc:Choice>
         <mc:Fallback>
           <p:control name="ComboBox1" r:id="rId2" imgW="1514520" imgH="314280">
@@ -5177,7 +5177,7 @@
       </mc:AlternateContent>
       <mc:AlternateContent xmlns:mc="http://schemas.openxmlformats.org/markup-compatibility/2006">
         <mc:Choice xmlns:v="urn:schemas-microsoft-com:vml" Requires="v">
-          <p:control spid="4402" name="ListBox2" r:id="rId3" imgW="2085840" imgH="295200"/>
+          <p:control spid="4408" name="ListBox2" r:id="rId3" imgW="2085840" imgH="295200"/>
         </mc:Choice>
         <mc:Fallback>
           <p:control name="ListBox2" r:id="rId3" imgW="2085840" imgH="295200">
@@ -5210,7 +5210,7 @@
       </mc:AlternateContent>
       <mc:AlternateContent xmlns:mc="http://schemas.openxmlformats.org/markup-compatibility/2006">
         <mc:Choice xmlns:v="urn:schemas-microsoft-com:vml" Requires="v">
-          <p:control spid="4403" name="ComboBox3" r:id="rId4" imgW="1628640" imgH="371520"/>
+          <p:control spid="4409" name="ComboBox3" r:id="rId4" imgW="1628640" imgH="371520"/>
         </mc:Choice>
         <mc:Fallback>
           <p:control name="ComboBox3" r:id="rId4" imgW="1628640" imgH="371520">
@@ -5440,36 +5440,6 @@
       </p:sp>
       <p:sp>
         <p:nvSpPr>
-          <p:cNvPr id="59" name="CuadroTexto 58"/>
-          <p:cNvSpPr txBox="1"/>
-          <p:nvPr/>
-        </p:nvSpPr>
-        <p:spPr>
-          <a:xfrm>
-            <a:off x="182880" y="513269"/>
-            <a:ext cx="2479216" cy="276999"/>
-          </a:xfrm>
-          <a:prstGeom prst="rect">
-            <a:avLst/>
-          </a:prstGeom>
-          <a:noFill/>
-        </p:spPr>
-        <p:txBody>
-          <a:bodyPr wrap="square" rtlCol="0">
-            <a:spAutoFit/>
-          </a:bodyPr>
-          <a:lstStyle/>
-          <a:p>
-            <a:r>
-              <a:rPr lang="es-MX" sz="1200" dirty="0" smtClean="0"/>
-              <a:t>Número de titulo de autorización :</a:t>
-            </a:r>
-            <a:endParaRPr lang="es-MX" sz="1200" dirty="0"/>
-          </a:p>
-        </p:txBody>
-      </p:sp>
-      <p:sp>
-        <p:nvSpPr>
           <p:cNvPr id="42" name="Rectángulo 41"/>
           <p:cNvSpPr/>
           <p:nvPr/>
@@ -5609,36 +5579,6 @@
             <a:r>
               <a:rPr lang="es-MX" sz="1200" dirty="0" smtClean="0"/>
               <a:t>Motivo del inicio de cancelación :</a:t>
-            </a:r>
-            <a:endParaRPr lang="es-MX" sz="1200" dirty="0"/>
-          </a:p>
-        </p:txBody>
-      </p:sp>
-      <p:sp>
-        <p:nvSpPr>
-          <p:cNvPr id="35" name="CuadroTexto 34"/>
-          <p:cNvSpPr txBox="1"/>
-          <p:nvPr/>
-        </p:nvSpPr>
-        <p:spPr>
-          <a:xfrm>
-            <a:off x="3550307" y="504470"/>
-            <a:ext cx="2654550" cy="276999"/>
-          </a:xfrm>
-          <a:prstGeom prst="rect">
-            <a:avLst/>
-          </a:prstGeom>
-          <a:noFill/>
-        </p:spPr>
-        <p:txBody>
-          <a:bodyPr wrap="square" rtlCol="0">
-            <a:spAutoFit/>
-          </a:bodyPr>
-          <a:lstStyle/>
-          <a:p>
-            <a:r>
-              <a:rPr lang="es-MX" sz="1200" dirty="0" smtClean="0"/>
-              <a:t>Fecha  de inicio de cancelación:</a:t>
             </a:r>
             <a:endParaRPr lang="es-MX" sz="1200" dirty="0"/>
           </a:p>
@@ -6386,14 +6326,14 @@
       </p:sp>
       <p:sp>
         <p:nvSpPr>
-          <p:cNvPr id="31" name="CuadroTexto 30"/>
+          <p:cNvPr id="28" name="CuadroTexto 27"/>
           <p:cNvSpPr txBox="1"/>
           <p:nvPr/>
         </p:nvSpPr>
         <p:spPr>
           <a:xfrm>
-            <a:off x="7093068" y="470396"/>
-            <a:ext cx="2683750" cy="276999"/>
+            <a:off x="112358" y="437549"/>
+            <a:ext cx="2381317" cy="276999"/>
           </a:xfrm>
           <a:prstGeom prst="rect">
             <a:avLst/>
@@ -6408,7 +6348,97 @@
           <a:p>
             <a:r>
               <a:rPr lang="es-MX" sz="1200" dirty="0" smtClean="0"/>
+              <a:t>Número de título de autorización :</a:t>
+            </a:r>
+            <a:endParaRPr lang="es-MX" sz="1200" dirty="0"/>
+          </a:p>
+        </p:txBody>
+      </p:sp>
+      <p:sp>
+        <p:nvSpPr>
+          <p:cNvPr id="32" name="CuadroTexto 31"/>
+          <p:cNvSpPr txBox="1"/>
+          <p:nvPr/>
+        </p:nvSpPr>
+        <p:spPr>
+          <a:xfrm>
+            <a:off x="2691814" y="460367"/>
+            <a:ext cx="2683750" cy="276999"/>
+          </a:xfrm>
+          <a:prstGeom prst="rect">
+            <a:avLst/>
+          </a:prstGeom>
+          <a:noFill/>
+        </p:spPr>
+        <p:txBody>
+          <a:bodyPr wrap="square" rtlCol="0">
+            <a:spAutoFit/>
+          </a:bodyPr>
+          <a:lstStyle/>
+          <a:p>
+            <a:r>
+              <a:rPr lang="es-MX" sz="1200" dirty="0" smtClean="0"/>
+              <a:t>Fecha de inicio de la cancelación:</a:t>
+            </a:r>
+            <a:endParaRPr lang="es-MX" sz="1200" dirty="0"/>
+          </a:p>
+        </p:txBody>
+      </p:sp>
+      <p:sp>
+        <p:nvSpPr>
+          <p:cNvPr id="34" name="CuadroTexto 33"/>
+          <p:cNvSpPr txBox="1"/>
+          <p:nvPr/>
+        </p:nvSpPr>
+        <p:spPr>
+          <a:xfrm>
+            <a:off x="5656685" y="445587"/>
+            <a:ext cx="2683750" cy="276999"/>
+          </a:xfrm>
+          <a:prstGeom prst="rect">
+            <a:avLst/>
+          </a:prstGeom>
+          <a:noFill/>
+        </p:spPr>
+        <p:txBody>
+          <a:bodyPr wrap="square" rtlCol="0">
+            <a:spAutoFit/>
+          </a:bodyPr>
+          <a:lstStyle/>
+          <a:p>
+            <a:r>
+              <a:rPr lang="es-MX" sz="1200" dirty="0" smtClean="0"/>
               <a:t>Estado:</a:t>
+            </a:r>
+            <a:endParaRPr lang="es-MX" sz="1200" dirty="0"/>
+          </a:p>
+        </p:txBody>
+      </p:sp>
+      <p:sp>
+        <p:nvSpPr>
+          <p:cNvPr id="37" name="CuadroTexto 36"/>
+          <p:cNvSpPr txBox="1"/>
+          <p:nvPr/>
+        </p:nvSpPr>
+        <p:spPr>
+          <a:xfrm>
+            <a:off x="7631562" y="434435"/>
+            <a:ext cx="2683750" cy="276999"/>
+          </a:xfrm>
+          <a:prstGeom prst="rect">
+            <a:avLst/>
+          </a:prstGeom>
+          <a:noFill/>
+        </p:spPr>
+        <p:txBody>
+          <a:bodyPr wrap="square" rtlCol="0">
+            <a:spAutoFit/>
+          </a:bodyPr>
+          <a:lstStyle/>
+          <a:p>
+            <a:r>
+              <a:rPr lang="es-MX" sz="1200" dirty="0" smtClean="0"/>
+              <a:t>Días transcurridos:</a:t>
             </a:r>
             <a:endParaRPr lang="es-MX" sz="1200" dirty="0"/>
           </a:p>
@@ -6418,7 +6448,7 @@
     <p:controls>
       <mc:AlternateContent xmlns:mc="http://schemas.openxmlformats.org/markup-compatibility/2006">
         <mc:Choice xmlns:v="urn:schemas-microsoft-com:vml" Requires="v">
-          <p:control spid="8405" name="ListBox2" r:id="rId2" imgW="11430000" imgH="609480"/>
+          <p:control spid="8407" name="ListBox2" r:id="rId2" imgW="11430000" imgH="609480"/>
         </mc:Choice>
         <mc:Fallback>
           <p:control name="ListBox2" r:id="rId2" imgW="11430000" imgH="609480">
@@ -7921,7 +7951,7 @@
     <p:controls>
       <mc:AlternateContent xmlns:mc="http://schemas.openxmlformats.org/markup-compatibility/2006">
         <mc:Choice xmlns:v="urn:schemas-microsoft-com:vml" Requires="v">
-          <p:control spid="35941" name="ListBox3" r:id="rId2" imgW="11115720" imgH="752400"/>
+          <p:control spid="35943" name="ListBox3" r:id="rId2" imgW="11115720" imgH="752400"/>
         </mc:Choice>
         <mc:Fallback>
           <p:control name="ListBox3" r:id="rId2" imgW="11115720" imgH="752400">
@@ -8969,7 +8999,7 @@
     <p:controls>
       <mc:AlternateContent xmlns:mc="http://schemas.openxmlformats.org/markup-compatibility/2006">
         <mc:Choice xmlns:v="urn:schemas-microsoft-com:vml" Requires="v">
-          <p:control spid="32929" name="ListBox3" r:id="rId2" imgW="11115720" imgH="695160"/>
+          <p:control spid="32937" name="ListBox3" r:id="rId2" imgW="11115720" imgH="695160"/>
         </mc:Choice>
         <mc:Fallback>
           <p:control name="ListBox3" r:id="rId2" imgW="11115720" imgH="695160">
@@ -9002,7 +9032,7 @@
       </mc:AlternateContent>
       <mc:AlternateContent xmlns:mc="http://schemas.openxmlformats.org/markup-compatibility/2006">
         <mc:Choice xmlns:v="urn:schemas-microsoft-com:vml" Requires="v">
-          <p:control spid="32930" name="CheckBox1" r:id="rId3" imgW="2076480" imgH="419040"/>
+          <p:control spid="32938" name="CheckBox1" r:id="rId3" imgW="2076480" imgH="419040"/>
         </mc:Choice>
         <mc:Fallback>
           <p:control name="CheckBox1" r:id="rId3" imgW="2076480" imgH="419040">
@@ -9035,7 +9065,7 @@
       </mc:AlternateContent>
       <mc:AlternateContent xmlns:mc="http://schemas.openxmlformats.org/markup-compatibility/2006">
         <mc:Choice xmlns:v="urn:schemas-microsoft-com:vml" Requires="v">
-          <p:control spid="32931" name="CheckBox2" r:id="rId4" imgW="2066760" imgH="352440"/>
+          <p:control spid="32939" name="CheckBox2" r:id="rId4" imgW="2066760" imgH="352440"/>
         </mc:Choice>
         <mc:Fallback>
           <p:control name="CheckBox2" r:id="rId4" imgW="2066760" imgH="352440">
@@ -9068,7 +9098,7 @@
       </mc:AlternateContent>
       <mc:AlternateContent xmlns:mc="http://schemas.openxmlformats.org/markup-compatibility/2006">
         <mc:Choice xmlns:v="urn:schemas-microsoft-com:vml" Requires="v">
-          <p:control spid="32932" name="CheckBox5" r:id="rId5" imgW="1990800" imgH="352440"/>
+          <p:control spid="32940" name="CheckBox5" r:id="rId5" imgW="1990800" imgH="352440"/>
         </mc:Choice>
         <mc:Fallback>
           <p:control name="CheckBox5" r:id="rId5" imgW="1990800" imgH="352440">
@@ -10654,7 +10684,7 @@
     <p:controls>
       <mc:AlternateContent xmlns:mc="http://schemas.openxmlformats.org/markup-compatibility/2006">
         <mc:Choice xmlns:v="urn:schemas-microsoft-com:vml" Requires="v">
-          <p:control spid="33887" name="ComboBox1" r:id="rId2" imgW="1514520" imgH="314280"/>
+          <p:control spid="33893" name="ComboBox1" r:id="rId2" imgW="1514520" imgH="314280"/>
         </mc:Choice>
         <mc:Fallback>
           <p:control name="ComboBox1" r:id="rId2" imgW="1514520" imgH="314280">
@@ -10687,7 +10717,7 @@
       </mc:AlternateContent>
       <mc:AlternateContent xmlns:mc="http://schemas.openxmlformats.org/markup-compatibility/2006">
         <mc:Choice xmlns:v="urn:schemas-microsoft-com:vml" Requires="v">
-          <p:control spid="33888" name="ListBox2" r:id="rId3" imgW="2085840" imgH="295200"/>
+          <p:control spid="33894" name="ListBox2" r:id="rId3" imgW="2085840" imgH="295200"/>
         </mc:Choice>
         <mc:Fallback>
           <p:control name="ListBox2" r:id="rId3" imgW="2085840" imgH="295200">
@@ -10720,7 +10750,7 @@
       </mc:AlternateContent>
       <mc:AlternateContent xmlns:mc="http://schemas.openxmlformats.org/markup-compatibility/2006">
         <mc:Choice xmlns:v="urn:schemas-microsoft-com:vml" Requires="v">
-          <p:control spid="33889" name="ComboBox3" r:id="rId4" imgW="1628640" imgH="371520"/>
+          <p:control spid="33895" name="ComboBox3" r:id="rId4" imgW="1628640" imgH="371520"/>
         </mc:Choice>
         <mc:Fallback>
           <p:control name="ComboBox3" r:id="rId4" imgW="1628640" imgH="371520">
@@ -14859,7 +14889,7 @@
     <p:controls>
       <mc:AlternateContent xmlns:mc="http://schemas.openxmlformats.org/markup-compatibility/2006">
         <mc:Choice xmlns:v="urn:schemas-microsoft-com:vml" Requires="v">
-          <p:control spid="10906" name="ListBox1" r:id="rId2" imgW="11325240" imgH="476280"/>
+          <p:control spid="10916" name="ListBox1" r:id="rId2" imgW="11325240" imgH="476280"/>
         </mc:Choice>
         <mc:Fallback>
           <p:control name="ListBox1" r:id="rId2" imgW="11325240" imgH="476280">
@@ -14892,7 +14922,7 @@
       </mc:AlternateContent>
       <mc:AlternateContent xmlns:mc="http://schemas.openxmlformats.org/markup-compatibility/2006">
         <mc:Choice xmlns:v="urn:schemas-microsoft-com:vml" Requires="v">
-          <p:control spid="10907" name="ListBox5" r:id="rId3" imgW="11382480" imgH="380880"/>
+          <p:control spid="10917" name="ListBox5" r:id="rId3" imgW="11382480" imgH="380880"/>
         </mc:Choice>
         <mc:Fallback>
           <p:control name="ListBox5" r:id="rId3" imgW="11382480" imgH="380880">
@@ -14925,7 +14955,7 @@
       </mc:AlternateContent>
       <mc:AlternateContent xmlns:mc="http://schemas.openxmlformats.org/markup-compatibility/2006">
         <mc:Choice xmlns:v="urn:schemas-microsoft-com:vml" Requires="v">
-          <p:control spid="10908" name="CheckBox1" r:id="rId4" imgW="2076480" imgH="419040"/>
+          <p:control spid="10918" name="CheckBox1" r:id="rId4" imgW="2076480" imgH="419040"/>
         </mc:Choice>
         <mc:Fallback>
           <p:control name="CheckBox1" r:id="rId4" imgW="2076480" imgH="419040">
@@ -14958,7 +14988,7 @@
       </mc:AlternateContent>
       <mc:AlternateContent xmlns:mc="http://schemas.openxmlformats.org/markup-compatibility/2006">
         <mc:Choice xmlns:v="urn:schemas-microsoft-com:vml" Requires="v">
-          <p:control spid="10909" name="CheckBox2" r:id="rId5" imgW="2066760" imgH="352440"/>
+          <p:control spid="10919" name="CheckBox2" r:id="rId5" imgW="2066760" imgH="352440"/>
         </mc:Choice>
         <mc:Fallback>
           <p:control name="CheckBox2" r:id="rId5" imgW="2066760" imgH="352440">
@@ -14991,7 +15021,7 @@
       </mc:AlternateContent>
       <mc:AlternateContent xmlns:mc="http://schemas.openxmlformats.org/markup-compatibility/2006">
         <mc:Choice xmlns:v="urn:schemas-microsoft-com:vml" Requires="v">
-          <p:control spid="10910" name="CheckBox5" r:id="rId6" imgW="1990800" imgH="352440"/>
+          <p:control spid="10920" name="CheckBox5" r:id="rId6" imgW="1990800" imgH="352440"/>
         </mc:Choice>
         <mc:Fallback>
           <p:control name="CheckBox5" r:id="rId6" imgW="1990800" imgH="352440">
@@ -16659,7 +16689,7 @@
     <p:controls>
       <mc:AlternateContent xmlns:mc="http://schemas.openxmlformats.org/markup-compatibility/2006">
         <mc:Choice xmlns:v="urn:schemas-microsoft-com:vml" Requires="v">
-          <p:control spid="11683" name="ListBox3" r:id="rId2" imgW="11611080" imgH="666720"/>
+          <p:control spid="11691" name="ListBox3" r:id="rId2" imgW="11611080" imgH="666720"/>
         </mc:Choice>
         <mc:Fallback>
           <p:control name="ListBox3" r:id="rId2" imgW="11611080" imgH="666720">
@@ -16692,7 +16722,7 @@
       </mc:AlternateContent>
       <mc:AlternateContent xmlns:mc="http://schemas.openxmlformats.org/markup-compatibility/2006">
         <mc:Choice xmlns:v="urn:schemas-microsoft-com:vml" Requires="v">
-          <p:control spid="11684" name="ListBox1" r:id="rId3" imgW="11601360" imgH="647640"/>
+          <p:control spid="11692" name="ListBox1" r:id="rId3" imgW="11601360" imgH="647640"/>
         </mc:Choice>
         <mc:Fallback>
           <p:control name="ListBox1" r:id="rId3" imgW="11601360" imgH="647640">
@@ -16725,7 +16755,7 @@
       </mc:AlternateContent>
       <mc:AlternateContent xmlns:mc="http://schemas.openxmlformats.org/markup-compatibility/2006">
         <mc:Choice xmlns:v="urn:schemas-microsoft-com:vml" Requires="v">
-          <p:control spid="11685" name="CheckBox4" r:id="rId4" imgW="847800" imgH="352440"/>
+          <p:control spid="11693" name="CheckBox4" r:id="rId4" imgW="847800" imgH="352440"/>
         </mc:Choice>
         <mc:Fallback>
           <p:control name="CheckBox4" r:id="rId4" imgW="847800" imgH="352440">
@@ -16758,7 +16788,7 @@
       </mc:AlternateContent>
       <mc:AlternateContent xmlns:mc="http://schemas.openxmlformats.org/markup-compatibility/2006">
         <mc:Choice xmlns:v="urn:schemas-microsoft-com:vml" Requires="v">
-          <p:control spid="11686" name="CheckBox5" r:id="rId5" imgW="1076400" imgH="352440"/>
+          <p:control spid="11694" name="CheckBox5" r:id="rId5" imgW="1076400" imgH="352440"/>
         </mc:Choice>
         <mc:Fallback>
           <p:control name="CheckBox5" r:id="rId5" imgW="1076400" imgH="352440">
@@ -18170,7 +18200,7 @@
     <p:controls>
       <mc:AlternateContent xmlns:mc="http://schemas.openxmlformats.org/markup-compatibility/2006">
         <mc:Choice xmlns:v="urn:schemas-microsoft-com:vml" Requires="v">
-          <p:control spid="18722" name="ComboBox1" r:id="rId2" imgW="1380960" imgH="285840"/>
+          <p:control spid="18728" name="ComboBox1" r:id="rId2" imgW="1380960" imgH="285840"/>
         </mc:Choice>
         <mc:Fallback>
           <p:control name="ComboBox1" r:id="rId2" imgW="1380960" imgH="285840">
@@ -18203,7 +18233,7 @@
       </mc:AlternateContent>
       <mc:AlternateContent xmlns:mc="http://schemas.openxmlformats.org/markup-compatibility/2006">
         <mc:Choice xmlns:v="urn:schemas-microsoft-com:vml" Requires="v">
-          <p:control spid="18723" name="ListBox2" r:id="rId3" imgW="2085840" imgH="295200"/>
+          <p:control spid="18729" name="ListBox2" r:id="rId3" imgW="2085840" imgH="295200"/>
         </mc:Choice>
         <mc:Fallback>
           <p:control name="ListBox2" r:id="rId3" imgW="2085840" imgH="295200">
@@ -18236,7 +18266,7 @@
       </mc:AlternateContent>
       <mc:AlternateContent xmlns:mc="http://schemas.openxmlformats.org/markup-compatibility/2006">
         <mc:Choice xmlns:v="urn:schemas-microsoft-com:vml" Requires="v">
-          <p:control spid="18724" name="ComboBox3" r:id="rId4" imgW="1628640" imgH="371520"/>
+          <p:control spid="18730" name="ComboBox3" r:id="rId4" imgW="1628640" imgH="371520"/>
         </mc:Choice>
         <mc:Fallback>
           <p:control name="ComboBox3" r:id="rId4" imgW="1628640" imgH="371520">
@@ -20084,7 +20114,7 @@
     <p:controls>
       <mc:AlternateContent xmlns:mc="http://schemas.openxmlformats.org/markup-compatibility/2006">
         <mc:Choice xmlns:v="urn:schemas-microsoft-com:vml" Requires="v">
-          <p:control spid="19652" name="ListBox1" r:id="rId2" imgW="11420640" imgH="666720"/>
+          <p:control spid="19656" name="ListBox1" r:id="rId2" imgW="11420640" imgH="666720"/>
         </mc:Choice>
         <mc:Fallback>
           <p:control name="ListBox1" r:id="rId2" imgW="11420640" imgH="666720">
@@ -20117,7 +20147,7 @@
       </mc:AlternateContent>
       <mc:AlternateContent xmlns:mc="http://schemas.openxmlformats.org/markup-compatibility/2006">
         <mc:Choice xmlns:v="urn:schemas-microsoft-com:vml" Requires="v">
-          <p:control spid="19653" name="ListBox7" r:id="rId3" imgW="2523960" imgH="247680"/>
+          <p:control spid="19657" name="ListBox7" r:id="rId3" imgW="2523960" imgH="247680"/>
         </mc:Choice>
         <mc:Fallback>
           <p:control name="ListBox7" r:id="rId3" imgW="2523960" imgH="247680">
@@ -23833,7 +23863,7 @@
     <p:controls>
       <mc:AlternateContent xmlns:mc="http://schemas.openxmlformats.org/markup-compatibility/2006">
         <mc:Choice xmlns:v="urn:schemas-microsoft-com:vml" Requires="v">
-          <p:control spid="20773" name="ListBox2" r:id="rId2" imgW="11430000" imgH="380880"/>
+          <p:control spid="20779" name="ListBox2" r:id="rId2" imgW="11430000" imgH="380880"/>
         </mc:Choice>
         <mc:Fallback>
           <p:control name="ListBox2" r:id="rId2" imgW="11430000" imgH="380880">
@@ -23866,7 +23896,7 @@
       </mc:AlternateContent>
       <mc:AlternateContent xmlns:mc="http://schemas.openxmlformats.org/markup-compatibility/2006">
         <mc:Choice xmlns:v="urn:schemas-microsoft-com:vml" Requires="v">
-          <p:control spid="20774" name="ListBox3" r:id="rId3" imgW="10572840" imgH="504720"/>
+          <p:control spid="20780" name="ListBox3" r:id="rId3" imgW="10572840" imgH="504720"/>
         </mc:Choice>
         <mc:Fallback>
           <p:control name="ListBox3" r:id="rId3" imgW="10572840" imgH="504720">
@@ -23899,7 +23929,7 @@
       </mc:AlternateContent>
       <mc:AlternateContent xmlns:mc="http://schemas.openxmlformats.org/markup-compatibility/2006">
         <mc:Choice xmlns:v="urn:schemas-microsoft-com:vml" Requires="v">
-          <p:control spid="20775" name="ListBox1" r:id="rId4" imgW="10572840" imgH="581040"/>
+          <p:control spid="20781" name="ListBox1" r:id="rId4" imgW="10572840" imgH="581040"/>
         </mc:Choice>
         <mc:Fallback>
           <p:control name="ListBox1" r:id="rId4" imgW="10572840" imgH="581040">
@@ -27562,7 +27592,7 @@
     <p:controls>
       <mc:AlternateContent xmlns:mc="http://schemas.openxmlformats.org/markup-compatibility/2006">
         <mc:Choice xmlns:v="urn:schemas-microsoft-com:vml" Requires="v">
-          <p:control spid="21602" name="ComboBox1" r:id="rId2" imgW="2390760" imgH="304920"/>
+          <p:control spid="21604" name="ComboBox1" r:id="rId2" imgW="2390760" imgH="304920"/>
         </mc:Choice>
         <mc:Fallback>
           <p:control name="ComboBox1" r:id="rId2" imgW="2390760" imgH="304920">
@@ -29674,7 +29704,7 @@
     <p:controls>
       <mc:AlternateContent xmlns:mc="http://schemas.openxmlformats.org/markup-compatibility/2006">
         <mc:Choice xmlns:v="urn:schemas-microsoft-com:vml" Requires="v">
-          <p:control spid="23776" name="ComboBox1" r:id="rId2" imgW="1514520" imgH="314280"/>
+          <p:control spid="23782" name="ComboBox1" r:id="rId2" imgW="1514520" imgH="314280"/>
         </mc:Choice>
         <mc:Fallback>
           <p:control name="ComboBox1" r:id="rId2" imgW="1514520" imgH="314280">
@@ -29707,7 +29737,7 @@
       </mc:AlternateContent>
       <mc:AlternateContent xmlns:mc="http://schemas.openxmlformats.org/markup-compatibility/2006">
         <mc:Choice xmlns:v="urn:schemas-microsoft-com:vml" Requires="v">
-          <p:control spid="23777" name="ListBox2" r:id="rId3" imgW="2085840" imgH="295200"/>
+          <p:control spid="23783" name="ListBox2" r:id="rId3" imgW="2085840" imgH="295200"/>
         </mc:Choice>
         <mc:Fallback>
           <p:control name="ListBox2" r:id="rId3" imgW="2085840" imgH="295200">
@@ -29740,7 +29770,7 @@
       </mc:AlternateContent>
       <mc:AlternateContent xmlns:mc="http://schemas.openxmlformats.org/markup-compatibility/2006">
         <mc:Choice xmlns:v="urn:schemas-microsoft-com:vml" Requires="v">
-          <p:control spid="23778" name="ComboBox3" r:id="rId4" imgW="1628640" imgH="371520"/>
+          <p:control spid="23784" name="ComboBox3" r:id="rId4" imgW="1628640" imgH="371520"/>
         </mc:Choice>
         <mc:Fallback>
           <p:control name="ComboBox3" r:id="rId4" imgW="1628640" imgH="371520">
@@ -36479,7 +36509,7 @@
     <p:controls>
       <mc:AlternateContent xmlns:mc="http://schemas.openxmlformats.org/markup-compatibility/2006">
         <mc:Choice xmlns:v="urn:schemas-microsoft-com:vml" Requires="v">
-          <p:control spid="25824" name="ComboBox1" r:id="rId2" imgW="1514520" imgH="314280"/>
+          <p:control spid="25830" name="ComboBox1" r:id="rId2" imgW="1514520" imgH="314280"/>
         </mc:Choice>
         <mc:Fallback>
           <p:control name="ComboBox1" r:id="rId2" imgW="1514520" imgH="314280">
@@ -36512,7 +36542,7 @@
       </mc:AlternateContent>
       <mc:AlternateContent xmlns:mc="http://schemas.openxmlformats.org/markup-compatibility/2006">
         <mc:Choice xmlns:v="urn:schemas-microsoft-com:vml" Requires="v">
-          <p:control spid="25825" name="ListBox2" r:id="rId3" imgW="2085840" imgH="295200"/>
+          <p:control spid="25831" name="ListBox2" r:id="rId3" imgW="2085840" imgH="295200"/>
         </mc:Choice>
         <mc:Fallback>
           <p:control name="ListBox2" r:id="rId3" imgW="2085840" imgH="295200">
@@ -36545,7 +36575,7 @@
       </mc:AlternateContent>
       <mc:AlternateContent xmlns:mc="http://schemas.openxmlformats.org/markup-compatibility/2006">
         <mc:Choice xmlns:v="urn:schemas-microsoft-com:vml" Requires="v">
-          <p:control spid="25826" name="ComboBox3" r:id="rId4" imgW="1628640" imgH="371520"/>
+          <p:control spid="25832" name="ComboBox3" r:id="rId4" imgW="1628640" imgH="371520"/>
         </mc:Choice>
         <mc:Fallback>
           <p:control name="ComboBox3" r:id="rId4" imgW="1628640" imgH="371520">
@@ -38098,7 +38128,7 @@
     <p:controls>
       <mc:AlternateContent xmlns:mc="http://schemas.openxmlformats.org/markup-compatibility/2006">
         <mc:Choice xmlns:v="urn:schemas-microsoft-com:vml" Requires="v">
-          <p:control spid="26848" name="ComboBox1" r:id="rId2" imgW="1514520" imgH="314280"/>
+          <p:control spid="26854" name="ComboBox1" r:id="rId2" imgW="1514520" imgH="314280"/>
         </mc:Choice>
         <mc:Fallback>
           <p:control name="ComboBox1" r:id="rId2" imgW="1514520" imgH="314280">
@@ -38131,7 +38161,7 @@
       </mc:AlternateContent>
       <mc:AlternateContent xmlns:mc="http://schemas.openxmlformats.org/markup-compatibility/2006">
         <mc:Choice xmlns:v="urn:schemas-microsoft-com:vml" Requires="v">
-          <p:control spid="26849" name="ListBox2" r:id="rId3" imgW="2085840" imgH="295200"/>
+          <p:control spid="26855" name="ListBox2" r:id="rId3" imgW="2085840" imgH="295200"/>
         </mc:Choice>
         <mc:Fallback>
           <p:control name="ListBox2" r:id="rId3" imgW="2085840" imgH="295200">
@@ -38164,7 +38194,7 @@
       </mc:AlternateContent>
       <mc:AlternateContent xmlns:mc="http://schemas.openxmlformats.org/markup-compatibility/2006">
         <mc:Choice xmlns:v="urn:schemas-microsoft-com:vml" Requires="v">
-          <p:control spid="26850" name="ComboBox3" r:id="rId4" imgW="1628640" imgH="371520"/>
+          <p:control spid="26856" name="ComboBox3" r:id="rId4" imgW="1628640" imgH="371520"/>
         </mc:Choice>
         <mc:Fallback>
           <p:control name="ComboBox3" r:id="rId4" imgW="1628640" imgH="371520">
@@ -39270,7 +39300,7 @@
     <p:controls>
       <mc:AlternateContent xmlns:mc="http://schemas.openxmlformats.org/markup-compatibility/2006">
         <mc:Choice xmlns:v="urn:schemas-microsoft-com:vml" Requires="v">
-          <p:control spid="28020" name="ListBox3" r:id="rId2" imgW="11420640" imgH="457200"/>
+          <p:control spid="28030" name="ListBox3" r:id="rId2" imgW="11420640" imgH="457200"/>
         </mc:Choice>
         <mc:Fallback>
           <p:control name="ListBox3" r:id="rId2" imgW="11420640" imgH="457200">
@@ -39303,7 +39333,7 @@
       </mc:AlternateContent>
       <mc:AlternateContent xmlns:mc="http://schemas.openxmlformats.org/markup-compatibility/2006">
         <mc:Choice xmlns:v="urn:schemas-microsoft-com:vml" Requires="v">
-          <p:control spid="28021" name="ListBox5" r:id="rId3" imgW="2685960" imgH="276120"/>
+          <p:control spid="28031" name="ListBox5" r:id="rId3" imgW="2685960" imgH="276120"/>
         </mc:Choice>
         <mc:Fallback>
           <p:control name="ListBox5" r:id="rId3" imgW="2685960" imgH="276120">
@@ -39336,7 +39366,7 @@
       </mc:AlternateContent>
       <mc:AlternateContent xmlns:mc="http://schemas.openxmlformats.org/markup-compatibility/2006">
         <mc:Choice xmlns:v="urn:schemas-microsoft-com:vml" Requires="v">
-          <p:control spid="28022" name="ListBox6" r:id="rId4" imgW="2523960" imgH="276120"/>
+          <p:control spid="28032" name="ListBox6" r:id="rId4" imgW="2523960" imgH="276120"/>
         </mc:Choice>
         <mc:Fallback>
           <p:control name="ListBox6" r:id="rId4" imgW="2523960" imgH="276120">
@@ -39369,7 +39399,7 @@
       </mc:AlternateContent>
       <mc:AlternateContent xmlns:mc="http://schemas.openxmlformats.org/markup-compatibility/2006">
         <mc:Choice xmlns:v="urn:schemas-microsoft-com:vml" Requires="v">
-          <p:control spid="28023" name="ListBox7" r:id="rId5" imgW="2523960" imgH="276120"/>
+          <p:control spid="28033" name="ListBox7" r:id="rId5" imgW="2523960" imgH="276120"/>
         </mc:Choice>
         <mc:Fallback>
           <p:control name="ListBox7" r:id="rId5" imgW="2523960" imgH="276120">
@@ -39402,7 +39432,7 @@
       </mc:AlternateContent>
       <mc:AlternateContent xmlns:mc="http://schemas.openxmlformats.org/markup-compatibility/2006">
         <mc:Choice xmlns:v="urn:schemas-microsoft-com:vml" Requires="v">
-          <p:control spid="28024" name="ListBox8" r:id="rId6" imgW="2685960" imgH="276120"/>
+          <p:control spid="28034" name="ListBox8" r:id="rId6" imgW="2685960" imgH="276120"/>
         </mc:Choice>
         <mc:Fallback>
           <p:control name="ListBox8" r:id="rId6" imgW="2685960" imgH="276120">
@@ -40361,7 +40391,7 @@
     <p:controls>
       <mc:AlternateContent xmlns:mc="http://schemas.openxmlformats.org/markup-compatibility/2006">
         <mc:Choice xmlns:v="urn:schemas-microsoft-com:vml" Requires="v">
-          <p:control spid="36884" name="ComboBox1" r:id="rId2" imgW="2381400" imgH="314280"/>
+          <p:control spid="36886" name="ComboBox1" r:id="rId2" imgW="2381400" imgH="314280"/>
         </mc:Choice>
         <mc:Fallback>
           <p:control name="ComboBox1" r:id="rId2" imgW="2381400" imgH="314280">
@@ -43080,7 +43110,7 @@
     <p:controls>
       <mc:AlternateContent xmlns:mc="http://schemas.openxmlformats.org/markup-compatibility/2006">
         <mc:Choice xmlns:v="urn:schemas-microsoft-com:vml" Requires="v">
-          <p:control spid="28748" name="ComboBox1" r:id="rId2" imgW="2362320" imgH="209520"/>
+          <p:control spid="28750" name="ComboBox1" r:id="rId2" imgW="2362320" imgH="209520"/>
         </mc:Choice>
         <mc:Fallback>
           <p:control name="ComboBox1" r:id="rId2" imgW="2362320" imgH="209520">
@@ -45286,7 +45316,7 @@
     <p:controls>
       <mc:AlternateContent xmlns:mc="http://schemas.openxmlformats.org/markup-compatibility/2006">
         <mc:Choice xmlns:v="urn:schemas-microsoft-com:vml" Requires="v">
-          <p:control spid="29846" name="ListBox1" r:id="rId2" imgW="11420640" imgH="752400"/>
+          <p:control spid="29850" name="ListBox1" r:id="rId2" imgW="11420640" imgH="752400"/>
         </mc:Choice>
         <mc:Fallback>
           <p:control name="ListBox1" r:id="rId2" imgW="11420640" imgH="752400">
@@ -45319,7 +45349,7 @@
       </mc:AlternateContent>
       <mc:AlternateContent xmlns:mc="http://schemas.openxmlformats.org/markup-compatibility/2006">
         <mc:Choice xmlns:v="urn:schemas-microsoft-com:vml" Requires="v">
-          <p:control spid="29847" name="ListBox7" r:id="rId3" imgW="2523960" imgH="276120"/>
+          <p:control spid="29851" name="ListBox7" r:id="rId3" imgW="2523960" imgH="276120"/>
         </mc:Choice>
         <mc:Fallback>
           <p:control name="ListBox7" r:id="rId3" imgW="2523960" imgH="276120">
@@ -47731,7 +47761,7 @@
     <p:controls>
       <mc:AlternateContent xmlns:mc="http://schemas.openxmlformats.org/markup-compatibility/2006">
         <mc:Choice xmlns:v="urn:schemas-microsoft-com:vml" Requires="v">
-          <p:control spid="30796" name="ComboBox1" r:id="rId2" imgW="2362320" imgH="209520"/>
+          <p:control spid="30798" name="ComboBox1" r:id="rId2" imgW="2362320" imgH="209520"/>
         </mc:Choice>
         <mc:Fallback>
           <p:control name="ComboBox1" r:id="rId2" imgW="2362320" imgH="209520">
@@ -49136,7 +49166,7 @@
     <p:controls>
       <mc:AlternateContent xmlns:mc="http://schemas.openxmlformats.org/markup-compatibility/2006">
         <mc:Choice xmlns:v="urn:schemas-microsoft-com:vml" Requires="v">
-          <p:control spid="5642" name="ListBox2" r:id="rId2" imgW="2523960" imgH="276120"/>
+          <p:control spid="5650" name="ListBox2" r:id="rId2" imgW="2523960" imgH="276120"/>
         </mc:Choice>
         <mc:Fallback>
           <p:control name="ListBox2" r:id="rId2" imgW="2523960" imgH="276120">
@@ -49169,7 +49199,7 @@
       </mc:AlternateContent>
       <mc:AlternateContent xmlns:mc="http://schemas.openxmlformats.org/markup-compatibility/2006">
         <mc:Choice xmlns:v="urn:schemas-microsoft-com:vml" Requires="v">
-          <p:control spid="5643" name="ListBox4" r:id="rId3" imgW="2523960" imgH="276120"/>
+          <p:control spid="5651" name="ListBox4" r:id="rId3" imgW="2523960" imgH="276120"/>
         </mc:Choice>
         <mc:Fallback>
           <p:control name="ListBox4" r:id="rId3" imgW="2523960" imgH="276120">
@@ -49202,7 +49232,7 @@
       </mc:AlternateContent>
       <mc:AlternateContent xmlns:mc="http://schemas.openxmlformats.org/markup-compatibility/2006">
         <mc:Choice xmlns:v="urn:schemas-microsoft-com:vml" Requires="v">
-          <p:control spid="5644" name="ListBox5" r:id="rId4" imgW="2523960" imgH="276120"/>
+          <p:control spid="5652" name="ListBox5" r:id="rId4" imgW="2523960" imgH="276120"/>
         </mc:Choice>
         <mc:Fallback>
           <p:control name="ListBox5" r:id="rId4" imgW="2523960" imgH="276120">
@@ -49235,7 +49265,7 @@
       </mc:AlternateContent>
       <mc:AlternateContent xmlns:mc="http://schemas.openxmlformats.org/markup-compatibility/2006">
         <mc:Choice xmlns:v="urn:schemas-microsoft-com:vml" Requires="v">
-          <p:control spid="5645" name="ListBox1" r:id="rId5" imgW="2523960" imgH="276120"/>
+          <p:control spid="5653" name="ListBox1" r:id="rId5" imgW="2523960" imgH="276120"/>
         </mc:Choice>
         <mc:Fallback>
           <p:control name="ListBox1" r:id="rId5" imgW="2523960" imgH="276120">
@@ -51252,7 +51282,7 @@
     <p:controls>
       <mc:AlternateContent xmlns:mc="http://schemas.openxmlformats.org/markup-compatibility/2006">
         <mc:Choice xmlns:v="urn:schemas-microsoft-com:vml" Requires="v">
-          <p:control spid="32052" name="ListBox1" r:id="rId2" imgW="11420640" imgH="952560"/>
+          <p:control spid="32062" name="ListBox1" r:id="rId2" imgW="11420640" imgH="952560"/>
         </mc:Choice>
         <mc:Fallback>
           <p:control name="ListBox1" r:id="rId2" imgW="11420640" imgH="952560">
@@ -51285,7 +51315,7 @@
       </mc:AlternateContent>
       <mc:AlternateContent xmlns:mc="http://schemas.openxmlformats.org/markup-compatibility/2006">
         <mc:Choice xmlns:v="urn:schemas-microsoft-com:vml" Requires="v">
-          <p:control spid="32053" name="ListBox7" r:id="rId3" imgW="2523960" imgH="276120"/>
+          <p:control spid="32063" name="ListBox7" r:id="rId3" imgW="2523960" imgH="276120"/>
         </mc:Choice>
         <mc:Fallback>
           <p:control name="ListBox7" r:id="rId3" imgW="2523960" imgH="276120">
@@ -51318,7 +51348,7 @@
       </mc:AlternateContent>
       <mc:AlternateContent xmlns:mc="http://schemas.openxmlformats.org/markup-compatibility/2006">
         <mc:Choice xmlns:v="urn:schemas-microsoft-com:vml" Requires="v">
-          <p:control spid="32054" name="ListBox2" r:id="rId4" imgW="2523960" imgH="276120"/>
+          <p:control spid="32064" name="ListBox2" r:id="rId4" imgW="2523960" imgH="276120"/>
         </mc:Choice>
         <mc:Fallback>
           <p:control name="ListBox2" r:id="rId4" imgW="2523960" imgH="276120">
@@ -51351,7 +51381,7 @@
       </mc:AlternateContent>
       <mc:AlternateContent xmlns:mc="http://schemas.openxmlformats.org/markup-compatibility/2006">
         <mc:Choice xmlns:v="urn:schemas-microsoft-com:vml" Requires="v">
-          <p:control spid="32055" name="ListBox4" r:id="rId5" imgW="2523960" imgH="276120"/>
+          <p:control spid="32065" name="ListBox4" r:id="rId5" imgW="2523960" imgH="276120"/>
         </mc:Choice>
         <mc:Fallback>
           <p:control name="ListBox4" r:id="rId5" imgW="2523960" imgH="276120">
@@ -51384,7 +51414,7 @@
       </mc:AlternateContent>
       <mc:AlternateContent xmlns:mc="http://schemas.openxmlformats.org/markup-compatibility/2006">
         <mc:Choice xmlns:v="urn:schemas-microsoft-com:vml" Requires="v">
-          <p:control spid="32056" name="ListBox5" r:id="rId6" imgW="2523960" imgH="276120"/>
+          <p:control spid="32066" name="ListBox5" r:id="rId6" imgW="2523960" imgH="276120"/>
         </mc:Choice>
         <mc:Fallback>
           <p:control name="ListBox5" r:id="rId6" imgW="2523960" imgH="276120">
@@ -53591,7 +53621,7 @@
     <p:controls>
       <mc:AlternateContent xmlns:mc="http://schemas.openxmlformats.org/markup-compatibility/2006">
         <mc:Choice xmlns:v="urn:schemas-microsoft-com:vml" Requires="v">
-          <p:control spid="7470" name="ComboBox1" r:id="rId2" imgW="1514520" imgH="314280"/>
+          <p:control spid="7476" name="ComboBox1" r:id="rId2" imgW="1514520" imgH="314280"/>
         </mc:Choice>
         <mc:Fallback>
           <p:control name="ComboBox1" r:id="rId2" imgW="1514520" imgH="314280">
@@ -53624,7 +53654,7 @@
       </mc:AlternateContent>
       <mc:AlternateContent xmlns:mc="http://schemas.openxmlformats.org/markup-compatibility/2006">
         <mc:Choice xmlns:v="urn:schemas-microsoft-com:vml" Requires="v">
-          <p:control spid="7471" name="ListBox2" r:id="rId3" imgW="2085840" imgH="295200"/>
+          <p:control spid="7477" name="ListBox2" r:id="rId3" imgW="2085840" imgH="295200"/>
         </mc:Choice>
         <mc:Fallback>
           <p:control name="ListBox2" r:id="rId3" imgW="2085840" imgH="295200">
@@ -53657,7 +53687,7 @@
       </mc:AlternateContent>
       <mc:AlternateContent xmlns:mc="http://schemas.openxmlformats.org/markup-compatibility/2006">
         <mc:Choice xmlns:v="urn:schemas-microsoft-com:vml" Requires="v">
-          <p:control spid="7472" name="ComboBox3" r:id="rId4" imgW="1628640" imgH="295200"/>
+          <p:control spid="7478" name="ComboBox3" r:id="rId4" imgW="1628640" imgH="295200"/>
         </mc:Choice>
         <mc:Fallback>
           <p:control name="ComboBox3" r:id="rId4" imgW="1628640" imgH="295200">
@@ -55450,11 +55480,7 @@
             </a:r>
             <a:r>
               <a:rPr lang="es-MX" sz="1200" dirty="0" smtClean="0"/>
-              <a:t>Monto de </a:t>
-            </a:r>
-            <a:r>
-              <a:rPr lang="es-MX" sz="1200" dirty="0" smtClean="0"/>
-              <a:t>capital </a:t>
+              <a:t>Monto de capital </a:t>
             </a:r>
             <a:r>
               <a:rPr lang="es-MX" sz="1200" dirty="0"/>
@@ -55771,6 +55797,36 @@
               </a:rPr>
               <a:t> Representante legal </a:t>
             </a:r>
+          </a:p>
+        </p:txBody>
+      </p:sp>
+      <p:sp>
+        <p:nvSpPr>
+          <p:cNvPr id="47" name="CuadroTexto 46"/>
+          <p:cNvSpPr txBox="1"/>
+          <p:nvPr/>
+        </p:nvSpPr>
+        <p:spPr>
+          <a:xfrm>
+            <a:off x="7631562" y="656110"/>
+            <a:ext cx="2683750" cy="276999"/>
+          </a:xfrm>
+          <a:prstGeom prst="rect">
+            <a:avLst/>
+          </a:prstGeom>
+          <a:noFill/>
+        </p:spPr>
+        <p:txBody>
+          <a:bodyPr wrap="square" rtlCol="0">
+            <a:spAutoFit/>
+          </a:bodyPr>
+          <a:lstStyle/>
+          <a:p>
+            <a:r>
+              <a:rPr lang="es-MX" sz="1200" dirty="0" smtClean="0"/>
+              <a:t>Días transcurridos:</a:t>
+            </a:r>
+            <a:endParaRPr lang="es-MX" sz="1200" dirty="0"/>
           </a:p>
         </p:txBody>
       </p:sp>

--- a/TAF 092019/Cancelación.pptx
+++ b/TAF 092019/Cancelación.pptx
@@ -261,7 +261,7 @@
 </file>
 
 <file path=ppt/activeX/activeX20.xml><?xml version="1.0" encoding="utf-8"?>
-<ax:ocx xmlns:ax="http://schemas.microsoft.com/office/2006/activeX" xmlns:r="http://schemas.openxmlformats.org/officeDocument/2006/relationships" ax:classid="{8BD21D40-EC42-11CE-9E0D-00AA006002F3}" ax:persistence="persistStorage" r:id="rId1"/>
+<ax:ocx xmlns:ax="http://schemas.microsoft.com/office/2006/activeX" xmlns:r="http://schemas.openxmlformats.org/officeDocument/2006/relationships" ax:classid="{8BD21D20-EC42-11CE-9E0D-00AA006002F3}" ax:persistence="persistStorage" r:id="rId1"/>
 </file>
 
 <file path=ppt/activeX/activeX21.xml><?xml version="1.0" encoding="utf-8"?>
@@ -273,19 +273,19 @@
 </file>
 
 <file path=ppt/activeX/activeX23.xml><?xml version="1.0" encoding="utf-8"?>
+<ax:ocx xmlns:ax="http://schemas.microsoft.com/office/2006/activeX" xmlns:r="http://schemas.openxmlformats.org/officeDocument/2006/relationships" ax:classid="{8BD21D40-EC42-11CE-9E0D-00AA006002F3}" ax:persistence="persistStorage" r:id="rId1"/>
+</file>
+
+<file path=ppt/activeX/activeX24.xml><?xml version="1.0" encoding="utf-8"?>
 <ax:ocx xmlns:ax="http://schemas.microsoft.com/office/2006/activeX" xmlns:r="http://schemas.openxmlformats.org/officeDocument/2006/relationships" ax:classid="{8BD21D30-EC42-11CE-9E0D-00AA006002F3}" ax:persistence="persistStorage" r:id="rId1"/>
 </file>
 
-<file path=ppt/activeX/activeX24.xml><?xml version="1.0" encoding="utf-8"?>
+<file path=ppt/activeX/activeX25.xml><?xml version="1.0" encoding="utf-8"?>
 <ax:ocx xmlns:ax="http://schemas.microsoft.com/office/2006/activeX" xmlns:r="http://schemas.openxmlformats.org/officeDocument/2006/relationships" ax:classid="{8BD21D20-EC42-11CE-9E0D-00AA006002F3}" ax:persistence="persistStorage" r:id="rId1"/>
 </file>
 
-<file path=ppt/activeX/activeX25.xml><?xml version="1.0" encoding="utf-8"?>
+<file path=ppt/activeX/activeX26.xml><?xml version="1.0" encoding="utf-8"?>
 <ax:ocx xmlns:ax="http://schemas.microsoft.com/office/2006/activeX" xmlns:r="http://schemas.openxmlformats.org/officeDocument/2006/relationships" ax:classid="{8BD21D30-EC42-11CE-9E0D-00AA006002F3}" ax:persistence="persistStorage" r:id="rId1"/>
-</file>
-
-<file path=ppt/activeX/activeX26.xml><?xml version="1.0" encoding="utf-8"?>
-<ax:ocx xmlns:ax="http://schemas.microsoft.com/office/2006/activeX" xmlns:r="http://schemas.openxmlformats.org/officeDocument/2006/relationships" ax:classid="{8BD21D20-EC42-11CE-9E0D-00AA006002F3}" ax:persistence="persistStorage" r:id="rId1"/>
 </file>
 
 <file path=ppt/activeX/activeX27.xml><?xml version="1.0" encoding="utf-8"?>
@@ -293,7 +293,7 @@
 </file>
 
 <file path=ppt/activeX/activeX28.xml><?xml version="1.0" encoding="utf-8"?>
-<ax:ocx xmlns:ax="http://schemas.microsoft.com/office/2006/activeX" xmlns:r="http://schemas.openxmlformats.org/officeDocument/2006/relationships" ax:classid="{8BD21D40-EC42-11CE-9E0D-00AA006002F3}" ax:persistence="persistStorage" r:id="rId1"/>
+<ax:ocx xmlns:ax="http://schemas.microsoft.com/office/2006/activeX" xmlns:r="http://schemas.openxmlformats.org/officeDocument/2006/relationships" ax:classid="{8BD21D20-EC42-11CE-9E0D-00AA006002F3}" ax:persistence="persistStorage" r:id="rId1"/>
 </file>
 
 <file path=ppt/activeX/activeX29.xml><?xml version="1.0" encoding="utf-8"?>
@@ -309,7 +309,7 @@
 </file>
 
 <file path=ppt/activeX/activeX31.xml><?xml version="1.0" encoding="utf-8"?>
-<ax:ocx xmlns:ax="http://schemas.microsoft.com/office/2006/activeX" xmlns:r="http://schemas.openxmlformats.org/officeDocument/2006/relationships" ax:classid="{8BD21D20-EC42-11CE-9E0D-00AA006002F3}" ax:persistence="persistStorage" r:id="rId1"/>
+<ax:ocx xmlns:ax="http://schemas.microsoft.com/office/2006/activeX" xmlns:r="http://schemas.openxmlformats.org/officeDocument/2006/relationships" ax:classid="{8BD21D40-EC42-11CE-9E0D-00AA006002F3}" ax:persistence="persistStorage" r:id="rId1"/>
 </file>
 
 <file path=ppt/activeX/activeX32.xml><?xml version="1.0" encoding="utf-8"?>
@@ -317,7 +317,7 @@
 </file>
 
 <file path=ppt/activeX/activeX33.xml><?xml version="1.0" encoding="utf-8"?>
-<ax:ocx xmlns:ax="http://schemas.microsoft.com/office/2006/activeX" xmlns:r="http://schemas.openxmlformats.org/officeDocument/2006/relationships" ax:classid="{8BD21D40-EC42-11CE-9E0D-00AA006002F3}" ax:persistence="persistStorage" r:id="rId1"/>
+<ax:ocx xmlns:ax="http://schemas.microsoft.com/office/2006/activeX" xmlns:r="http://schemas.openxmlformats.org/officeDocument/2006/relationships" ax:classid="{8BD21D20-EC42-11CE-9E0D-00AA006002F3}" ax:persistence="persistStorage" r:id="rId1"/>
 </file>
 
 <file path=ppt/activeX/activeX34.xml><?xml version="1.0" encoding="utf-8"?>
@@ -325,19 +325,19 @@
 </file>
 
 <file path=ppt/activeX/activeX35.xml><?xml version="1.0" encoding="utf-8"?>
+<ax:ocx xmlns:ax="http://schemas.microsoft.com/office/2006/activeX" xmlns:r="http://schemas.openxmlformats.org/officeDocument/2006/relationships" ax:classid="{8BD21D40-EC42-11CE-9E0D-00AA006002F3}" ax:persistence="persistStorage" r:id="rId1"/>
+</file>
+
+<file path=ppt/activeX/activeX36.xml><?xml version="1.0" encoding="utf-8"?>
 <ax:ocx xmlns:ax="http://schemas.microsoft.com/office/2006/activeX" xmlns:r="http://schemas.openxmlformats.org/officeDocument/2006/relationships" ax:classid="{8BD21D30-EC42-11CE-9E0D-00AA006002F3}" ax:persistence="persistStorage" r:id="rId1"/>
 </file>
 
-<file path=ppt/activeX/activeX36.xml><?xml version="1.0" encoding="utf-8"?>
+<file path=ppt/activeX/activeX37.xml><?xml version="1.0" encoding="utf-8"?>
 <ax:ocx xmlns:ax="http://schemas.microsoft.com/office/2006/activeX" xmlns:r="http://schemas.openxmlformats.org/officeDocument/2006/relationships" ax:classid="{8BD21D20-EC42-11CE-9E0D-00AA006002F3}" ax:persistence="persistStorage" r:id="rId1"/>
 </file>
 
-<file path=ppt/activeX/activeX37.xml><?xml version="1.0" encoding="utf-8"?>
+<file path=ppt/activeX/activeX38.xml><?xml version="1.0" encoding="utf-8"?>
 <ax:ocx xmlns:ax="http://schemas.microsoft.com/office/2006/activeX" xmlns:r="http://schemas.openxmlformats.org/officeDocument/2006/relationships" ax:classid="{8BD21D30-EC42-11CE-9E0D-00AA006002F3}" ax:persistence="persistStorage" r:id="rId1"/>
-</file>
-
-<file path=ppt/activeX/activeX38.xml><?xml version="1.0" encoding="utf-8"?>
-<ax:ocx xmlns:ax="http://schemas.microsoft.com/office/2006/activeX" xmlns:r="http://schemas.openxmlformats.org/officeDocument/2006/relationships" ax:classid="{8BD21D20-EC42-11CE-9E0D-00AA006002F3}" ax:persistence="persistStorage" r:id="rId1"/>
 </file>
 
 <file path=ppt/activeX/activeX39.xml><?xml version="1.0" encoding="utf-8"?>
@@ -361,7 +361,7 @@
 </file>
 
 <file path=ppt/activeX/activeX43.xml><?xml version="1.0" encoding="utf-8"?>
-<ax:ocx xmlns:ax="http://schemas.microsoft.com/office/2006/activeX" xmlns:r="http://schemas.openxmlformats.org/officeDocument/2006/relationships" ax:classid="{8BD21D30-EC42-11CE-9E0D-00AA006002F3}" ax:persistence="persistStorage" r:id="rId1"/>
+<ax:ocx xmlns:ax="http://schemas.microsoft.com/office/2006/activeX" xmlns:r="http://schemas.openxmlformats.org/officeDocument/2006/relationships" ax:classid="{8BD21D20-EC42-11CE-9E0D-00AA006002F3}" ax:persistence="persistStorage" r:id="rId1"/>
 </file>
 
 <file path=ppt/activeX/activeX44.xml><?xml version="1.0" encoding="utf-8"?>
@@ -369,11 +369,11 @@
 </file>
 
 <file path=ppt/activeX/activeX45.xml><?xml version="1.0" encoding="utf-8"?>
-<ax:ocx xmlns:ax="http://schemas.microsoft.com/office/2006/activeX" xmlns:r="http://schemas.openxmlformats.org/officeDocument/2006/relationships" ax:classid="{8BD21D20-EC42-11CE-9E0D-00AA006002F3}" ax:persistence="persistStorage" r:id="rId1"/>
+<ax:ocx xmlns:ax="http://schemas.microsoft.com/office/2006/activeX" xmlns:r="http://schemas.openxmlformats.org/officeDocument/2006/relationships" ax:classid="{8BD21D30-EC42-11CE-9E0D-00AA006002F3}" ax:persistence="persistStorage" r:id="rId1"/>
 </file>
 
 <file path=ppt/activeX/activeX46.xml><?xml version="1.0" encoding="utf-8"?>
-<ax:ocx xmlns:ax="http://schemas.microsoft.com/office/2006/activeX" xmlns:r="http://schemas.openxmlformats.org/officeDocument/2006/relationships" ax:classid="{8BD21D30-EC42-11CE-9E0D-00AA006002F3}" ax:persistence="persistStorage" r:id="rId1"/>
+<ax:ocx xmlns:ax="http://schemas.microsoft.com/office/2006/activeX" xmlns:r="http://schemas.openxmlformats.org/officeDocument/2006/relationships" ax:classid="{8BD21D20-EC42-11CE-9E0D-00AA006002F3}" ax:persistence="persistStorage" r:id="rId1"/>
 </file>
 
 <file path=ppt/activeX/activeX47.xml><?xml version="1.0" encoding="utf-8"?>
@@ -381,11 +381,11 @@
 </file>
 
 <file path=ppt/activeX/activeX48.xml><?xml version="1.0" encoding="utf-8"?>
-<ax:ocx xmlns:ax="http://schemas.microsoft.com/office/2006/activeX" xmlns:r="http://schemas.openxmlformats.org/officeDocument/2006/relationships" ax:classid="{8BD21D20-EC42-11CE-9E0D-00AA006002F3}" ax:persistence="persistStorage" r:id="rId1"/>
+<ax:ocx xmlns:ax="http://schemas.microsoft.com/office/2006/activeX" xmlns:r="http://schemas.openxmlformats.org/officeDocument/2006/relationships" ax:classid="{8BD21D30-EC42-11CE-9E0D-00AA006002F3}" ax:persistence="persistStorage" r:id="rId1"/>
 </file>
 
 <file path=ppt/activeX/activeX49.xml><?xml version="1.0" encoding="utf-8"?>
-<ax:ocx xmlns:ax="http://schemas.microsoft.com/office/2006/activeX" xmlns:r="http://schemas.openxmlformats.org/officeDocument/2006/relationships" ax:classid="{8BD21D30-EC42-11CE-9E0D-00AA006002F3}" ax:persistence="persistStorage" r:id="rId1"/>
+<ax:ocx xmlns:ax="http://schemas.microsoft.com/office/2006/activeX" xmlns:r="http://schemas.openxmlformats.org/officeDocument/2006/relationships" ax:classid="{8BD21D20-EC42-11CE-9E0D-00AA006002F3}" ax:persistence="persistStorage" r:id="rId1"/>
 </file>
 
 <file path=ppt/activeX/activeX5.xml><?xml version="1.0" encoding="utf-8"?>
@@ -397,15 +397,15 @@
 </file>
 
 <file path=ppt/activeX/activeX51.xml><?xml version="1.0" encoding="utf-8"?>
+<ax:ocx xmlns:ax="http://schemas.microsoft.com/office/2006/activeX" xmlns:r="http://schemas.openxmlformats.org/officeDocument/2006/relationships" ax:classid="{8BD21D30-EC42-11CE-9E0D-00AA006002F3}" ax:persistence="persistStorage" r:id="rId1"/>
+</file>
+
+<file path=ppt/activeX/activeX52.xml><?xml version="1.0" encoding="utf-8"?>
 <ax:ocx xmlns:ax="http://schemas.microsoft.com/office/2006/activeX" xmlns:r="http://schemas.openxmlformats.org/officeDocument/2006/relationships" ax:classid="{8BD21D20-EC42-11CE-9E0D-00AA006002F3}" ax:persistence="persistStorage" r:id="rId1"/>
 </file>
 
-<file path=ppt/activeX/activeX52.xml><?xml version="1.0" encoding="utf-8"?>
+<file path=ppt/activeX/activeX53.xml><?xml version="1.0" encoding="utf-8"?>
 <ax:ocx xmlns:ax="http://schemas.microsoft.com/office/2006/activeX" xmlns:r="http://schemas.openxmlformats.org/officeDocument/2006/relationships" ax:classid="{8BD21D30-EC42-11CE-9E0D-00AA006002F3}" ax:persistence="persistStorage" r:id="rId1"/>
-</file>
-
-<file path=ppt/activeX/activeX53.xml><?xml version="1.0" encoding="utf-8"?>
-<ax:ocx xmlns:ax="http://schemas.microsoft.com/office/2006/activeX" xmlns:r="http://schemas.openxmlformats.org/officeDocument/2006/relationships" ax:classid="{8BD21D20-EC42-11CE-9E0D-00AA006002F3}" ax:persistence="persistStorage" r:id="rId1"/>
 </file>
 
 <file path=ppt/activeX/activeX54.xml><?xml version="1.0" encoding="utf-8"?>
@@ -425,11 +425,11 @@
 </file>
 
 <file path=ppt/activeX/activeX58.xml><?xml version="1.0" encoding="utf-8"?>
-<ax:ocx xmlns:ax="http://schemas.microsoft.com/office/2006/activeX" xmlns:r="http://schemas.openxmlformats.org/officeDocument/2006/relationships" ax:classid="{8BD21D30-EC42-11CE-9E0D-00AA006002F3}" ax:persistence="persistStorage" r:id="rId1"/>
+<ax:ocx xmlns:ax="http://schemas.microsoft.com/office/2006/activeX" xmlns:r="http://schemas.openxmlformats.org/officeDocument/2006/relationships" ax:classid="{8BD21D20-EC42-11CE-9E0D-00AA006002F3}" ax:persistence="persistStorage" r:id="rId1"/>
 </file>
 
 <file path=ppt/activeX/activeX59.xml><?xml version="1.0" encoding="utf-8"?>
-<ax:ocx xmlns:ax="http://schemas.microsoft.com/office/2006/activeX" xmlns:r="http://schemas.openxmlformats.org/officeDocument/2006/relationships" ax:classid="{8BD21D20-EC42-11CE-9E0D-00AA006002F3}" ax:persistence="persistStorage" r:id="rId1"/>
+<ax:ocx xmlns:ax="http://schemas.microsoft.com/office/2006/activeX" xmlns:r="http://schemas.openxmlformats.org/officeDocument/2006/relationships" ax:classid="{8BD21D30-EC42-11CE-9E0D-00AA006002F3}" ax:persistence="persistStorage" r:id="rId1"/>
 </file>
 
 <file path=ppt/activeX/activeX6.xml><?xml version="1.0" encoding="utf-8"?>
@@ -441,6 +441,10 @@
 </file>
 
 <file path=ppt/activeX/activeX61.xml><?xml version="1.0" encoding="utf-8"?>
+<ax:ocx xmlns:ax="http://schemas.microsoft.com/office/2006/activeX" xmlns:r="http://schemas.openxmlformats.org/officeDocument/2006/relationships" ax:classid="{8BD21D20-EC42-11CE-9E0D-00AA006002F3}" ax:persistence="persistStorage" r:id="rId1"/>
+</file>
+
+<file path=ppt/activeX/activeX62.xml><?xml version="1.0" encoding="utf-8"?>
 <ax:ocx xmlns:ax="http://schemas.microsoft.com/office/2006/activeX" xmlns:r="http://schemas.openxmlformats.org/officeDocument/2006/relationships" ax:classid="{8BD21D30-EC42-11CE-9E0D-00AA006002F3}" ax:persistence="persistStorage" r:id="rId1"/>
 </file>
 
@@ -5144,7 +5148,7 @@
     <p:controls>
       <mc:AlternateContent xmlns:mc="http://schemas.openxmlformats.org/markup-compatibility/2006">
         <mc:Choice xmlns:v="urn:schemas-microsoft-com:vml" Requires="v">
-          <p:control spid="4407" name="ComboBox1" r:id="rId2" imgW="1514520" imgH="314280"/>
+          <p:control spid="4416" name="ComboBox1" r:id="rId2" imgW="1514520" imgH="314280"/>
         </mc:Choice>
         <mc:Fallback>
           <p:control name="ComboBox1" r:id="rId2" imgW="1514520" imgH="314280">
@@ -5177,7 +5181,7 @@
       </mc:AlternateContent>
       <mc:AlternateContent xmlns:mc="http://schemas.openxmlformats.org/markup-compatibility/2006">
         <mc:Choice xmlns:v="urn:schemas-microsoft-com:vml" Requires="v">
-          <p:control spid="4408" name="ListBox2" r:id="rId3" imgW="2085840" imgH="295200"/>
+          <p:control spid="4417" name="ListBox2" r:id="rId3" imgW="2085840" imgH="295200"/>
         </mc:Choice>
         <mc:Fallback>
           <p:control name="ListBox2" r:id="rId3" imgW="2085840" imgH="295200">
@@ -5210,7 +5214,7 @@
       </mc:AlternateContent>
       <mc:AlternateContent xmlns:mc="http://schemas.openxmlformats.org/markup-compatibility/2006">
         <mc:Choice xmlns:v="urn:schemas-microsoft-com:vml" Requires="v">
-          <p:control spid="4409" name="ComboBox3" r:id="rId4" imgW="1628640" imgH="371520"/>
+          <p:control spid="4418" name="ComboBox3" r:id="rId4" imgW="1628640" imgH="371520"/>
         </mc:Choice>
         <mc:Fallback>
           <p:control name="ComboBox3" r:id="rId4" imgW="1628640" imgH="371520">
@@ -5708,20 +5712,176 @@
       </p:sp>
       <p:sp>
         <p:nvSpPr>
-          <p:cNvPr id="50" name="Rectángulo 49"/>
+          <p:cNvPr id="51" name="CuadroTexto 50"/>
+          <p:cNvSpPr txBox="1"/>
+          <p:nvPr/>
+        </p:nvSpPr>
+        <p:spPr>
+          <a:xfrm>
+            <a:off x="186905" y="3289260"/>
+            <a:ext cx="3082834" cy="276999"/>
+          </a:xfrm>
+          <a:prstGeom prst="rect">
+            <a:avLst/>
+          </a:prstGeom>
+          <a:noFill/>
+        </p:spPr>
+        <p:txBody>
+          <a:bodyPr wrap="square" rtlCol="0">
+            <a:spAutoFit/>
+          </a:bodyPr>
+          <a:lstStyle/>
+          <a:p>
+            <a:r>
+              <a:rPr lang="es-MX" sz="1200" dirty="0" smtClean="0"/>
+              <a:t>Días otorgados</a:t>
+            </a:r>
+            <a:endParaRPr lang="es-MX" sz="1200" dirty="0"/>
+          </a:p>
+        </p:txBody>
+      </p:sp>
+      <p:sp>
+        <p:nvSpPr>
+          <p:cNvPr id="53" name="Rectángulo 52"/>
           <p:cNvSpPr/>
           <p:nvPr/>
         </p:nvSpPr>
         <p:spPr>
           <a:xfrm>
-            <a:off x="1746463" y="2905610"/>
+            <a:off x="1726284" y="3299288"/>
+            <a:ext cx="2789778" cy="232873"/>
+          </a:xfrm>
+          <a:prstGeom prst="rect">
+            <a:avLst/>
+          </a:prstGeom>
+          <a:solidFill>
+            <a:schemeClr val="bg1">
+              <a:lumMod val="85000"/>
+            </a:schemeClr>
+          </a:solidFill>
+          <a:ln>
+            <a:solidFill>
+              <a:schemeClr val="bg1">
+                <a:lumMod val="85000"/>
+              </a:schemeClr>
+            </a:solidFill>
+          </a:ln>
+        </p:spPr>
+        <p:style>
+          <a:lnRef idx="2">
+            <a:schemeClr val="accent1">
+              <a:shade val="50000"/>
+            </a:schemeClr>
+          </a:lnRef>
+          <a:fillRef idx="1">
+            <a:schemeClr val="accent1"/>
+          </a:fillRef>
+          <a:effectRef idx="0">
+            <a:schemeClr val="accent1"/>
+          </a:effectRef>
+          <a:fontRef idx="minor">
+            <a:schemeClr val="lt1"/>
+          </a:fontRef>
+        </p:style>
+        <p:txBody>
+          <a:bodyPr rtlCol="0" anchor="ctr"/>
+          <a:lstStyle/>
+          <a:p>
+            <a:pPr algn="ctr"/>
+            <a:r>
+              <a:rPr lang="es-ES" dirty="0" smtClean="0">
+                <a:solidFill>
+                  <a:schemeClr val="tx1"/>
+                </a:solidFill>
+              </a:rPr>
+              <a:t>5</a:t>
+            </a:r>
+            <a:endParaRPr lang="es-ES" dirty="0">
+              <a:solidFill>
+                <a:schemeClr val="tx1"/>
+              </a:solidFill>
+            </a:endParaRPr>
+          </a:p>
+        </p:txBody>
+      </p:sp>
+      <p:sp>
+        <p:nvSpPr>
+          <p:cNvPr id="55" name="CuadroTexto 54"/>
+          <p:cNvSpPr txBox="1"/>
+          <p:nvPr/>
+        </p:nvSpPr>
+        <p:spPr>
+          <a:xfrm>
+            <a:off x="215404" y="4809074"/>
+            <a:ext cx="3082834" cy="276999"/>
+          </a:xfrm>
+          <a:prstGeom prst="rect">
+            <a:avLst/>
+          </a:prstGeom>
+          <a:noFill/>
+        </p:spPr>
+        <p:txBody>
+          <a:bodyPr wrap="square" rtlCol="0">
+            <a:spAutoFit/>
+          </a:bodyPr>
+          <a:lstStyle/>
+          <a:p>
+            <a:r>
+              <a:rPr lang="es-MX" sz="1200" dirty="0" smtClean="0"/>
+              <a:t>Número de oficio </a:t>
+            </a:r>
+            <a:endParaRPr lang="es-MX" sz="1200" dirty="0"/>
+          </a:p>
+        </p:txBody>
+      </p:sp>
+      <p:sp>
+        <p:nvSpPr>
+          <p:cNvPr id="56" name="CuadroTexto 55"/>
+          <p:cNvSpPr txBox="1"/>
+          <p:nvPr/>
+        </p:nvSpPr>
+        <p:spPr>
+          <a:xfrm>
+            <a:off x="4712395" y="4799871"/>
+            <a:ext cx="2284150" cy="461665"/>
+          </a:xfrm>
+          <a:prstGeom prst="rect">
+            <a:avLst/>
+          </a:prstGeom>
+          <a:noFill/>
+        </p:spPr>
+        <p:txBody>
+          <a:bodyPr wrap="square" rtlCol="0">
+            <a:spAutoFit/>
+          </a:bodyPr>
+          <a:lstStyle/>
+          <a:p>
+            <a:r>
+              <a:rPr lang="es-MX" sz="1200" dirty="0" smtClean="0"/>
+              <a:t>Fecha de vencimiento de la prórroga</a:t>
+            </a:r>
+            <a:endParaRPr lang="es-MX" sz="1200" dirty="0"/>
+          </a:p>
+        </p:txBody>
+      </p:sp>
+      <p:sp>
+        <p:nvSpPr>
+          <p:cNvPr id="57" name="Rectángulo 56"/>
+          <p:cNvSpPr/>
+          <p:nvPr/>
+        </p:nvSpPr>
+        <p:spPr>
+          <a:xfrm>
+            <a:off x="6771059" y="4777380"/>
             <a:ext cx="2769599" cy="276999"/>
           </a:xfrm>
           <a:prstGeom prst="rect">
             <a:avLst/>
           </a:prstGeom>
           <a:solidFill>
-            <a:schemeClr val="bg1"/>
+            <a:schemeClr val="bg1">
+              <a:lumMod val="85000"/>
+            </a:schemeClr>
           </a:solidFill>
           <a:ln>
             <a:solidFill>
@@ -5758,44 +5918,14 @@
       </p:sp>
       <p:sp>
         <p:nvSpPr>
-          <p:cNvPr id="51" name="CuadroTexto 50"/>
-          <p:cNvSpPr txBox="1"/>
-          <p:nvPr/>
-        </p:nvSpPr>
-        <p:spPr>
-          <a:xfrm>
-            <a:off x="186905" y="3289260"/>
-            <a:ext cx="3082834" cy="276999"/>
-          </a:xfrm>
-          <a:prstGeom prst="rect">
-            <a:avLst/>
-          </a:prstGeom>
-          <a:noFill/>
-        </p:spPr>
-        <p:txBody>
-          <a:bodyPr wrap="square" rtlCol="0">
-            <a:spAutoFit/>
-          </a:bodyPr>
-          <a:lstStyle/>
-          <a:p>
-            <a:r>
-              <a:rPr lang="es-MX" sz="1200" dirty="0" smtClean="0"/>
-              <a:t>Días otorgados</a:t>
-            </a:r>
-            <a:endParaRPr lang="es-MX" sz="1200" dirty="0"/>
-          </a:p>
-        </p:txBody>
-      </p:sp>
-      <p:sp>
-        <p:nvSpPr>
-          <p:cNvPr id="53" name="Rectángulo 52"/>
+          <p:cNvPr id="58" name="Rectángulo 57"/>
           <p:cNvSpPr/>
           <p:nvPr/>
         </p:nvSpPr>
         <p:spPr>
           <a:xfrm>
-            <a:off x="1726284" y="3299288"/>
-            <a:ext cx="2789778" cy="232873"/>
+            <a:off x="1726284" y="2922637"/>
+            <a:ext cx="2769599" cy="276999"/>
           </a:xfrm>
           <a:prstGeom prst="rect">
             <a:avLst/>
@@ -5808,7 +5938,7 @@
           <a:ln>
             <a:solidFill>
               <a:schemeClr val="bg1">
-                <a:lumMod val="85000"/>
+                <a:lumMod val="95000"/>
               </a:schemeClr>
             </a:solidFill>
           </a:ln>
@@ -5834,15 +5964,93 @@
           <a:lstStyle/>
           <a:p>
             <a:pPr algn="ctr"/>
-            <a:r>
-              <a:rPr lang="es-ES" dirty="0" smtClean="0">
+            <a:endParaRPr lang="es-ES"/>
+          </a:p>
+        </p:txBody>
+      </p:sp>
+      <p:sp>
+        <p:nvSpPr>
+          <p:cNvPr id="60" name="CuadroTexto 59"/>
+          <p:cNvSpPr txBox="1"/>
+          <p:nvPr/>
+        </p:nvSpPr>
+        <p:spPr>
+          <a:xfrm>
+            <a:off x="211053" y="5111960"/>
+            <a:ext cx="3662068" cy="276999"/>
+          </a:xfrm>
+          <a:prstGeom prst="rect">
+            <a:avLst/>
+          </a:prstGeom>
+          <a:noFill/>
+        </p:spPr>
+        <p:txBody>
+          <a:bodyPr wrap="square" rtlCol="0">
+            <a:spAutoFit/>
+          </a:bodyPr>
+          <a:lstStyle/>
+          <a:p>
+            <a:r>
+              <a:rPr lang="es-MX" sz="1200" dirty="0" smtClean="0"/>
+              <a:t>Respuesta de la prórroga </a:t>
+            </a:r>
+            <a:endParaRPr lang="es-MX" sz="1200" dirty="0"/>
+          </a:p>
+        </p:txBody>
+      </p:sp>
+      <p:sp>
+        <p:nvSpPr>
+          <p:cNvPr id="62" name="Rectángulo redondeado 61">
+            <a:hlinkClick r:id="rId5" action="ppaction://hlinksldjump"/>
+          </p:cNvPr>
+          <p:cNvSpPr/>
+          <p:nvPr/>
+        </p:nvSpPr>
+        <p:spPr>
+          <a:xfrm>
+            <a:off x="6802656" y="6213453"/>
+            <a:ext cx="1629634" cy="373782"/>
+          </a:xfrm>
+          <a:prstGeom prst="roundRect">
+            <a:avLst/>
+          </a:prstGeom>
+          <a:solidFill>
+            <a:schemeClr val="accent1">
+              <a:lumMod val="20000"/>
+              <a:lumOff val="80000"/>
+            </a:schemeClr>
+          </a:solidFill>
+        </p:spPr>
+        <p:style>
+          <a:lnRef idx="2">
+            <a:schemeClr val="accent1">
+              <a:shade val="50000"/>
+            </a:schemeClr>
+          </a:lnRef>
+          <a:fillRef idx="1">
+            <a:schemeClr val="accent1"/>
+          </a:fillRef>
+          <a:effectRef idx="0">
+            <a:schemeClr val="accent1"/>
+          </a:effectRef>
+          <a:fontRef idx="minor">
+            <a:schemeClr val="lt1"/>
+          </a:fontRef>
+        </p:style>
+        <p:txBody>
+          <a:bodyPr rtlCol="0" anchor="ctr"/>
+          <a:lstStyle/>
+          <a:p>
+            <a:pPr algn="ctr"/>
+            <a:r>
+              <a:rPr lang="es-MX" sz="1200" dirty="0" smtClean="0">
                 <a:solidFill>
                   <a:schemeClr val="tx1"/>
                 </a:solidFill>
               </a:rPr>
-              <a:t>5</a:t>
-            </a:r>
-            <a:endParaRPr lang="es-ES" dirty="0">
+              <a:t>Firmar</a:t>
+            </a:r>
+            <a:endParaRPr lang="es-MX" sz="1200" dirty="0">
               <a:solidFill>
                 <a:schemeClr val="tx1"/>
               </a:solidFill>
@@ -5852,13 +6060,305 @@
       </p:sp>
       <p:sp>
         <p:nvSpPr>
-          <p:cNvPr id="54" name="Rectángulo 53"/>
+          <p:cNvPr id="63" name="Rectángulo redondeado 62">
+            <a:hlinkClick r:id="rId5" action="ppaction://hlinksldjump"/>
+          </p:cNvPr>
           <p:cNvSpPr/>
           <p:nvPr/>
         </p:nvSpPr>
         <p:spPr>
           <a:xfrm>
-            <a:off x="218766" y="3915898"/>
+            <a:off x="5100722" y="6213453"/>
+            <a:ext cx="1629634" cy="373782"/>
+          </a:xfrm>
+          <a:prstGeom prst="roundRect">
+            <a:avLst/>
+          </a:prstGeom>
+          <a:solidFill>
+            <a:schemeClr val="accent1">
+              <a:lumMod val="20000"/>
+              <a:lumOff val="80000"/>
+            </a:schemeClr>
+          </a:solidFill>
+        </p:spPr>
+        <p:style>
+          <a:lnRef idx="2">
+            <a:schemeClr val="accent1">
+              <a:shade val="50000"/>
+            </a:schemeClr>
+          </a:lnRef>
+          <a:fillRef idx="1">
+            <a:schemeClr val="accent1"/>
+          </a:fillRef>
+          <a:effectRef idx="0">
+            <a:schemeClr val="accent1"/>
+          </a:effectRef>
+          <a:fontRef idx="minor">
+            <a:schemeClr val="lt1"/>
+          </a:fontRef>
+        </p:style>
+        <p:txBody>
+          <a:bodyPr rtlCol="0" anchor="ctr"/>
+          <a:lstStyle/>
+          <a:p>
+            <a:pPr algn="ctr"/>
+            <a:r>
+              <a:rPr lang="es-MX" sz="1200" dirty="0" smtClean="0">
+                <a:solidFill>
+                  <a:schemeClr val="tx1"/>
+                </a:solidFill>
+              </a:rPr>
+              <a:t>Previsualizar</a:t>
+            </a:r>
+            <a:endParaRPr lang="es-MX" sz="1200" dirty="0">
+              <a:solidFill>
+                <a:schemeClr val="tx1"/>
+              </a:solidFill>
+            </a:endParaRPr>
+          </a:p>
+        </p:txBody>
+      </p:sp>
+      <p:sp>
+        <p:nvSpPr>
+          <p:cNvPr id="30" name="Rectángulo redondeado 29">
+            <a:hlinkClick r:id="rId5" action="ppaction://hlinksldjump"/>
+          </p:cNvPr>
+          <p:cNvSpPr/>
+          <p:nvPr/>
+        </p:nvSpPr>
+        <p:spPr>
+          <a:xfrm>
+            <a:off x="3851564" y="6225114"/>
+            <a:ext cx="1161348" cy="373782"/>
+          </a:xfrm>
+          <a:prstGeom prst="roundRect">
+            <a:avLst/>
+          </a:prstGeom>
+          <a:solidFill>
+            <a:schemeClr val="accent1">
+              <a:lumMod val="20000"/>
+              <a:lumOff val="80000"/>
+            </a:schemeClr>
+          </a:solidFill>
+        </p:spPr>
+        <p:style>
+          <a:lnRef idx="2">
+            <a:schemeClr val="accent1">
+              <a:shade val="50000"/>
+            </a:schemeClr>
+          </a:lnRef>
+          <a:fillRef idx="1">
+            <a:schemeClr val="accent1"/>
+          </a:fillRef>
+          <a:effectRef idx="0">
+            <a:schemeClr val="accent1"/>
+          </a:effectRef>
+          <a:fontRef idx="minor">
+            <a:schemeClr val="lt1"/>
+          </a:fontRef>
+        </p:style>
+        <p:txBody>
+          <a:bodyPr rtlCol="0" anchor="ctr"/>
+          <a:lstStyle/>
+          <a:p>
+            <a:pPr algn="ctr"/>
+            <a:r>
+              <a:rPr lang="es-MX" sz="1200" dirty="0" smtClean="0">
+                <a:solidFill>
+                  <a:schemeClr val="tx1"/>
+                </a:solidFill>
+              </a:rPr>
+              <a:t>Guardar</a:t>
+            </a:r>
+            <a:endParaRPr lang="es-MX" sz="1200" dirty="0">
+              <a:solidFill>
+                <a:schemeClr val="tx1"/>
+              </a:solidFill>
+            </a:endParaRPr>
+          </a:p>
+        </p:txBody>
+      </p:sp>
+      <p:sp>
+        <p:nvSpPr>
+          <p:cNvPr id="28" name="CuadroTexto 27"/>
+          <p:cNvSpPr txBox="1"/>
+          <p:nvPr/>
+        </p:nvSpPr>
+        <p:spPr>
+          <a:xfrm>
+            <a:off x="112358" y="437549"/>
+            <a:ext cx="2381317" cy="276999"/>
+          </a:xfrm>
+          <a:prstGeom prst="rect">
+            <a:avLst/>
+          </a:prstGeom>
+          <a:noFill/>
+        </p:spPr>
+        <p:txBody>
+          <a:bodyPr wrap="square" rtlCol="0">
+            <a:spAutoFit/>
+          </a:bodyPr>
+          <a:lstStyle/>
+          <a:p>
+            <a:r>
+              <a:rPr lang="es-MX" sz="1200" dirty="0" smtClean="0"/>
+              <a:t>Número de título de autorización :</a:t>
+            </a:r>
+            <a:endParaRPr lang="es-MX" sz="1200" dirty="0"/>
+          </a:p>
+        </p:txBody>
+      </p:sp>
+      <p:sp>
+        <p:nvSpPr>
+          <p:cNvPr id="32" name="CuadroTexto 31"/>
+          <p:cNvSpPr txBox="1"/>
+          <p:nvPr/>
+        </p:nvSpPr>
+        <p:spPr>
+          <a:xfrm>
+            <a:off x="2691814" y="460367"/>
+            <a:ext cx="2683750" cy="276999"/>
+          </a:xfrm>
+          <a:prstGeom prst="rect">
+            <a:avLst/>
+          </a:prstGeom>
+          <a:noFill/>
+        </p:spPr>
+        <p:txBody>
+          <a:bodyPr wrap="square" rtlCol="0">
+            <a:spAutoFit/>
+          </a:bodyPr>
+          <a:lstStyle/>
+          <a:p>
+            <a:r>
+              <a:rPr lang="es-MX" sz="1200" dirty="0" smtClean="0"/>
+              <a:t>Fecha de inicio de la cancelación:</a:t>
+            </a:r>
+            <a:endParaRPr lang="es-MX" sz="1200" dirty="0"/>
+          </a:p>
+        </p:txBody>
+      </p:sp>
+      <p:sp>
+        <p:nvSpPr>
+          <p:cNvPr id="34" name="CuadroTexto 33"/>
+          <p:cNvSpPr txBox="1"/>
+          <p:nvPr/>
+        </p:nvSpPr>
+        <p:spPr>
+          <a:xfrm>
+            <a:off x="5656685" y="445587"/>
+            <a:ext cx="2683750" cy="276999"/>
+          </a:xfrm>
+          <a:prstGeom prst="rect">
+            <a:avLst/>
+          </a:prstGeom>
+          <a:noFill/>
+        </p:spPr>
+        <p:txBody>
+          <a:bodyPr wrap="square" rtlCol="0">
+            <a:spAutoFit/>
+          </a:bodyPr>
+          <a:lstStyle/>
+          <a:p>
+            <a:r>
+              <a:rPr lang="es-MX" sz="1200" dirty="0" smtClean="0"/>
+              <a:t>Estado:</a:t>
+            </a:r>
+            <a:endParaRPr lang="es-MX" sz="1200" dirty="0"/>
+          </a:p>
+        </p:txBody>
+      </p:sp>
+      <p:sp>
+        <p:nvSpPr>
+          <p:cNvPr id="37" name="CuadroTexto 36"/>
+          <p:cNvSpPr txBox="1"/>
+          <p:nvPr/>
+        </p:nvSpPr>
+        <p:spPr>
+          <a:xfrm>
+            <a:off x="7631562" y="434435"/>
+            <a:ext cx="2683750" cy="276999"/>
+          </a:xfrm>
+          <a:prstGeom prst="rect">
+            <a:avLst/>
+          </a:prstGeom>
+          <a:noFill/>
+        </p:spPr>
+        <p:txBody>
+          <a:bodyPr wrap="square" rtlCol="0">
+            <a:spAutoFit/>
+          </a:bodyPr>
+          <a:lstStyle/>
+          <a:p>
+            <a:r>
+              <a:rPr lang="es-MX" sz="1200" dirty="0" smtClean="0"/>
+              <a:t>Días transcurridos:</a:t>
+            </a:r>
+            <a:endParaRPr lang="es-MX" sz="1200" dirty="0"/>
+          </a:p>
+        </p:txBody>
+      </p:sp>
+      <p:sp>
+        <p:nvSpPr>
+          <p:cNvPr id="35" name="Rectángulo 34"/>
+          <p:cNvSpPr/>
+          <p:nvPr/>
+        </p:nvSpPr>
+        <p:spPr>
+          <a:xfrm>
+            <a:off x="1760692" y="4809073"/>
+            <a:ext cx="2769599" cy="276999"/>
+          </a:xfrm>
+          <a:prstGeom prst="rect">
+            <a:avLst/>
+          </a:prstGeom>
+          <a:solidFill>
+            <a:schemeClr val="bg1">
+              <a:lumMod val="85000"/>
+            </a:schemeClr>
+          </a:solidFill>
+          <a:ln>
+            <a:solidFill>
+              <a:schemeClr val="bg1">
+                <a:lumMod val="95000"/>
+              </a:schemeClr>
+            </a:solidFill>
+          </a:ln>
+        </p:spPr>
+        <p:style>
+          <a:lnRef idx="2">
+            <a:schemeClr val="accent1">
+              <a:shade val="50000"/>
+            </a:schemeClr>
+          </a:lnRef>
+          <a:fillRef idx="1">
+            <a:schemeClr val="accent1"/>
+          </a:fillRef>
+          <a:effectRef idx="0">
+            <a:schemeClr val="accent1"/>
+          </a:effectRef>
+          <a:fontRef idx="minor">
+            <a:schemeClr val="lt1"/>
+          </a:fontRef>
+        </p:style>
+        <p:txBody>
+          <a:bodyPr rtlCol="0" anchor="ctr"/>
+          <a:lstStyle/>
+          <a:p>
+            <a:pPr algn="ctr"/>
+            <a:endParaRPr lang="es-ES"/>
+          </a:p>
+        </p:txBody>
+      </p:sp>
+      <p:sp>
+        <p:nvSpPr>
+          <p:cNvPr id="38" name="Rectángulo 37"/>
+          <p:cNvSpPr/>
+          <p:nvPr/>
+        </p:nvSpPr>
+        <p:spPr>
+          <a:xfrm>
+            <a:off x="288041" y="5384349"/>
             <a:ext cx="11384170" cy="711314"/>
           </a:xfrm>
           <a:prstGeom prst="rect">
@@ -5898,557 +6398,11 @@
           </a:p>
         </p:txBody>
       </p:sp>
-      <p:sp>
-        <p:nvSpPr>
-          <p:cNvPr id="55" name="CuadroTexto 54"/>
-          <p:cNvSpPr txBox="1"/>
-          <p:nvPr/>
-        </p:nvSpPr>
-        <p:spPr>
-          <a:xfrm>
-            <a:off x="215404" y="4809074"/>
-            <a:ext cx="3082834" cy="276999"/>
-          </a:xfrm>
-          <a:prstGeom prst="rect">
-            <a:avLst/>
-          </a:prstGeom>
-          <a:noFill/>
-        </p:spPr>
-        <p:txBody>
-          <a:bodyPr wrap="square" rtlCol="0">
-            <a:spAutoFit/>
-          </a:bodyPr>
-          <a:lstStyle/>
-          <a:p>
-            <a:r>
-              <a:rPr lang="es-MX" sz="1200" dirty="0" smtClean="0"/>
-              <a:t>Número de oficio </a:t>
-            </a:r>
-            <a:endParaRPr lang="es-MX" sz="1200" dirty="0"/>
-          </a:p>
-        </p:txBody>
-      </p:sp>
-      <p:sp>
-        <p:nvSpPr>
-          <p:cNvPr id="56" name="CuadroTexto 55"/>
-          <p:cNvSpPr txBox="1"/>
-          <p:nvPr/>
-        </p:nvSpPr>
-        <p:spPr>
-          <a:xfrm>
-            <a:off x="4712395" y="4799871"/>
-            <a:ext cx="2284150" cy="461665"/>
-          </a:xfrm>
-          <a:prstGeom prst="rect">
-            <a:avLst/>
-          </a:prstGeom>
-          <a:noFill/>
-        </p:spPr>
-        <p:txBody>
-          <a:bodyPr wrap="square" rtlCol="0">
-            <a:spAutoFit/>
-          </a:bodyPr>
-          <a:lstStyle/>
-          <a:p>
-            <a:r>
-              <a:rPr lang="es-MX" sz="1200" dirty="0" smtClean="0"/>
-              <a:t>Fecha de vencimiento de la prórroga</a:t>
-            </a:r>
-            <a:endParaRPr lang="es-MX" sz="1200" dirty="0"/>
-          </a:p>
-        </p:txBody>
-      </p:sp>
-      <p:sp>
-        <p:nvSpPr>
-          <p:cNvPr id="57" name="Rectángulo 56"/>
-          <p:cNvSpPr/>
-          <p:nvPr/>
-        </p:nvSpPr>
-        <p:spPr>
-          <a:xfrm>
-            <a:off x="6771059" y="4777380"/>
-            <a:ext cx="2769599" cy="276999"/>
-          </a:xfrm>
-          <a:prstGeom prst="rect">
-            <a:avLst/>
-          </a:prstGeom>
-          <a:solidFill>
-            <a:schemeClr val="bg1">
-              <a:lumMod val="85000"/>
-            </a:schemeClr>
-          </a:solidFill>
-          <a:ln>
-            <a:solidFill>
-              <a:schemeClr val="bg1">
-                <a:lumMod val="95000"/>
-              </a:schemeClr>
-            </a:solidFill>
-          </a:ln>
-        </p:spPr>
-        <p:style>
-          <a:lnRef idx="2">
-            <a:schemeClr val="accent1">
-              <a:shade val="50000"/>
-            </a:schemeClr>
-          </a:lnRef>
-          <a:fillRef idx="1">
-            <a:schemeClr val="accent1"/>
-          </a:fillRef>
-          <a:effectRef idx="0">
-            <a:schemeClr val="accent1"/>
-          </a:effectRef>
-          <a:fontRef idx="minor">
-            <a:schemeClr val="lt1"/>
-          </a:fontRef>
-        </p:style>
-        <p:txBody>
-          <a:bodyPr rtlCol="0" anchor="ctr"/>
-          <a:lstStyle/>
-          <a:p>
-            <a:pPr algn="ctr"/>
-            <a:endParaRPr lang="es-ES"/>
-          </a:p>
-        </p:txBody>
-      </p:sp>
-      <p:sp>
-        <p:nvSpPr>
-          <p:cNvPr id="58" name="Rectángulo 57"/>
-          <p:cNvSpPr/>
-          <p:nvPr/>
-        </p:nvSpPr>
-        <p:spPr>
-          <a:xfrm>
-            <a:off x="1669737" y="4792309"/>
-            <a:ext cx="2769599" cy="276999"/>
-          </a:xfrm>
-          <a:prstGeom prst="rect">
-            <a:avLst/>
-          </a:prstGeom>
-          <a:solidFill>
-            <a:schemeClr val="bg1">
-              <a:lumMod val="85000"/>
-            </a:schemeClr>
-          </a:solidFill>
-          <a:ln>
-            <a:solidFill>
-              <a:schemeClr val="bg1">
-                <a:lumMod val="95000"/>
-              </a:schemeClr>
-            </a:solidFill>
-          </a:ln>
-        </p:spPr>
-        <p:style>
-          <a:lnRef idx="2">
-            <a:schemeClr val="accent1">
-              <a:shade val="50000"/>
-            </a:schemeClr>
-          </a:lnRef>
-          <a:fillRef idx="1">
-            <a:schemeClr val="accent1"/>
-          </a:fillRef>
-          <a:effectRef idx="0">
-            <a:schemeClr val="accent1"/>
-          </a:effectRef>
-          <a:fontRef idx="minor">
-            <a:schemeClr val="lt1"/>
-          </a:fontRef>
-        </p:style>
-        <p:txBody>
-          <a:bodyPr rtlCol="0" anchor="ctr"/>
-          <a:lstStyle/>
-          <a:p>
-            <a:pPr algn="ctr"/>
-            <a:endParaRPr lang="es-ES"/>
-          </a:p>
-        </p:txBody>
-      </p:sp>
-      <p:sp>
-        <p:nvSpPr>
-          <p:cNvPr id="60" name="CuadroTexto 59"/>
-          <p:cNvSpPr txBox="1"/>
-          <p:nvPr/>
-        </p:nvSpPr>
-        <p:spPr>
-          <a:xfrm>
-            <a:off x="211053" y="5111960"/>
-            <a:ext cx="3662068" cy="276999"/>
-          </a:xfrm>
-          <a:prstGeom prst="rect">
-            <a:avLst/>
-          </a:prstGeom>
-          <a:noFill/>
-        </p:spPr>
-        <p:txBody>
-          <a:bodyPr wrap="square" rtlCol="0">
-            <a:spAutoFit/>
-          </a:bodyPr>
-          <a:lstStyle/>
-          <a:p>
-            <a:r>
-              <a:rPr lang="es-MX" sz="1200" dirty="0" smtClean="0"/>
-              <a:t>Respuesta de la prórroga </a:t>
-            </a:r>
-            <a:endParaRPr lang="es-MX" sz="1200" dirty="0"/>
-          </a:p>
-        </p:txBody>
-      </p:sp>
-      <p:sp>
-        <p:nvSpPr>
-          <p:cNvPr id="61" name="Rectángulo 60"/>
-          <p:cNvSpPr/>
-          <p:nvPr/>
-        </p:nvSpPr>
-        <p:spPr>
-          <a:xfrm>
-            <a:off x="246473" y="5401113"/>
-            <a:ext cx="11384170" cy="583357"/>
-          </a:xfrm>
-          <a:prstGeom prst="rect">
-            <a:avLst/>
-          </a:prstGeom>
-          <a:solidFill>
-            <a:schemeClr val="bg1">
-              <a:lumMod val="85000"/>
-            </a:schemeClr>
-          </a:solidFill>
-          <a:ln>
-            <a:solidFill>
-              <a:schemeClr val="bg1">
-                <a:lumMod val="95000"/>
-              </a:schemeClr>
-            </a:solidFill>
-          </a:ln>
-        </p:spPr>
-        <p:style>
-          <a:lnRef idx="2">
-            <a:schemeClr val="accent1">
-              <a:shade val="50000"/>
-            </a:schemeClr>
-          </a:lnRef>
-          <a:fillRef idx="1">
-            <a:schemeClr val="accent1"/>
-          </a:fillRef>
-          <a:effectRef idx="0">
-            <a:schemeClr val="accent1"/>
-          </a:effectRef>
-          <a:fontRef idx="minor">
-            <a:schemeClr val="lt1"/>
-          </a:fontRef>
-        </p:style>
-        <p:txBody>
-          <a:bodyPr rtlCol="0" anchor="ctr"/>
-          <a:lstStyle/>
-          <a:p>
-            <a:pPr algn="ctr"/>
-            <a:endParaRPr lang="es-ES"/>
-          </a:p>
-        </p:txBody>
-      </p:sp>
-      <p:sp>
-        <p:nvSpPr>
-          <p:cNvPr id="62" name="Rectángulo redondeado 61">
-            <a:hlinkClick r:id="rId4" action="ppaction://hlinksldjump"/>
-          </p:cNvPr>
-          <p:cNvSpPr/>
-          <p:nvPr/>
-        </p:nvSpPr>
-        <p:spPr>
-          <a:xfrm>
-            <a:off x="6802656" y="6158033"/>
-            <a:ext cx="1629634" cy="373782"/>
-          </a:xfrm>
-          <a:prstGeom prst="roundRect">
-            <a:avLst/>
-          </a:prstGeom>
-          <a:solidFill>
-            <a:schemeClr val="accent1">
-              <a:lumMod val="20000"/>
-              <a:lumOff val="80000"/>
-            </a:schemeClr>
-          </a:solidFill>
-        </p:spPr>
-        <p:style>
-          <a:lnRef idx="2">
-            <a:schemeClr val="accent1">
-              <a:shade val="50000"/>
-            </a:schemeClr>
-          </a:lnRef>
-          <a:fillRef idx="1">
-            <a:schemeClr val="accent1"/>
-          </a:fillRef>
-          <a:effectRef idx="0">
-            <a:schemeClr val="accent1"/>
-          </a:effectRef>
-          <a:fontRef idx="minor">
-            <a:schemeClr val="lt1"/>
-          </a:fontRef>
-        </p:style>
-        <p:txBody>
-          <a:bodyPr rtlCol="0" anchor="ctr"/>
-          <a:lstStyle/>
-          <a:p>
-            <a:pPr algn="ctr"/>
-            <a:r>
-              <a:rPr lang="es-MX" sz="1200" dirty="0" smtClean="0">
-                <a:solidFill>
-                  <a:schemeClr val="tx1"/>
-                </a:solidFill>
-              </a:rPr>
-              <a:t>Firmar</a:t>
-            </a:r>
-            <a:endParaRPr lang="es-MX" sz="1200" dirty="0">
-              <a:solidFill>
-                <a:schemeClr val="tx1"/>
-              </a:solidFill>
-            </a:endParaRPr>
-          </a:p>
-        </p:txBody>
-      </p:sp>
-      <p:sp>
-        <p:nvSpPr>
-          <p:cNvPr id="63" name="Rectángulo redondeado 62">
-            <a:hlinkClick r:id="rId4" action="ppaction://hlinksldjump"/>
-          </p:cNvPr>
-          <p:cNvSpPr/>
-          <p:nvPr/>
-        </p:nvSpPr>
-        <p:spPr>
-          <a:xfrm>
-            <a:off x="5100722" y="6158033"/>
-            <a:ext cx="1629634" cy="373782"/>
-          </a:xfrm>
-          <a:prstGeom prst="roundRect">
-            <a:avLst/>
-          </a:prstGeom>
-          <a:solidFill>
-            <a:schemeClr val="accent1">
-              <a:lumMod val="20000"/>
-              <a:lumOff val="80000"/>
-            </a:schemeClr>
-          </a:solidFill>
-        </p:spPr>
-        <p:style>
-          <a:lnRef idx="2">
-            <a:schemeClr val="accent1">
-              <a:shade val="50000"/>
-            </a:schemeClr>
-          </a:lnRef>
-          <a:fillRef idx="1">
-            <a:schemeClr val="accent1"/>
-          </a:fillRef>
-          <a:effectRef idx="0">
-            <a:schemeClr val="accent1"/>
-          </a:effectRef>
-          <a:fontRef idx="minor">
-            <a:schemeClr val="lt1"/>
-          </a:fontRef>
-        </p:style>
-        <p:txBody>
-          <a:bodyPr rtlCol="0" anchor="ctr"/>
-          <a:lstStyle/>
-          <a:p>
-            <a:pPr algn="ctr"/>
-            <a:r>
-              <a:rPr lang="es-MX" sz="1200" dirty="0" smtClean="0">
-                <a:solidFill>
-                  <a:schemeClr val="tx1"/>
-                </a:solidFill>
-              </a:rPr>
-              <a:t>Previsualizar</a:t>
-            </a:r>
-            <a:endParaRPr lang="es-MX" sz="1200" dirty="0">
-              <a:solidFill>
-                <a:schemeClr val="tx1"/>
-              </a:solidFill>
-            </a:endParaRPr>
-          </a:p>
-        </p:txBody>
-      </p:sp>
-      <p:sp>
-        <p:nvSpPr>
-          <p:cNvPr id="30" name="Rectángulo redondeado 29">
-            <a:hlinkClick r:id="rId4" action="ppaction://hlinksldjump"/>
-          </p:cNvPr>
-          <p:cNvSpPr/>
-          <p:nvPr/>
-        </p:nvSpPr>
-        <p:spPr>
-          <a:xfrm>
-            <a:off x="3851564" y="6169694"/>
-            <a:ext cx="1161348" cy="373782"/>
-          </a:xfrm>
-          <a:prstGeom prst="roundRect">
-            <a:avLst/>
-          </a:prstGeom>
-          <a:solidFill>
-            <a:schemeClr val="accent1">
-              <a:lumMod val="20000"/>
-              <a:lumOff val="80000"/>
-            </a:schemeClr>
-          </a:solidFill>
-        </p:spPr>
-        <p:style>
-          <a:lnRef idx="2">
-            <a:schemeClr val="accent1">
-              <a:shade val="50000"/>
-            </a:schemeClr>
-          </a:lnRef>
-          <a:fillRef idx="1">
-            <a:schemeClr val="accent1"/>
-          </a:fillRef>
-          <a:effectRef idx="0">
-            <a:schemeClr val="accent1"/>
-          </a:effectRef>
-          <a:fontRef idx="minor">
-            <a:schemeClr val="lt1"/>
-          </a:fontRef>
-        </p:style>
-        <p:txBody>
-          <a:bodyPr rtlCol="0" anchor="ctr"/>
-          <a:lstStyle/>
-          <a:p>
-            <a:pPr algn="ctr"/>
-            <a:r>
-              <a:rPr lang="es-MX" sz="1200" dirty="0" smtClean="0">
-                <a:solidFill>
-                  <a:schemeClr val="tx1"/>
-                </a:solidFill>
-              </a:rPr>
-              <a:t>Guardar</a:t>
-            </a:r>
-            <a:endParaRPr lang="es-MX" sz="1200" dirty="0">
-              <a:solidFill>
-                <a:schemeClr val="tx1"/>
-              </a:solidFill>
-            </a:endParaRPr>
-          </a:p>
-        </p:txBody>
-      </p:sp>
-      <p:sp>
-        <p:nvSpPr>
-          <p:cNvPr id="28" name="CuadroTexto 27"/>
-          <p:cNvSpPr txBox="1"/>
-          <p:nvPr/>
-        </p:nvSpPr>
-        <p:spPr>
-          <a:xfrm>
-            <a:off x="112358" y="437549"/>
-            <a:ext cx="2381317" cy="276999"/>
-          </a:xfrm>
-          <a:prstGeom prst="rect">
-            <a:avLst/>
-          </a:prstGeom>
-          <a:noFill/>
-        </p:spPr>
-        <p:txBody>
-          <a:bodyPr wrap="square" rtlCol="0">
-            <a:spAutoFit/>
-          </a:bodyPr>
-          <a:lstStyle/>
-          <a:p>
-            <a:r>
-              <a:rPr lang="es-MX" sz="1200" dirty="0" smtClean="0"/>
-              <a:t>Número de título de autorización :</a:t>
-            </a:r>
-            <a:endParaRPr lang="es-MX" sz="1200" dirty="0"/>
-          </a:p>
-        </p:txBody>
-      </p:sp>
-      <p:sp>
-        <p:nvSpPr>
-          <p:cNvPr id="32" name="CuadroTexto 31"/>
-          <p:cNvSpPr txBox="1"/>
-          <p:nvPr/>
-        </p:nvSpPr>
-        <p:spPr>
-          <a:xfrm>
-            <a:off x="2691814" y="460367"/>
-            <a:ext cx="2683750" cy="276999"/>
-          </a:xfrm>
-          <a:prstGeom prst="rect">
-            <a:avLst/>
-          </a:prstGeom>
-          <a:noFill/>
-        </p:spPr>
-        <p:txBody>
-          <a:bodyPr wrap="square" rtlCol="0">
-            <a:spAutoFit/>
-          </a:bodyPr>
-          <a:lstStyle/>
-          <a:p>
-            <a:r>
-              <a:rPr lang="es-MX" sz="1200" dirty="0" smtClean="0"/>
-              <a:t>Fecha de inicio de la cancelación:</a:t>
-            </a:r>
-            <a:endParaRPr lang="es-MX" sz="1200" dirty="0"/>
-          </a:p>
-        </p:txBody>
-      </p:sp>
-      <p:sp>
-        <p:nvSpPr>
-          <p:cNvPr id="34" name="CuadroTexto 33"/>
-          <p:cNvSpPr txBox="1"/>
-          <p:nvPr/>
-        </p:nvSpPr>
-        <p:spPr>
-          <a:xfrm>
-            <a:off x="5656685" y="445587"/>
-            <a:ext cx="2683750" cy="276999"/>
-          </a:xfrm>
-          <a:prstGeom prst="rect">
-            <a:avLst/>
-          </a:prstGeom>
-          <a:noFill/>
-        </p:spPr>
-        <p:txBody>
-          <a:bodyPr wrap="square" rtlCol="0">
-            <a:spAutoFit/>
-          </a:bodyPr>
-          <a:lstStyle/>
-          <a:p>
-            <a:r>
-              <a:rPr lang="es-MX" sz="1200" dirty="0" smtClean="0"/>
-              <a:t>Estado:</a:t>
-            </a:r>
-            <a:endParaRPr lang="es-MX" sz="1200" dirty="0"/>
-          </a:p>
-        </p:txBody>
-      </p:sp>
-      <p:sp>
-        <p:nvSpPr>
-          <p:cNvPr id="37" name="CuadroTexto 36"/>
-          <p:cNvSpPr txBox="1"/>
-          <p:nvPr/>
-        </p:nvSpPr>
-        <p:spPr>
-          <a:xfrm>
-            <a:off x="7631562" y="434435"/>
-            <a:ext cx="2683750" cy="276999"/>
-          </a:xfrm>
-          <a:prstGeom prst="rect">
-            <a:avLst/>
-          </a:prstGeom>
-          <a:noFill/>
-        </p:spPr>
-        <p:txBody>
-          <a:bodyPr wrap="square" rtlCol="0">
-            <a:spAutoFit/>
-          </a:bodyPr>
-          <a:lstStyle/>
-          <a:p>
-            <a:r>
-              <a:rPr lang="es-MX" sz="1200" dirty="0" smtClean="0"/>
-              <a:t>Días transcurridos:</a:t>
-            </a:r>
-            <a:endParaRPr lang="es-MX" sz="1200" dirty="0"/>
-          </a:p>
-        </p:txBody>
-      </p:sp>
     </p:spTree>
     <p:controls>
       <mc:AlternateContent xmlns:mc="http://schemas.openxmlformats.org/markup-compatibility/2006">
         <mc:Choice xmlns:v="urn:schemas-microsoft-com:vml" Requires="v">
-          <p:control spid="8407" name="ListBox2" r:id="rId2" imgW="11430000" imgH="609480"/>
+          <p:control spid="8412" name="ListBox2" r:id="rId2" imgW="11430000" imgH="609480"/>
         </mc:Choice>
         <mc:Fallback>
           <p:control name="ListBox2" r:id="rId2" imgW="11430000" imgH="609480">
@@ -6461,7 +6415,7 @@
                 <p:nvPr/>
               </p:nvPicPr>
               <p:blipFill>
-                <a:blip r:embed="rId5"/>
+                <a:blip r:embed="rId6"/>
                 <a:stretch>
                   <a:fillRect/>
                 </a:stretch>
@@ -6469,6 +6423,39 @@
               <p:spPr>
                 <a:xfrm>
                   <a:off x="169816" y="1727349"/>
+                  <a:ext cx="11432653" cy="609302"/>
+                </a:xfrm>
+                <a:prstGeom prst="rect">
+                  <a:avLst/>
+                </a:prstGeom>
+              </p:spPr>
+            </p:pic>
+          </p:control>
+        </mc:Fallback>
+      </mc:AlternateContent>
+      <mc:AlternateContent xmlns:mc="http://schemas.openxmlformats.org/markup-compatibility/2006">
+        <mc:Choice xmlns:v="urn:schemas-microsoft-com:vml" Requires="v">
+          <p:control spid="8413" name="ListBox1" r:id="rId3" imgW="11430000" imgH="609480"/>
+        </mc:Choice>
+        <mc:Fallback>
+          <p:control name="ListBox1" r:id="rId3" imgW="11430000" imgH="609480">
+            <p:pic>
+              <p:nvPicPr>
+                <p:cNvPr id="40" name="ListBox1"/>
+                <p:cNvPicPr>
+                  <a:picLocks/>
+                </p:cNvPicPr>
+                <p:nvPr/>
+              </p:nvPicPr>
+              <p:blipFill>
+                <a:blip r:embed="rId6"/>
+                <a:stretch>
+                  <a:fillRect/>
+                </a:stretch>
+              </p:blipFill>
+              <p:spPr>
+                <a:xfrm>
+                  <a:off x="215404" y="3930814"/>
                   <a:ext cx="11432653" cy="609302"/>
                 </a:xfrm>
                 <a:prstGeom prst="rect">
@@ -6574,7 +6561,7 @@
         </p:nvSpPr>
         <p:spPr>
           <a:xfrm>
-            <a:off x="3814921" y="1377647"/>
+            <a:off x="5260757" y="1417674"/>
             <a:ext cx="1789216" cy="327841"/>
           </a:xfrm>
           <a:prstGeom prst="roundRect">
@@ -6709,7 +6696,7 @@
         </p:nvSpPr>
         <p:spPr>
           <a:xfrm>
-            <a:off x="414599" y="4295792"/>
+            <a:off x="414599" y="4365067"/>
             <a:ext cx="2561709" cy="276999"/>
           </a:xfrm>
           <a:prstGeom prst="rect">
@@ -6854,7 +6841,7 @@
         </p:nvSpPr>
         <p:spPr>
           <a:xfrm>
-            <a:off x="2293961" y="803135"/>
+            <a:off x="2875856" y="858553"/>
             <a:ext cx="2561709" cy="276999"/>
           </a:xfrm>
           <a:prstGeom prst="rect">
@@ -6885,14 +6872,14 @@
           <p:nvPr>
             <p:extLst>
               <p:ext uri="{D42A27DB-BD31-4B8C-83A1-F6EECF244321}">
-                <p14:modId xmlns:p14="http://schemas.microsoft.com/office/powerpoint/2010/main" val="3183572052"/>
+                <p14:modId xmlns:p14="http://schemas.microsoft.com/office/powerpoint/2010/main" val="2463864553"/>
               </p:ext>
             </p:extLst>
           </p:nvPr>
         </p:nvGraphicFramePr>
         <p:xfrm>
           <a:off x="450182" y="1920480"/>
-          <a:ext cx="9746762" cy="1961564"/>
+          <a:ext cx="11156055" cy="1961564"/>
         </p:xfrm>
         <a:graphic>
           <a:graphicData uri="http://schemas.openxmlformats.org/drawingml/2006/table">
@@ -6901,35 +6888,35 @@
                 <a:tableStyleId>{C083E6E3-FA7D-4D7B-A595-EF9225AFEA82}</a:tableStyleId>
               </a:tblPr>
               <a:tblGrid>
-                <a:gridCol w="1703844">
+                <a:gridCol w="1950204">
                   <a:extLst>
                     <a:ext uri="{9D8B030D-6E8A-4147-A177-3AD203B41FA5}">
                       <a16:colId xmlns:a16="http://schemas.microsoft.com/office/drawing/2014/main" val="1794950014"/>
                     </a:ext>
                   </a:extLst>
                 </a:gridCol>
-                <a:gridCol w="2030047">
+                <a:gridCol w="975661">
                   <a:extLst>
                     <a:ext uri="{9D8B030D-6E8A-4147-A177-3AD203B41FA5}">
                       <a16:colId xmlns:a16="http://schemas.microsoft.com/office/drawing/2014/main" val="585726316"/>
                     </a:ext>
                   </a:extLst>
                 </a:gridCol>
-                <a:gridCol w="1406102">
+                <a:gridCol w="2957324">
                   <a:extLst>
                     <a:ext uri="{9D8B030D-6E8A-4147-A177-3AD203B41FA5}">
                       <a16:colId xmlns:a16="http://schemas.microsoft.com/office/drawing/2014/main" val="3740532052"/>
                     </a:ext>
                   </a:extLst>
                 </a:gridCol>
-                <a:gridCol w="2493744">
+                <a:gridCol w="2854317">
                   <a:extLst>
                     <a:ext uri="{9D8B030D-6E8A-4147-A177-3AD203B41FA5}">
                       <a16:colId xmlns:a16="http://schemas.microsoft.com/office/drawing/2014/main" val="2087492398"/>
                     </a:ext>
                   </a:extLst>
                 </a:gridCol>
-                <a:gridCol w="2113025">
+                <a:gridCol w="2418549">
                   <a:extLst>
                     <a:ext uri="{9D8B030D-6E8A-4147-A177-3AD203B41FA5}">
                       <a16:colId xmlns:a16="http://schemas.microsoft.com/office/drawing/2014/main" val="358821484"/>
@@ -6950,7 +6937,23 @@
                             <a:schemeClr val="tx1"/>
                           </a:solidFill>
                         </a:rPr>
-                        <a:t>Nombre de Documento</a:t>
+                        <a:t>Nombre </a:t>
+                      </a:r>
+                      <a:r>
+                        <a:rPr lang="es-MX" sz="1200" b="0" dirty="0" smtClean="0">
+                          <a:solidFill>
+                            <a:schemeClr val="tx1"/>
+                          </a:solidFill>
+                        </a:rPr>
+                        <a:t>del </a:t>
+                      </a:r>
+                      <a:r>
+                        <a:rPr lang="es-MX" sz="1200" b="0" dirty="0" smtClean="0">
+                          <a:solidFill>
+                            <a:schemeClr val="tx1"/>
+                          </a:solidFill>
+                        </a:rPr>
+                        <a:t>Documento</a:t>
                       </a:r>
                       <a:r>
                         <a:rPr lang="es-MX" sz="1200" b="0" baseline="0" dirty="0" smtClean="0">
@@ -6975,14 +6978,6 @@
                     <a:lstStyle/>
                     <a:p>
                       <a:pPr algn="l"/>
-                      <a:r>
-                        <a:rPr lang="es-MX" sz="1200" b="0" dirty="0" smtClean="0">
-                          <a:solidFill>
-                            <a:schemeClr val="tx1"/>
-                          </a:solidFill>
-                        </a:rPr>
-                        <a:t>Tipo de Documento</a:t>
-                      </a:r>
                       <a:endParaRPr lang="es-MX" sz="1200" b="0" dirty="0">
                         <a:solidFill>
                           <a:schemeClr val="tx1"/>
@@ -7020,8 +7015,21 @@
                             <a:schemeClr val="tx1"/>
                           </a:solidFill>
                         </a:rPr>
-                        <a:t>Fecha de Carga</a:t>
+                        <a:t>Fecha de </a:t>
                       </a:r>
+                      <a:r>
+                        <a:rPr lang="es-MX" sz="1200" b="0" dirty="0" smtClean="0">
+                          <a:solidFill>
+                            <a:schemeClr val="tx1"/>
+                          </a:solidFill>
+                        </a:rPr>
+                        <a:t>Carga del documento</a:t>
+                      </a:r>
+                      <a:endParaRPr lang="es-MX" sz="1200" b="0" dirty="0" smtClean="0">
+                        <a:solidFill>
+                          <a:schemeClr val="tx1"/>
+                        </a:solidFill>
+                      </a:endParaRPr>
                     </a:p>
                     <a:p>
                       <a:pPr algn="l"/>
@@ -7040,14 +7048,11 @@
                     <a:lstStyle/>
                     <a:p>
                       <a:pPr algn="l"/>
-                      <a:r>
-                        <a:rPr lang="es-MX" sz="1200" b="0" dirty="0" smtClean="0">
-                          <a:solidFill>
-                            <a:schemeClr val="tx1"/>
-                          </a:solidFill>
-                        </a:rPr>
-                        <a:t>Comentario</a:t>
-                      </a:r>
+                      <a:endParaRPr lang="es-MX" sz="1200" b="0" dirty="0" smtClean="0">
+                        <a:solidFill>
+                          <a:schemeClr val="tx1"/>
+                        </a:solidFill>
+                      </a:endParaRPr>
                     </a:p>
                   </a:txBody>
                   <a:tcPr/>
@@ -7101,10 +7106,6 @@
                     <a:bodyPr/>
                     <a:lstStyle/>
                     <a:p>
-                      <a:r>
-                        <a:rPr lang="es-MX" sz="1400" dirty="0" smtClean="0"/>
-                        <a:t>Información Contable</a:t>
-                      </a:r>
                       <a:endParaRPr lang="es-MX" sz="1400" dirty="0"/>
                     </a:p>
                   </a:txBody>
@@ -7341,7 +7342,7 @@
         </p:nvSpPr>
         <p:spPr>
           <a:xfrm>
-            <a:off x="5564134" y="824312"/>
+            <a:off x="6547809" y="824312"/>
             <a:ext cx="2561709" cy="276999"/>
           </a:xfrm>
           <a:prstGeom prst="rect">
@@ -7371,7 +7372,7 @@
         </p:nvSpPr>
         <p:spPr>
           <a:xfrm>
-            <a:off x="3965763" y="801027"/>
+            <a:off x="4547658" y="856445"/>
             <a:ext cx="1487533" cy="308301"/>
           </a:xfrm>
           <a:prstGeom prst="roundRect">
@@ -7422,7 +7423,7 @@
         </p:nvSpPr>
         <p:spPr>
           <a:xfrm>
-            <a:off x="7718827" y="807142"/>
+            <a:off x="8702502" y="807142"/>
             <a:ext cx="1487533" cy="308301"/>
           </a:xfrm>
           <a:prstGeom prst="roundRect">
@@ -7477,7 +7478,7 @@
         </p:nvSpPr>
         <p:spPr>
           <a:xfrm>
-            <a:off x="8961597" y="2430273"/>
+            <a:off x="9709746" y="2444128"/>
             <a:ext cx="1104961" cy="303036"/>
           </a:xfrm>
           <a:prstGeom prst="roundRect">
@@ -7537,7 +7538,7 @@
         </p:nvSpPr>
         <p:spPr>
           <a:xfrm>
-            <a:off x="8961597" y="2845631"/>
+            <a:off x="9723601" y="2817921"/>
             <a:ext cx="1104961" cy="303036"/>
           </a:xfrm>
           <a:prstGeom prst="roundRect">
@@ -7597,7 +7598,7 @@
         </p:nvSpPr>
         <p:spPr>
           <a:xfrm>
-            <a:off x="8967292" y="3248540"/>
+            <a:off x="9715441" y="3193120"/>
             <a:ext cx="1104961" cy="303036"/>
           </a:xfrm>
           <a:prstGeom prst="roundRect">
@@ -7717,7 +7718,7 @@
         </p:nvSpPr>
         <p:spPr>
           <a:xfrm>
-            <a:off x="7807657" y="2428851"/>
+            <a:off x="8555806" y="2414996"/>
             <a:ext cx="939238" cy="316877"/>
           </a:xfrm>
           <a:prstGeom prst="roundRect">
@@ -7757,7 +7758,7 @@
                   <a:schemeClr val="tx1"/>
                 </a:solidFill>
               </a:rPr>
-              <a:t>Previsualizar</a:t>
+              <a:t>Visualizar</a:t>
             </a:r>
             <a:endParaRPr lang="es-MX" sz="1000" dirty="0">
               <a:solidFill>
@@ -7777,7 +7778,7 @@
         </p:nvSpPr>
         <p:spPr>
           <a:xfrm>
-            <a:off x="7812367" y="2845631"/>
+            <a:off x="8560516" y="2804066"/>
             <a:ext cx="939238" cy="316877"/>
           </a:xfrm>
           <a:prstGeom prst="roundRect">
@@ -7817,7 +7818,7 @@
                   <a:schemeClr val="tx1"/>
                 </a:solidFill>
               </a:rPr>
-              <a:t>Previsualizar</a:t>
+              <a:t>Visualizar</a:t>
             </a:r>
             <a:endParaRPr lang="es-MX" sz="1000" dirty="0">
               <a:solidFill>
@@ -7837,7 +7838,7 @@
         </p:nvSpPr>
         <p:spPr>
           <a:xfrm>
-            <a:off x="7812367" y="3257360"/>
+            <a:off x="8560516" y="3174230"/>
             <a:ext cx="939238" cy="316877"/>
           </a:xfrm>
           <a:prstGeom prst="roundRect">
@@ -7877,7 +7878,7 @@
                   <a:schemeClr val="tx1"/>
                 </a:solidFill>
               </a:rPr>
-              <a:t>Previsualizar</a:t>
+              <a:t>Visualizar </a:t>
             </a:r>
             <a:endParaRPr lang="es-MX" sz="1000" dirty="0">
               <a:solidFill>
@@ -7951,10 +7952,10 @@
     <p:controls>
       <mc:AlternateContent xmlns:mc="http://schemas.openxmlformats.org/markup-compatibility/2006">
         <mc:Choice xmlns:v="urn:schemas-microsoft-com:vml" Requires="v">
-          <p:control spid="35943" name="ListBox3" r:id="rId2" imgW="11115720" imgH="752400"/>
+          <p:control spid="35947" name="ListBox3" r:id="rId2" imgW="11115720" imgH="847800"/>
         </mc:Choice>
         <mc:Fallback>
-          <p:control name="ListBox3" r:id="rId2" imgW="11115720" imgH="752400">
+          <p:control name="ListBox3" r:id="rId2" imgW="11115720" imgH="847800">
             <p:pic>
               <p:nvPicPr>
                 <p:cNvPr id="34" name="ListBox3"/>
@@ -7972,7 +7973,7 @@
               <p:spPr>
                 <a:xfrm>
                   <a:off x="495163" y="4685589"/>
-                  <a:ext cx="11111075" cy="753373"/>
+                  <a:ext cx="11111075" cy="844236"/>
                 </a:xfrm>
                 <a:prstGeom prst="rect">
                   <a:avLst/>
@@ -8999,7 +9000,7 @@
     <p:controls>
       <mc:AlternateContent xmlns:mc="http://schemas.openxmlformats.org/markup-compatibility/2006">
         <mc:Choice xmlns:v="urn:schemas-microsoft-com:vml" Requires="v">
-          <p:control spid="32937" name="ListBox3" r:id="rId2" imgW="11115720" imgH="695160"/>
+          <p:control spid="32949" name="ListBox3" r:id="rId2" imgW="11115720" imgH="695160"/>
         </mc:Choice>
         <mc:Fallback>
           <p:control name="ListBox3" r:id="rId2" imgW="11115720" imgH="695160">
@@ -9032,7 +9033,7 @@
       </mc:AlternateContent>
       <mc:AlternateContent xmlns:mc="http://schemas.openxmlformats.org/markup-compatibility/2006">
         <mc:Choice xmlns:v="urn:schemas-microsoft-com:vml" Requires="v">
-          <p:control spid="32938" name="CheckBox1" r:id="rId3" imgW="2076480" imgH="419040"/>
+          <p:control spid="32950" name="CheckBox1" r:id="rId3" imgW="2076480" imgH="419040"/>
         </mc:Choice>
         <mc:Fallback>
           <p:control name="CheckBox1" r:id="rId3" imgW="2076480" imgH="419040">
@@ -9065,7 +9066,7 @@
       </mc:AlternateContent>
       <mc:AlternateContent xmlns:mc="http://schemas.openxmlformats.org/markup-compatibility/2006">
         <mc:Choice xmlns:v="urn:schemas-microsoft-com:vml" Requires="v">
-          <p:control spid="32939" name="CheckBox2" r:id="rId4" imgW="2066760" imgH="352440"/>
+          <p:control spid="32951" name="CheckBox2" r:id="rId4" imgW="2066760" imgH="352440"/>
         </mc:Choice>
         <mc:Fallback>
           <p:control name="CheckBox2" r:id="rId4" imgW="2066760" imgH="352440">
@@ -9098,7 +9099,7 @@
       </mc:AlternateContent>
       <mc:AlternateContent xmlns:mc="http://schemas.openxmlformats.org/markup-compatibility/2006">
         <mc:Choice xmlns:v="urn:schemas-microsoft-com:vml" Requires="v">
-          <p:control spid="32940" name="CheckBox5" r:id="rId5" imgW="1990800" imgH="352440"/>
+          <p:control spid="32952" name="CheckBox5" r:id="rId5" imgW="1990800" imgH="352440"/>
         </mc:Choice>
         <mc:Fallback>
           <p:control name="CheckBox5" r:id="rId5" imgW="1990800" imgH="352440">
@@ -10684,7 +10685,7 @@
     <p:controls>
       <mc:AlternateContent xmlns:mc="http://schemas.openxmlformats.org/markup-compatibility/2006">
         <mc:Choice xmlns:v="urn:schemas-microsoft-com:vml" Requires="v">
-          <p:control spid="33893" name="ComboBox1" r:id="rId2" imgW="1514520" imgH="314280"/>
+          <p:control spid="33902" name="ComboBox1" r:id="rId2" imgW="1514520" imgH="314280"/>
         </mc:Choice>
         <mc:Fallback>
           <p:control name="ComboBox1" r:id="rId2" imgW="1514520" imgH="314280">
@@ -10717,7 +10718,7 @@
       </mc:AlternateContent>
       <mc:AlternateContent xmlns:mc="http://schemas.openxmlformats.org/markup-compatibility/2006">
         <mc:Choice xmlns:v="urn:schemas-microsoft-com:vml" Requires="v">
-          <p:control spid="33894" name="ListBox2" r:id="rId3" imgW="2085840" imgH="295200"/>
+          <p:control spid="33903" name="ListBox2" r:id="rId3" imgW="2085840" imgH="295200"/>
         </mc:Choice>
         <mc:Fallback>
           <p:control name="ListBox2" r:id="rId3" imgW="2085840" imgH="295200">
@@ -10750,7 +10751,7 @@
       </mc:AlternateContent>
       <mc:AlternateContent xmlns:mc="http://schemas.openxmlformats.org/markup-compatibility/2006">
         <mc:Choice xmlns:v="urn:schemas-microsoft-com:vml" Requires="v">
-          <p:control spid="33895" name="ComboBox3" r:id="rId4" imgW="1628640" imgH="371520"/>
+          <p:control spid="33904" name="ComboBox3" r:id="rId4" imgW="1628640" imgH="371520"/>
         </mc:Choice>
         <mc:Fallback>
           <p:control name="ComboBox3" r:id="rId4" imgW="1628640" imgH="371520">
@@ -14889,7 +14890,7 @@
     <p:controls>
       <mc:AlternateContent xmlns:mc="http://schemas.openxmlformats.org/markup-compatibility/2006">
         <mc:Choice xmlns:v="urn:schemas-microsoft-com:vml" Requires="v">
-          <p:control spid="10916" name="ListBox1" r:id="rId2" imgW="11325240" imgH="476280"/>
+          <p:control spid="10931" name="ListBox1" r:id="rId2" imgW="11325240" imgH="476280"/>
         </mc:Choice>
         <mc:Fallback>
           <p:control name="ListBox1" r:id="rId2" imgW="11325240" imgH="476280">
@@ -14922,7 +14923,7 @@
       </mc:AlternateContent>
       <mc:AlternateContent xmlns:mc="http://schemas.openxmlformats.org/markup-compatibility/2006">
         <mc:Choice xmlns:v="urn:schemas-microsoft-com:vml" Requires="v">
-          <p:control spid="10917" name="ListBox5" r:id="rId3" imgW="11382480" imgH="380880"/>
+          <p:control spid="10932" name="ListBox5" r:id="rId3" imgW="11382480" imgH="380880"/>
         </mc:Choice>
         <mc:Fallback>
           <p:control name="ListBox5" r:id="rId3" imgW="11382480" imgH="380880">
@@ -14955,7 +14956,7 @@
       </mc:AlternateContent>
       <mc:AlternateContent xmlns:mc="http://schemas.openxmlformats.org/markup-compatibility/2006">
         <mc:Choice xmlns:v="urn:schemas-microsoft-com:vml" Requires="v">
-          <p:control spid="10918" name="CheckBox1" r:id="rId4" imgW="2076480" imgH="419040"/>
+          <p:control spid="10933" name="CheckBox1" r:id="rId4" imgW="2076480" imgH="419040"/>
         </mc:Choice>
         <mc:Fallback>
           <p:control name="CheckBox1" r:id="rId4" imgW="2076480" imgH="419040">
@@ -14988,7 +14989,7 @@
       </mc:AlternateContent>
       <mc:AlternateContent xmlns:mc="http://schemas.openxmlformats.org/markup-compatibility/2006">
         <mc:Choice xmlns:v="urn:schemas-microsoft-com:vml" Requires="v">
-          <p:control spid="10919" name="CheckBox2" r:id="rId5" imgW="2066760" imgH="352440"/>
+          <p:control spid="10934" name="CheckBox2" r:id="rId5" imgW="2066760" imgH="352440"/>
         </mc:Choice>
         <mc:Fallback>
           <p:control name="CheckBox2" r:id="rId5" imgW="2066760" imgH="352440">
@@ -15021,7 +15022,7 @@
       </mc:AlternateContent>
       <mc:AlternateContent xmlns:mc="http://schemas.openxmlformats.org/markup-compatibility/2006">
         <mc:Choice xmlns:v="urn:schemas-microsoft-com:vml" Requires="v">
-          <p:control spid="10920" name="CheckBox5" r:id="rId6" imgW="1990800" imgH="352440"/>
+          <p:control spid="10935" name="CheckBox5" r:id="rId6" imgW="1990800" imgH="352440"/>
         </mc:Choice>
         <mc:Fallback>
           <p:control name="CheckBox5" r:id="rId6" imgW="1990800" imgH="352440">
@@ -16689,7 +16690,7 @@
     <p:controls>
       <mc:AlternateContent xmlns:mc="http://schemas.openxmlformats.org/markup-compatibility/2006">
         <mc:Choice xmlns:v="urn:schemas-microsoft-com:vml" Requires="v">
-          <p:control spid="11691" name="ListBox3" r:id="rId2" imgW="11611080" imgH="666720"/>
+          <p:control spid="11703" name="ListBox3" r:id="rId2" imgW="11611080" imgH="666720"/>
         </mc:Choice>
         <mc:Fallback>
           <p:control name="ListBox3" r:id="rId2" imgW="11611080" imgH="666720">
@@ -16722,7 +16723,7 @@
       </mc:AlternateContent>
       <mc:AlternateContent xmlns:mc="http://schemas.openxmlformats.org/markup-compatibility/2006">
         <mc:Choice xmlns:v="urn:schemas-microsoft-com:vml" Requires="v">
-          <p:control spid="11692" name="ListBox1" r:id="rId3" imgW="11601360" imgH="647640"/>
+          <p:control spid="11704" name="ListBox1" r:id="rId3" imgW="11601360" imgH="647640"/>
         </mc:Choice>
         <mc:Fallback>
           <p:control name="ListBox1" r:id="rId3" imgW="11601360" imgH="647640">
@@ -16755,7 +16756,7 @@
       </mc:AlternateContent>
       <mc:AlternateContent xmlns:mc="http://schemas.openxmlformats.org/markup-compatibility/2006">
         <mc:Choice xmlns:v="urn:schemas-microsoft-com:vml" Requires="v">
-          <p:control spid="11693" name="CheckBox4" r:id="rId4" imgW="847800" imgH="352440"/>
+          <p:control spid="11705" name="CheckBox4" r:id="rId4" imgW="847800" imgH="352440"/>
         </mc:Choice>
         <mc:Fallback>
           <p:control name="CheckBox4" r:id="rId4" imgW="847800" imgH="352440">
@@ -16788,7 +16789,7 @@
       </mc:AlternateContent>
       <mc:AlternateContent xmlns:mc="http://schemas.openxmlformats.org/markup-compatibility/2006">
         <mc:Choice xmlns:v="urn:schemas-microsoft-com:vml" Requires="v">
-          <p:control spid="11694" name="CheckBox5" r:id="rId5" imgW="1076400" imgH="352440"/>
+          <p:control spid="11706" name="CheckBox5" r:id="rId5" imgW="1076400" imgH="352440"/>
         </mc:Choice>
         <mc:Fallback>
           <p:control name="CheckBox5" r:id="rId5" imgW="1076400" imgH="352440">
@@ -18200,7 +18201,7 @@
     <p:controls>
       <mc:AlternateContent xmlns:mc="http://schemas.openxmlformats.org/markup-compatibility/2006">
         <mc:Choice xmlns:v="urn:schemas-microsoft-com:vml" Requires="v">
-          <p:control spid="18728" name="ComboBox1" r:id="rId2" imgW="1380960" imgH="285840"/>
+          <p:control spid="18737" name="ComboBox1" r:id="rId2" imgW="1380960" imgH="285840"/>
         </mc:Choice>
         <mc:Fallback>
           <p:control name="ComboBox1" r:id="rId2" imgW="1380960" imgH="285840">
@@ -18233,7 +18234,7 @@
       </mc:AlternateContent>
       <mc:AlternateContent xmlns:mc="http://schemas.openxmlformats.org/markup-compatibility/2006">
         <mc:Choice xmlns:v="urn:schemas-microsoft-com:vml" Requires="v">
-          <p:control spid="18729" name="ListBox2" r:id="rId3" imgW="2085840" imgH="295200"/>
+          <p:control spid="18738" name="ListBox2" r:id="rId3" imgW="2085840" imgH="295200"/>
         </mc:Choice>
         <mc:Fallback>
           <p:control name="ListBox2" r:id="rId3" imgW="2085840" imgH="295200">
@@ -18266,7 +18267,7 @@
       </mc:AlternateContent>
       <mc:AlternateContent xmlns:mc="http://schemas.openxmlformats.org/markup-compatibility/2006">
         <mc:Choice xmlns:v="urn:schemas-microsoft-com:vml" Requires="v">
-          <p:control spid="18730" name="ComboBox3" r:id="rId4" imgW="1628640" imgH="371520"/>
+          <p:control spid="18739" name="ComboBox3" r:id="rId4" imgW="1628640" imgH="371520"/>
         </mc:Choice>
         <mc:Fallback>
           <p:control name="ComboBox3" r:id="rId4" imgW="1628640" imgH="371520">
@@ -20114,7 +20115,7 @@
     <p:controls>
       <mc:AlternateContent xmlns:mc="http://schemas.openxmlformats.org/markup-compatibility/2006">
         <mc:Choice xmlns:v="urn:schemas-microsoft-com:vml" Requires="v">
-          <p:control spid="19656" name="ListBox1" r:id="rId2" imgW="11420640" imgH="666720"/>
+          <p:control spid="19662" name="ListBox1" r:id="rId2" imgW="11420640" imgH="666720"/>
         </mc:Choice>
         <mc:Fallback>
           <p:control name="ListBox1" r:id="rId2" imgW="11420640" imgH="666720">
@@ -20147,7 +20148,7 @@
       </mc:AlternateContent>
       <mc:AlternateContent xmlns:mc="http://schemas.openxmlformats.org/markup-compatibility/2006">
         <mc:Choice xmlns:v="urn:schemas-microsoft-com:vml" Requires="v">
-          <p:control spid="19657" name="ListBox7" r:id="rId3" imgW="2523960" imgH="247680"/>
+          <p:control spid="19663" name="ListBox7" r:id="rId3" imgW="2523960" imgH="247680"/>
         </mc:Choice>
         <mc:Fallback>
           <p:control name="ListBox7" r:id="rId3" imgW="2523960" imgH="247680">
@@ -23863,7 +23864,7 @@
     <p:controls>
       <mc:AlternateContent xmlns:mc="http://schemas.openxmlformats.org/markup-compatibility/2006">
         <mc:Choice xmlns:v="urn:schemas-microsoft-com:vml" Requires="v">
-          <p:control spid="20779" name="ListBox2" r:id="rId2" imgW="11430000" imgH="380880"/>
+          <p:control spid="20788" name="ListBox2" r:id="rId2" imgW="11430000" imgH="380880"/>
         </mc:Choice>
         <mc:Fallback>
           <p:control name="ListBox2" r:id="rId2" imgW="11430000" imgH="380880">
@@ -23896,7 +23897,7 @@
       </mc:AlternateContent>
       <mc:AlternateContent xmlns:mc="http://schemas.openxmlformats.org/markup-compatibility/2006">
         <mc:Choice xmlns:v="urn:schemas-microsoft-com:vml" Requires="v">
-          <p:control spid="20780" name="ListBox3" r:id="rId3" imgW="10572840" imgH="504720"/>
+          <p:control spid="20789" name="ListBox3" r:id="rId3" imgW="10572840" imgH="504720"/>
         </mc:Choice>
         <mc:Fallback>
           <p:control name="ListBox3" r:id="rId3" imgW="10572840" imgH="504720">
@@ -23929,7 +23930,7 @@
       </mc:AlternateContent>
       <mc:AlternateContent xmlns:mc="http://schemas.openxmlformats.org/markup-compatibility/2006">
         <mc:Choice xmlns:v="urn:schemas-microsoft-com:vml" Requires="v">
-          <p:control spid="20781" name="ListBox1" r:id="rId4" imgW="10572840" imgH="581040"/>
+          <p:control spid="20790" name="ListBox1" r:id="rId4" imgW="10572840" imgH="581040"/>
         </mc:Choice>
         <mc:Fallback>
           <p:control name="ListBox1" r:id="rId4" imgW="10572840" imgH="581040">
@@ -27592,7 +27593,7 @@
     <p:controls>
       <mc:AlternateContent xmlns:mc="http://schemas.openxmlformats.org/markup-compatibility/2006">
         <mc:Choice xmlns:v="urn:schemas-microsoft-com:vml" Requires="v">
-          <p:control spid="21604" name="ComboBox1" r:id="rId2" imgW="2390760" imgH="304920"/>
+          <p:control spid="21607" name="ComboBox1" r:id="rId2" imgW="2390760" imgH="304920"/>
         </mc:Choice>
         <mc:Fallback>
           <p:control name="ComboBox1" r:id="rId2" imgW="2390760" imgH="304920">
@@ -29704,7 +29705,7 @@
     <p:controls>
       <mc:AlternateContent xmlns:mc="http://schemas.openxmlformats.org/markup-compatibility/2006">
         <mc:Choice xmlns:v="urn:schemas-microsoft-com:vml" Requires="v">
-          <p:control spid="23782" name="ComboBox1" r:id="rId2" imgW="1514520" imgH="314280"/>
+          <p:control spid="23791" name="ComboBox1" r:id="rId2" imgW="1514520" imgH="314280"/>
         </mc:Choice>
         <mc:Fallback>
           <p:control name="ComboBox1" r:id="rId2" imgW="1514520" imgH="314280">
@@ -29737,7 +29738,7 @@
       </mc:AlternateContent>
       <mc:AlternateContent xmlns:mc="http://schemas.openxmlformats.org/markup-compatibility/2006">
         <mc:Choice xmlns:v="urn:schemas-microsoft-com:vml" Requires="v">
-          <p:control spid="23783" name="ListBox2" r:id="rId3" imgW="2085840" imgH="295200"/>
+          <p:control spid="23792" name="ListBox2" r:id="rId3" imgW="2085840" imgH="295200"/>
         </mc:Choice>
         <mc:Fallback>
           <p:control name="ListBox2" r:id="rId3" imgW="2085840" imgH="295200">
@@ -29770,7 +29771,7 @@
       </mc:AlternateContent>
       <mc:AlternateContent xmlns:mc="http://schemas.openxmlformats.org/markup-compatibility/2006">
         <mc:Choice xmlns:v="urn:schemas-microsoft-com:vml" Requires="v">
-          <p:control spid="23784" name="ComboBox3" r:id="rId4" imgW="1628640" imgH="371520"/>
+          <p:control spid="23793" name="ComboBox3" r:id="rId4" imgW="1628640" imgH="371520"/>
         </mc:Choice>
         <mc:Fallback>
           <p:control name="ComboBox3" r:id="rId4" imgW="1628640" imgH="371520">
@@ -36509,7 +36510,7 @@
     <p:controls>
       <mc:AlternateContent xmlns:mc="http://schemas.openxmlformats.org/markup-compatibility/2006">
         <mc:Choice xmlns:v="urn:schemas-microsoft-com:vml" Requires="v">
-          <p:control spid="25830" name="ComboBox1" r:id="rId2" imgW="1514520" imgH="314280"/>
+          <p:control spid="25839" name="ComboBox1" r:id="rId2" imgW="1514520" imgH="314280"/>
         </mc:Choice>
         <mc:Fallback>
           <p:control name="ComboBox1" r:id="rId2" imgW="1514520" imgH="314280">
@@ -36542,7 +36543,7 @@
       </mc:AlternateContent>
       <mc:AlternateContent xmlns:mc="http://schemas.openxmlformats.org/markup-compatibility/2006">
         <mc:Choice xmlns:v="urn:schemas-microsoft-com:vml" Requires="v">
-          <p:control spid="25831" name="ListBox2" r:id="rId3" imgW="2085840" imgH="295200"/>
+          <p:control spid="25840" name="ListBox2" r:id="rId3" imgW="2085840" imgH="295200"/>
         </mc:Choice>
         <mc:Fallback>
           <p:control name="ListBox2" r:id="rId3" imgW="2085840" imgH="295200">
@@ -36575,7 +36576,7 @@
       </mc:AlternateContent>
       <mc:AlternateContent xmlns:mc="http://schemas.openxmlformats.org/markup-compatibility/2006">
         <mc:Choice xmlns:v="urn:schemas-microsoft-com:vml" Requires="v">
-          <p:control spid="25832" name="ComboBox3" r:id="rId4" imgW="1628640" imgH="371520"/>
+          <p:control spid="25841" name="ComboBox3" r:id="rId4" imgW="1628640" imgH="371520"/>
         </mc:Choice>
         <mc:Fallback>
           <p:control name="ComboBox3" r:id="rId4" imgW="1628640" imgH="371520">
@@ -38128,7 +38129,7 @@
     <p:controls>
       <mc:AlternateContent xmlns:mc="http://schemas.openxmlformats.org/markup-compatibility/2006">
         <mc:Choice xmlns:v="urn:schemas-microsoft-com:vml" Requires="v">
-          <p:control spid="26854" name="ComboBox1" r:id="rId2" imgW="1514520" imgH="314280"/>
+          <p:control spid="26863" name="ComboBox1" r:id="rId2" imgW="1514520" imgH="314280"/>
         </mc:Choice>
         <mc:Fallback>
           <p:control name="ComboBox1" r:id="rId2" imgW="1514520" imgH="314280">
@@ -38161,7 +38162,7 @@
       </mc:AlternateContent>
       <mc:AlternateContent xmlns:mc="http://schemas.openxmlformats.org/markup-compatibility/2006">
         <mc:Choice xmlns:v="urn:schemas-microsoft-com:vml" Requires="v">
-          <p:control spid="26855" name="ListBox2" r:id="rId3" imgW="2085840" imgH="295200"/>
+          <p:control spid="26864" name="ListBox2" r:id="rId3" imgW="2085840" imgH="295200"/>
         </mc:Choice>
         <mc:Fallback>
           <p:control name="ListBox2" r:id="rId3" imgW="2085840" imgH="295200">
@@ -38194,7 +38195,7 @@
       </mc:AlternateContent>
       <mc:AlternateContent xmlns:mc="http://schemas.openxmlformats.org/markup-compatibility/2006">
         <mc:Choice xmlns:v="urn:schemas-microsoft-com:vml" Requires="v">
-          <p:control spid="26856" name="ComboBox3" r:id="rId4" imgW="1628640" imgH="371520"/>
+          <p:control spid="26865" name="ComboBox3" r:id="rId4" imgW="1628640" imgH="371520"/>
         </mc:Choice>
         <mc:Fallback>
           <p:control name="ComboBox3" r:id="rId4" imgW="1628640" imgH="371520">
@@ -39300,7 +39301,7 @@
     <p:controls>
       <mc:AlternateContent xmlns:mc="http://schemas.openxmlformats.org/markup-compatibility/2006">
         <mc:Choice xmlns:v="urn:schemas-microsoft-com:vml" Requires="v">
-          <p:control spid="28030" name="ListBox3" r:id="rId2" imgW="11420640" imgH="457200"/>
+          <p:control spid="28045" name="ListBox3" r:id="rId2" imgW="11420640" imgH="457200"/>
         </mc:Choice>
         <mc:Fallback>
           <p:control name="ListBox3" r:id="rId2" imgW="11420640" imgH="457200">
@@ -39333,7 +39334,7 @@
       </mc:AlternateContent>
       <mc:AlternateContent xmlns:mc="http://schemas.openxmlformats.org/markup-compatibility/2006">
         <mc:Choice xmlns:v="urn:schemas-microsoft-com:vml" Requires="v">
-          <p:control spid="28031" name="ListBox5" r:id="rId3" imgW="2685960" imgH="276120"/>
+          <p:control spid="28046" name="ListBox5" r:id="rId3" imgW="2685960" imgH="276120"/>
         </mc:Choice>
         <mc:Fallback>
           <p:control name="ListBox5" r:id="rId3" imgW="2685960" imgH="276120">
@@ -39366,7 +39367,7 @@
       </mc:AlternateContent>
       <mc:AlternateContent xmlns:mc="http://schemas.openxmlformats.org/markup-compatibility/2006">
         <mc:Choice xmlns:v="urn:schemas-microsoft-com:vml" Requires="v">
-          <p:control spid="28032" name="ListBox6" r:id="rId4" imgW="2523960" imgH="276120"/>
+          <p:control spid="28047" name="ListBox6" r:id="rId4" imgW="2523960" imgH="276120"/>
         </mc:Choice>
         <mc:Fallback>
           <p:control name="ListBox6" r:id="rId4" imgW="2523960" imgH="276120">
@@ -39399,7 +39400,7 @@
       </mc:AlternateContent>
       <mc:AlternateContent xmlns:mc="http://schemas.openxmlformats.org/markup-compatibility/2006">
         <mc:Choice xmlns:v="urn:schemas-microsoft-com:vml" Requires="v">
-          <p:control spid="28033" name="ListBox7" r:id="rId5" imgW="2523960" imgH="276120"/>
+          <p:control spid="28048" name="ListBox7" r:id="rId5" imgW="2523960" imgH="276120"/>
         </mc:Choice>
         <mc:Fallback>
           <p:control name="ListBox7" r:id="rId5" imgW="2523960" imgH="276120">
@@ -39432,7 +39433,7 @@
       </mc:AlternateContent>
       <mc:AlternateContent xmlns:mc="http://schemas.openxmlformats.org/markup-compatibility/2006">
         <mc:Choice xmlns:v="urn:schemas-microsoft-com:vml" Requires="v">
-          <p:control spid="28034" name="ListBox8" r:id="rId6" imgW="2685960" imgH="276120"/>
+          <p:control spid="28049" name="ListBox8" r:id="rId6" imgW="2685960" imgH="276120"/>
         </mc:Choice>
         <mc:Fallback>
           <p:control name="ListBox8" r:id="rId6" imgW="2685960" imgH="276120">
@@ -40391,7 +40392,7 @@
     <p:controls>
       <mc:AlternateContent xmlns:mc="http://schemas.openxmlformats.org/markup-compatibility/2006">
         <mc:Choice xmlns:v="urn:schemas-microsoft-com:vml" Requires="v">
-          <p:control spid="36886" name="ComboBox1" r:id="rId2" imgW="2381400" imgH="314280"/>
+          <p:control spid="36889" name="ComboBox1" r:id="rId2" imgW="2381400" imgH="314280"/>
         </mc:Choice>
         <mc:Fallback>
           <p:control name="ComboBox1" r:id="rId2" imgW="2381400" imgH="314280">
@@ -43110,7 +43111,7 @@
     <p:controls>
       <mc:AlternateContent xmlns:mc="http://schemas.openxmlformats.org/markup-compatibility/2006">
         <mc:Choice xmlns:v="urn:schemas-microsoft-com:vml" Requires="v">
-          <p:control spid="28750" name="ComboBox1" r:id="rId2" imgW="2362320" imgH="209520"/>
+          <p:control spid="28753" name="ComboBox1" r:id="rId2" imgW="2362320" imgH="209520"/>
         </mc:Choice>
         <mc:Fallback>
           <p:control name="ComboBox1" r:id="rId2" imgW="2362320" imgH="209520">
@@ -45316,7 +45317,7 @@
     <p:controls>
       <mc:AlternateContent xmlns:mc="http://schemas.openxmlformats.org/markup-compatibility/2006">
         <mc:Choice xmlns:v="urn:schemas-microsoft-com:vml" Requires="v">
-          <p:control spid="29850" name="ListBox1" r:id="rId2" imgW="11420640" imgH="752400"/>
+          <p:control spid="29856" name="ListBox1" r:id="rId2" imgW="11420640" imgH="752400"/>
         </mc:Choice>
         <mc:Fallback>
           <p:control name="ListBox1" r:id="rId2" imgW="11420640" imgH="752400">
@@ -45349,7 +45350,7 @@
       </mc:AlternateContent>
       <mc:AlternateContent xmlns:mc="http://schemas.openxmlformats.org/markup-compatibility/2006">
         <mc:Choice xmlns:v="urn:schemas-microsoft-com:vml" Requires="v">
-          <p:control spid="29851" name="ListBox7" r:id="rId3" imgW="2523960" imgH="276120"/>
+          <p:control spid="29857" name="ListBox7" r:id="rId3" imgW="2523960" imgH="276120"/>
         </mc:Choice>
         <mc:Fallback>
           <p:control name="ListBox7" r:id="rId3" imgW="2523960" imgH="276120">
@@ -47761,7 +47762,7 @@
     <p:controls>
       <mc:AlternateContent xmlns:mc="http://schemas.openxmlformats.org/markup-compatibility/2006">
         <mc:Choice xmlns:v="urn:schemas-microsoft-com:vml" Requires="v">
-          <p:control spid="30798" name="ComboBox1" r:id="rId2" imgW="2362320" imgH="209520"/>
+          <p:control spid="30801" name="ComboBox1" r:id="rId2" imgW="2362320" imgH="209520"/>
         </mc:Choice>
         <mc:Fallback>
           <p:control name="ComboBox1" r:id="rId2" imgW="2362320" imgH="209520">
@@ -49166,7 +49167,7 @@
     <p:controls>
       <mc:AlternateContent xmlns:mc="http://schemas.openxmlformats.org/markup-compatibility/2006">
         <mc:Choice xmlns:v="urn:schemas-microsoft-com:vml" Requires="v">
-          <p:control spid="5650" name="ListBox2" r:id="rId2" imgW="2523960" imgH="276120"/>
+          <p:control spid="5662" name="ListBox2" r:id="rId2" imgW="2523960" imgH="276120"/>
         </mc:Choice>
         <mc:Fallback>
           <p:control name="ListBox2" r:id="rId2" imgW="2523960" imgH="276120">
@@ -49199,7 +49200,7 @@
       </mc:AlternateContent>
       <mc:AlternateContent xmlns:mc="http://schemas.openxmlformats.org/markup-compatibility/2006">
         <mc:Choice xmlns:v="urn:schemas-microsoft-com:vml" Requires="v">
-          <p:control spid="5651" name="ListBox4" r:id="rId3" imgW="2523960" imgH="276120"/>
+          <p:control spid="5663" name="ListBox4" r:id="rId3" imgW="2523960" imgH="276120"/>
         </mc:Choice>
         <mc:Fallback>
           <p:control name="ListBox4" r:id="rId3" imgW="2523960" imgH="276120">
@@ -49232,7 +49233,7 @@
       </mc:AlternateContent>
       <mc:AlternateContent xmlns:mc="http://schemas.openxmlformats.org/markup-compatibility/2006">
         <mc:Choice xmlns:v="urn:schemas-microsoft-com:vml" Requires="v">
-          <p:control spid="5652" name="ListBox5" r:id="rId4" imgW="2523960" imgH="276120"/>
+          <p:control spid="5664" name="ListBox5" r:id="rId4" imgW="2523960" imgH="276120"/>
         </mc:Choice>
         <mc:Fallback>
           <p:control name="ListBox5" r:id="rId4" imgW="2523960" imgH="276120">
@@ -49265,7 +49266,7 @@
       </mc:AlternateContent>
       <mc:AlternateContent xmlns:mc="http://schemas.openxmlformats.org/markup-compatibility/2006">
         <mc:Choice xmlns:v="urn:schemas-microsoft-com:vml" Requires="v">
-          <p:control spid="5653" name="ListBox1" r:id="rId5" imgW="2523960" imgH="276120"/>
+          <p:control spid="5665" name="ListBox1" r:id="rId5" imgW="2523960" imgH="276120"/>
         </mc:Choice>
         <mc:Fallback>
           <p:control name="ListBox1" r:id="rId5" imgW="2523960" imgH="276120">
@@ -51282,7 +51283,7 @@
     <p:controls>
       <mc:AlternateContent xmlns:mc="http://schemas.openxmlformats.org/markup-compatibility/2006">
         <mc:Choice xmlns:v="urn:schemas-microsoft-com:vml" Requires="v">
-          <p:control spid="32062" name="ListBox1" r:id="rId2" imgW="11420640" imgH="952560"/>
+          <p:control spid="32077" name="ListBox1" r:id="rId2" imgW="11420640" imgH="952560"/>
         </mc:Choice>
         <mc:Fallback>
           <p:control name="ListBox1" r:id="rId2" imgW="11420640" imgH="952560">
@@ -51315,7 +51316,7 @@
       </mc:AlternateContent>
       <mc:AlternateContent xmlns:mc="http://schemas.openxmlformats.org/markup-compatibility/2006">
         <mc:Choice xmlns:v="urn:schemas-microsoft-com:vml" Requires="v">
-          <p:control spid="32063" name="ListBox7" r:id="rId3" imgW="2523960" imgH="276120"/>
+          <p:control spid="32078" name="ListBox7" r:id="rId3" imgW="2523960" imgH="276120"/>
         </mc:Choice>
         <mc:Fallback>
           <p:control name="ListBox7" r:id="rId3" imgW="2523960" imgH="276120">
@@ -51348,7 +51349,7 @@
       </mc:AlternateContent>
       <mc:AlternateContent xmlns:mc="http://schemas.openxmlformats.org/markup-compatibility/2006">
         <mc:Choice xmlns:v="urn:schemas-microsoft-com:vml" Requires="v">
-          <p:control spid="32064" name="ListBox2" r:id="rId4" imgW="2523960" imgH="276120"/>
+          <p:control spid="32079" name="ListBox2" r:id="rId4" imgW="2523960" imgH="276120"/>
         </mc:Choice>
         <mc:Fallback>
           <p:control name="ListBox2" r:id="rId4" imgW="2523960" imgH="276120">
@@ -51381,7 +51382,7 @@
       </mc:AlternateContent>
       <mc:AlternateContent xmlns:mc="http://schemas.openxmlformats.org/markup-compatibility/2006">
         <mc:Choice xmlns:v="urn:schemas-microsoft-com:vml" Requires="v">
-          <p:control spid="32065" name="ListBox4" r:id="rId5" imgW="2523960" imgH="276120"/>
+          <p:control spid="32080" name="ListBox4" r:id="rId5" imgW="2523960" imgH="276120"/>
         </mc:Choice>
         <mc:Fallback>
           <p:control name="ListBox4" r:id="rId5" imgW="2523960" imgH="276120">
@@ -51414,7 +51415,7 @@
       </mc:AlternateContent>
       <mc:AlternateContent xmlns:mc="http://schemas.openxmlformats.org/markup-compatibility/2006">
         <mc:Choice xmlns:v="urn:schemas-microsoft-com:vml" Requires="v">
-          <p:control spid="32066" name="ListBox5" r:id="rId6" imgW="2523960" imgH="276120"/>
+          <p:control spid="32081" name="ListBox5" r:id="rId6" imgW="2523960" imgH="276120"/>
         </mc:Choice>
         <mc:Fallback>
           <p:control name="ListBox5" r:id="rId6" imgW="2523960" imgH="276120">
@@ -53621,7 +53622,7 @@
     <p:controls>
       <mc:AlternateContent xmlns:mc="http://schemas.openxmlformats.org/markup-compatibility/2006">
         <mc:Choice xmlns:v="urn:schemas-microsoft-com:vml" Requires="v">
-          <p:control spid="7476" name="ComboBox1" r:id="rId2" imgW="1514520" imgH="314280"/>
+          <p:control spid="7485" name="ComboBox1" r:id="rId2" imgW="1514520" imgH="314280"/>
         </mc:Choice>
         <mc:Fallback>
           <p:control name="ComboBox1" r:id="rId2" imgW="1514520" imgH="314280">
@@ -53654,7 +53655,7 @@
       </mc:AlternateContent>
       <mc:AlternateContent xmlns:mc="http://schemas.openxmlformats.org/markup-compatibility/2006">
         <mc:Choice xmlns:v="urn:schemas-microsoft-com:vml" Requires="v">
-          <p:control spid="7477" name="ListBox2" r:id="rId3" imgW="2085840" imgH="295200"/>
+          <p:control spid="7486" name="ListBox2" r:id="rId3" imgW="2085840" imgH="295200"/>
         </mc:Choice>
         <mc:Fallback>
           <p:control name="ListBox2" r:id="rId3" imgW="2085840" imgH="295200">
@@ -53687,7 +53688,7 @@
       </mc:AlternateContent>
       <mc:AlternateContent xmlns:mc="http://schemas.openxmlformats.org/markup-compatibility/2006">
         <mc:Choice xmlns:v="urn:schemas-microsoft-com:vml" Requires="v">
-          <p:control spid="7478" name="ComboBox3" r:id="rId4" imgW="1628640" imgH="295200"/>
+          <p:control spid="7487" name="ComboBox3" r:id="rId4" imgW="1628640" imgH="295200"/>
         </mc:Choice>
         <mc:Fallback>
           <p:control name="ComboBox3" r:id="rId4" imgW="1628640" imgH="295200">
